--- a/Documentacion/Entregas/Presentacion/Presentacion.pptx
+++ b/Documentacion/Entregas/Presentacion/Presentacion.pptx
@@ -10,20 +10,24 @@
     <p:sldId id="275" r:id="rId4"/>
     <p:sldId id="276" r:id="rId5"/>
     <p:sldId id="277" r:id="rId6"/>
-    <p:sldId id="261" r:id="rId7"/>
-    <p:sldId id="260" r:id="rId8"/>
-    <p:sldId id="266" r:id="rId9"/>
-    <p:sldId id="272" r:id="rId10"/>
-    <p:sldId id="262" r:id="rId11"/>
-    <p:sldId id="265" r:id="rId12"/>
-    <p:sldId id="263" r:id="rId13"/>
-    <p:sldId id="264" r:id="rId14"/>
-    <p:sldId id="259" r:id="rId15"/>
-    <p:sldId id="267" r:id="rId16"/>
-    <p:sldId id="273" r:id="rId17"/>
-    <p:sldId id="274" r:id="rId18"/>
-    <p:sldId id="268" r:id="rId19"/>
-    <p:sldId id="269" r:id="rId20"/>
+    <p:sldId id="278" r:id="rId7"/>
+    <p:sldId id="279" r:id="rId8"/>
+    <p:sldId id="280" r:id="rId9"/>
+    <p:sldId id="281" r:id="rId10"/>
+    <p:sldId id="261" r:id="rId11"/>
+    <p:sldId id="260" r:id="rId12"/>
+    <p:sldId id="266" r:id="rId13"/>
+    <p:sldId id="272" r:id="rId14"/>
+    <p:sldId id="262" r:id="rId15"/>
+    <p:sldId id="265" r:id="rId16"/>
+    <p:sldId id="263" r:id="rId17"/>
+    <p:sldId id="264" r:id="rId18"/>
+    <p:sldId id="259" r:id="rId19"/>
+    <p:sldId id="267" r:id="rId20"/>
+    <p:sldId id="273" r:id="rId21"/>
+    <p:sldId id="274" r:id="rId22"/>
+    <p:sldId id="268" r:id="rId23"/>
+    <p:sldId id="269" r:id="rId24"/>
   </p:sldIdLst>
   <p:sldSz cx="9144000" cy="6858000" type="screen4x3"/>
   <p:notesSz cx="6858000" cy="9144000"/>
@@ -3982,11 +3986,7 @@
             </a:pPr>
             <a:r>
               <a:rPr lang="es-UY" dirty="0" smtClean="0"/>
-              <a:t> </a:t>
-            </a:r>
-            <a:r>
-              <a:rPr lang="es-UY" dirty="0" smtClean="0"/>
-              <a:t>Andrés </a:t>
+              <a:t> Andrés </a:t>
             </a:r>
             <a:r>
               <a:rPr lang="es-UY" dirty="0" err="1" smtClean="0"/>
@@ -4016,11 +4016,7 @@
             </a:pPr>
             <a:r>
               <a:rPr lang="es-UY" dirty="0" smtClean="0"/>
-              <a:t>Mauricio </a:t>
-            </a:r>
-            <a:r>
-              <a:rPr lang="es-UY" dirty="0" smtClean="0"/>
-              <a:t>Rodríguez</a:t>
+              <a:t>Mauricio Rodríguez</a:t>
             </a:r>
           </a:p>
           <a:p>
@@ -4134,2249 +4130,6 @@
 </file>
 
 <file path=ppt/slides/slide10.xml><?xml version="1.0" encoding="utf-8"?>
-<p:sld xmlns:a="http://schemas.openxmlformats.org/drawingml/2006/main" xmlns:r="http://schemas.openxmlformats.org/officeDocument/2006/relationships" xmlns:p="http://schemas.openxmlformats.org/presentationml/2006/main">
-  <p:cSld>
-    <p:spTree>
-      <p:nvGrpSpPr>
-        <p:cNvPr id="1" name=""/>
-        <p:cNvGrpSpPr/>
-        <p:nvPr/>
-      </p:nvGrpSpPr>
-      <p:grpSpPr>
-        <a:xfrm>
-          <a:off x="0" y="0"/>
-          <a:ext cx="0" cy="0"/>
-          <a:chOff x="0" y="0"/>
-          <a:chExt cx="0" cy="0"/>
-        </a:xfrm>
-      </p:grpSpPr>
-      <p:sp>
-        <p:nvSpPr>
-          <p:cNvPr id="2" name="1 Título"/>
-          <p:cNvSpPr>
-            <a:spLocks noGrp="1"/>
-          </p:cNvSpPr>
-          <p:nvPr>
-            <p:ph type="title"/>
-          </p:nvPr>
-        </p:nvSpPr>
-        <p:spPr/>
-        <p:txBody>
-          <a:bodyPr>
-            <a:normAutofit fontScale="90000"/>
-          </a:bodyPr>
-          <a:lstStyle/>
-          <a:p>
-            <a:r>
-              <a:rPr lang="es-UY" dirty="0" smtClean="0"/>
-              <a:t>Prototipo de la aplicación y Arquitectura</a:t>
-            </a:r>
-            <a:endParaRPr lang="es-UY" dirty="0"/>
-          </a:p>
-        </p:txBody>
-      </p:sp>
-      <p:sp>
-        <p:nvSpPr>
-          <p:cNvPr id="3" name="2 Marcador de contenido"/>
-          <p:cNvSpPr>
-            <a:spLocks noGrp="1"/>
-          </p:cNvSpPr>
-          <p:nvPr>
-            <p:ph idx="1"/>
-          </p:nvPr>
-        </p:nvSpPr>
-        <p:spPr/>
-        <p:txBody>
-          <a:bodyPr/>
-          <a:lstStyle/>
-          <a:p>
-            <a:r>
-              <a:rPr lang="es-UY" dirty="0" smtClean="0"/>
-              <a:t>Estilos arquitectónico</a:t>
-            </a:r>
-          </a:p>
-          <a:p>
-            <a:pPr lvl="1"/>
-            <a:r>
-              <a:rPr lang="es-UY" dirty="0" smtClean="0"/>
-              <a:t>Capa de presentación</a:t>
-            </a:r>
-          </a:p>
-          <a:p>
-            <a:pPr lvl="1"/>
-            <a:r>
-              <a:rPr lang="es-UY" dirty="0" smtClean="0"/>
-              <a:t>Capa de negocio</a:t>
-            </a:r>
-          </a:p>
-          <a:p>
-            <a:pPr lvl="1"/>
-            <a:r>
-              <a:rPr lang="es-UY" dirty="0" smtClean="0"/>
-              <a:t>Capa de persistencia</a:t>
-            </a:r>
-          </a:p>
-          <a:p>
-            <a:endParaRPr lang="en-US" dirty="0" smtClean="0"/>
-          </a:p>
-          <a:p>
-            <a:endParaRPr lang="es-UY" dirty="0" smtClean="0"/>
-          </a:p>
-          <a:p>
-            <a:r>
-              <a:rPr lang="es-UY" dirty="0" smtClean="0"/>
-              <a:t>Escenarios de </a:t>
-            </a:r>
-            <a:r>
-              <a:rPr lang="es-UY" dirty="0" err="1" smtClean="0"/>
-              <a:t>deployment</a:t>
-            </a:r>
-            <a:endParaRPr lang="es-UY" dirty="0" smtClean="0"/>
-          </a:p>
-          <a:p>
-            <a:pPr lvl="1"/>
-            <a:r>
-              <a:rPr lang="es-UY" dirty="0" smtClean="0"/>
-              <a:t>Escenario de desarrollo</a:t>
-            </a:r>
-          </a:p>
-          <a:p>
-            <a:pPr lvl="1"/>
-            <a:r>
-              <a:rPr lang="es-UY" dirty="0" smtClean="0"/>
-              <a:t>Escenario de producción</a:t>
-            </a:r>
-          </a:p>
-          <a:p>
-            <a:endParaRPr lang="es-UY" dirty="0" smtClean="0"/>
-          </a:p>
-          <a:p>
-            <a:endParaRPr lang="es-UY" dirty="0"/>
-          </a:p>
-        </p:txBody>
-      </p:sp>
-      <p:pic>
-        <p:nvPicPr>
-          <p:cNvPr id="10242" name="Picture 2" descr="http://www.geek.com.mx/wp-content/uploads/2012/07/medium_megin_legos.jpg"/>
-          <p:cNvPicPr>
-            <a:picLocks noChangeAspect="1" noChangeArrowheads="1"/>
-          </p:cNvPicPr>
-          <p:nvPr/>
-        </p:nvPicPr>
-        <p:blipFill>
-          <a:blip r:embed="rId2" cstate="print"/>
-          <a:srcRect/>
-          <a:stretch>
-            <a:fillRect/>
-          </a:stretch>
-        </p:blipFill>
-        <p:spPr bwMode="auto">
-          <a:xfrm>
-            <a:off x="4932040" y="1772816"/>
-            <a:ext cx="3801977" cy="2847603"/>
-          </a:xfrm>
-          <a:prstGeom prst="rect">
-            <a:avLst/>
-          </a:prstGeom>
-          <a:noFill/>
-          <a:ln w="0" cap="rnd">
-            <a:solidFill>
-              <a:schemeClr val="tx1"/>
-            </a:solidFill>
-          </a:ln>
-          <a:effectLst>
-            <a:outerShdw blurRad="177800" dir="3600000" sx="101000" sy="101000" algn="ctr" rotWithShape="0">
-              <a:srgbClr val="000000">
-                <a:alpha val="76000"/>
-              </a:srgbClr>
-            </a:outerShdw>
-          </a:effectLst>
-        </p:spPr>
-      </p:pic>
-    </p:spTree>
-  </p:cSld>
-  <p:clrMapOvr>
-    <a:masterClrMapping/>
-  </p:clrMapOvr>
-  <p:timing>
-    <p:tnLst>
-      <p:par>
-        <p:cTn id="1" dur="indefinite" restart="never" nodeType="tmRoot"/>
-      </p:par>
-    </p:tnLst>
-  </p:timing>
-</p:sld>
-</file>
-
-<file path=ppt/slides/slide11.xml><?xml version="1.0" encoding="utf-8"?>
-<p:sld xmlns:a="http://schemas.openxmlformats.org/drawingml/2006/main" xmlns:r="http://schemas.openxmlformats.org/officeDocument/2006/relationships" xmlns:p="http://schemas.openxmlformats.org/presentationml/2006/main">
-  <p:cSld>
-    <p:spTree>
-      <p:nvGrpSpPr>
-        <p:cNvPr id="1" name=""/>
-        <p:cNvGrpSpPr/>
-        <p:nvPr/>
-      </p:nvGrpSpPr>
-      <p:grpSpPr>
-        <a:xfrm>
-          <a:off x="0" y="0"/>
-          <a:ext cx="0" cy="0"/>
-          <a:chOff x="0" y="0"/>
-          <a:chExt cx="0" cy="0"/>
-        </a:xfrm>
-      </p:grpSpPr>
-      <p:sp>
-        <p:nvSpPr>
-          <p:cNvPr id="2" name="1 Título"/>
-          <p:cNvSpPr>
-            <a:spLocks noGrp="1"/>
-          </p:cNvSpPr>
-          <p:nvPr>
-            <p:ph type="title"/>
-          </p:nvPr>
-        </p:nvSpPr>
-        <p:spPr>
-          <a:xfrm>
-            <a:off x="914400" y="620688"/>
-            <a:ext cx="7185992" cy="1010376"/>
-          </a:xfrm>
-        </p:spPr>
-        <p:txBody>
-          <a:bodyPr>
-            <a:normAutofit/>
-          </a:bodyPr>
-          <a:lstStyle/>
-          <a:p>
-            <a:r>
-              <a:rPr lang="es-UY" sz="3200" dirty="0" smtClean="0"/>
-              <a:t>Arquitectura en capas - </a:t>
-            </a:r>
-            <a:r>
-              <a:rPr lang="es-UY" sz="3200" dirty="0" err="1" smtClean="0"/>
-              <a:t>JavaEE</a:t>
-            </a:r>
-            <a:endParaRPr lang="es-UY" sz="3200" dirty="0"/>
-          </a:p>
-        </p:txBody>
-      </p:sp>
-      <p:pic>
-        <p:nvPicPr>
-          <p:cNvPr id="3074" name="Picture 2"/>
-          <p:cNvPicPr>
-            <a:picLocks noGrp="1" noChangeAspect="1" noChangeArrowheads="1"/>
-          </p:cNvPicPr>
-          <p:nvPr>
-            <p:ph idx="1"/>
-          </p:nvPr>
-        </p:nvPicPr>
-        <p:blipFill>
-          <a:blip r:embed="rId2" cstate="print"/>
-          <a:stretch>
-            <a:fillRect/>
-          </a:stretch>
-        </p:blipFill>
-        <p:spPr bwMode="auto">
-          <a:xfrm>
-            <a:off x="1119187" y="1962944"/>
-            <a:ext cx="6905625" cy="4333875"/>
-          </a:xfrm>
-          <a:prstGeom prst="rect">
-            <a:avLst/>
-          </a:prstGeom>
-          <a:noFill/>
-          <a:ln w="9525">
-            <a:noFill/>
-            <a:miter lim="800000"/>
-            <a:headEnd/>
-            <a:tailEnd/>
-          </a:ln>
-          <a:effectLst>
-            <a:outerShdw blurRad="177800" dir="3600000" sx="101000" sy="101000" algn="ctr" rotWithShape="0">
-              <a:srgbClr val="000000">
-                <a:alpha val="78000"/>
-              </a:srgbClr>
-            </a:outerShdw>
-          </a:effectLst>
-        </p:spPr>
-      </p:pic>
-    </p:spTree>
-  </p:cSld>
-  <p:clrMapOvr>
-    <a:masterClrMapping/>
-  </p:clrMapOvr>
-  <p:timing>
-    <p:tnLst>
-      <p:par>
-        <p:cTn id="1" dur="indefinite" restart="never" nodeType="tmRoot"/>
-      </p:par>
-    </p:tnLst>
-  </p:timing>
-</p:sld>
-</file>
-
-<file path=ppt/slides/slide12.xml><?xml version="1.0" encoding="utf-8"?>
-<p:sld xmlns:a="http://schemas.openxmlformats.org/drawingml/2006/main" xmlns:r="http://schemas.openxmlformats.org/officeDocument/2006/relationships" xmlns:p="http://schemas.openxmlformats.org/presentationml/2006/main">
-  <p:cSld>
-    <p:spTree>
-      <p:nvGrpSpPr>
-        <p:cNvPr id="1" name=""/>
-        <p:cNvGrpSpPr/>
-        <p:nvPr/>
-      </p:nvGrpSpPr>
-      <p:grpSpPr>
-        <a:xfrm>
-          <a:off x="0" y="0"/>
-          <a:ext cx="0" cy="0"/>
-          <a:chOff x="0" y="0"/>
-          <a:chExt cx="0" cy="0"/>
-        </a:xfrm>
-      </p:grpSpPr>
-      <p:sp>
-        <p:nvSpPr>
-          <p:cNvPr id="2" name="1 Título"/>
-          <p:cNvSpPr>
-            <a:spLocks noGrp="1"/>
-          </p:cNvSpPr>
-          <p:nvPr>
-            <p:ph type="title"/>
-          </p:nvPr>
-        </p:nvSpPr>
-        <p:spPr>
-          <a:xfrm>
-            <a:off x="467544" y="764704"/>
-            <a:ext cx="8229600" cy="866360"/>
-          </a:xfrm>
-        </p:spPr>
-        <p:txBody>
-          <a:bodyPr>
-            <a:normAutofit/>
-          </a:bodyPr>
-          <a:lstStyle/>
-          <a:p>
-            <a:r>
-              <a:rPr lang="es-UY" sz="3200" dirty="0" smtClean="0"/>
-              <a:t>Escenario de desarrollo</a:t>
-            </a:r>
-            <a:endParaRPr lang="es-UY" sz="3200" dirty="0"/>
-          </a:p>
-        </p:txBody>
-      </p:sp>
-      <p:pic>
-        <p:nvPicPr>
-          <p:cNvPr id="1026" name="Picture 2"/>
-          <p:cNvPicPr>
-            <a:picLocks noGrp="1" noChangeAspect="1" noChangeArrowheads="1"/>
-          </p:cNvPicPr>
-          <p:nvPr>
-            <p:ph idx="1"/>
-          </p:nvPr>
-        </p:nvPicPr>
-        <p:blipFill>
-          <a:blip r:embed="rId2" cstate="print"/>
-          <a:stretch>
-            <a:fillRect/>
-          </a:stretch>
-        </p:blipFill>
-        <p:spPr bwMode="auto">
-          <a:xfrm>
-            <a:off x="489351" y="1935163"/>
-            <a:ext cx="8165297" cy="4389437"/>
-          </a:xfrm>
-          <a:prstGeom prst="rect">
-            <a:avLst/>
-          </a:prstGeom>
-          <a:noFill/>
-          <a:ln w="9525">
-            <a:noFill/>
-            <a:miter lim="800000"/>
-            <a:headEnd/>
-            <a:tailEnd/>
-          </a:ln>
-          <a:effectLst>
-            <a:outerShdw blurRad="177800" dir="3660000" algn="ctr" rotWithShape="0">
-              <a:srgbClr val="000000">
-                <a:alpha val="78000"/>
-              </a:srgbClr>
-            </a:outerShdw>
-          </a:effectLst>
-        </p:spPr>
-      </p:pic>
-    </p:spTree>
-  </p:cSld>
-  <p:clrMapOvr>
-    <a:masterClrMapping/>
-  </p:clrMapOvr>
-  <p:timing>
-    <p:tnLst>
-      <p:par>
-        <p:cTn id="1" dur="indefinite" restart="never" nodeType="tmRoot"/>
-      </p:par>
-    </p:tnLst>
-  </p:timing>
-</p:sld>
-</file>
-
-<file path=ppt/slides/slide13.xml><?xml version="1.0" encoding="utf-8"?>
-<p:sld xmlns:a="http://schemas.openxmlformats.org/drawingml/2006/main" xmlns:r="http://schemas.openxmlformats.org/officeDocument/2006/relationships" xmlns:p="http://schemas.openxmlformats.org/presentationml/2006/main">
-  <p:cSld>
-    <p:spTree>
-      <p:nvGrpSpPr>
-        <p:cNvPr id="1" name=""/>
-        <p:cNvGrpSpPr/>
-        <p:nvPr/>
-      </p:nvGrpSpPr>
-      <p:grpSpPr>
-        <a:xfrm>
-          <a:off x="0" y="0"/>
-          <a:ext cx="0" cy="0"/>
-          <a:chOff x="0" y="0"/>
-          <a:chExt cx="0" cy="0"/>
-        </a:xfrm>
-      </p:grpSpPr>
-      <p:sp>
-        <p:nvSpPr>
-          <p:cNvPr id="2" name="1 Título"/>
-          <p:cNvSpPr>
-            <a:spLocks noGrp="1"/>
-          </p:cNvSpPr>
-          <p:nvPr>
-            <p:ph type="title"/>
-          </p:nvPr>
-        </p:nvSpPr>
-        <p:spPr>
-          <a:xfrm>
-            <a:off x="467544" y="620688"/>
-            <a:ext cx="8229600" cy="938368"/>
-          </a:xfrm>
-        </p:spPr>
-        <p:txBody>
-          <a:bodyPr>
-            <a:normAutofit/>
-          </a:bodyPr>
-          <a:lstStyle/>
-          <a:p>
-            <a:r>
-              <a:rPr lang="es-UY" sz="3200" dirty="0" smtClean="0"/>
-              <a:t>Escenario de producción</a:t>
-            </a:r>
-            <a:endParaRPr lang="es-UY" sz="3200" dirty="0"/>
-          </a:p>
-        </p:txBody>
-      </p:sp>
-      <p:pic>
-        <p:nvPicPr>
-          <p:cNvPr id="2050" name="Picture 2"/>
-          <p:cNvPicPr>
-            <a:picLocks noGrp="1" noChangeAspect="1" noChangeArrowheads="1"/>
-          </p:cNvPicPr>
-          <p:nvPr>
-            <p:ph idx="1"/>
-          </p:nvPr>
-        </p:nvPicPr>
-        <p:blipFill>
-          <a:blip r:embed="rId2" cstate="print"/>
-          <a:stretch>
-            <a:fillRect/>
-          </a:stretch>
-        </p:blipFill>
-        <p:spPr bwMode="auto">
-          <a:xfrm>
-            <a:off x="457200" y="1995006"/>
-            <a:ext cx="8229600" cy="4269751"/>
-          </a:xfrm>
-          <a:prstGeom prst="rect">
-            <a:avLst/>
-          </a:prstGeom>
-          <a:noFill/>
-          <a:ln w="9525">
-            <a:noFill/>
-            <a:miter lim="800000"/>
-            <a:headEnd/>
-            <a:tailEnd/>
-          </a:ln>
-          <a:effectLst>
-            <a:outerShdw blurRad="177800" dir="3600000" sx="101000" sy="101000" algn="ctr" rotWithShape="0">
-              <a:srgbClr val="000000">
-                <a:alpha val="78000"/>
-              </a:srgbClr>
-            </a:outerShdw>
-          </a:effectLst>
-        </p:spPr>
-      </p:pic>
-    </p:spTree>
-  </p:cSld>
-  <p:clrMapOvr>
-    <a:masterClrMapping/>
-  </p:clrMapOvr>
-  <p:timing>
-    <p:tnLst>
-      <p:par>
-        <p:cTn id="1" dur="indefinite" restart="never" nodeType="tmRoot"/>
-      </p:par>
-    </p:tnLst>
-  </p:timing>
-</p:sld>
-</file>
-
-<file path=ppt/slides/slide14.xml><?xml version="1.0" encoding="utf-8"?>
-<p:sld xmlns:a="http://schemas.openxmlformats.org/drawingml/2006/main" xmlns:r="http://schemas.openxmlformats.org/officeDocument/2006/relationships" xmlns:p="http://schemas.openxmlformats.org/presentationml/2006/main">
-  <p:cSld>
-    <p:spTree>
-      <p:nvGrpSpPr>
-        <p:cNvPr id="1" name=""/>
-        <p:cNvGrpSpPr/>
-        <p:nvPr/>
-      </p:nvGrpSpPr>
-      <p:grpSpPr>
-        <a:xfrm>
-          <a:off x="0" y="0"/>
-          <a:ext cx="0" cy="0"/>
-          <a:chOff x="0" y="0"/>
-          <a:chExt cx="0" cy="0"/>
-        </a:xfrm>
-      </p:grpSpPr>
-      <p:sp>
-        <p:nvSpPr>
-          <p:cNvPr id="2" name="1 Título"/>
-          <p:cNvSpPr>
-            <a:spLocks noGrp="1"/>
-          </p:cNvSpPr>
-          <p:nvPr>
-            <p:ph type="title"/>
-          </p:nvPr>
-        </p:nvSpPr>
-        <p:spPr/>
-        <p:txBody>
-          <a:bodyPr>
-            <a:normAutofit fontScale="90000"/>
-          </a:bodyPr>
-          <a:lstStyle/>
-          <a:p>
-            <a:r>
-              <a:rPr lang="es-UY" dirty="0" smtClean="0"/>
-              <a:t>Relevamiento de Estándares y Herramientas </a:t>
-            </a:r>
-            <a:endParaRPr lang="es-UY" dirty="0"/>
-          </a:p>
-        </p:txBody>
-      </p:sp>
-      <p:sp>
-        <p:nvSpPr>
-          <p:cNvPr id="3" name="2 Marcador de contenido"/>
-          <p:cNvSpPr>
-            <a:spLocks noGrp="1"/>
-          </p:cNvSpPr>
-          <p:nvPr>
-            <p:ph idx="1"/>
-          </p:nvPr>
-        </p:nvSpPr>
-        <p:spPr/>
-        <p:txBody>
-          <a:bodyPr>
-            <a:normAutofit fontScale="92500" lnSpcReduction="20000"/>
-          </a:bodyPr>
-          <a:lstStyle/>
-          <a:p>
-            <a:pPr>
-              <a:buNone/>
-            </a:pPr>
-            <a:r>
-              <a:rPr lang="es-UY" dirty="0" smtClean="0"/>
-              <a:t>Herramientas utilizadas en el proceso </a:t>
-            </a:r>
-          </a:p>
-          <a:p>
-            <a:pPr>
-              <a:buNone/>
-            </a:pPr>
-            <a:r>
-              <a:rPr lang="es-UY" dirty="0" smtClean="0"/>
-              <a:t>de desarrollo:</a:t>
-            </a:r>
-          </a:p>
-          <a:p>
-            <a:pPr lvl="1"/>
-            <a:r>
-              <a:rPr lang="es-UY" dirty="0" smtClean="0"/>
-              <a:t>Eclipse </a:t>
-            </a:r>
-            <a:r>
-              <a:rPr lang="es-UY" dirty="0" err="1" smtClean="0"/>
-              <a:t>Indigo</a:t>
-            </a:r>
-            <a:r>
-              <a:rPr lang="es-UY" dirty="0" smtClean="0"/>
-              <a:t> + </a:t>
-            </a:r>
-            <a:r>
-              <a:rPr lang="es-UY" dirty="0" err="1" smtClean="0"/>
-              <a:t>Subversive</a:t>
-            </a:r>
-            <a:r>
-              <a:rPr lang="es-UY" dirty="0" smtClean="0"/>
-              <a:t>.</a:t>
-            </a:r>
-          </a:p>
-          <a:p>
-            <a:pPr lvl="1"/>
-            <a:r>
-              <a:rPr lang="es-UY" dirty="0" err="1" smtClean="0"/>
-              <a:t>Postgresql</a:t>
-            </a:r>
-            <a:r>
-              <a:rPr lang="es-UY" dirty="0" smtClean="0"/>
-              <a:t>  9.2 + </a:t>
-            </a:r>
-            <a:r>
-              <a:rPr lang="es-UY" dirty="0" err="1" smtClean="0"/>
-              <a:t>PostGIS</a:t>
-            </a:r>
-            <a:r>
-              <a:rPr lang="es-UY" dirty="0" smtClean="0"/>
-              <a:t> 2.0 + </a:t>
-            </a:r>
-            <a:r>
-              <a:rPr lang="es-UY" dirty="0" err="1" smtClean="0"/>
-              <a:t>pgAdmin</a:t>
-            </a:r>
-            <a:r>
-              <a:rPr lang="es-UY" dirty="0" smtClean="0"/>
-              <a:t> 1.6.	</a:t>
-            </a:r>
-          </a:p>
-          <a:p>
-            <a:pPr lvl="1"/>
-            <a:r>
-              <a:rPr lang="en-US" dirty="0" smtClean="0"/>
-              <a:t>Hibernate JPA 2.0 - JDBC</a:t>
-            </a:r>
-            <a:endParaRPr lang="es-UY" dirty="0" smtClean="0"/>
-          </a:p>
-          <a:p>
-            <a:pPr lvl="1"/>
-            <a:r>
-              <a:rPr lang="es-UY" dirty="0" err="1" smtClean="0"/>
-              <a:t>GeoServer</a:t>
-            </a:r>
-            <a:r>
-              <a:rPr lang="es-UY" dirty="0" smtClean="0"/>
-              <a:t> 2.3.1</a:t>
-            </a:r>
-          </a:p>
-          <a:p>
-            <a:pPr lvl="1"/>
-            <a:r>
-              <a:rPr lang="es-UY" dirty="0" err="1" smtClean="0"/>
-              <a:t>OpenLayers</a:t>
-            </a:r>
-            <a:r>
-              <a:rPr lang="es-UY" dirty="0" smtClean="0"/>
-              <a:t> 2.12</a:t>
-            </a:r>
-          </a:p>
-          <a:p>
-            <a:pPr lvl="1"/>
-            <a:r>
-              <a:rPr lang="en-US" dirty="0" smtClean="0"/>
-              <a:t>JSF 2.1 + </a:t>
-            </a:r>
-            <a:r>
-              <a:rPr lang="en-US" dirty="0" err="1" smtClean="0"/>
-              <a:t>Primefaces</a:t>
-            </a:r>
-            <a:r>
-              <a:rPr lang="en-US" dirty="0" smtClean="0"/>
-              <a:t> 3.5.</a:t>
-            </a:r>
-            <a:endParaRPr lang="es-UY" dirty="0" smtClean="0"/>
-          </a:p>
-          <a:p>
-            <a:pPr lvl="1"/>
-            <a:r>
-              <a:rPr lang="es-UY" dirty="0" err="1" smtClean="0"/>
-              <a:t>ApacheTomcat</a:t>
-            </a:r>
-            <a:r>
-              <a:rPr lang="es-UY" dirty="0" smtClean="0"/>
-              <a:t> 7.0.39.</a:t>
-            </a:r>
-          </a:p>
-          <a:p>
-            <a:pPr lvl="1"/>
-            <a:r>
-              <a:rPr lang="en-US" dirty="0" smtClean="0"/>
-              <a:t>Extras:</a:t>
-            </a:r>
-          </a:p>
-          <a:p>
-            <a:pPr lvl="2"/>
-            <a:r>
-              <a:rPr lang="en-US" dirty="0" smtClean="0"/>
-              <a:t>SVN Tortoise</a:t>
-            </a:r>
-            <a:endParaRPr lang="es-UY" dirty="0" smtClean="0"/>
-          </a:p>
-          <a:p>
-            <a:pPr lvl="2"/>
-            <a:r>
-              <a:rPr lang="en-US" dirty="0" smtClean="0"/>
-              <a:t>Visual Paradigm</a:t>
-            </a:r>
-          </a:p>
-        </p:txBody>
-      </p:sp>
-      <p:pic>
-        <p:nvPicPr>
-          <p:cNvPr id="6146" name="Picture 2" descr="http://www.tshapesolutions.com/wp-content/uploads/2011/01/Internet-Marketing-Tools.jpg"/>
-          <p:cNvPicPr>
-            <a:picLocks noChangeAspect="1" noChangeArrowheads="1"/>
-          </p:cNvPicPr>
-          <p:nvPr/>
-        </p:nvPicPr>
-        <p:blipFill>
-          <a:blip r:embed="rId2" cstate="print">
-            <a:clrChange>
-              <a:clrFrom>
-                <a:srgbClr val="FFFFFF"/>
-              </a:clrFrom>
-              <a:clrTo>
-                <a:srgbClr val="FFFFFF">
-                  <a:alpha val="0"/>
-                </a:srgbClr>
-              </a:clrTo>
-            </a:clrChange>
-          </a:blip>
-          <a:srcRect b="2150"/>
-          <a:stretch>
-            <a:fillRect/>
-          </a:stretch>
-        </p:blipFill>
-        <p:spPr bwMode="auto">
-          <a:xfrm>
-            <a:off x="4091543" y="3212976"/>
-            <a:ext cx="5052457" cy="3276506"/>
-          </a:xfrm>
-          <a:prstGeom prst="rect">
-            <a:avLst/>
-          </a:prstGeom>
-          <a:noFill/>
-        </p:spPr>
-      </p:pic>
-    </p:spTree>
-  </p:cSld>
-  <p:clrMapOvr>
-    <a:masterClrMapping/>
-  </p:clrMapOvr>
-  <p:timing>
-    <p:tnLst>
-      <p:par>
-        <p:cTn id="1" dur="indefinite" restart="never" nodeType="tmRoot"/>
-      </p:par>
-    </p:tnLst>
-  </p:timing>
-</p:sld>
-</file>
-
-<file path=ppt/slides/slide15.xml><?xml version="1.0" encoding="utf-8"?>
-<p:sld xmlns:a="http://schemas.openxmlformats.org/drawingml/2006/main" xmlns:r="http://schemas.openxmlformats.org/officeDocument/2006/relationships" xmlns:p="http://schemas.openxmlformats.org/presentationml/2006/main">
-  <p:cSld>
-    <p:spTree>
-      <p:nvGrpSpPr>
-        <p:cNvPr id="1" name=""/>
-        <p:cNvGrpSpPr/>
-        <p:nvPr/>
-      </p:nvGrpSpPr>
-      <p:grpSpPr>
-        <a:xfrm>
-          <a:off x="0" y="0"/>
-          <a:ext cx="0" cy="0"/>
-          <a:chOff x="0" y="0"/>
-          <a:chExt cx="0" cy="0"/>
-        </a:xfrm>
-      </p:grpSpPr>
-      <p:sp>
-        <p:nvSpPr>
-          <p:cNvPr id="2" name="1 Título"/>
-          <p:cNvSpPr>
-            <a:spLocks noGrp="1"/>
-          </p:cNvSpPr>
-          <p:nvPr>
-            <p:ph type="title"/>
-          </p:nvPr>
-        </p:nvSpPr>
-        <p:spPr/>
-        <p:txBody>
-          <a:bodyPr>
-            <a:normAutofit fontScale="90000"/>
-          </a:bodyPr>
-          <a:lstStyle/>
-          <a:p>
-            <a:r>
-              <a:rPr lang="en-US" dirty="0" err="1" smtClean="0"/>
-              <a:t>Evaluación</a:t>
-            </a:r>
-            <a:r>
-              <a:rPr lang="en-US" dirty="0" smtClean="0"/>
-              <a:t> de </a:t>
-            </a:r>
-            <a:r>
-              <a:rPr lang="en-US" dirty="0" err="1" smtClean="0"/>
-              <a:t>Estándares</a:t>
-            </a:r>
-            <a:r>
-              <a:rPr lang="en-US" dirty="0" smtClean="0"/>
-              <a:t> y </a:t>
-            </a:r>
-            <a:r>
-              <a:rPr lang="en-US" dirty="0" err="1" smtClean="0"/>
-              <a:t>Herramientas</a:t>
-            </a:r>
-            <a:endParaRPr lang="es-UY" dirty="0"/>
-          </a:p>
-        </p:txBody>
-      </p:sp>
-      <p:sp>
-        <p:nvSpPr>
-          <p:cNvPr id="3" name="2 Marcador de contenido"/>
-          <p:cNvSpPr>
-            <a:spLocks noGrp="1"/>
-          </p:cNvSpPr>
-          <p:nvPr>
-            <p:ph idx="1"/>
-          </p:nvPr>
-        </p:nvSpPr>
-        <p:spPr>
-          <a:xfrm>
-            <a:off x="457200" y="2204864"/>
-            <a:ext cx="8229600" cy="4119736"/>
-          </a:xfrm>
-        </p:spPr>
-        <p:txBody>
-          <a:bodyPr/>
-          <a:lstStyle/>
-          <a:p>
-            <a:r>
-              <a:rPr lang="en-US" dirty="0" smtClean="0"/>
-              <a:t>WFS-T </a:t>
-            </a:r>
-          </a:p>
-          <a:p>
-            <a:r>
-              <a:rPr lang="en-US" dirty="0" err="1" smtClean="0"/>
-              <a:t>Geoserver</a:t>
-            </a:r>
-            <a:endParaRPr lang="en-US" dirty="0" smtClean="0"/>
-          </a:p>
-          <a:p>
-            <a:r>
-              <a:rPr lang="en-US" dirty="0" err="1" smtClean="0"/>
-              <a:t>OpenLayers</a:t>
-            </a:r>
-            <a:endParaRPr lang="en-US" dirty="0" smtClean="0"/>
-          </a:p>
-          <a:p>
-            <a:r>
-              <a:rPr lang="en-US" dirty="0" err="1" smtClean="0"/>
-              <a:t>Postgres</a:t>
-            </a:r>
-            <a:r>
-              <a:rPr lang="en-US" dirty="0" smtClean="0"/>
-              <a:t> + </a:t>
-            </a:r>
-            <a:r>
-              <a:rPr lang="en-US" dirty="0" err="1" smtClean="0"/>
-              <a:t>Postgis</a:t>
-            </a:r>
-            <a:endParaRPr lang="es-UY" dirty="0"/>
-          </a:p>
-        </p:txBody>
-      </p:sp>
-      <p:pic>
-        <p:nvPicPr>
-          <p:cNvPr id="5122" name="Picture 2" descr="http://1.bp.blogspot.com/-KEvTT33ClPY/UYlvoWixv0I/AAAAAAAAAIY/g4uYEojkZvk/s1600/evaluacion.jpg"/>
-          <p:cNvPicPr>
-            <a:picLocks noChangeAspect="1" noChangeArrowheads="1"/>
-          </p:cNvPicPr>
-          <p:nvPr/>
-        </p:nvPicPr>
-        <p:blipFill>
-          <a:blip r:embed="rId2" cstate="print">
-            <a:clrChange>
-              <a:clrFrom>
-                <a:srgbClr val="FFFFFF"/>
-              </a:clrFrom>
-              <a:clrTo>
-                <a:srgbClr val="FFFFFF">
-                  <a:alpha val="0"/>
-                </a:srgbClr>
-              </a:clrTo>
-            </a:clrChange>
-          </a:blip>
-          <a:srcRect/>
-          <a:stretch>
-            <a:fillRect/>
-          </a:stretch>
-        </p:blipFill>
-        <p:spPr bwMode="auto">
-          <a:xfrm>
-            <a:off x="3923928" y="3068960"/>
-            <a:ext cx="4835565" cy="3096344"/>
-          </a:xfrm>
-          <a:prstGeom prst="rect">
-            <a:avLst/>
-          </a:prstGeom>
-          <a:noFill/>
-        </p:spPr>
-      </p:pic>
-    </p:spTree>
-  </p:cSld>
-  <p:clrMapOvr>
-    <a:masterClrMapping/>
-  </p:clrMapOvr>
-  <p:timing>
-    <p:tnLst>
-      <p:par>
-        <p:cTn id="1" dur="indefinite" restart="never" nodeType="tmRoot"/>
-      </p:par>
-    </p:tnLst>
-  </p:timing>
-</p:sld>
-</file>
-
-<file path=ppt/slides/slide16.xml><?xml version="1.0" encoding="utf-8"?>
-<p:sld xmlns:a="http://schemas.openxmlformats.org/drawingml/2006/main" xmlns:r="http://schemas.openxmlformats.org/officeDocument/2006/relationships" xmlns:p="http://schemas.openxmlformats.org/presentationml/2006/main">
-  <p:cSld>
-    <p:spTree>
-      <p:nvGrpSpPr>
-        <p:cNvPr id="1" name=""/>
-        <p:cNvGrpSpPr/>
-        <p:nvPr/>
-      </p:nvGrpSpPr>
-      <p:grpSpPr>
-        <a:xfrm>
-          <a:off x="0" y="0"/>
-          <a:ext cx="0" cy="0"/>
-          <a:chOff x="0" y="0"/>
-          <a:chExt cx="0" cy="0"/>
-        </a:xfrm>
-      </p:grpSpPr>
-      <p:sp>
-        <p:nvSpPr>
-          <p:cNvPr id="2" name="1 Título"/>
-          <p:cNvSpPr>
-            <a:spLocks noGrp="1"/>
-          </p:cNvSpPr>
-          <p:nvPr>
-            <p:ph type="title"/>
-          </p:nvPr>
-        </p:nvSpPr>
-        <p:spPr>
-          <a:xfrm>
-            <a:off x="467544" y="620688"/>
-            <a:ext cx="8229600" cy="1143000"/>
-          </a:xfrm>
-        </p:spPr>
-        <p:txBody>
-          <a:bodyPr/>
-          <a:lstStyle/>
-          <a:p>
-            <a:pPr algn="ctr"/>
-            <a:r>
-              <a:rPr lang="en-US" dirty="0" err="1" smtClean="0"/>
-              <a:t>Presentación</a:t>
-            </a:r>
-            <a:r>
-              <a:rPr lang="en-US" dirty="0" smtClean="0"/>
-              <a:t> </a:t>
-            </a:r>
-            <a:r>
-              <a:rPr lang="en-US" dirty="0" err="1" smtClean="0"/>
-              <a:t>Previa</a:t>
-            </a:r>
-            <a:endParaRPr lang="es-UY" dirty="0"/>
-          </a:p>
-        </p:txBody>
-      </p:sp>
-      <p:pic>
-        <p:nvPicPr>
-          <p:cNvPr id="6" name="Picture 3" descr="C:\Users\JuanMa\Desktop\image3.png"/>
-          <p:cNvPicPr>
-            <a:picLocks noChangeAspect="1" noChangeArrowheads="1"/>
-          </p:cNvPicPr>
-          <p:nvPr/>
-        </p:nvPicPr>
-        <p:blipFill>
-          <a:blip r:embed="rId2" cstate="print"/>
-          <a:srcRect/>
-          <a:stretch>
-            <a:fillRect/>
-          </a:stretch>
-        </p:blipFill>
-        <p:spPr bwMode="auto">
-          <a:xfrm>
-            <a:off x="1115616" y="2348880"/>
-            <a:ext cx="7056784" cy="3969442"/>
-          </a:xfrm>
-          <a:prstGeom prst="rect">
-            <a:avLst/>
-          </a:prstGeom>
-          <a:noFill/>
-          <a:effectLst>
-            <a:outerShdw blurRad="177800" dir="3600000" sx="101000" sy="101000" algn="ctr" rotWithShape="0">
-              <a:srgbClr val="000000">
-                <a:alpha val="78000"/>
-              </a:srgbClr>
-            </a:outerShdw>
-          </a:effectLst>
-        </p:spPr>
-      </p:pic>
-    </p:spTree>
-  </p:cSld>
-  <p:clrMapOvr>
-    <a:masterClrMapping/>
-  </p:clrMapOvr>
-  <p:timing>
-    <p:tnLst>
-      <p:par>
-        <p:cTn id="1" dur="indefinite" restart="never" nodeType="tmRoot"/>
-      </p:par>
-    </p:tnLst>
-  </p:timing>
-</p:sld>
-</file>
-
-<file path=ppt/slides/slide17.xml><?xml version="1.0" encoding="utf-8"?>
-<p:sld xmlns:a="http://schemas.openxmlformats.org/drawingml/2006/main" xmlns:r="http://schemas.openxmlformats.org/officeDocument/2006/relationships" xmlns:p="http://schemas.openxmlformats.org/presentationml/2006/main">
-  <p:cSld>
-    <p:spTree>
-      <p:nvGrpSpPr>
-        <p:cNvPr id="1" name=""/>
-        <p:cNvGrpSpPr/>
-        <p:nvPr/>
-      </p:nvGrpSpPr>
-      <p:grpSpPr>
-        <a:xfrm>
-          <a:off x="0" y="0"/>
-          <a:ext cx="0" cy="0"/>
-          <a:chOff x="0" y="0"/>
-          <a:chExt cx="0" cy="0"/>
-        </a:xfrm>
-      </p:grpSpPr>
-      <p:pic>
-        <p:nvPicPr>
-          <p:cNvPr id="6" name="3 Marcador de contenido" descr="image.png"/>
-          <p:cNvPicPr>
-            <a:picLocks noChangeAspect="1"/>
-          </p:cNvPicPr>
-          <p:nvPr/>
-        </p:nvPicPr>
-        <p:blipFill>
-          <a:blip r:embed="rId2" cstate="print"/>
-          <a:stretch>
-            <a:fillRect/>
-          </a:stretch>
-        </p:blipFill>
-        <p:spPr>
-          <a:xfrm>
-            <a:off x="3851920" y="3789040"/>
-            <a:ext cx="4703938" cy="2645965"/>
-          </a:xfrm>
-          <a:prstGeom prst="rect">
-            <a:avLst/>
-          </a:prstGeom>
-          <a:effectLst>
-            <a:outerShdw blurRad="177800" dir="3600000" sx="101000" sy="101000" algn="ctr" rotWithShape="0">
-              <a:srgbClr val="000000">
-                <a:alpha val="78000"/>
-              </a:srgbClr>
-            </a:outerShdw>
-          </a:effectLst>
-        </p:spPr>
-      </p:pic>
-      <p:pic>
-        <p:nvPicPr>
-          <p:cNvPr id="7" name="Picture 2" descr="C:\Users\JuanMa\Desktop\image1.png"/>
-          <p:cNvPicPr>
-            <a:picLocks noChangeAspect="1" noChangeArrowheads="1"/>
-          </p:cNvPicPr>
-          <p:nvPr/>
-        </p:nvPicPr>
-        <p:blipFill>
-          <a:blip r:embed="rId3" cstate="print"/>
-          <a:srcRect/>
-          <a:stretch>
-            <a:fillRect/>
-          </a:stretch>
-        </p:blipFill>
-        <p:spPr bwMode="auto">
-          <a:xfrm>
-            <a:off x="467544" y="548680"/>
-            <a:ext cx="5076056" cy="2855282"/>
-          </a:xfrm>
-          <a:prstGeom prst="rect">
-            <a:avLst/>
-          </a:prstGeom>
-          <a:noFill/>
-          <a:effectLst>
-            <a:outerShdw blurRad="177800" dir="3600000" sx="101000" sy="101000" algn="ctr" rotWithShape="0">
-              <a:srgbClr val="000000">
-                <a:alpha val="78000"/>
-              </a:srgbClr>
-            </a:outerShdw>
-          </a:effectLst>
-        </p:spPr>
-      </p:pic>
-      <p:sp>
-        <p:nvSpPr>
-          <p:cNvPr id="8" name="7 CuadroTexto"/>
-          <p:cNvSpPr txBox="1"/>
-          <p:nvPr/>
-        </p:nvSpPr>
-        <p:spPr>
-          <a:xfrm>
-            <a:off x="1331640" y="4005064"/>
-            <a:ext cx="2376264" cy="1077218"/>
-          </a:xfrm>
-          <a:prstGeom prst="rect">
-            <a:avLst/>
-          </a:prstGeom>
-          <a:noFill/>
-        </p:spPr>
-        <p:txBody>
-          <a:bodyPr wrap="square" rtlCol="0">
-            <a:spAutoFit/>
-          </a:bodyPr>
-          <a:lstStyle/>
-          <a:p>
-            <a:pPr algn="ctr"/>
-            <a:r>
-              <a:rPr lang="en-US" sz="3200" b="1" dirty="0" err="1" smtClean="0">
-                <a:latin typeface="Candara" pitchFamily="34" charset="0"/>
-              </a:rPr>
-              <a:t>Zonas</a:t>
-            </a:r>
-            <a:r>
-              <a:rPr lang="en-US" sz="3200" b="1" dirty="0" smtClean="0">
-                <a:latin typeface="Candara" pitchFamily="34" charset="0"/>
-              </a:rPr>
-              <a:t> de </a:t>
-            </a:r>
-            <a:r>
-              <a:rPr lang="en-US" sz="3200" b="1" dirty="0" err="1" smtClean="0">
-                <a:latin typeface="Candara" pitchFamily="34" charset="0"/>
-              </a:rPr>
-              <a:t>Reparto</a:t>
-            </a:r>
-            <a:endParaRPr lang="es-UY" sz="3200" b="1" dirty="0">
-              <a:latin typeface="Candara" pitchFamily="34" charset="0"/>
-            </a:endParaRPr>
-          </a:p>
-        </p:txBody>
-      </p:sp>
-      <p:sp>
-        <p:nvSpPr>
-          <p:cNvPr id="11" name="10 CuadroTexto"/>
-          <p:cNvSpPr txBox="1"/>
-          <p:nvPr/>
-        </p:nvSpPr>
-        <p:spPr>
-          <a:xfrm>
-            <a:off x="5940152" y="1052736"/>
-            <a:ext cx="2160240" cy="584775"/>
-          </a:xfrm>
-          <a:prstGeom prst="rect">
-            <a:avLst/>
-          </a:prstGeom>
-          <a:noFill/>
-        </p:spPr>
-        <p:txBody>
-          <a:bodyPr wrap="square" rtlCol="0">
-            <a:spAutoFit/>
-          </a:bodyPr>
-          <a:lstStyle/>
-          <a:p>
-            <a:r>
-              <a:rPr lang="en-US" sz="3200" b="1" dirty="0" err="1" smtClean="0">
-                <a:latin typeface="Candara" pitchFamily="34" charset="0"/>
-                <a:ea typeface="Arial Unicode MS" pitchFamily="34" charset="-128"/>
-                <a:cs typeface="Arial Unicode MS" pitchFamily="34" charset="-128"/>
-              </a:rPr>
-              <a:t>Envios</a:t>
-            </a:r>
-            <a:endParaRPr lang="es-UY" sz="3200" b="1" dirty="0">
-              <a:latin typeface="Candara" pitchFamily="34" charset="0"/>
-              <a:ea typeface="Arial Unicode MS" pitchFamily="34" charset="-128"/>
-              <a:cs typeface="Arial Unicode MS" pitchFamily="34" charset="-128"/>
-            </a:endParaRPr>
-          </a:p>
-        </p:txBody>
-      </p:sp>
-    </p:spTree>
-  </p:cSld>
-  <p:clrMapOvr>
-    <a:masterClrMapping/>
-  </p:clrMapOvr>
-  <p:timing>
-    <p:tnLst>
-      <p:par>
-        <p:cTn id="1" dur="indefinite" restart="never" nodeType="tmRoot"/>
-      </p:par>
-    </p:tnLst>
-  </p:timing>
-</p:sld>
-</file>
-
-<file path=ppt/slides/slide18.xml><?xml version="1.0" encoding="utf-8"?>
-<p:sld xmlns:a="http://schemas.openxmlformats.org/drawingml/2006/main" xmlns:r="http://schemas.openxmlformats.org/officeDocument/2006/relationships" xmlns:p="http://schemas.openxmlformats.org/presentationml/2006/main">
-  <p:cSld>
-    <p:spTree>
-      <p:nvGrpSpPr>
-        <p:cNvPr id="1" name=""/>
-        <p:cNvGrpSpPr/>
-        <p:nvPr/>
-      </p:nvGrpSpPr>
-      <p:grpSpPr>
-        <a:xfrm>
-          <a:off x="0" y="0"/>
-          <a:ext cx="0" cy="0"/>
-          <a:chOff x="0" y="0"/>
-          <a:chExt cx="0" cy="0"/>
-        </a:xfrm>
-      </p:grpSpPr>
-      <p:sp>
-        <p:nvSpPr>
-          <p:cNvPr id="2" name="1 Título"/>
-          <p:cNvSpPr>
-            <a:spLocks noGrp="1"/>
-          </p:cNvSpPr>
-          <p:nvPr>
-            <p:ph type="title"/>
-          </p:nvPr>
-        </p:nvSpPr>
-        <p:spPr>
-          <a:xfrm>
-            <a:off x="179512" y="692696"/>
-            <a:ext cx="8229600" cy="1143000"/>
-          </a:xfrm>
-        </p:spPr>
-        <p:txBody>
-          <a:bodyPr/>
-          <a:lstStyle/>
-          <a:p>
-            <a:pPr algn="ctr"/>
-            <a:r>
-              <a:rPr lang="en-US" dirty="0" err="1" smtClean="0"/>
-              <a:t>Conclusiones</a:t>
-            </a:r>
-            <a:r>
-              <a:rPr lang="en-US" dirty="0" smtClean="0"/>
-              <a:t> del </a:t>
-            </a:r>
-            <a:r>
-              <a:rPr lang="en-US" dirty="0" err="1" smtClean="0"/>
-              <a:t>Trabajo</a:t>
-            </a:r>
-            <a:endParaRPr lang="es-UY" dirty="0"/>
-          </a:p>
-        </p:txBody>
-      </p:sp>
-      <p:sp>
-        <p:nvSpPr>
-          <p:cNvPr id="3" name="2 Marcador de contenido"/>
-          <p:cNvSpPr>
-            <a:spLocks noGrp="1"/>
-          </p:cNvSpPr>
-          <p:nvPr>
-            <p:ph idx="1"/>
-          </p:nvPr>
-        </p:nvSpPr>
-        <p:spPr/>
-        <p:txBody>
-          <a:bodyPr/>
-          <a:lstStyle/>
-          <a:p>
-            <a:r>
-              <a:rPr lang="en-US" dirty="0" err="1" smtClean="0"/>
-              <a:t>Conocimientos</a:t>
-            </a:r>
-            <a:r>
-              <a:rPr lang="en-US" dirty="0" smtClean="0"/>
-              <a:t> </a:t>
-            </a:r>
-            <a:r>
-              <a:rPr lang="en-US" dirty="0" err="1" smtClean="0"/>
-              <a:t>adquiridos</a:t>
-            </a:r>
-            <a:r>
-              <a:rPr lang="en-US" dirty="0" smtClean="0"/>
-              <a:t>.</a:t>
-            </a:r>
-          </a:p>
-          <a:p>
-            <a:pPr lvl="1"/>
-            <a:r>
-              <a:rPr lang="en-US" dirty="0" err="1" smtClean="0"/>
-              <a:t>Herramientas</a:t>
-            </a:r>
-            <a:r>
-              <a:rPr lang="en-US" dirty="0" smtClean="0"/>
-              <a:t> </a:t>
-            </a:r>
-            <a:r>
-              <a:rPr lang="en-US" dirty="0" err="1" smtClean="0"/>
-              <a:t>utilizadas</a:t>
-            </a:r>
-            <a:r>
-              <a:rPr lang="en-US" dirty="0" smtClean="0"/>
-              <a:t> (</a:t>
-            </a:r>
-            <a:r>
-              <a:rPr lang="en-US" dirty="0" err="1" smtClean="0"/>
-              <a:t>geoserver</a:t>
-            </a:r>
-            <a:r>
-              <a:rPr lang="en-US" dirty="0" smtClean="0"/>
-              <a:t>, </a:t>
-            </a:r>
-            <a:r>
-              <a:rPr lang="en-US" dirty="0" err="1" smtClean="0"/>
-              <a:t>postgis</a:t>
-            </a:r>
-            <a:r>
-              <a:rPr lang="en-US" dirty="0" smtClean="0"/>
-              <a:t>, etc.).</a:t>
-            </a:r>
-          </a:p>
-          <a:p>
-            <a:pPr lvl="1"/>
-            <a:r>
-              <a:rPr lang="en-US" dirty="0" err="1" smtClean="0"/>
-              <a:t>Posibles</a:t>
-            </a:r>
-            <a:r>
-              <a:rPr lang="en-US" dirty="0" smtClean="0"/>
-              <a:t> </a:t>
-            </a:r>
-            <a:r>
-              <a:rPr lang="en-US" dirty="0" err="1" smtClean="0"/>
-              <a:t>aplicaciones</a:t>
-            </a:r>
-            <a:r>
-              <a:rPr lang="en-US" dirty="0" smtClean="0"/>
-              <a:t> </a:t>
-            </a:r>
-            <a:r>
-              <a:rPr lang="en-US" dirty="0" err="1" smtClean="0"/>
-              <a:t>practicas</a:t>
-            </a:r>
-            <a:r>
-              <a:rPr lang="en-US" dirty="0" smtClean="0"/>
-              <a:t> de </a:t>
-            </a:r>
-            <a:r>
-              <a:rPr lang="en-US" dirty="0" err="1" smtClean="0"/>
-              <a:t>las</a:t>
-            </a:r>
-            <a:r>
-              <a:rPr lang="en-US" dirty="0" smtClean="0"/>
-              <a:t> </a:t>
-            </a:r>
-            <a:r>
-              <a:rPr lang="en-US" dirty="0" err="1" smtClean="0"/>
-              <a:t>tecnologias</a:t>
-            </a:r>
-            <a:endParaRPr lang="en-US" dirty="0" smtClean="0"/>
-          </a:p>
-          <a:p>
-            <a:r>
-              <a:rPr lang="en-US" dirty="0" err="1" smtClean="0"/>
-              <a:t>Sobre</a:t>
-            </a:r>
-            <a:r>
-              <a:rPr lang="en-US" dirty="0" smtClean="0"/>
-              <a:t> el </a:t>
-            </a:r>
-            <a:r>
-              <a:rPr lang="en-US" dirty="0" err="1" smtClean="0"/>
-              <a:t>Producto</a:t>
-            </a:r>
-            <a:r>
-              <a:rPr lang="en-US" dirty="0" smtClean="0"/>
-              <a:t> </a:t>
-            </a:r>
-            <a:r>
-              <a:rPr lang="en-US" dirty="0" err="1" smtClean="0"/>
-              <a:t>logrado</a:t>
-            </a:r>
-            <a:r>
-              <a:rPr lang="en-US" dirty="0" smtClean="0"/>
-              <a:t>.</a:t>
-            </a:r>
-          </a:p>
-          <a:p>
-            <a:pPr lvl="1"/>
-            <a:r>
-              <a:rPr lang="en-US" dirty="0" err="1" smtClean="0"/>
-              <a:t>Cualidades</a:t>
-            </a:r>
-            <a:endParaRPr lang="en-US" dirty="0" smtClean="0"/>
-          </a:p>
-          <a:p>
-            <a:pPr lvl="1"/>
-            <a:r>
-              <a:rPr lang="en-US" dirty="0" err="1" smtClean="0"/>
-              <a:t>Mejoras</a:t>
-            </a:r>
-            <a:r>
-              <a:rPr lang="en-US" dirty="0" smtClean="0"/>
-              <a:t> a </a:t>
-            </a:r>
-            <a:r>
-              <a:rPr lang="en-US" dirty="0" err="1" smtClean="0"/>
-              <a:t>futuro</a:t>
-            </a:r>
-            <a:r>
-              <a:rPr lang="en-US" dirty="0" smtClean="0"/>
-              <a:t> </a:t>
-            </a:r>
-          </a:p>
-          <a:p>
-            <a:pPr lvl="2"/>
-            <a:r>
-              <a:rPr lang="en-US" dirty="0" err="1" smtClean="0"/>
-              <a:t>Interfaz</a:t>
-            </a:r>
-            <a:r>
-              <a:rPr lang="en-US" dirty="0" smtClean="0"/>
-              <a:t> de </a:t>
-            </a:r>
-            <a:r>
-              <a:rPr lang="en-US" dirty="0" err="1" smtClean="0"/>
-              <a:t>usuario</a:t>
-            </a:r>
-            <a:endParaRPr lang="en-US" dirty="0" smtClean="0"/>
-          </a:p>
-          <a:p>
-            <a:pPr lvl="2"/>
-            <a:r>
-              <a:rPr lang="en-US" dirty="0" err="1" smtClean="0"/>
-              <a:t>Arquitectura</a:t>
-            </a:r>
-            <a:endParaRPr lang="en-US" dirty="0" smtClean="0"/>
-          </a:p>
-          <a:p>
-            <a:pPr lvl="2"/>
-            <a:r>
-              <a:rPr lang="en-US" dirty="0" err="1" smtClean="0"/>
-              <a:t>Mejoras</a:t>
-            </a:r>
-            <a:r>
-              <a:rPr lang="en-US" dirty="0" smtClean="0"/>
-              <a:t> </a:t>
-            </a:r>
-            <a:r>
-              <a:rPr lang="en-US" dirty="0" err="1" smtClean="0"/>
-              <a:t>funcionales</a:t>
-            </a:r>
-            <a:r>
-              <a:rPr lang="en-US" dirty="0" smtClean="0"/>
-              <a:t> </a:t>
-            </a:r>
-            <a:r>
-              <a:rPr lang="en-US" dirty="0" err="1" smtClean="0"/>
-              <a:t>varias</a:t>
-            </a:r>
-            <a:endParaRPr lang="en-US" dirty="0" smtClean="0"/>
-          </a:p>
-          <a:p>
-            <a:pPr lvl="3"/>
-            <a:r>
-              <a:rPr lang="en-US" dirty="0" err="1" smtClean="0"/>
-              <a:t>Sistema</a:t>
-            </a:r>
-            <a:r>
-              <a:rPr lang="en-US" dirty="0" smtClean="0"/>
-              <a:t> de </a:t>
-            </a:r>
-            <a:r>
-              <a:rPr lang="en-US" dirty="0" err="1" smtClean="0"/>
-              <a:t>mensajería</a:t>
-            </a:r>
-            <a:r>
-              <a:rPr lang="en-US" dirty="0" smtClean="0"/>
-              <a:t>, </a:t>
-            </a:r>
-            <a:r>
-              <a:rPr lang="en-US" dirty="0" err="1" smtClean="0"/>
-              <a:t>aplicacion</a:t>
-            </a:r>
-            <a:r>
-              <a:rPr lang="en-US" dirty="0" smtClean="0"/>
-              <a:t> </a:t>
-            </a:r>
-            <a:r>
-              <a:rPr lang="en-US" dirty="0" err="1" smtClean="0"/>
-              <a:t>movil</a:t>
-            </a:r>
-            <a:r>
-              <a:rPr lang="en-US" dirty="0" smtClean="0"/>
-              <a:t>, </a:t>
-            </a:r>
-            <a:r>
-              <a:rPr lang="en-US" dirty="0" err="1" smtClean="0"/>
-              <a:t>optimizacion</a:t>
-            </a:r>
-            <a:r>
-              <a:rPr lang="en-US" dirty="0" smtClean="0"/>
-              <a:t>, etc.</a:t>
-            </a:r>
-          </a:p>
-          <a:p>
-            <a:endParaRPr lang="es-UY" dirty="0"/>
-          </a:p>
-        </p:txBody>
-      </p:sp>
-      <p:pic>
-        <p:nvPicPr>
-          <p:cNvPr id="4098" name="Picture 2" descr="http://farmhack.net/sites/default/files/idea.png"/>
-          <p:cNvPicPr>
-            <a:picLocks noChangeAspect="1" noChangeArrowheads="1"/>
-          </p:cNvPicPr>
-          <p:nvPr/>
-        </p:nvPicPr>
-        <p:blipFill>
-          <a:blip r:embed="rId2" cstate="print"/>
-          <a:srcRect/>
-          <a:stretch>
-            <a:fillRect/>
-          </a:stretch>
-        </p:blipFill>
-        <p:spPr bwMode="auto">
-          <a:xfrm rot="1055837">
-            <a:off x="6360171" y="3344963"/>
-            <a:ext cx="2160240" cy="2160240"/>
-          </a:xfrm>
-          <a:prstGeom prst="rect">
-            <a:avLst/>
-          </a:prstGeom>
-          <a:noFill/>
-        </p:spPr>
-      </p:pic>
-    </p:spTree>
-  </p:cSld>
-  <p:clrMapOvr>
-    <a:masterClrMapping/>
-  </p:clrMapOvr>
-  <p:timing>
-    <p:tnLst>
-      <p:par>
-        <p:cTn id="1" dur="indefinite" restart="never" nodeType="tmRoot"/>
-      </p:par>
-    </p:tnLst>
-  </p:timing>
-</p:sld>
-</file>
-
-<file path=ppt/slides/slide19.xml><?xml version="1.0" encoding="utf-8"?>
-<p:sld xmlns:a="http://schemas.openxmlformats.org/drawingml/2006/main" xmlns:r="http://schemas.openxmlformats.org/officeDocument/2006/relationships" xmlns:p="http://schemas.openxmlformats.org/presentationml/2006/main">
-  <p:cSld>
-    <p:spTree>
-      <p:nvGrpSpPr>
-        <p:cNvPr id="1" name=""/>
-        <p:cNvGrpSpPr/>
-        <p:nvPr/>
-      </p:nvGrpSpPr>
-      <p:grpSpPr>
-        <a:xfrm>
-          <a:off x="0" y="0"/>
-          <a:ext cx="0" cy="0"/>
-          <a:chOff x="0" y="0"/>
-          <a:chExt cx="0" cy="0"/>
-        </a:xfrm>
-      </p:grpSpPr>
-      <p:sp>
-        <p:nvSpPr>
-          <p:cNvPr id="2" name="1 Título"/>
-          <p:cNvSpPr>
-            <a:spLocks noGrp="1"/>
-          </p:cNvSpPr>
-          <p:nvPr>
-            <p:ph type="title"/>
-          </p:nvPr>
-        </p:nvSpPr>
-        <p:spPr/>
-        <p:txBody>
-          <a:bodyPr/>
-          <a:lstStyle/>
-          <a:p>
-            <a:pPr algn="ctr"/>
-            <a:r>
-              <a:rPr lang="en-US" dirty="0" err="1" smtClean="0"/>
-              <a:t>Evaluación</a:t>
-            </a:r>
-            <a:r>
-              <a:rPr lang="en-US" dirty="0" smtClean="0"/>
-              <a:t> del </a:t>
-            </a:r>
-            <a:r>
-              <a:rPr lang="en-US" dirty="0" err="1" smtClean="0"/>
-              <a:t>Curso</a:t>
-            </a:r>
-            <a:endParaRPr lang="es-UY" dirty="0"/>
-          </a:p>
-        </p:txBody>
-      </p:sp>
-      <p:sp>
-        <p:nvSpPr>
-          <p:cNvPr id="3" name="2 Marcador de contenido"/>
-          <p:cNvSpPr>
-            <a:spLocks noGrp="1"/>
-          </p:cNvSpPr>
-          <p:nvPr>
-            <p:ph idx="1"/>
-          </p:nvPr>
-        </p:nvSpPr>
-        <p:spPr/>
-        <p:txBody>
-          <a:bodyPr/>
-          <a:lstStyle/>
-          <a:p>
-            <a:pPr>
-              <a:buNone/>
-            </a:pPr>
-            <a:endParaRPr lang="en-US" dirty="0" smtClean="0"/>
-          </a:p>
-          <a:p>
-            <a:r>
-              <a:rPr lang="en-US" dirty="0" err="1" smtClean="0"/>
-              <a:t>Contenido</a:t>
-            </a:r>
-            <a:r>
-              <a:rPr lang="en-US" dirty="0" smtClean="0"/>
-              <a:t> del </a:t>
-            </a:r>
-            <a:r>
-              <a:rPr lang="en-US" dirty="0" err="1" smtClean="0"/>
-              <a:t>curso</a:t>
-            </a:r>
-            <a:endParaRPr lang="en-US" dirty="0" smtClean="0"/>
-          </a:p>
-          <a:p>
-            <a:r>
-              <a:rPr lang="en-US" dirty="0" err="1" smtClean="0"/>
-              <a:t>Evaluación</a:t>
-            </a:r>
-            <a:r>
-              <a:rPr lang="en-US" dirty="0" smtClean="0"/>
-              <a:t> de los </a:t>
-            </a:r>
-            <a:r>
-              <a:rPr lang="en-US" dirty="0" err="1" smtClean="0"/>
-              <a:t>teóricos</a:t>
-            </a:r>
-            <a:endParaRPr lang="en-US" dirty="0" smtClean="0"/>
-          </a:p>
-          <a:p>
-            <a:r>
-              <a:rPr lang="en-US" dirty="0" err="1" smtClean="0"/>
-              <a:t>Evaluación</a:t>
-            </a:r>
-            <a:r>
-              <a:rPr lang="en-US" dirty="0" smtClean="0"/>
-              <a:t> de </a:t>
-            </a:r>
-            <a:r>
-              <a:rPr lang="en-US" dirty="0" err="1" smtClean="0"/>
-              <a:t>monitoreos</a:t>
-            </a:r>
-            <a:endParaRPr lang="en-US" dirty="0" smtClean="0"/>
-          </a:p>
-          <a:p>
-            <a:r>
-              <a:rPr lang="en-US" dirty="0" err="1" smtClean="0"/>
-              <a:t>Evaluación</a:t>
-            </a:r>
-            <a:r>
-              <a:rPr lang="en-US" dirty="0" smtClean="0"/>
-              <a:t> </a:t>
-            </a:r>
-            <a:r>
-              <a:rPr lang="en-US" dirty="0" err="1" smtClean="0"/>
-              <a:t>docente</a:t>
-            </a:r>
-            <a:endParaRPr lang="es-UY" dirty="0"/>
-          </a:p>
-        </p:txBody>
-      </p:sp>
-      <p:pic>
-        <p:nvPicPr>
-          <p:cNvPr id="3074" name="Picture 2" descr="http://api.ning.com/files/N3dksbtuMJ7wj68SoTlX8iBoZoRzZx9TsjXX80Kcs64siRujwtGqfWeWWHAP6U9ItWvxQQUhxTI3hnAwxorH3VQU9dKETgcD/FIN1.jpg"/>
-          <p:cNvPicPr>
-            <a:picLocks noChangeAspect="1" noChangeArrowheads="1"/>
-          </p:cNvPicPr>
-          <p:nvPr/>
-        </p:nvPicPr>
-        <p:blipFill>
-          <a:blip r:embed="rId2" cstate="print"/>
-          <a:srcRect/>
-          <a:stretch>
-            <a:fillRect/>
-          </a:stretch>
-        </p:blipFill>
-        <p:spPr bwMode="auto">
-          <a:xfrm>
-            <a:off x="5220072" y="3789040"/>
-            <a:ext cx="3466356" cy="2398719"/>
-          </a:xfrm>
-          <a:prstGeom prst="rect">
-            <a:avLst/>
-          </a:prstGeom>
-          <a:noFill/>
-          <a:effectLst>
-            <a:outerShdw blurRad="177800" dir="3600000" sx="101000" sy="101000" algn="ctr" rotWithShape="0">
-              <a:srgbClr val="000000">
-                <a:alpha val="76000"/>
-              </a:srgbClr>
-            </a:outerShdw>
-          </a:effectLst>
-        </p:spPr>
-      </p:pic>
-    </p:spTree>
-  </p:cSld>
-  <p:clrMapOvr>
-    <a:masterClrMapping/>
-  </p:clrMapOvr>
-  <p:timing>
-    <p:tnLst>
-      <p:par>
-        <p:cTn id="1" dur="indefinite" restart="never" nodeType="tmRoot"/>
-      </p:par>
-    </p:tnLst>
-  </p:timing>
-</p:sld>
-</file>
-
-<file path=ppt/slides/slide2.xml><?xml version="1.0" encoding="utf-8"?>
-<p:sld xmlns:a="http://schemas.openxmlformats.org/drawingml/2006/main" xmlns:r="http://schemas.openxmlformats.org/officeDocument/2006/relationships" xmlns:p="http://schemas.openxmlformats.org/presentationml/2006/main">
-  <p:cSld>
-    <p:spTree>
-      <p:nvGrpSpPr>
-        <p:cNvPr id="1" name=""/>
-        <p:cNvGrpSpPr/>
-        <p:nvPr/>
-      </p:nvGrpSpPr>
-      <p:grpSpPr>
-        <a:xfrm>
-          <a:off x="0" y="0"/>
-          <a:ext cx="0" cy="0"/>
-          <a:chOff x="0" y="0"/>
-          <a:chExt cx="0" cy="0"/>
-        </a:xfrm>
-      </p:grpSpPr>
-      <p:sp>
-        <p:nvSpPr>
-          <p:cNvPr id="2" name="1 Título"/>
-          <p:cNvSpPr>
-            <a:spLocks noGrp="1"/>
-          </p:cNvSpPr>
-          <p:nvPr>
-            <p:ph type="title"/>
-          </p:nvPr>
-        </p:nvSpPr>
-        <p:spPr/>
-        <p:txBody>
-          <a:bodyPr>
-            <a:normAutofit/>
-          </a:bodyPr>
-          <a:lstStyle/>
-          <a:p>
-            <a:pPr algn="ctr"/>
-            <a:r>
-              <a:rPr lang="es-UY" dirty="0" smtClean="0"/>
-              <a:t>Agenda</a:t>
-            </a:r>
-            <a:endParaRPr lang="es-UY" dirty="0"/>
-          </a:p>
-        </p:txBody>
-      </p:sp>
-      <p:sp>
-        <p:nvSpPr>
-          <p:cNvPr id="3" name="2 Marcador de contenido"/>
-          <p:cNvSpPr>
-            <a:spLocks noGrp="1"/>
-          </p:cNvSpPr>
-          <p:nvPr>
-            <p:ph idx="1"/>
-          </p:nvPr>
-        </p:nvSpPr>
-        <p:spPr>
-          <a:xfrm>
-            <a:off x="500034" y="2143116"/>
-            <a:ext cx="8229600" cy="3565222"/>
-          </a:xfrm>
-        </p:spPr>
-        <p:txBody>
-          <a:bodyPr/>
-          <a:lstStyle/>
-          <a:p>
-            <a:r>
-              <a:rPr lang="es-UY" dirty="0" smtClean="0"/>
-              <a:t>Contexto</a:t>
-            </a:r>
-          </a:p>
-          <a:p>
-            <a:r>
-              <a:rPr lang="es-UY" dirty="0" smtClean="0"/>
-              <a:t>Objetivos</a:t>
-            </a:r>
-          </a:p>
-          <a:p>
-            <a:r>
-              <a:rPr lang="es-UY" dirty="0" smtClean="0"/>
-              <a:t>Proceso de desarrollo de la solución</a:t>
-            </a:r>
-          </a:p>
-          <a:p>
-            <a:r>
-              <a:rPr lang="es-UY" dirty="0" smtClean="0"/>
-              <a:t>Desarrollo del proyecto</a:t>
-            </a:r>
-          </a:p>
-          <a:p>
-            <a:r>
-              <a:rPr lang="es-UY" dirty="0" smtClean="0"/>
-              <a:t>Análisis de la gestión</a:t>
-            </a:r>
-          </a:p>
-          <a:p>
-            <a:r>
-              <a:rPr lang="es-UY" dirty="0" smtClean="0"/>
-              <a:t>Trabajos a futuro</a:t>
-            </a:r>
-          </a:p>
-          <a:p>
-            <a:r>
-              <a:rPr lang="es-UY" dirty="0" smtClean="0"/>
-              <a:t>Conclusiones</a:t>
-            </a:r>
-            <a:endParaRPr lang="es-UY" dirty="0" smtClean="0"/>
-          </a:p>
-        </p:txBody>
-      </p:sp>
-      <p:pic>
-        <p:nvPicPr>
-          <p:cNvPr id="5" name="4 Imagen" descr="agenda.jpg"/>
-          <p:cNvPicPr>
-            <a:picLocks noChangeAspect="1"/>
-          </p:cNvPicPr>
-          <p:nvPr/>
-        </p:nvPicPr>
-        <p:blipFill>
-          <a:blip r:embed="rId2"/>
-          <a:stretch>
-            <a:fillRect/>
-          </a:stretch>
-        </p:blipFill>
-        <p:spPr>
-          <a:xfrm>
-            <a:off x="6000760" y="3786190"/>
-            <a:ext cx="2786082" cy="2786082"/>
-          </a:xfrm>
-          <a:prstGeom prst="rect">
-            <a:avLst/>
-          </a:prstGeom>
-        </p:spPr>
-      </p:pic>
-    </p:spTree>
-  </p:cSld>
-  <p:clrMapOvr>
-    <a:masterClrMapping/>
-  </p:clrMapOvr>
-  <p:timing>
-    <p:tnLst>
-      <p:par>
-        <p:cTn id="1" dur="indefinite" restart="never" nodeType="tmRoot"/>
-      </p:par>
-    </p:tnLst>
-  </p:timing>
-</p:sld>
-</file>
-
-<file path=ppt/slides/slide3.xml><?xml version="1.0" encoding="utf-8"?>
-<p:sld xmlns:a="http://schemas.openxmlformats.org/drawingml/2006/main" xmlns:r="http://schemas.openxmlformats.org/officeDocument/2006/relationships" xmlns:p="http://schemas.openxmlformats.org/presentationml/2006/main">
-  <p:cSld>
-    <p:spTree>
-      <p:nvGrpSpPr>
-        <p:cNvPr id="1" name=""/>
-        <p:cNvGrpSpPr/>
-        <p:nvPr/>
-      </p:nvGrpSpPr>
-      <p:grpSpPr>
-        <a:xfrm>
-          <a:off x="0" y="0"/>
-          <a:ext cx="0" cy="0"/>
-          <a:chOff x="0" y="0"/>
-          <a:chExt cx="0" cy="0"/>
-        </a:xfrm>
-      </p:grpSpPr>
-      <p:sp>
-        <p:nvSpPr>
-          <p:cNvPr id="2" name="1 Título"/>
-          <p:cNvSpPr>
-            <a:spLocks noGrp="1"/>
-          </p:cNvSpPr>
-          <p:nvPr>
-            <p:ph type="title"/>
-          </p:nvPr>
-        </p:nvSpPr>
-        <p:spPr/>
-        <p:txBody>
-          <a:bodyPr/>
-          <a:lstStyle/>
-          <a:p>
-            <a:pPr algn="ctr"/>
-            <a:r>
-              <a:rPr lang="es-ES" dirty="0" smtClean="0"/>
-              <a:t>Contexto</a:t>
-            </a:r>
-            <a:endParaRPr lang="es-ES" dirty="0"/>
-          </a:p>
-        </p:txBody>
-      </p:sp>
-      <p:pic>
-        <p:nvPicPr>
-          <p:cNvPr id="4" name="3 Marcador de contenido" descr="amazon.jpg"/>
-          <p:cNvPicPr>
-            <a:picLocks noGrp="1" noChangeAspect="1"/>
-          </p:cNvPicPr>
-          <p:nvPr>
-            <p:ph idx="1"/>
-          </p:nvPr>
-        </p:nvPicPr>
-        <p:blipFill>
-          <a:blip r:embed="rId2"/>
-          <a:stretch>
-            <a:fillRect/>
-          </a:stretch>
-        </p:blipFill>
-        <p:spPr>
-          <a:xfrm>
-            <a:off x="1714480" y="2143116"/>
-            <a:ext cx="2790825" cy="1638300"/>
-          </a:xfrm>
-        </p:spPr>
-      </p:pic>
-      <p:pic>
-        <p:nvPicPr>
-          <p:cNvPr id="5" name="4 Imagen" descr="ebay.jpg"/>
-          <p:cNvPicPr>
-            <a:picLocks noChangeAspect="1"/>
-          </p:cNvPicPr>
-          <p:nvPr/>
-        </p:nvPicPr>
-        <p:blipFill>
-          <a:blip r:embed="rId3"/>
-          <a:stretch>
-            <a:fillRect/>
-          </a:stretch>
-        </p:blipFill>
-        <p:spPr>
-          <a:xfrm>
-            <a:off x="4857752" y="2285992"/>
-            <a:ext cx="2143125" cy="2143125"/>
-          </a:xfrm>
-          <a:prstGeom prst="rect">
-            <a:avLst/>
-          </a:prstGeom>
-        </p:spPr>
-      </p:pic>
-      <p:pic>
-        <p:nvPicPr>
-          <p:cNvPr id="6" name="5 Imagen" descr="googleplay.jpg"/>
-          <p:cNvPicPr>
-            <a:picLocks noChangeAspect="1"/>
-          </p:cNvPicPr>
-          <p:nvPr/>
-        </p:nvPicPr>
-        <p:blipFill>
-          <a:blip r:embed="rId4"/>
-          <a:stretch>
-            <a:fillRect/>
-          </a:stretch>
-        </p:blipFill>
-        <p:spPr>
-          <a:xfrm>
-            <a:off x="1928794" y="3857628"/>
-            <a:ext cx="1928826" cy="1444757"/>
-          </a:xfrm>
-          <a:prstGeom prst="rect">
-            <a:avLst/>
-          </a:prstGeom>
-        </p:spPr>
-      </p:pic>
-      <p:pic>
-        <p:nvPicPr>
-          <p:cNvPr id="7" name="6 Imagen" descr="appstore.jpg"/>
-          <p:cNvPicPr>
-            <a:picLocks noChangeAspect="1"/>
-          </p:cNvPicPr>
-          <p:nvPr/>
-        </p:nvPicPr>
-        <p:blipFill>
-          <a:blip r:embed="rId5"/>
-          <a:stretch>
-            <a:fillRect/>
-          </a:stretch>
-        </p:blipFill>
-        <p:spPr>
-          <a:xfrm>
-            <a:off x="4857752" y="4214818"/>
-            <a:ext cx="1838556" cy="1504947"/>
-          </a:xfrm>
-          <a:prstGeom prst="rect">
-            <a:avLst/>
-          </a:prstGeom>
-        </p:spPr>
-      </p:pic>
-    </p:spTree>
-  </p:cSld>
-  <p:clrMapOvr>
-    <a:masterClrMapping/>
-  </p:clrMapOvr>
-</p:sld>
-</file>
-
-<file path=ppt/slides/slide4.xml><?xml version="1.0" encoding="utf-8"?>
-<p:sld xmlns:a="http://schemas.openxmlformats.org/drawingml/2006/main" xmlns:r="http://schemas.openxmlformats.org/officeDocument/2006/relationships" xmlns:p="http://schemas.openxmlformats.org/presentationml/2006/main">
-  <p:cSld>
-    <p:spTree>
-      <p:nvGrpSpPr>
-        <p:cNvPr id="1" name=""/>
-        <p:cNvGrpSpPr/>
-        <p:nvPr/>
-      </p:nvGrpSpPr>
-      <p:grpSpPr>
-        <a:xfrm>
-          <a:off x="0" y="0"/>
-          <a:ext cx="0" cy="0"/>
-          <a:chOff x="0" y="0"/>
-          <a:chExt cx="0" cy="0"/>
-        </a:xfrm>
-      </p:grpSpPr>
-      <p:sp>
-        <p:nvSpPr>
-          <p:cNvPr id="2" name="1 Título"/>
-          <p:cNvSpPr>
-            <a:spLocks noGrp="1"/>
-          </p:cNvSpPr>
-          <p:nvPr>
-            <p:ph type="title"/>
-          </p:nvPr>
-        </p:nvSpPr>
-        <p:spPr/>
-        <p:txBody>
-          <a:bodyPr/>
-          <a:lstStyle/>
-          <a:p>
-            <a:pPr algn="ctr"/>
-            <a:r>
-              <a:rPr lang="es-ES" dirty="0" smtClean="0"/>
-              <a:t>E-</a:t>
-            </a:r>
-            <a:r>
-              <a:rPr lang="es-ES" dirty="0" err="1" smtClean="0"/>
-              <a:t>commerce</a:t>
-            </a:r>
-            <a:endParaRPr lang="es-ES" dirty="0"/>
-          </a:p>
-        </p:txBody>
-      </p:sp>
-      <p:sp>
-        <p:nvSpPr>
-          <p:cNvPr id="3" name="2 Marcador de contenido"/>
-          <p:cNvSpPr>
-            <a:spLocks noGrp="1"/>
-          </p:cNvSpPr>
-          <p:nvPr>
-            <p:ph idx="1"/>
-          </p:nvPr>
-        </p:nvSpPr>
-        <p:spPr>
-          <a:xfrm>
-            <a:off x="428596" y="2285992"/>
-            <a:ext cx="8229600" cy="2565090"/>
-          </a:xfrm>
-        </p:spPr>
-        <p:txBody>
-          <a:bodyPr/>
-          <a:lstStyle/>
-          <a:p>
-            <a:endParaRPr lang="es-ES" dirty="0" smtClean="0"/>
-          </a:p>
-          <a:p>
-            <a:r>
-              <a:rPr lang="es-ES" dirty="0" smtClean="0"/>
-              <a:t>Compra y venta de bienes o prestación de servicios</a:t>
-            </a:r>
-          </a:p>
-          <a:p>
-            <a:r>
-              <a:rPr lang="es-ES" dirty="0" smtClean="0"/>
-              <a:t>Negociaciones previas</a:t>
-            </a:r>
-          </a:p>
-          <a:p>
-            <a:r>
-              <a:rPr lang="es-ES" dirty="0" smtClean="0"/>
-              <a:t>Entre otras actividades…</a:t>
-            </a:r>
-            <a:endParaRPr lang="es-ES" dirty="0"/>
-          </a:p>
-        </p:txBody>
-      </p:sp>
-      <p:pic>
-        <p:nvPicPr>
-          <p:cNvPr id="4" name="3 Imagen" descr="e-commerce2-buena.png"/>
-          <p:cNvPicPr>
-            <a:picLocks noChangeAspect="1"/>
-          </p:cNvPicPr>
-          <p:nvPr/>
-        </p:nvPicPr>
-        <p:blipFill>
-          <a:blip r:embed="rId2"/>
-          <a:stretch>
-            <a:fillRect/>
-          </a:stretch>
-        </p:blipFill>
-        <p:spPr>
-          <a:xfrm>
-            <a:off x="5072066" y="3723156"/>
-            <a:ext cx="2514604" cy="2477625"/>
-          </a:xfrm>
-          <a:prstGeom prst="rect">
-            <a:avLst/>
-          </a:prstGeom>
-        </p:spPr>
-      </p:pic>
-    </p:spTree>
-  </p:cSld>
-  <p:clrMapOvr>
-    <a:masterClrMapping/>
-  </p:clrMapOvr>
-</p:sld>
-</file>
-
-<file path=ppt/slides/slide5.xml><?xml version="1.0" encoding="utf-8"?>
-<p:sld xmlns:a="http://schemas.openxmlformats.org/drawingml/2006/main" xmlns:r="http://schemas.openxmlformats.org/officeDocument/2006/relationships" xmlns:p="http://schemas.openxmlformats.org/presentationml/2006/main">
-  <p:cSld>
-    <p:spTree>
-      <p:nvGrpSpPr>
-        <p:cNvPr id="1" name=""/>
-        <p:cNvGrpSpPr/>
-        <p:nvPr/>
-      </p:nvGrpSpPr>
-      <p:grpSpPr>
-        <a:xfrm>
-          <a:off x="0" y="0"/>
-          <a:ext cx="0" cy="0"/>
-          <a:chOff x="0" y="0"/>
-          <a:chExt cx="0" cy="0"/>
-        </a:xfrm>
-      </p:grpSpPr>
-      <p:sp>
-        <p:nvSpPr>
-          <p:cNvPr id="2" name="1 Título"/>
-          <p:cNvSpPr>
-            <a:spLocks noGrp="1"/>
-          </p:cNvSpPr>
-          <p:nvPr>
-            <p:ph type="title"/>
-          </p:nvPr>
-        </p:nvSpPr>
-        <p:spPr/>
-        <p:txBody>
-          <a:bodyPr/>
-          <a:lstStyle/>
-          <a:p>
-            <a:pPr algn="ctr"/>
-            <a:r>
-              <a:rPr lang="es-ES" dirty="0" err="1" smtClean="0"/>
-              <a:t>Marketplace</a:t>
-            </a:r>
-            <a:endParaRPr lang="es-ES" dirty="0"/>
-          </a:p>
-        </p:txBody>
-      </p:sp>
-      <p:sp>
-        <p:nvSpPr>
-          <p:cNvPr id="3" name="2 Marcador de contenido"/>
-          <p:cNvSpPr>
-            <a:spLocks noGrp="1"/>
-          </p:cNvSpPr>
-          <p:nvPr>
-            <p:ph idx="1"/>
-          </p:nvPr>
-        </p:nvSpPr>
-        <p:spPr/>
-        <p:txBody>
-          <a:bodyPr/>
-          <a:lstStyle/>
-          <a:p>
-            <a:endParaRPr lang="es-ES" dirty="0" smtClean="0"/>
-          </a:p>
-          <a:p>
-            <a:r>
-              <a:rPr lang="es-ES" dirty="0" smtClean="0"/>
-              <a:t>Ventajas </a:t>
-            </a:r>
-          </a:p>
-          <a:p>
-            <a:pPr lvl="1"/>
-            <a:r>
-              <a:rPr lang="es-UY" dirty="0" err="1" smtClean="0"/>
-              <a:t>Desgeografización</a:t>
-            </a:r>
-            <a:endParaRPr lang="es-UY" dirty="0" smtClean="0"/>
-          </a:p>
-          <a:p>
-            <a:pPr lvl="1"/>
-            <a:r>
-              <a:rPr lang="es-UY" dirty="0" smtClean="0"/>
-              <a:t>Mejores precios</a:t>
-            </a:r>
-          </a:p>
-          <a:p>
-            <a:pPr lvl="1"/>
-            <a:r>
-              <a:rPr lang="es-UY" dirty="0" smtClean="0"/>
-              <a:t>Entre otros</a:t>
-            </a:r>
-          </a:p>
-          <a:p>
-            <a:r>
-              <a:rPr lang="es-UY" dirty="0" smtClean="0"/>
-              <a:t>Desventajas</a:t>
-            </a:r>
-          </a:p>
-          <a:p>
-            <a:pPr lvl="1"/>
-            <a:r>
-              <a:rPr lang="es-UY" dirty="0" smtClean="0"/>
-              <a:t>Seguridad</a:t>
-            </a:r>
-            <a:endParaRPr lang="es-ES" dirty="0"/>
-          </a:p>
-        </p:txBody>
-      </p:sp>
-    </p:spTree>
-  </p:cSld>
-  <p:clrMapOvr>
-    <a:masterClrMapping/>
-  </p:clrMapOvr>
-</p:sld>
-</file>
-
-<file path=ppt/slides/slide6.xml><?xml version="1.0" encoding="utf-8"?>
 <p:sld xmlns:a="http://schemas.openxmlformats.org/drawingml/2006/main" xmlns:r="http://schemas.openxmlformats.org/officeDocument/2006/relationships" xmlns:p="http://schemas.openxmlformats.org/presentationml/2006/main">
   <p:cSld>
     <p:bg>
@@ -6586,7 +4339,7 @@
 </p:sld>
 </file>
 
-<file path=ppt/slides/slide7.xml><?xml version="1.0" encoding="utf-8"?>
+<file path=ppt/slides/slide11.xml><?xml version="1.0" encoding="utf-8"?>
 <p:sld xmlns:a="http://schemas.openxmlformats.org/drawingml/2006/main" xmlns:r="http://schemas.openxmlformats.org/officeDocument/2006/relationships" xmlns:p="http://schemas.openxmlformats.org/presentationml/2006/main">
   <p:cSld>
     <p:spTree>
@@ -6753,7 +4506,7 @@
 </p:sld>
 </file>
 
-<file path=ppt/slides/slide8.xml><?xml version="1.0" encoding="utf-8"?>
+<file path=ppt/slides/slide12.xml><?xml version="1.0" encoding="utf-8"?>
 <p:sld xmlns:a="http://schemas.openxmlformats.org/drawingml/2006/main" xmlns:r="http://schemas.openxmlformats.org/officeDocument/2006/relationships" xmlns:p="http://schemas.openxmlformats.org/presentationml/2006/main">
   <p:cSld>
     <p:spTree>
@@ -7046,7 +4799,7 @@
 </p:sld>
 </file>
 
-<file path=ppt/slides/slide9.xml><?xml version="1.0" encoding="utf-8"?>
+<file path=ppt/slides/slide13.xml><?xml version="1.0" encoding="utf-8"?>
 <p:sld xmlns:a="http://schemas.openxmlformats.org/drawingml/2006/main" xmlns:r="http://schemas.openxmlformats.org/officeDocument/2006/relationships" xmlns:p="http://schemas.openxmlformats.org/presentationml/2006/main">
   <p:cSld>
     <p:spTree>
@@ -7287,6 +5040,2734 @@
       </p:par>
     </p:tnLst>
   </p:timing>
+</p:sld>
+</file>
+
+<file path=ppt/slides/slide14.xml><?xml version="1.0" encoding="utf-8"?>
+<p:sld xmlns:a="http://schemas.openxmlformats.org/drawingml/2006/main" xmlns:r="http://schemas.openxmlformats.org/officeDocument/2006/relationships" xmlns:p="http://schemas.openxmlformats.org/presentationml/2006/main">
+  <p:cSld>
+    <p:spTree>
+      <p:nvGrpSpPr>
+        <p:cNvPr id="1" name=""/>
+        <p:cNvGrpSpPr/>
+        <p:nvPr/>
+      </p:nvGrpSpPr>
+      <p:grpSpPr>
+        <a:xfrm>
+          <a:off x="0" y="0"/>
+          <a:ext cx="0" cy="0"/>
+          <a:chOff x="0" y="0"/>
+          <a:chExt cx="0" cy="0"/>
+        </a:xfrm>
+      </p:grpSpPr>
+      <p:sp>
+        <p:nvSpPr>
+          <p:cNvPr id="2" name="1 Título"/>
+          <p:cNvSpPr>
+            <a:spLocks noGrp="1"/>
+          </p:cNvSpPr>
+          <p:nvPr>
+            <p:ph type="title"/>
+          </p:nvPr>
+        </p:nvSpPr>
+        <p:spPr/>
+        <p:txBody>
+          <a:bodyPr>
+            <a:normAutofit fontScale="90000"/>
+          </a:bodyPr>
+          <a:lstStyle/>
+          <a:p>
+            <a:r>
+              <a:rPr lang="es-UY" dirty="0" smtClean="0"/>
+              <a:t>Prototipo de la aplicación y Arquitectura</a:t>
+            </a:r>
+            <a:endParaRPr lang="es-UY" dirty="0"/>
+          </a:p>
+        </p:txBody>
+      </p:sp>
+      <p:sp>
+        <p:nvSpPr>
+          <p:cNvPr id="3" name="2 Marcador de contenido"/>
+          <p:cNvSpPr>
+            <a:spLocks noGrp="1"/>
+          </p:cNvSpPr>
+          <p:nvPr>
+            <p:ph idx="1"/>
+          </p:nvPr>
+        </p:nvSpPr>
+        <p:spPr/>
+        <p:txBody>
+          <a:bodyPr/>
+          <a:lstStyle/>
+          <a:p>
+            <a:r>
+              <a:rPr lang="es-UY" dirty="0" smtClean="0"/>
+              <a:t>Estilos arquitectónico</a:t>
+            </a:r>
+          </a:p>
+          <a:p>
+            <a:pPr lvl="1"/>
+            <a:r>
+              <a:rPr lang="es-UY" dirty="0" smtClean="0"/>
+              <a:t>Capa de presentación</a:t>
+            </a:r>
+          </a:p>
+          <a:p>
+            <a:pPr lvl="1"/>
+            <a:r>
+              <a:rPr lang="es-UY" dirty="0" smtClean="0"/>
+              <a:t>Capa de negocio</a:t>
+            </a:r>
+          </a:p>
+          <a:p>
+            <a:pPr lvl="1"/>
+            <a:r>
+              <a:rPr lang="es-UY" dirty="0" smtClean="0"/>
+              <a:t>Capa de persistencia</a:t>
+            </a:r>
+          </a:p>
+          <a:p>
+            <a:endParaRPr lang="en-US" dirty="0" smtClean="0"/>
+          </a:p>
+          <a:p>
+            <a:endParaRPr lang="es-UY" dirty="0" smtClean="0"/>
+          </a:p>
+          <a:p>
+            <a:r>
+              <a:rPr lang="es-UY" dirty="0" smtClean="0"/>
+              <a:t>Escenarios de </a:t>
+            </a:r>
+            <a:r>
+              <a:rPr lang="es-UY" dirty="0" err="1" smtClean="0"/>
+              <a:t>deployment</a:t>
+            </a:r>
+            <a:endParaRPr lang="es-UY" dirty="0" smtClean="0"/>
+          </a:p>
+          <a:p>
+            <a:pPr lvl="1"/>
+            <a:r>
+              <a:rPr lang="es-UY" dirty="0" smtClean="0"/>
+              <a:t>Escenario de desarrollo</a:t>
+            </a:r>
+          </a:p>
+          <a:p>
+            <a:pPr lvl="1"/>
+            <a:r>
+              <a:rPr lang="es-UY" dirty="0" smtClean="0"/>
+              <a:t>Escenario de producción</a:t>
+            </a:r>
+          </a:p>
+          <a:p>
+            <a:endParaRPr lang="es-UY" dirty="0" smtClean="0"/>
+          </a:p>
+          <a:p>
+            <a:endParaRPr lang="es-UY" dirty="0"/>
+          </a:p>
+        </p:txBody>
+      </p:sp>
+      <p:pic>
+        <p:nvPicPr>
+          <p:cNvPr id="10242" name="Picture 2" descr="http://www.geek.com.mx/wp-content/uploads/2012/07/medium_megin_legos.jpg"/>
+          <p:cNvPicPr>
+            <a:picLocks noChangeAspect="1" noChangeArrowheads="1"/>
+          </p:cNvPicPr>
+          <p:nvPr/>
+        </p:nvPicPr>
+        <p:blipFill>
+          <a:blip r:embed="rId2" cstate="print"/>
+          <a:srcRect/>
+          <a:stretch>
+            <a:fillRect/>
+          </a:stretch>
+        </p:blipFill>
+        <p:spPr bwMode="auto">
+          <a:xfrm>
+            <a:off x="4932040" y="1772816"/>
+            <a:ext cx="3801977" cy="2847603"/>
+          </a:xfrm>
+          <a:prstGeom prst="rect">
+            <a:avLst/>
+          </a:prstGeom>
+          <a:noFill/>
+          <a:ln w="0" cap="rnd">
+            <a:solidFill>
+              <a:schemeClr val="tx1"/>
+            </a:solidFill>
+          </a:ln>
+          <a:effectLst>
+            <a:outerShdw blurRad="177800" dir="3600000" sx="101000" sy="101000" algn="ctr" rotWithShape="0">
+              <a:srgbClr val="000000">
+                <a:alpha val="76000"/>
+              </a:srgbClr>
+            </a:outerShdw>
+          </a:effectLst>
+        </p:spPr>
+      </p:pic>
+    </p:spTree>
+  </p:cSld>
+  <p:clrMapOvr>
+    <a:masterClrMapping/>
+  </p:clrMapOvr>
+  <p:timing>
+    <p:tnLst>
+      <p:par>
+        <p:cTn id="1" dur="indefinite" restart="never" nodeType="tmRoot"/>
+      </p:par>
+    </p:tnLst>
+  </p:timing>
+</p:sld>
+</file>
+
+<file path=ppt/slides/slide15.xml><?xml version="1.0" encoding="utf-8"?>
+<p:sld xmlns:a="http://schemas.openxmlformats.org/drawingml/2006/main" xmlns:r="http://schemas.openxmlformats.org/officeDocument/2006/relationships" xmlns:p="http://schemas.openxmlformats.org/presentationml/2006/main">
+  <p:cSld>
+    <p:spTree>
+      <p:nvGrpSpPr>
+        <p:cNvPr id="1" name=""/>
+        <p:cNvGrpSpPr/>
+        <p:nvPr/>
+      </p:nvGrpSpPr>
+      <p:grpSpPr>
+        <a:xfrm>
+          <a:off x="0" y="0"/>
+          <a:ext cx="0" cy="0"/>
+          <a:chOff x="0" y="0"/>
+          <a:chExt cx="0" cy="0"/>
+        </a:xfrm>
+      </p:grpSpPr>
+      <p:sp>
+        <p:nvSpPr>
+          <p:cNvPr id="2" name="1 Título"/>
+          <p:cNvSpPr>
+            <a:spLocks noGrp="1"/>
+          </p:cNvSpPr>
+          <p:nvPr>
+            <p:ph type="title"/>
+          </p:nvPr>
+        </p:nvSpPr>
+        <p:spPr>
+          <a:xfrm>
+            <a:off x="914400" y="620688"/>
+            <a:ext cx="7185992" cy="1010376"/>
+          </a:xfrm>
+        </p:spPr>
+        <p:txBody>
+          <a:bodyPr>
+            <a:normAutofit/>
+          </a:bodyPr>
+          <a:lstStyle/>
+          <a:p>
+            <a:r>
+              <a:rPr lang="es-UY" sz="3200" dirty="0" smtClean="0"/>
+              <a:t>Arquitectura en capas - </a:t>
+            </a:r>
+            <a:r>
+              <a:rPr lang="es-UY" sz="3200" dirty="0" err="1" smtClean="0"/>
+              <a:t>JavaEE</a:t>
+            </a:r>
+            <a:endParaRPr lang="es-UY" sz="3200" dirty="0"/>
+          </a:p>
+        </p:txBody>
+      </p:sp>
+      <p:pic>
+        <p:nvPicPr>
+          <p:cNvPr id="3074" name="Picture 2"/>
+          <p:cNvPicPr>
+            <a:picLocks noGrp="1" noChangeAspect="1" noChangeArrowheads="1"/>
+          </p:cNvPicPr>
+          <p:nvPr>
+            <p:ph idx="1"/>
+          </p:nvPr>
+        </p:nvPicPr>
+        <p:blipFill>
+          <a:blip r:embed="rId2" cstate="print"/>
+          <a:stretch>
+            <a:fillRect/>
+          </a:stretch>
+        </p:blipFill>
+        <p:spPr bwMode="auto">
+          <a:xfrm>
+            <a:off x="1119187" y="1962944"/>
+            <a:ext cx="6905625" cy="4333875"/>
+          </a:xfrm>
+          <a:prstGeom prst="rect">
+            <a:avLst/>
+          </a:prstGeom>
+          <a:noFill/>
+          <a:ln w="9525">
+            <a:noFill/>
+            <a:miter lim="800000"/>
+            <a:headEnd/>
+            <a:tailEnd/>
+          </a:ln>
+          <a:effectLst>
+            <a:outerShdw blurRad="177800" dir="3600000" sx="101000" sy="101000" algn="ctr" rotWithShape="0">
+              <a:srgbClr val="000000">
+                <a:alpha val="78000"/>
+              </a:srgbClr>
+            </a:outerShdw>
+          </a:effectLst>
+        </p:spPr>
+      </p:pic>
+    </p:spTree>
+  </p:cSld>
+  <p:clrMapOvr>
+    <a:masterClrMapping/>
+  </p:clrMapOvr>
+  <p:timing>
+    <p:tnLst>
+      <p:par>
+        <p:cTn id="1" dur="indefinite" restart="never" nodeType="tmRoot"/>
+      </p:par>
+    </p:tnLst>
+  </p:timing>
+</p:sld>
+</file>
+
+<file path=ppt/slides/slide16.xml><?xml version="1.0" encoding="utf-8"?>
+<p:sld xmlns:a="http://schemas.openxmlformats.org/drawingml/2006/main" xmlns:r="http://schemas.openxmlformats.org/officeDocument/2006/relationships" xmlns:p="http://schemas.openxmlformats.org/presentationml/2006/main">
+  <p:cSld>
+    <p:spTree>
+      <p:nvGrpSpPr>
+        <p:cNvPr id="1" name=""/>
+        <p:cNvGrpSpPr/>
+        <p:nvPr/>
+      </p:nvGrpSpPr>
+      <p:grpSpPr>
+        <a:xfrm>
+          <a:off x="0" y="0"/>
+          <a:ext cx="0" cy="0"/>
+          <a:chOff x="0" y="0"/>
+          <a:chExt cx="0" cy="0"/>
+        </a:xfrm>
+      </p:grpSpPr>
+      <p:sp>
+        <p:nvSpPr>
+          <p:cNvPr id="2" name="1 Título"/>
+          <p:cNvSpPr>
+            <a:spLocks noGrp="1"/>
+          </p:cNvSpPr>
+          <p:nvPr>
+            <p:ph type="title"/>
+          </p:nvPr>
+        </p:nvSpPr>
+        <p:spPr>
+          <a:xfrm>
+            <a:off x="467544" y="764704"/>
+            <a:ext cx="8229600" cy="866360"/>
+          </a:xfrm>
+        </p:spPr>
+        <p:txBody>
+          <a:bodyPr>
+            <a:normAutofit/>
+          </a:bodyPr>
+          <a:lstStyle/>
+          <a:p>
+            <a:r>
+              <a:rPr lang="es-UY" sz="3200" dirty="0" smtClean="0"/>
+              <a:t>Escenario de desarrollo</a:t>
+            </a:r>
+            <a:endParaRPr lang="es-UY" sz="3200" dirty="0"/>
+          </a:p>
+        </p:txBody>
+      </p:sp>
+      <p:pic>
+        <p:nvPicPr>
+          <p:cNvPr id="1026" name="Picture 2"/>
+          <p:cNvPicPr>
+            <a:picLocks noGrp="1" noChangeAspect="1" noChangeArrowheads="1"/>
+          </p:cNvPicPr>
+          <p:nvPr>
+            <p:ph idx="1"/>
+          </p:nvPr>
+        </p:nvPicPr>
+        <p:blipFill>
+          <a:blip r:embed="rId2" cstate="print"/>
+          <a:stretch>
+            <a:fillRect/>
+          </a:stretch>
+        </p:blipFill>
+        <p:spPr bwMode="auto">
+          <a:xfrm>
+            <a:off x="489351" y="1935163"/>
+            <a:ext cx="8165297" cy="4389437"/>
+          </a:xfrm>
+          <a:prstGeom prst="rect">
+            <a:avLst/>
+          </a:prstGeom>
+          <a:noFill/>
+          <a:ln w="9525">
+            <a:noFill/>
+            <a:miter lim="800000"/>
+            <a:headEnd/>
+            <a:tailEnd/>
+          </a:ln>
+          <a:effectLst>
+            <a:outerShdw blurRad="177800" dir="3660000" algn="ctr" rotWithShape="0">
+              <a:srgbClr val="000000">
+                <a:alpha val="78000"/>
+              </a:srgbClr>
+            </a:outerShdw>
+          </a:effectLst>
+        </p:spPr>
+      </p:pic>
+    </p:spTree>
+  </p:cSld>
+  <p:clrMapOvr>
+    <a:masterClrMapping/>
+  </p:clrMapOvr>
+  <p:timing>
+    <p:tnLst>
+      <p:par>
+        <p:cTn id="1" dur="indefinite" restart="never" nodeType="tmRoot"/>
+      </p:par>
+    </p:tnLst>
+  </p:timing>
+</p:sld>
+</file>
+
+<file path=ppt/slides/slide17.xml><?xml version="1.0" encoding="utf-8"?>
+<p:sld xmlns:a="http://schemas.openxmlformats.org/drawingml/2006/main" xmlns:r="http://schemas.openxmlformats.org/officeDocument/2006/relationships" xmlns:p="http://schemas.openxmlformats.org/presentationml/2006/main">
+  <p:cSld>
+    <p:spTree>
+      <p:nvGrpSpPr>
+        <p:cNvPr id="1" name=""/>
+        <p:cNvGrpSpPr/>
+        <p:nvPr/>
+      </p:nvGrpSpPr>
+      <p:grpSpPr>
+        <a:xfrm>
+          <a:off x="0" y="0"/>
+          <a:ext cx="0" cy="0"/>
+          <a:chOff x="0" y="0"/>
+          <a:chExt cx="0" cy="0"/>
+        </a:xfrm>
+      </p:grpSpPr>
+      <p:sp>
+        <p:nvSpPr>
+          <p:cNvPr id="2" name="1 Título"/>
+          <p:cNvSpPr>
+            <a:spLocks noGrp="1"/>
+          </p:cNvSpPr>
+          <p:nvPr>
+            <p:ph type="title"/>
+          </p:nvPr>
+        </p:nvSpPr>
+        <p:spPr>
+          <a:xfrm>
+            <a:off x="467544" y="620688"/>
+            <a:ext cx="8229600" cy="938368"/>
+          </a:xfrm>
+        </p:spPr>
+        <p:txBody>
+          <a:bodyPr>
+            <a:normAutofit/>
+          </a:bodyPr>
+          <a:lstStyle/>
+          <a:p>
+            <a:r>
+              <a:rPr lang="es-UY" sz="3200" dirty="0" smtClean="0"/>
+              <a:t>Escenario de producción</a:t>
+            </a:r>
+            <a:endParaRPr lang="es-UY" sz="3200" dirty="0"/>
+          </a:p>
+        </p:txBody>
+      </p:sp>
+      <p:pic>
+        <p:nvPicPr>
+          <p:cNvPr id="2050" name="Picture 2"/>
+          <p:cNvPicPr>
+            <a:picLocks noGrp="1" noChangeAspect="1" noChangeArrowheads="1"/>
+          </p:cNvPicPr>
+          <p:nvPr>
+            <p:ph idx="1"/>
+          </p:nvPr>
+        </p:nvPicPr>
+        <p:blipFill>
+          <a:blip r:embed="rId2" cstate="print"/>
+          <a:stretch>
+            <a:fillRect/>
+          </a:stretch>
+        </p:blipFill>
+        <p:spPr bwMode="auto">
+          <a:xfrm>
+            <a:off x="457200" y="1995006"/>
+            <a:ext cx="8229600" cy="4269751"/>
+          </a:xfrm>
+          <a:prstGeom prst="rect">
+            <a:avLst/>
+          </a:prstGeom>
+          <a:noFill/>
+          <a:ln w="9525">
+            <a:noFill/>
+            <a:miter lim="800000"/>
+            <a:headEnd/>
+            <a:tailEnd/>
+          </a:ln>
+          <a:effectLst>
+            <a:outerShdw blurRad="177800" dir="3600000" sx="101000" sy="101000" algn="ctr" rotWithShape="0">
+              <a:srgbClr val="000000">
+                <a:alpha val="78000"/>
+              </a:srgbClr>
+            </a:outerShdw>
+          </a:effectLst>
+        </p:spPr>
+      </p:pic>
+    </p:spTree>
+  </p:cSld>
+  <p:clrMapOvr>
+    <a:masterClrMapping/>
+  </p:clrMapOvr>
+  <p:timing>
+    <p:tnLst>
+      <p:par>
+        <p:cTn id="1" dur="indefinite" restart="never" nodeType="tmRoot"/>
+      </p:par>
+    </p:tnLst>
+  </p:timing>
+</p:sld>
+</file>
+
+<file path=ppt/slides/slide18.xml><?xml version="1.0" encoding="utf-8"?>
+<p:sld xmlns:a="http://schemas.openxmlformats.org/drawingml/2006/main" xmlns:r="http://schemas.openxmlformats.org/officeDocument/2006/relationships" xmlns:p="http://schemas.openxmlformats.org/presentationml/2006/main">
+  <p:cSld>
+    <p:spTree>
+      <p:nvGrpSpPr>
+        <p:cNvPr id="1" name=""/>
+        <p:cNvGrpSpPr/>
+        <p:nvPr/>
+      </p:nvGrpSpPr>
+      <p:grpSpPr>
+        <a:xfrm>
+          <a:off x="0" y="0"/>
+          <a:ext cx="0" cy="0"/>
+          <a:chOff x="0" y="0"/>
+          <a:chExt cx="0" cy="0"/>
+        </a:xfrm>
+      </p:grpSpPr>
+      <p:sp>
+        <p:nvSpPr>
+          <p:cNvPr id="2" name="1 Título"/>
+          <p:cNvSpPr>
+            <a:spLocks noGrp="1"/>
+          </p:cNvSpPr>
+          <p:nvPr>
+            <p:ph type="title"/>
+          </p:nvPr>
+        </p:nvSpPr>
+        <p:spPr/>
+        <p:txBody>
+          <a:bodyPr>
+            <a:normAutofit fontScale="90000"/>
+          </a:bodyPr>
+          <a:lstStyle/>
+          <a:p>
+            <a:r>
+              <a:rPr lang="es-UY" dirty="0" smtClean="0"/>
+              <a:t>Relevamiento de Estándares y Herramientas </a:t>
+            </a:r>
+            <a:endParaRPr lang="es-UY" dirty="0"/>
+          </a:p>
+        </p:txBody>
+      </p:sp>
+      <p:sp>
+        <p:nvSpPr>
+          <p:cNvPr id="3" name="2 Marcador de contenido"/>
+          <p:cNvSpPr>
+            <a:spLocks noGrp="1"/>
+          </p:cNvSpPr>
+          <p:nvPr>
+            <p:ph idx="1"/>
+          </p:nvPr>
+        </p:nvSpPr>
+        <p:spPr/>
+        <p:txBody>
+          <a:bodyPr>
+            <a:normAutofit fontScale="92500" lnSpcReduction="20000"/>
+          </a:bodyPr>
+          <a:lstStyle/>
+          <a:p>
+            <a:pPr>
+              <a:buNone/>
+            </a:pPr>
+            <a:r>
+              <a:rPr lang="es-UY" dirty="0" smtClean="0"/>
+              <a:t>Herramientas utilizadas en el proceso </a:t>
+            </a:r>
+          </a:p>
+          <a:p>
+            <a:pPr>
+              <a:buNone/>
+            </a:pPr>
+            <a:r>
+              <a:rPr lang="es-UY" dirty="0" smtClean="0"/>
+              <a:t>de desarrollo:</a:t>
+            </a:r>
+          </a:p>
+          <a:p>
+            <a:pPr lvl="1"/>
+            <a:r>
+              <a:rPr lang="es-UY" dirty="0" smtClean="0"/>
+              <a:t>Eclipse </a:t>
+            </a:r>
+            <a:r>
+              <a:rPr lang="es-UY" dirty="0" err="1" smtClean="0"/>
+              <a:t>Indigo</a:t>
+            </a:r>
+            <a:r>
+              <a:rPr lang="es-UY" dirty="0" smtClean="0"/>
+              <a:t> + </a:t>
+            </a:r>
+            <a:r>
+              <a:rPr lang="es-UY" dirty="0" err="1" smtClean="0"/>
+              <a:t>Subversive</a:t>
+            </a:r>
+            <a:r>
+              <a:rPr lang="es-UY" dirty="0" smtClean="0"/>
+              <a:t>.</a:t>
+            </a:r>
+          </a:p>
+          <a:p>
+            <a:pPr lvl="1"/>
+            <a:r>
+              <a:rPr lang="es-UY" dirty="0" err="1" smtClean="0"/>
+              <a:t>Postgresql</a:t>
+            </a:r>
+            <a:r>
+              <a:rPr lang="es-UY" dirty="0" smtClean="0"/>
+              <a:t>  9.2 + </a:t>
+            </a:r>
+            <a:r>
+              <a:rPr lang="es-UY" dirty="0" err="1" smtClean="0"/>
+              <a:t>PostGIS</a:t>
+            </a:r>
+            <a:r>
+              <a:rPr lang="es-UY" dirty="0" smtClean="0"/>
+              <a:t> 2.0 + </a:t>
+            </a:r>
+            <a:r>
+              <a:rPr lang="es-UY" dirty="0" err="1" smtClean="0"/>
+              <a:t>pgAdmin</a:t>
+            </a:r>
+            <a:r>
+              <a:rPr lang="es-UY" dirty="0" smtClean="0"/>
+              <a:t> 1.6.	</a:t>
+            </a:r>
+          </a:p>
+          <a:p>
+            <a:pPr lvl="1"/>
+            <a:r>
+              <a:rPr lang="en-US" dirty="0" smtClean="0"/>
+              <a:t>Hibernate JPA 2.0 - JDBC</a:t>
+            </a:r>
+            <a:endParaRPr lang="es-UY" dirty="0" smtClean="0"/>
+          </a:p>
+          <a:p>
+            <a:pPr lvl="1"/>
+            <a:r>
+              <a:rPr lang="es-UY" dirty="0" err="1" smtClean="0"/>
+              <a:t>GeoServer</a:t>
+            </a:r>
+            <a:r>
+              <a:rPr lang="es-UY" dirty="0" smtClean="0"/>
+              <a:t> 2.3.1</a:t>
+            </a:r>
+          </a:p>
+          <a:p>
+            <a:pPr lvl="1"/>
+            <a:r>
+              <a:rPr lang="es-UY" dirty="0" err="1" smtClean="0"/>
+              <a:t>OpenLayers</a:t>
+            </a:r>
+            <a:r>
+              <a:rPr lang="es-UY" dirty="0" smtClean="0"/>
+              <a:t> 2.12</a:t>
+            </a:r>
+          </a:p>
+          <a:p>
+            <a:pPr lvl="1"/>
+            <a:r>
+              <a:rPr lang="en-US" dirty="0" smtClean="0"/>
+              <a:t>JSF 2.1 + </a:t>
+            </a:r>
+            <a:r>
+              <a:rPr lang="en-US" dirty="0" err="1" smtClean="0"/>
+              <a:t>Primefaces</a:t>
+            </a:r>
+            <a:r>
+              <a:rPr lang="en-US" dirty="0" smtClean="0"/>
+              <a:t> 3.5.</a:t>
+            </a:r>
+            <a:endParaRPr lang="es-UY" dirty="0" smtClean="0"/>
+          </a:p>
+          <a:p>
+            <a:pPr lvl="1"/>
+            <a:r>
+              <a:rPr lang="es-UY" dirty="0" err="1" smtClean="0"/>
+              <a:t>ApacheTomcat</a:t>
+            </a:r>
+            <a:r>
+              <a:rPr lang="es-UY" dirty="0" smtClean="0"/>
+              <a:t> 7.0.39.</a:t>
+            </a:r>
+          </a:p>
+          <a:p>
+            <a:pPr lvl="1"/>
+            <a:r>
+              <a:rPr lang="en-US" dirty="0" smtClean="0"/>
+              <a:t>Extras:</a:t>
+            </a:r>
+          </a:p>
+          <a:p>
+            <a:pPr lvl="2"/>
+            <a:r>
+              <a:rPr lang="en-US" dirty="0" smtClean="0"/>
+              <a:t>SVN Tortoise</a:t>
+            </a:r>
+            <a:endParaRPr lang="es-UY" dirty="0" smtClean="0"/>
+          </a:p>
+          <a:p>
+            <a:pPr lvl="2"/>
+            <a:r>
+              <a:rPr lang="en-US" dirty="0" smtClean="0"/>
+              <a:t>Visual Paradigm</a:t>
+            </a:r>
+          </a:p>
+        </p:txBody>
+      </p:sp>
+      <p:pic>
+        <p:nvPicPr>
+          <p:cNvPr id="6146" name="Picture 2" descr="http://www.tshapesolutions.com/wp-content/uploads/2011/01/Internet-Marketing-Tools.jpg"/>
+          <p:cNvPicPr>
+            <a:picLocks noChangeAspect="1" noChangeArrowheads="1"/>
+          </p:cNvPicPr>
+          <p:nvPr/>
+        </p:nvPicPr>
+        <p:blipFill>
+          <a:blip r:embed="rId2" cstate="print">
+            <a:clrChange>
+              <a:clrFrom>
+                <a:srgbClr val="FFFFFF"/>
+              </a:clrFrom>
+              <a:clrTo>
+                <a:srgbClr val="FFFFFF">
+                  <a:alpha val="0"/>
+                </a:srgbClr>
+              </a:clrTo>
+            </a:clrChange>
+          </a:blip>
+          <a:srcRect b="2150"/>
+          <a:stretch>
+            <a:fillRect/>
+          </a:stretch>
+        </p:blipFill>
+        <p:spPr bwMode="auto">
+          <a:xfrm>
+            <a:off x="4091543" y="3212976"/>
+            <a:ext cx="5052457" cy="3276506"/>
+          </a:xfrm>
+          <a:prstGeom prst="rect">
+            <a:avLst/>
+          </a:prstGeom>
+          <a:noFill/>
+        </p:spPr>
+      </p:pic>
+    </p:spTree>
+  </p:cSld>
+  <p:clrMapOvr>
+    <a:masterClrMapping/>
+  </p:clrMapOvr>
+  <p:timing>
+    <p:tnLst>
+      <p:par>
+        <p:cTn id="1" dur="indefinite" restart="never" nodeType="tmRoot"/>
+      </p:par>
+    </p:tnLst>
+  </p:timing>
+</p:sld>
+</file>
+
+<file path=ppt/slides/slide19.xml><?xml version="1.0" encoding="utf-8"?>
+<p:sld xmlns:a="http://schemas.openxmlformats.org/drawingml/2006/main" xmlns:r="http://schemas.openxmlformats.org/officeDocument/2006/relationships" xmlns:p="http://schemas.openxmlformats.org/presentationml/2006/main">
+  <p:cSld>
+    <p:spTree>
+      <p:nvGrpSpPr>
+        <p:cNvPr id="1" name=""/>
+        <p:cNvGrpSpPr/>
+        <p:nvPr/>
+      </p:nvGrpSpPr>
+      <p:grpSpPr>
+        <a:xfrm>
+          <a:off x="0" y="0"/>
+          <a:ext cx="0" cy="0"/>
+          <a:chOff x="0" y="0"/>
+          <a:chExt cx="0" cy="0"/>
+        </a:xfrm>
+      </p:grpSpPr>
+      <p:sp>
+        <p:nvSpPr>
+          <p:cNvPr id="2" name="1 Título"/>
+          <p:cNvSpPr>
+            <a:spLocks noGrp="1"/>
+          </p:cNvSpPr>
+          <p:nvPr>
+            <p:ph type="title"/>
+          </p:nvPr>
+        </p:nvSpPr>
+        <p:spPr/>
+        <p:txBody>
+          <a:bodyPr>
+            <a:normAutofit fontScale="90000"/>
+          </a:bodyPr>
+          <a:lstStyle/>
+          <a:p>
+            <a:r>
+              <a:rPr lang="en-US" dirty="0" err="1" smtClean="0"/>
+              <a:t>Evaluación</a:t>
+            </a:r>
+            <a:r>
+              <a:rPr lang="en-US" dirty="0" smtClean="0"/>
+              <a:t> de </a:t>
+            </a:r>
+            <a:r>
+              <a:rPr lang="en-US" dirty="0" err="1" smtClean="0"/>
+              <a:t>Estándares</a:t>
+            </a:r>
+            <a:r>
+              <a:rPr lang="en-US" dirty="0" smtClean="0"/>
+              <a:t> y </a:t>
+            </a:r>
+            <a:r>
+              <a:rPr lang="en-US" dirty="0" err="1" smtClean="0"/>
+              <a:t>Herramientas</a:t>
+            </a:r>
+            <a:endParaRPr lang="es-UY" dirty="0"/>
+          </a:p>
+        </p:txBody>
+      </p:sp>
+      <p:sp>
+        <p:nvSpPr>
+          <p:cNvPr id="3" name="2 Marcador de contenido"/>
+          <p:cNvSpPr>
+            <a:spLocks noGrp="1"/>
+          </p:cNvSpPr>
+          <p:nvPr>
+            <p:ph idx="1"/>
+          </p:nvPr>
+        </p:nvSpPr>
+        <p:spPr>
+          <a:xfrm>
+            <a:off x="457200" y="2204864"/>
+            <a:ext cx="8229600" cy="4119736"/>
+          </a:xfrm>
+        </p:spPr>
+        <p:txBody>
+          <a:bodyPr/>
+          <a:lstStyle/>
+          <a:p>
+            <a:r>
+              <a:rPr lang="en-US" dirty="0" smtClean="0"/>
+              <a:t>WFS-T </a:t>
+            </a:r>
+          </a:p>
+          <a:p>
+            <a:r>
+              <a:rPr lang="en-US" dirty="0" err="1" smtClean="0"/>
+              <a:t>Geoserver</a:t>
+            </a:r>
+            <a:endParaRPr lang="en-US" dirty="0" smtClean="0"/>
+          </a:p>
+          <a:p>
+            <a:r>
+              <a:rPr lang="en-US" dirty="0" err="1" smtClean="0"/>
+              <a:t>OpenLayers</a:t>
+            </a:r>
+            <a:endParaRPr lang="en-US" dirty="0" smtClean="0"/>
+          </a:p>
+          <a:p>
+            <a:r>
+              <a:rPr lang="en-US" dirty="0" err="1" smtClean="0"/>
+              <a:t>Postgres</a:t>
+            </a:r>
+            <a:r>
+              <a:rPr lang="en-US" dirty="0" smtClean="0"/>
+              <a:t> + </a:t>
+            </a:r>
+            <a:r>
+              <a:rPr lang="en-US" dirty="0" err="1" smtClean="0"/>
+              <a:t>Postgis</a:t>
+            </a:r>
+            <a:endParaRPr lang="es-UY" dirty="0"/>
+          </a:p>
+        </p:txBody>
+      </p:sp>
+      <p:pic>
+        <p:nvPicPr>
+          <p:cNvPr id="5122" name="Picture 2" descr="http://1.bp.blogspot.com/-KEvTT33ClPY/UYlvoWixv0I/AAAAAAAAAIY/g4uYEojkZvk/s1600/evaluacion.jpg"/>
+          <p:cNvPicPr>
+            <a:picLocks noChangeAspect="1" noChangeArrowheads="1"/>
+          </p:cNvPicPr>
+          <p:nvPr/>
+        </p:nvPicPr>
+        <p:blipFill>
+          <a:blip r:embed="rId2" cstate="print">
+            <a:clrChange>
+              <a:clrFrom>
+                <a:srgbClr val="FFFFFF"/>
+              </a:clrFrom>
+              <a:clrTo>
+                <a:srgbClr val="FFFFFF">
+                  <a:alpha val="0"/>
+                </a:srgbClr>
+              </a:clrTo>
+            </a:clrChange>
+          </a:blip>
+          <a:srcRect/>
+          <a:stretch>
+            <a:fillRect/>
+          </a:stretch>
+        </p:blipFill>
+        <p:spPr bwMode="auto">
+          <a:xfrm>
+            <a:off x="3923928" y="3068960"/>
+            <a:ext cx="4835565" cy="3096344"/>
+          </a:xfrm>
+          <a:prstGeom prst="rect">
+            <a:avLst/>
+          </a:prstGeom>
+          <a:noFill/>
+        </p:spPr>
+      </p:pic>
+    </p:spTree>
+  </p:cSld>
+  <p:clrMapOvr>
+    <a:masterClrMapping/>
+  </p:clrMapOvr>
+  <p:timing>
+    <p:tnLst>
+      <p:par>
+        <p:cTn id="1" dur="indefinite" restart="never" nodeType="tmRoot"/>
+      </p:par>
+    </p:tnLst>
+  </p:timing>
+</p:sld>
+</file>
+
+<file path=ppt/slides/slide2.xml><?xml version="1.0" encoding="utf-8"?>
+<p:sld xmlns:a="http://schemas.openxmlformats.org/drawingml/2006/main" xmlns:r="http://schemas.openxmlformats.org/officeDocument/2006/relationships" xmlns:p="http://schemas.openxmlformats.org/presentationml/2006/main">
+  <p:cSld>
+    <p:spTree>
+      <p:nvGrpSpPr>
+        <p:cNvPr id="1" name=""/>
+        <p:cNvGrpSpPr/>
+        <p:nvPr/>
+      </p:nvGrpSpPr>
+      <p:grpSpPr>
+        <a:xfrm>
+          <a:off x="0" y="0"/>
+          <a:ext cx="0" cy="0"/>
+          <a:chOff x="0" y="0"/>
+          <a:chExt cx="0" cy="0"/>
+        </a:xfrm>
+      </p:grpSpPr>
+      <p:sp>
+        <p:nvSpPr>
+          <p:cNvPr id="2" name="1 Título"/>
+          <p:cNvSpPr>
+            <a:spLocks noGrp="1"/>
+          </p:cNvSpPr>
+          <p:nvPr>
+            <p:ph type="title"/>
+          </p:nvPr>
+        </p:nvSpPr>
+        <p:spPr/>
+        <p:txBody>
+          <a:bodyPr>
+            <a:normAutofit/>
+          </a:bodyPr>
+          <a:lstStyle/>
+          <a:p>
+            <a:pPr algn="ctr"/>
+            <a:r>
+              <a:rPr lang="es-UY" dirty="0" smtClean="0"/>
+              <a:t>Agenda</a:t>
+            </a:r>
+            <a:endParaRPr lang="es-UY" dirty="0"/>
+          </a:p>
+        </p:txBody>
+      </p:sp>
+      <p:sp>
+        <p:nvSpPr>
+          <p:cNvPr id="3" name="2 Marcador de contenido"/>
+          <p:cNvSpPr>
+            <a:spLocks noGrp="1"/>
+          </p:cNvSpPr>
+          <p:nvPr>
+            <p:ph idx="1"/>
+          </p:nvPr>
+        </p:nvSpPr>
+        <p:spPr>
+          <a:xfrm>
+            <a:off x="500034" y="2143116"/>
+            <a:ext cx="8229600" cy="3565222"/>
+          </a:xfrm>
+        </p:spPr>
+        <p:txBody>
+          <a:bodyPr/>
+          <a:lstStyle/>
+          <a:p>
+            <a:r>
+              <a:rPr lang="es-UY" dirty="0" smtClean="0"/>
+              <a:t>Contexto</a:t>
+            </a:r>
+          </a:p>
+          <a:p>
+            <a:r>
+              <a:rPr lang="es-UY" dirty="0" smtClean="0"/>
+              <a:t>Objetivos</a:t>
+            </a:r>
+          </a:p>
+          <a:p>
+            <a:r>
+              <a:rPr lang="es-UY" dirty="0" smtClean="0"/>
+              <a:t>Proceso de desarrollo de la solución</a:t>
+            </a:r>
+          </a:p>
+          <a:p>
+            <a:r>
+              <a:rPr lang="es-UY" dirty="0" smtClean="0"/>
+              <a:t>Desarrollo del proyecto</a:t>
+            </a:r>
+          </a:p>
+          <a:p>
+            <a:r>
+              <a:rPr lang="es-UY" dirty="0" smtClean="0"/>
+              <a:t>Análisis de la gestión</a:t>
+            </a:r>
+          </a:p>
+          <a:p>
+            <a:r>
+              <a:rPr lang="es-UY" dirty="0" smtClean="0"/>
+              <a:t>Trabajos a futuro</a:t>
+            </a:r>
+          </a:p>
+          <a:p>
+            <a:r>
+              <a:rPr lang="es-UY" dirty="0" smtClean="0"/>
+              <a:t>Conclusiones</a:t>
+            </a:r>
+          </a:p>
+        </p:txBody>
+      </p:sp>
+      <p:pic>
+        <p:nvPicPr>
+          <p:cNvPr id="5" name="4 Imagen" descr="agenda.jpg"/>
+          <p:cNvPicPr>
+            <a:picLocks noChangeAspect="1"/>
+          </p:cNvPicPr>
+          <p:nvPr/>
+        </p:nvPicPr>
+        <p:blipFill>
+          <a:blip r:embed="rId2"/>
+          <a:stretch>
+            <a:fillRect/>
+          </a:stretch>
+        </p:blipFill>
+        <p:spPr>
+          <a:xfrm>
+            <a:off x="6000760" y="3786190"/>
+            <a:ext cx="2786082" cy="2786082"/>
+          </a:xfrm>
+          <a:prstGeom prst="rect">
+            <a:avLst/>
+          </a:prstGeom>
+        </p:spPr>
+      </p:pic>
+    </p:spTree>
+  </p:cSld>
+  <p:clrMapOvr>
+    <a:masterClrMapping/>
+  </p:clrMapOvr>
+  <p:timing>
+    <p:tnLst>
+      <p:par>
+        <p:cTn id="1" dur="indefinite" restart="never" nodeType="tmRoot"/>
+      </p:par>
+    </p:tnLst>
+  </p:timing>
+</p:sld>
+</file>
+
+<file path=ppt/slides/slide20.xml><?xml version="1.0" encoding="utf-8"?>
+<p:sld xmlns:a="http://schemas.openxmlformats.org/drawingml/2006/main" xmlns:r="http://schemas.openxmlformats.org/officeDocument/2006/relationships" xmlns:p="http://schemas.openxmlformats.org/presentationml/2006/main">
+  <p:cSld>
+    <p:spTree>
+      <p:nvGrpSpPr>
+        <p:cNvPr id="1" name=""/>
+        <p:cNvGrpSpPr/>
+        <p:nvPr/>
+      </p:nvGrpSpPr>
+      <p:grpSpPr>
+        <a:xfrm>
+          <a:off x="0" y="0"/>
+          <a:ext cx="0" cy="0"/>
+          <a:chOff x="0" y="0"/>
+          <a:chExt cx="0" cy="0"/>
+        </a:xfrm>
+      </p:grpSpPr>
+      <p:sp>
+        <p:nvSpPr>
+          <p:cNvPr id="2" name="1 Título"/>
+          <p:cNvSpPr>
+            <a:spLocks noGrp="1"/>
+          </p:cNvSpPr>
+          <p:nvPr>
+            <p:ph type="title"/>
+          </p:nvPr>
+        </p:nvSpPr>
+        <p:spPr>
+          <a:xfrm>
+            <a:off x="467544" y="620688"/>
+            <a:ext cx="8229600" cy="1143000"/>
+          </a:xfrm>
+        </p:spPr>
+        <p:txBody>
+          <a:bodyPr/>
+          <a:lstStyle/>
+          <a:p>
+            <a:pPr algn="ctr"/>
+            <a:r>
+              <a:rPr lang="en-US" dirty="0" err="1" smtClean="0"/>
+              <a:t>Presentación</a:t>
+            </a:r>
+            <a:r>
+              <a:rPr lang="en-US" dirty="0" smtClean="0"/>
+              <a:t> </a:t>
+            </a:r>
+            <a:r>
+              <a:rPr lang="en-US" dirty="0" err="1" smtClean="0"/>
+              <a:t>Previa</a:t>
+            </a:r>
+            <a:endParaRPr lang="es-UY" dirty="0"/>
+          </a:p>
+        </p:txBody>
+      </p:sp>
+      <p:pic>
+        <p:nvPicPr>
+          <p:cNvPr id="6" name="Picture 3" descr="C:\Users\JuanMa\Desktop\image3.png"/>
+          <p:cNvPicPr>
+            <a:picLocks noChangeAspect="1" noChangeArrowheads="1"/>
+          </p:cNvPicPr>
+          <p:nvPr/>
+        </p:nvPicPr>
+        <p:blipFill>
+          <a:blip r:embed="rId2" cstate="print"/>
+          <a:srcRect/>
+          <a:stretch>
+            <a:fillRect/>
+          </a:stretch>
+        </p:blipFill>
+        <p:spPr bwMode="auto">
+          <a:xfrm>
+            <a:off x="1115616" y="2348880"/>
+            <a:ext cx="7056784" cy="3969442"/>
+          </a:xfrm>
+          <a:prstGeom prst="rect">
+            <a:avLst/>
+          </a:prstGeom>
+          <a:noFill/>
+          <a:effectLst>
+            <a:outerShdw blurRad="177800" dir="3600000" sx="101000" sy="101000" algn="ctr" rotWithShape="0">
+              <a:srgbClr val="000000">
+                <a:alpha val="78000"/>
+              </a:srgbClr>
+            </a:outerShdw>
+          </a:effectLst>
+        </p:spPr>
+      </p:pic>
+    </p:spTree>
+  </p:cSld>
+  <p:clrMapOvr>
+    <a:masterClrMapping/>
+  </p:clrMapOvr>
+  <p:timing>
+    <p:tnLst>
+      <p:par>
+        <p:cTn id="1" dur="indefinite" restart="never" nodeType="tmRoot"/>
+      </p:par>
+    </p:tnLst>
+  </p:timing>
+</p:sld>
+</file>
+
+<file path=ppt/slides/slide21.xml><?xml version="1.0" encoding="utf-8"?>
+<p:sld xmlns:a="http://schemas.openxmlformats.org/drawingml/2006/main" xmlns:r="http://schemas.openxmlformats.org/officeDocument/2006/relationships" xmlns:p="http://schemas.openxmlformats.org/presentationml/2006/main">
+  <p:cSld>
+    <p:spTree>
+      <p:nvGrpSpPr>
+        <p:cNvPr id="1" name=""/>
+        <p:cNvGrpSpPr/>
+        <p:nvPr/>
+      </p:nvGrpSpPr>
+      <p:grpSpPr>
+        <a:xfrm>
+          <a:off x="0" y="0"/>
+          <a:ext cx="0" cy="0"/>
+          <a:chOff x="0" y="0"/>
+          <a:chExt cx="0" cy="0"/>
+        </a:xfrm>
+      </p:grpSpPr>
+      <p:pic>
+        <p:nvPicPr>
+          <p:cNvPr id="6" name="3 Marcador de contenido" descr="image.png"/>
+          <p:cNvPicPr>
+            <a:picLocks noChangeAspect="1"/>
+          </p:cNvPicPr>
+          <p:nvPr/>
+        </p:nvPicPr>
+        <p:blipFill>
+          <a:blip r:embed="rId2" cstate="print"/>
+          <a:stretch>
+            <a:fillRect/>
+          </a:stretch>
+        </p:blipFill>
+        <p:spPr>
+          <a:xfrm>
+            <a:off x="3851920" y="3789040"/>
+            <a:ext cx="4703938" cy="2645965"/>
+          </a:xfrm>
+          <a:prstGeom prst="rect">
+            <a:avLst/>
+          </a:prstGeom>
+          <a:effectLst>
+            <a:outerShdw blurRad="177800" dir="3600000" sx="101000" sy="101000" algn="ctr" rotWithShape="0">
+              <a:srgbClr val="000000">
+                <a:alpha val="78000"/>
+              </a:srgbClr>
+            </a:outerShdw>
+          </a:effectLst>
+        </p:spPr>
+      </p:pic>
+      <p:pic>
+        <p:nvPicPr>
+          <p:cNvPr id="7" name="Picture 2" descr="C:\Users\JuanMa\Desktop\image1.png"/>
+          <p:cNvPicPr>
+            <a:picLocks noChangeAspect="1" noChangeArrowheads="1"/>
+          </p:cNvPicPr>
+          <p:nvPr/>
+        </p:nvPicPr>
+        <p:blipFill>
+          <a:blip r:embed="rId3" cstate="print"/>
+          <a:srcRect/>
+          <a:stretch>
+            <a:fillRect/>
+          </a:stretch>
+        </p:blipFill>
+        <p:spPr bwMode="auto">
+          <a:xfrm>
+            <a:off x="467544" y="548680"/>
+            <a:ext cx="5076056" cy="2855282"/>
+          </a:xfrm>
+          <a:prstGeom prst="rect">
+            <a:avLst/>
+          </a:prstGeom>
+          <a:noFill/>
+          <a:effectLst>
+            <a:outerShdw blurRad="177800" dir="3600000" sx="101000" sy="101000" algn="ctr" rotWithShape="0">
+              <a:srgbClr val="000000">
+                <a:alpha val="78000"/>
+              </a:srgbClr>
+            </a:outerShdw>
+          </a:effectLst>
+        </p:spPr>
+      </p:pic>
+      <p:sp>
+        <p:nvSpPr>
+          <p:cNvPr id="8" name="7 CuadroTexto"/>
+          <p:cNvSpPr txBox="1"/>
+          <p:nvPr/>
+        </p:nvSpPr>
+        <p:spPr>
+          <a:xfrm>
+            <a:off x="1331640" y="4005064"/>
+            <a:ext cx="2376264" cy="1077218"/>
+          </a:xfrm>
+          <a:prstGeom prst="rect">
+            <a:avLst/>
+          </a:prstGeom>
+          <a:noFill/>
+        </p:spPr>
+        <p:txBody>
+          <a:bodyPr wrap="square" rtlCol="0">
+            <a:spAutoFit/>
+          </a:bodyPr>
+          <a:lstStyle/>
+          <a:p>
+            <a:pPr algn="ctr"/>
+            <a:r>
+              <a:rPr lang="en-US" sz="3200" b="1" dirty="0" err="1" smtClean="0">
+                <a:latin typeface="Candara" pitchFamily="34" charset="0"/>
+              </a:rPr>
+              <a:t>Zonas</a:t>
+            </a:r>
+            <a:r>
+              <a:rPr lang="en-US" sz="3200" b="1" dirty="0" smtClean="0">
+                <a:latin typeface="Candara" pitchFamily="34" charset="0"/>
+              </a:rPr>
+              <a:t> de </a:t>
+            </a:r>
+            <a:r>
+              <a:rPr lang="en-US" sz="3200" b="1" dirty="0" err="1" smtClean="0">
+                <a:latin typeface="Candara" pitchFamily="34" charset="0"/>
+              </a:rPr>
+              <a:t>Reparto</a:t>
+            </a:r>
+            <a:endParaRPr lang="es-UY" sz="3200" b="1" dirty="0">
+              <a:latin typeface="Candara" pitchFamily="34" charset="0"/>
+            </a:endParaRPr>
+          </a:p>
+        </p:txBody>
+      </p:sp>
+      <p:sp>
+        <p:nvSpPr>
+          <p:cNvPr id="11" name="10 CuadroTexto"/>
+          <p:cNvSpPr txBox="1"/>
+          <p:nvPr/>
+        </p:nvSpPr>
+        <p:spPr>
+          <a:xfrm>
+            <a:off x="5940152" y="1052736"/>
+            <a:ext cx="2160240" cy="584775"/>
+          </a:xfrm>
+          <a:prstGeom prst="rect">
+            <a:avLst/>
+          </a:prstGeom>
+          <a:noFill/>
+        </p:spPr>
+        <p:txBody>
+          <a:bodyPr wrap="square" rtlCol="0">
+            <a:spAutoFit/>
+          </a:bodyPr>
+          <a:lstStyle/>
+          <a:p>
+            <a:r>
+              <a:rPr lang="en-US" sz="3200" b="1" dirty="0" err="1" smtClean="0">
+                <a:latin typeface="Candara" pitchFamily="34" charset="0"/>
+                <a:ea typeface="Arial Unicode MS" pitchFamily="34" charset="-128"/>
+                <a:cs typeface="Arial Unicode MS" pitchFamily="34" charset="-128"/>
+              </a:rPr>
+              <a:t>Envios</a:t>
+            </a:r>
+            <a:endParaRPr lang="es-UY" sz="3200" b="1" dirty="0">
+              <a:latin typeface="Candara" pitchFamily="34" charset="0"/>
+              <a:ea typeface="Arial Unicode MS" pitchFamily="34" charset="-128"/>
+              <a:cs typeface="Arial Unicode MS" pitchFamily="34" charset="-128"/>
+            </a:endParaRPr>
+          </a:p>
+        </p:txBody>
+      </p:sp>
+    </p:spTree>
+  </p:cSld>
+  <p:clrMapOvr>
+    <a:masterClrMapping/>
+  </p:clrMapOvr>
+  <p:timing>
+    <p:tnLst>
+      <p:par>
+        <p:cTn id="1" dur="indefinite" restart="never" nodeType="tmRoot"/>
+      </p:par>
+    </p:tnLst>
+  </p:timing>
+</p:sld>
+</file>
+
+<file path=ppt/slides/slide22.xml><?xml version="1.0" encoding="utf-8"?>
+<p:sld xmlns:a="http://schemas.openxmlformats.org/drawingml/2006/main" xmlns:r="http://schemas.openxmlformats.org/officeDocument/2006/relationships" xmlns:p="http://schemas.openxmlformats.org/presentationml/2006/main">
+  <p:cSld>
+    <p:spTree>
+      <p:nvGrpSpPr>
+        <p:cNvPr id="1" name=""/>
+        <p:cNvGrpSpPr/>
+        <p:nvPr/>
+      </p:nvGrpSpPr>
+      <p:grpSpPr>
+        <a:xfrm>
+          <a:off x="0" y="0"/>
+          <a:ext cx="0" cy="0"/>
+          <a:chOff x="0" y="0"/>
+          <a:chExt cx="0" cy="0"/>
+        </a:xfrm>
+      </p:grpSpPr>
+      <p:sp>
+        <p:nvSpPr>
+          <p:cNvPr id="2" name="1 Título"/>
+          <p:cNvSpPr>
+            <a:spLocks noGrp="1"/>
+          </p:cNvSpPr>
+          <p:nvPr>
+            <p:ph type="title"/>
+          </p:nvPr>
+        </p:nvSpPr>
+        <p:spPr>
+          <a:xfrm>
+            <a:off x="179512" y="692696"/>
+            <a:ext cx="8229600" cy="1143000"/>
+          </a:xfrm>
+        </p:spPr>
+        <p:txBody>
+          <a:bodyPr/>
+          <a:lstStyle/>
+          <a:p>
+            <a:pPr algn="ctr"/>
+            <a:r>
+              <a:rPr lang="en-US" dirty="0" err="1" smtClean="0"/>
+              <a:t>Conclusiones</a:t>
+            </a:r>
+            <a:r>
+              <a:rPr lang="en-US" dirty="0" smtClean="0"/>
+              <a:t> del </a:t>
+            </a:r>
+            <a:r>
+              <a:rPr lang="en-US" dirty="0" err="1" smtClean="0"/>
+              <a:t>Trabajo</a:t>
+            </a:r>
+            <a:endParaRPr lang="es-UY" dirty="0"/>
+          </a:p>
+        </p:txBody>
+      </p:sp>
+      <p:sp>
+        <p:nvSpPr>
+          <p:cNvPr id="3" name="2 Marcador de contenido"/>
+          <p:cNvSpPr>
+            <a:spLocks noGrp="1"/>
+          </p:cNvSpPr>
+          <p:nvPr>
+            <p:ph idx="1"/>
+          </p:nvPr>
+        </p:nvSpPr>
+        <p:spPr/>
+        <p:txBody>
+          <a:bodyPr/>
+          <a:lstStyle/>
+          <a:p>
+            <a:r>
+              <a:rPr lang="en-US" dirty="0" err="1" smtClean="0"/>
+              <a:t>Conocimientos</a:t>
+            </a:r>
+            <a:r>
+              <a:rPr lang="en-US" dirty="0" smtClean="0"/>
+              <a:t> </a:t>
+            </a:r>
+            <a:r>
+              <a:rPr lang="en-US" dirty="0" err="1" smtClean="0"/>
+              <a:t>adquiridos</a:t>
+            </a:r>
+            <a:r>
+              <a:rPr lang="en-US" dirty="0" smtClean="0"/>
+              <a:t>.</a:t>
+            </a:r>
+          </a:p>
+          <a:p>
+            <a:pPr lvl="1"/>
+            <a:r>
+              <a:rPr lang="en-US" dirty="0" err="1" smtClean="0"/>
+              <a:t>Herramientas</a:t>
+            </a:r>
+            <a:r>
+              <a:rPr lang="en-US" dirty="0" smtClean="0"/>
+              <a:t> </a:t>
+            </a:r>
+            <a:r>
+              <a:rPr lang="en-US" dirty="0" err="1" smtClean="0"/>
+              <a:t>utilizadas</a:t>
+            </a:r>
+            <a:r>
+              <a:rPr lang="en-US" dirty="0" smtClean="0"/>
+              <a:t> (</a:t>
+            </a:r>
+            <a:r>
+              <a:rPr lang="en-US" dirty="0" err="1" smtClean="0"/>
+              <a:t>geoserver</a:t>
+            </a:r>
+            <a:r>
+              <a:rPr lang="en-US" dirty="0" smtClean="0"/>
+              <a:t>, </a:t>
+            </a:r>
+            <a:r>
+              <a:rPr lang="en-US" dirty="0" err="1" smtClean="0"/>
+              <a:t>postgis</a:t>
+            </a:r>
+            <a:r>
+              <a:rPr lang="en-US" dirty="0" smtClean="0"/>
+              <a:t>, etc.).</a:t>
+            </a:r>
+          </a:p>
+          <a:p>
+            <a:pPr lvl="1"/>
+            <a:r>
+              <a:rPr lang="en-US" dirty="0" err="1" smtClean="0"/>
+              <a:t>Posibles</a:t>
+            </a:r>
+            <a:r>
+              <a:rPr lang="en-US" dirty="0" smtClean="0"/>
+              <a:t> </a:t>
+            </a:r>
+            <a:r>
+              <a:rPr lang="en-US" dirty="0" err="1" smtClean="0"/>
+              <a:t>aplicaciones</a:t>
+            </a:r>
+            <a:r>
+              <a:rPr lang="en-US" dirty="0" smtClean="0"/>
+              <a:t> </a:t>
+            </a:r>
+            <a:r>
+              <a:rPr lang="en-US" dirty="0" err="1" smtClean="0"/>
+              <a:t>practicas</a:t>
+            </a:r>
+            <a:r>
+              <a:rPr lang="en-US" dirty="0" smtClean="0"/>
+              <a:t> de </a:t>
+            </a:r>
+            <a:r>
+              <a:rPr lang="en-US" dirty="0" err="1" smtClean="0"/>
+              <a:t>las</a:t>
+            </a:r>
+            <a:r>
+              <a:rPr lang="en-US" dirty="0" smtClean="0"/>
+              <a:t> </a:t>
+            </a:r>
+            <a:r>
+              <a:rPr lang="en-US" dirty="0" err="1" smtClean="0"/>
+              <a:t>tecnologias</a:t>
+            </a:r>
+            <a:endParaRPr lang="en-US" dirty="0" smtClean="0"/>
+          </a:p>
+          <a:p>
+            <a:r>
+              <a:rPr lang="en-US" dirty="0" err="1" smtClean="0"/>
+              <a:t>Sobre</a:t>
+            </a:r>
+            <a:r>
+              <a:rPr lang="en-US" dirty="0" smtClean="0"/>
+              <a:t> el </a:t>
+            </a:r>
+            <a:r>
+              <a:rPr lang="en-US" dirty="0" err="1" smtClean="0"/>
+              <a:t>Producto</a:t>
+            </a:r>
+            <a:r>
+              <a:rPr lang="en-US" dirty="0" smtClean="0"/>
+              <a:t> </a:t>
+            </a:r>
+            <a:r>
+              <a:rPr lang="en-US" dirty="0" err="1" smtClean="0"/>
+              <a:t>logrado</a:t>
+            </a:r>
+            <a:r>
+              <a:rPr lang="en-US" dirty="0" smtClean="0"/>
+              <a:t>.</a:t>
+            </a:r>
+          </a:p>
+          <a:p>
+            <a:pPr lvl="1"/>
+            <a:r>
+              <a:rPr lang="en-US" dirty="0" err="1" smtClean="0"/>
+              <a:t>Cualidades</a:t>
+            </a:r>
+            <a:endParaRPr lang="en-US" dirty="0" smtClean="0"/>
+          </a:p>
+          <a:p>
+            <a:pPr lvl="1"/>
+            <a:r>
+              <a:rPr lang="en-US" dirty="0" err="1" smtClean="0"/>
+              <a:t>Mejoras</a:t>
+            </a:r>
+            <a:r>
+              <a:rPr lang="en-US" dirty="0" smtClean="0"/>
+              <a:t> a </a:t>
+            </a:r>
+            <a:r>
+              <a:rPr lang="en-US" dirty="0" err="1" smtClean="0"/>
+              <a:t>futuro</a:t>
+            </a:r>
+            <a:r>
+              <a:rPr lang="en-US" dirty="0" smtClean="0"/>
+              <a:t> </a:t>
+            </a:r>
+          </a:p>
+          <a:p>
+            <a:pPr lvl="2"/>
+            <a:r>
+              <a:rPr lang="en-US" dirty="0" err="1" smtClean="0"/>
+              <a:t>Interfaz</a:t>
+            </a:r>
+            <a:r>
+              <a:rPr lang="en-US" dirty="0" smtClean="0"/>
+              <a:t> de </a:t>
+            </a:r>
+            <a:r>
+              <a:rPr lang="en-US" dirty="0" err="1" smtClean="0"/>
+              <a:t>usuario</a:t>
+            </a:r>
+            <a:endParaRPr lang="en-US" dirty="0" smtClean="0"/>
+          </a:p>
+          <a:p>
+            <a:pPr lvl="2"/>
+            <a:r>
+              <a:rPr lang="en-US" dirty="0" err="1" smtClean="0"/>
+              <a:t>Arquitectura</a:t>
+            </a:r>
+            <a:endParaRPr lang="en-US" dirty="0" smtClean="0"/>
+          </a:p>
+          <a:p>
+            <a:pPr lvl="2"/>
+            <a:r>
+              <a:rPr lang="en-US" dirty="0" err="1" smtClean="0"/>
+              <a:t>Mejoras</a:t>
+            </a:r>
+            <a:r>
+              <a:rPr lang="en-US" dirty="0" smtClean="0"/>
+              <a:t> </a:t>
+            </a:r>
+            <a:r>
+              <a:rPr lang="en-US" dirty="0" err="1" smtClean="0"/>
+              <a:t>funcionales</a:t>
+            </a:r>
+            <a:r>
+              <a:rPr lang="en-US" dirty="0" smtClean="0"/>
+              <a:t> </a:t>
+            </a:r>
+            <a:r>
+              <a:rPr lang="en-US" dirty="0" err="1" smtClean="0"/>
+              <a:t>varias</a:t>
+            </a:r>
+            <a:endParaRPr lang="en-US" dirty="0" smtClean="0"/>
+          </a:p>
+          <a:p>
+            <a:pPr lvl="3"/>
+            <a:r>
+              <a:rPr lang="en-US" dirty="0" err="1" smtClean="0"/>
+              <a:t>Sistema</a:t>
+            </a:r>
+            <a:r>
+              <a:rPr lang="en-US" dirty="0" smtClean="0"/>
+              <a:t> de </a:t>
+            </a:r>
+            <a:r>
+              <a:rPr lang="en-US" dirty="0" err="1" smtClean="0"/>
+              <a:t>mensajería</a:t>
+            </a:r>
+            <a:r>
+              <a:rPr lang="en-US" dirty="0" smtClean="0"/>
+              <a:t>, </a:t>
+            </a:r>
+            <a:r>
+              <a:rPr lang="en-US" dirty="0" err="1" smtClean="0"/>
+              <a:t>aplicacion</a:t>
+            </a:r>
+            <a:r>
+              <a:rPr lang="en-US" dirty="0" smtClean="0"/>
+              <a:t> </a:t>
+            </a:r>
+            <a:r>
+              <a:rPr lang="en-US" dirty="0" err="1" smtClean="0"/>
+              <a:t>movil</a:t>
+            </a:r>
+            <a:r>
+              <a:rPr lang="en-US" dirty="0" smtClean="0"/>
+              <a:t>, </a:t>
+            </a:r>
+            <a:r>
+              <a:rPr lang="en-US" dirty="0" err="1" smtClean="0"/>
+              <a:t>optimizacion</a:t>
+            </a:r>
+            <a:r>
+              <a:rPr lang="en-US" dirty="0" smtClean="0"/>
+              <a:t>, etc.</a:t>
+            </a:r>
+          </a:p>
+          <a:p>
+            <a:endParaRPr lang="es-UY" dirty="0"/>
+          </a:p>
+        </p:txBody>
+      </p:sp>
+      <p:pic>
+        <p:nvPicPr>
+          <p:cNvPr id="4098" name="Picture 2" descr="http://farmhack.net/sites/default/files/idea.png"/>
+          <p:cNvPicPr>
+            <a:picLocks noChangeAspect="1" noChangeArrowheads="1"/>
+          </p:cNvPicPr>
+          <p:nvPr/>
+        </p:nvPicPr>
+        <p:blipFill>
+          <a:blip r:embed="rId2" cstate="print"/>
+          <a:srcRect/>
+          <a:stretch>
+            <a:fillRect/>
+          </a:stretch>
+        </p:blipFill>
+        <p:spPr bwMode="auto">
+          <a:xfrm rot="1055837">
+            <a:off x="6360171" y="3344963"/>
+            <a:ext cx="2160240" cy="2160240"/>
+          </a:xfrm>
+          <a:prstGeom prst="rect">
+            <a:avLst/>
+          </a:prstGeom>
+          <a:noFill/>
+        </p:spPr>
+      </p:pic>
+    </p:spTree>
+  </p:cSld>
+  <p:clrMapOvr>
+    <a:masterClrMapping/>
+  </p:clrMapOvr>
+  <p:timing>
+    <p:tnLst>
+      <p:par>
+        <p:cTn id="1" dur="indefinite" restart="never" nodeType="tmRoot"/>
+      </p:par>
+    </p:tnLst>
+  </p:timing>
+</p:sld>
+</file>
+
+<file path=ppt/slides/slide23.xml><?xml version="1.0" encoding="utf-8"?>
+<p:sld xmlns:a="http://schemas.openxmlformats.org/drawingml/2006/main" xmlns:r="http://schemas.openxmlformats.org/officeDocument/2006/relationships" xmlns:p="http://schemas.openxmlformats.org/presentationml/2006/main">
+  <p:cSld>
+    <p:spTree>
+      <p:nvGrpSpPr>
+        <p:cNvPr id="1" name=""/>
+        <p:cNvGrpSpPr/>
+        <p:nvPr/>
+      </p:nvGrpSpPr>
+      <p:grpSpPr>
+        <a:xfrm>
+          <a:off x="0" y="0"/>
+          <a:ext cx="0" cy="0"/>
+          <a:chOff x="0" y="0"/>
+          <a:chExt cx="0" cy="0"/>
+        </a:xfrm>
+      </p:grpSpPr>
+      <p:sp>
+        <p:nvSpPr>
+          <p:cNvPr id="2" name="1 Título"/>
+          <p:cNvSpPr>
+            <a:spLocks noGrp="1"/>
+          </p:cNvSpPr>
+          <p:nvPr>
+            <p:ph type="title"/>
+          </p:nvPr>
+        </p:nvSpPr>
+        <p:spPr/>
+        <p:txBody>
+          <a:bodyPr/>
+          <a:lstStyle/>
+          <a:p>
+            <a:pPr algn="ctr"/>
+            <a:r>
+              <a:rPr lang="en-US" dirty="0" err="1" smtClean="0"/>
+              <a:t>Evaluación</a:t>
+            </a:r>
+            <a:r>
+              <a:rPr lang="en-US" dirty="0" smtClean="0"/>
+              <a:t> del </a:t>
+            </a:r>
+            <a:r>
+              <a:rPr lang="en-US" dirty="0" err="1" smtClean="0"/>
+              <a:t>Curso</a:t>
+            </a:r>
+            <a:endParaRPr lang="es-UY" dirty="0"/>
+          </a:p>
+        </p:txBody>
+      </p:sp>
+      <p:sp>
+        <p:nvSpPr>
+          <p:cNvPr id="3" name="2 Marcador de contenido"/>
+          <p:cNvSpPr>
+            <a:spLocks noGrp="1"/>
+          </p:cNvSpPr>
+          <p:nvPr>
+            <p:ph idx="1"/>
+          </p:nvPr>
+        </p:nvSpPr>
+        <p:spPr/>
+        <p:txBody>
+          <a:bodyPr/>
+          <a:lstStyle/>
+          <a:p>
+            <a:pPr>
+              <a:buNone/>
+            </a:pPr>
+            <a:endParaRPr lang="en-US" dirty="0" smtClean="0"/>
+          </a:p>
+          <a:p>
+            <a:r>
+              <a:rPr lang="en-US" dirty="0" err="1" smtClean="0"/>
+              <a:t>Contenido</a:t>
+            </a:r>
+            <a:r>
+              <a:rPr lang="en-US" dirty="0" smtClean="0"/>
+              <a:t> del </a:t>
+            </a:r>
+            <a:r>
+              <a:rPr lang="en-US" dirty="0" err="1" smtClean="0"/>
+              <a:t>curso</a:t>
+            </a:r>
+            <a:endParaRPr lang="en-US" dirty="0" smtClean="0"/>
+          </a:p>
+          <a:p>
+            <a:r>
+              <a:rPr lang="en-US" dirty="0" err="1" smtClean="0"/>
+              <a:t>Evaluación</a:t>
+            </a:r>
+            <a:r>
+              <a:rPr lang="en-US" dirty="0" smtClean="0"/>
+              <a:t> de los </a:t>
+            </a:r>
+            <a:r>
+              <a:rPr lang="en-US" dirty="0" err="1" smtClean="0"/>
+              <a:t>teóricos</a:t>
+            </a:r>
+            <a:endParaRPr lang="en-US" dirty="0" smtClean="0"/>
+          </a:p>
+          <a:p>
+            <a:r>
+              <a:rPr lang="en-US" dirty="0" err="1" smtClean="0"/>
+              <a:t>Evaluación</a:t>
+            </a:r>
+            <a:r>
+              <a:rPr lang="en-US" dirty="0" smtClean="0"/>
+              <a:t> de </a:t>
+            </a:r>
+            <a:r>
+              <a:rPr lang="en-US" dirty="0" err="1" smtClean="0"/>
+              <a:t>monitoreos</a:t>
+            </a:r>
+            <a:endParaRPr lang="en-US" dirty="0" smtClean="0"/>
+          </a:p>
+          <a:p>
+            <a:r>
+              <a:rPr lang="en-US" dirty="0" err="1" smtClean="0"/>
+              <a:t>Evaluación</a:t>
+            </a:r>
+            <a:r>
+              <a:rPr lang="en-US" dirty="0" smtClean="0"/>
+              <a:t> </a:t>
+            </a:r>
+            <a:r>
+              <a:rPr lang="en-US" dirty="0" err="1" smtClean="0"/>
+              <a:t>docente</a:t>
+            </a:r>
+            <a:endParaRPr lang="es-UY" dirty="0"/>
+          </a:p>
+        </p:txBody>
+      </p:sp>
+      <p:pic>
+        <p:nvPicPr>
+          <p:cNvPr id="3074" name="Picture 2" descr="http://api.ning.com/files/N3dksbtuMJ7wj68SoTlX8iBoZoRzZx9TsjXX80Kcs64siRujwtGqfWeWWHAP6U9ItWvxQQUhxTI3hnAwxorH3VQU9dKETgcD/FIN1.jpg"/>
+          <p:cNvPicPr>
+            <a:picLocks noChangeAspect="1" noChangeArrowheads="1"/>
+          </p:cNvPicPr>
+          <p:nvPr/>
+        </p:nvPicPr>
+        <p:blipFill>
+          <a:blip r:embed="rId2" cstate="print"/>
+          <a:srcRect/>
+          <a:stretch>
+            <a:fillRect/>
+          </a:stretch>
+        </p:blipFill>
+        <p:spPr bwMode="auto">
+          <a:xfrm>
+            <a:off x="5220072" y="3789040"/>
+            <a:ext cx="3466356" cy="2398719"/>
+          </a:xfrm>
+          <a:prstGeom prst="rect">
+            <a:avLst/>
+          </a:prstGeom>
+          <a:noFill/>
+          <a:effectLst>
+            <a:outerShdw blurRad="177800" dir="3600000" sx="101000" sy="101000" algn="ctr" rotWithShape="0">
+              <a:srgbClr val="000000">
+                <a:alpha val="76000"/>
+              </a:srgbClr>
+            </a:outerShdw>
+          </a:effectLst>
+        </p:spPr>
+      </p:pic>
+    </p:spTree>
+  </p:cSld>
+  <p:clrMapOvr>
+    <a:masterClrMapping/>
+  </p:clrMapOvr>
+  <p:timing>
+    <p:tnLst>
+      <p:par>
+        <p:cTn id="1" dur="indefinite" restart="never" nodeType="tmRoot"/>
+      </p:par>
+    </p:tnLst>
+  </p:timing>
+</p:sld>
+</file>
+
+<file path=ppt/slides/slide3.xml><?xml version="1.0" encoding="utf-8"?>
+<p:sld xmlns:a="http://schemas.openxmlformats.org/drawingml/2006/main" xmlns:r="http://schemas.openxmlformats.org/officeDocument/2006/relationships" xmlns:p="http://schemas.openxmlformats.org/presentationml/2006/main">
+  <p:cSld>
+    <p:spTree>
+      <p:nvGrpSpPr>
+        <p:cNvPr id="1" name=""/>
+        <p:cNvGrpSpPr/>
+        <p:nvPr/>
+      </p:nvGrpSpPr>
+      <p:grpSpPr>
+        <a:xfrm>
+          <a:off x="0" y="0"/>
+          <a:ext cx="0" cy="0"/>
+          <a:chOff x="0" y="0"/>
+          <a:chExt cx="0" cy="0"/>
+        </a:xfrm>
+      </p:grpSpPr>
+      <p:sp>
+        <p:nvSpPr>
+          <p:cNvPr id="2" name="1 Título"/>
+          <p:cNvSpPr>
+            <a:spLocks noGrp="1"/>
+          </p:cNvSpPr>
+          <p:nvPr>
+            <p:ph type="title"/>
+          </p:nvPr>
+        </p:nvSpPr>
+        <p:spPr/>
+        <p:txBody>
+          <a:bodyPr/>
+          <a:lstStyle/>
+          <a:p>
+            <a:pPr algn="ctr"/>
+            <a:r>
+              <a:rPr lang="es-ES" dirty="0" smtClean="0"/>
+              <a:t>Contexto</a:t>
+            </a:r>
+            <a:endParaRPr lang="es-ES" dirty="0"/>
+          </a:p>
+        </p:txBody>
+      </p:sp>
+      <p:pic>
+        <p:nvPicPr>
+          <p:cNvPr id="4" name="3 Marcador de contenido" descr="amazon.jpg"/>
+          <p:cNvPicPr>
+            <a:picLocks noGrp="1" noChangeAspect="1"/>
+          </p:cNvPicPr>
+          <p:nvPr>
+            <p:ph idx="1"/>
+          </p:nvPr>
+        </p:nvPicPr>
+        <p:blipFill>
+          <a:blip r:embed="rId2"/>
+          <a:stretch>
+            <a:fillRect/>
+          </a:stretch>
+        </p:blipFill>
+        <p:spPr>
+          <a:xfrm>
+            <a:off x="1714480" y="2143116"/>
+            <a:ext cx="2790825" cy="1638300"/>
+          </a:xfrm>
+        </p:spPr>
+      </p:pic>
+      <p:pic>
+        <p:nvPicPr>
+          <p:cNvPr id="5" name="4 Imagen" descr="ebay.jpg"/>
+          <p:cNvPicPr>
+            <a:picLocks noChangeAspect="1"/>
+          </p:cNvPicPr>
+          <p:nvPr/>
+        </p:nvPicPr>
+        <p:blipFill>
+          <a:blip r:embed="rId3"/>
+          <a:stretch>
+            <a:fillRect/>
+          </a:stretch>
+        </p:blipFill>
+        <p:spPr>
+          <a:xfrm>
+            <a:off x="4857752" y="2285992"/>
+            <a:ext cx="2143125" cy="2143125"/>
+          </a:xfrm>
+          <a:prstGeom prst="rect">
+            <a:avLst/>
+          </a:prstGeom>
+        </p:spPr>
+      </p:pic>
+      <p:pic>
+        <p:nvPicPr>
+          <p:cNvPr id="6" name="5 Imagen" descr="googleplay.jpg"/>
+          <p:cNvPicPr>
+            <a:picLocks noChangeAspect="1"/>
+          </p:cNvPicPr>
+          <p:nvPr/>
+        </p:nvPicPr>
+        <p:blipFill>
+          <a:blip r:embed="rId4"/>
+          <a:stretch>
+            <a:fillRect/>
+          </a:stretch>
+        </p:blipFill>
+        <p:spPr>
+          <a:xfrm>
+            <a:off x="1928794" y="3857628"/>
+            <a:ext cx="1928826" cy="1444757"/>
+          </a:xfrm>
+          <a:prstGeom prst="rect">
+            <a:avLst/>
+          </a:prstGeom>
+        </p:spPr>
+      </p:pic>
+      <p:pic>
+        <p:nvPicPr>
+          <p:cNvPr id="7" name="6 Imagen" descr="appstore.jpg"/>
+          <p:cNvPicPr>
+            <a:picLocks noChangeAspect="1"/>
+          </p:cNvPicPr>
+          <p:nvPr/>
+        </p:nvPicPr>
+        <p:blipFill>
+          <a:blip r:embed="rId5"/>
+          <a:stretch>
+            <a:fillRect/>
+          </a:stretch>
+        </p:blipFill>
+        <p:spPr>
+          <a:xfrm>
+            <a:off x="4857752" y="4214818"/>
+            <a:ext cx="1838556" cy="1504947"/>
+          </a:xfrm>
+          <a:prstGeom prst="rect">
+            <a:avLst/>
+          </a:prstGeom>
+        </p:spPr>
+      </p:pic>
+    </p:spTree>
+  </p:cSld>
+  <p:clrMapOvr>
+    <a:masterClrMapping/>
+  </p:clrMapOvr>
+</p:sld>
+</file>
+
+<file path=ppt/slides/slide4.xml><?xml version="1.0" encoding="utf-8"?>
+<p:sld xmlns:a="http://schemas.openxmlformats.org/drawingml/2006/main" xmlns:r="http://schemas.openxmlformats.org/officeDocument/2006/relationships" xmlns:p="http://schemas.openxmlformats.org/presentationml/2006/main">
+  <p:cSld>
+    <p:spTree>
+      <p:nvGrpSpPr>
+        <p:cNvPr id="1" name=""/>
+        <p:cNvGrpSpPr/>
+        <p:nvPr/>
+      </p:nvGrpSpPr>
+      <p:grpSpPr>
+        <a:xfrm>
+          <a:off x="0" y="0"/>
+          <a:ext cx="0" cy="0"/>
+          <a:chOff x="0" y="0"/>
+          <a:chExt cx="0" cy="0"/>
+        </a:xfrm>
+      </p:grpSpPr>
+      <p:sp>
+        <p:nvSpPr>
+          <p:cNvPr id="2" name="1 Título"/>
+          <p:cNvSpPr>
+            <a:spLocks noGrp="1"/>
+          </p:cNvSpPr>
+          <p:nvPr>
+            <p:ph type="title"/>
+          </p:nvPr>
+        </p:nvSpPr>
+        <p:spPr/>
+        <p:txBody>
+          <a:bodyPr/>
+          <a:lstStyle/>
+          <a:p>
+            <a:pPr algn="ctr"/>
+            <a:r>
+              <a:rPr lang="es-ES" dirty="0" smtClean="0"/>
+              <a:t>E-</a:t>
+            </a:r>
+            <a:r>
+              <a:rPr lang="es-ES" dirty="0" err="1" smtClean="0"/>
+              <a:t>commerce</a:t>
+            </a:r>
+            <a:endParaRPr lang="es-ES" dirty="0"/>
+          </a:p>
+        </p:txBody>
+      </p:sp>
+      <p:sp>
+        <p:nvSpPr>
+          <p:cNvPr id="3" name="2 Marcador de contenido"/>
+          <p:cNvSpPr>
+            <a:spLocks noGrp="1"/>
+          </p:cNvSpPr>
+          <p:nvPr>
+            <p:ph idx="1"/>
+          </p:nvPr>
+        </p:nvSpPr>
+        <p:spPr>
+          <a:xfrm>
+            <a:off x="428596" y="2285992"/>
+            <a:ext cx="8229600" cy="2565090"/>
+          </a:xfrm>
+        </p:spPr>
+        <p:txBody>
+          <a:bodyPr/>
+          <a:lstStyle/>
+          <a:p>
+            <a:endParaRPr lang="es-ES" dirty="0" smtClean="0"/>
+          </a:p>
+          <a:p>
+            <a:r>
+              <a:rPr lang="es-ES" dirty="0" smtClean="0"/>
+              <a:t>Compra y venta de bienes o prestación de servicios</a:t>
+            </a:r>
+          </a:p>
+          <a:p>
+            <a:r>
+              <a:rPr lang="es-ES" dirty="0" smtClean="0"/>
+              <a:t>Negociaciones previas</a:t>
+            </a:r>
+          </a:p>
+          <a:p>
+            <a:r>
+              <a:rPr lang="es-ES" dirty="0" smtClean="0"/>
+              <a:t>Entre otras actividades…</a:t>
+            </a:r>
+            <a:endParaRPr lang="es-ES" dirty="0"/>
+          </a:p>
+        </p:txBody>
+      </p:sp>
+      <p:pic>
+        <p:nvPicPr>
+          <p:cNvPr id="4" name="3 Imagen" descr="e-commerce2-buena.png"/>
+          <p:cNvPicPr>
+            <a:picLocks noChangeAspect="1"/>
+          </p:cNvPicPr>
+          <p:nvPr/>
+        </p:nvPicPr>
+        <p:blipFill>
+          <a:blip r:embed="rId2"/>
+          <a:stretch>
+            <a:fillRect/>
+          </a:stretch>
+        </p:blipFill>
+        <p:spPr>
+          <a:xfrm>
+            <a:off x="5072066" y="3723156"/>
+            <a:ext cx="2514604" cy="2477625"/>
+          </a:xfrm>
+          <a:prstGeom prst="rect">
+            <a:avLst/>
+          </a:prstGeom>
+        </p:spPr>
+      </p:pic>
+    </p:spTree>
+  </p:cSld>
+  <p:clrMapOvr>
+    <a:masterClrMapping/>
+  </p:clrMapOvr>
+</p:sld>
+</file>
+
+<file path=ppt/slides/slide5.xml><?xml version="1.0" encoding="utf-8"?>
+<p:sld xmlns:a="http://schemas.openxmlformats.org/drawingml/2006/main" xmlns:r="http://schemas.openxmlformats.org/officeDocument/2006/relationships" xmlns:p="http://schemas.openxmlformats.org/presentationml/2006/main">
+  <p:cSld>
+    <p:spTree>
+      <p:nvGrpSpPr>
+        <p:cNvPr id="1" name=""/>
+        <p:cNvGrpSpPr/>
+        <p:nvPr/>
+      </p:nvGrpSpPr>
+      <p:grpSpPr>
+        <a:xfrm>
+          <a:off x="0" y="0"/>
+          <a:ext cx="0" cy="0"/>
+          <a:chOff x="0" y="0"/>
+          <a:chExt cx="0" cy="0"/>
+        </a:xfrm>
+      </p:grpSpPr>
+      <p:sp>
+        <p:nvSpPr>
+          <p:cNvPr id="2" name="1 Título"/>
+          <p:cNvSpPr>
+            <a:spLocks noGrp="1"/>
+          </p:cNvSpPr>
+          <p:nvPr>
+            <p:ph type="title"/>
+          </p:nvPr>
+        </p:nvSpPr>
+        <p:spPr/>
+        <p:txBody>
+          <a:bodyPr/>
+          <a:lstStyle/>
+          <a:p>
+            <a:pPr algn="ctr"/>
+            <a:r>
+              <a:rPr lang="es-ES" dirty="0" err="1" smtClean="0"/>
+              <a:t>Marketplace</a:t>
+            </a:r>
+            <a:endParaRPr lang="es-ES" dirty="0"/>
+          </a:p>
+        </p:txBody>
+      </p:sp>
+      <p:sp>
+        <p:nvSpPr>
+          <p:cNvPr id="3" name="2 Marcador de contenido"/>
+          <p:cNvSpPr>
+            <a:spLocks noGrp="1"/>
+          </p:cNvSpPr>
+          <p:nvPr>
+            <p:ph idx="1"/>
+          </p:nvPr>
+        </p:nvSpPr>
+        <p:spPr/>
+        <p:txBody>
+          <a:bodyPr/>
+          <a:lstStyle/>
+          <a:p>
+            <a:endParaRPr lang="es-ES" dirty="0" smtClean="0"/>
+          </a:p>
+          <a:p>
+            <a:r>
+              <a:rPr lang="es-ES" dirty="0" smtClean="0"/>
+              <a:t>Ventajas </a:t>
+            </a:r>
+          </a:p>
+          <a:p>
+            <a:pPr lvl="1"/>
+            <a:r>
+              <a:rPr lang="es-UY" dirty="0" err="1" smtClean="0"/>
+              <a:t>Desgeografización</a:t>
+            </a:r>
+            <a:endParaRPr lang="es-UY" dirty="0" smtClean="0"/>
+          </a:p>
+          <a:p>
+            <a:pPr lvl="1"/>
+            <a:r>
+              <a:rPr lang="es-UY" dirty="0" smtClean="0"/>
+              <a:t>Mejores precios</a:t>
+            </a:r>
+          </a:p>
+          <a:p>
+            <a:pPr lvl="1"/>
+            <a:r>
+              <a:rPr lang="es-UY" dirty="0" smtClean="0"/>
+              <a:t>Entre otros</a:t>
+            </a:r>
+          </a:p>
+          <a:p>
+            <a:r>
+              <a:rPr lang="es-UY" dirty="0" smtClean="0"/>
+              <a:t>Desventajas</a:t>
+            </a:r>
+          </a:p>
+          <a:p>
+            <a:pPr lvl="1"/>
+            <a:r>
+              <a:rPr lang="es-UY" dirty="0" smtClean="0"/>
+              <a:t>Seguridad</a:t>
+            </a:r>
+            <a:endParaRPr lang="es-ES" dirty="0"/>
+          </a:p>
+        </p:txBody>
+      </p:sp>
+      <p:pic>
+        <p:nvPicPr>
+          <p:cNvPr id="4" name="3 Marcador de contenido" descr="amazon.jpg"/>
+          <p:cNvPicPr>
+            <a:picLocks noChangeAspect="1"/>
+          </p:cNvPicPr>
+          <p:nvPr/>
+        </p:nvPicPr>
+        <p:blipFill>
+          <a:blip r:embed="rId2"/>
+          <a:stretch>
+            <a:fillRect/>
+          </a:stretch>
+        </p:blipFill>
+        <p:spPr>
+          <a:xfrm>
+            <a:off x="5857852" y="4928930"/>
+            <a:ext cx="3286148" cy="1929070"/>
+          </a:xfrm>
+          <a:prstGeom prst="rect">
+            <a:avLst/>
+          </a:prstGeom>
+        </p:spPr>
+      </p:pic>
+    </p:spTree>
+  </p:cSld>
+  <p:clrMapOvr>
+    <a:masterClrMapping/>
+  </p:clrMapOvr>
+</p:sld>
+</file>
+
+<file path=ppt/slides/slide6.xml><?xml version="1.0" encoding="utf-8"?>
+<p:sld xmlns:a="http://schemas.openxmlformats.org/drawingml/2006/main" xmlns:r="http://schemas.openxmlformats.org/officeDocument/2006/relationships" xmlns:p="http://schemas.openxmlformats.org/presentationml/2006/main">
+  <p:cSld>
+    <p:spTree>
+      <p:nvGrpSpPr>
+        <p:cNvPr id="1" name=""/>
+        <p:cNvGrpSpPr/>
+        <p:nvPr/>
+      </p:nvGrpSpPr>
+      <p:grpSpPr>
+        <a:xfrm>
+          <a:off x="0" y="0"/>
+          <a:ext cx="0" cy="0"/>
+          <a:chOff x="0" y="0"/>
+          <a:chExt cx="0" cy="0"/>
+        </a:xfrm>
+      </p:grpSpPr>
+      <p:pic>
+        <p:nvPicPr>
+          <p:cNvPr id="13314" name="Picture 2" descr="http://4.bp.blogspot.com/-96es_lJiqig/T8xEMOj984I/AAAAAAAABk0/8BTPuq0wjn4/s380/Objetivos.jpeg"/>
+          <p:cNvPicPr>
+            <a:picLocks noChangeAspect="1" noChangeArrowheads="1"/>
+          </p:cNvPicPr>
+          <p:nvPr/>
+        </p:nvPicPr>
+        <p:blipFill>
+          <a:blip r:embed="rId2" cstate="print">
+            <a:clrChange>
+              <a:clrFrom>
+                <a:srgbClr val="FFFFFF"/>
+              </a:clrFrom>
+              <a:clrTo>
+                <a:srgbClr val="FFFFFF">
+                  <a:alpha val="0"/>
+                </a:srgbClr>
+              </a:clrTo>
+            </a:clrChange>
+            <a:lum bright="70000" contrast="-70000"/>
+          </a:blip>
+          <a:srcRect/>
+          <a:stretch>
+            <a:fillRect/>
+          </a:stretch>
+        </p:blipFill>
+        <p:spPr bwMode="auto">
+          <a:xfrm>
+            <a:off x="4500562" y="1845394"/>
+            <a:ext cx="4463926" cy="4463926"/>
+          </a:xfrm>
+          <a:prstGeom prst="rect">
+            <a:avLst/>
+          </a:prstGeom>
+          <a:noFill/>
+        </p:spPr>
+      </p:pic>
+      <p:sp>
+        <p:nvSpPr>
+          <p:cNvPr id="2" name="1 Título"/>
+          <p:cNvSpPr>
+            <a:spLocks noGrp="1"/>
+          </p:cNvSpPr>
+          <p:nvPr>
+            <p:ph type="title"/>
+          </p:nvPr>
+        </p:nvSpPr>
+        <p:spPr>
+          <a:xfrm>
+            <a:off x="467544" y="476672"/>
+            <a:ext cx="8229600" cy="1143000"/>
+          </a:xfrm>
+        </p:spPr>
+        <p:txBody>
+          <a:bodyPr>
+            <a:normAutofit fontScale="90000"/>
+          </a:bodyPr>
+          <a:lstStyle/>
+          <a:p>
+            <a:r>
+              <a:rPr lang="es-UY" dirty="0" smtClean="0"/>
+              <a:t>Objetivos y resultados esperados</a:t>
+            </a:r>
+            <a:endParaRPr lang="es-UY" dirty="0"/>
+          </a:p>
+        </p:txBody>
+      </p:sp>
+      <p:sp>
+        <p:nvSpPr>
+          <p:cNvPr id="3" name="2 Marcador de contenido"/>
+          <p:cNvSpPr>
+            <a:spLocks noGrp="1"/>
+          </p:cNvSpPr>
+          <p:nvPr>
+            <p:ph idx="1"/>
+          </p:nvPr>
+        </p:nvSpPr>
+        <p:spPr>
+          <a:xfrm>
+            <a:off x="428596" y="2468880"/>
+            <a:ext cx="8229600" cy="2174566"/>
+          </a:xfrm>
+        </p:spPr>
+        <p:txBody>
+          <a:bodyPr/>
+          <a:lstStyle/>
+          <a:p>
+            <a:r>
+              <a:rPr lang="es-UY" dirty="0" smtClean="0"/>
+              <a:t>Diferentes perspectivas</a:t>
+            </a:r>
+          </a:p>
+          <a:p>
+            <a:pPr lvl="1"/>
+            <a:r>
+              <a:rPr lang="es-UY" dirty="0" smtClean="0"/>
+              <a:t>Proyecto final</a:t>
+            </a:r>
+          </a:p>
+          <a:p>
+            <a:pPr lvl="1"/>
+            <a:r>
+              <a:rPr lang="es-UY" dirty="0" smtClean="0"/>
+              <a:t>Aplicación a desarrollar</a:t>
+            </a:r>
+            <a:endParaRPr lang="es-UY" dirty="0" smtClean="0"/>
+          </a:p>
+          <a:p>
+            <a:pPr>
+              <a:buNone/>
+            </a:pPr>
+            <a:endParaRPr lang="es-UY" sz="3400" dirty="0"/>
+          </a:p>
+        </p:txBody>
+      </p:sp>
+    </p:spTree>
+  </p:cSld>
+  <p:clrMapOvr>
+    <a:masterClrMapping/>
+  </p:clrMapOvr>
+  <p:timing>
+    <p:tnLst>
+      <p:par>
+        <p:cTn id="1" dur="indefinite" restart="never" nodeType="tmRoot"/>
+      </p:par>
+    </p:tnLst>
+  </p:timing>
+</p:sld>
+</file>
+
+<file path=ppt/slides/slide7.xml><?xml version="1.0" encoding="utf-8"?>
+<p:sld xmlns:a="http://schemas.openxmlformats.org/drawingml/2006/main" xmlns:r="http://schemas.openxmlformats.org/officeDocument/2006/relationships" xmlns:p="http://schemas.openxmlformats.org/presentationml/2006/main">
+  <p:cSld>
+    <p:spTree>
+      <p:nvGrpSpPr>
+        <p:cNvPr id="1" name=""/>
+        <p:cNvGrpSpPr/>
+        <p:nvPr/>
+      </p:nvGrpSpPr>
+      <p:grpSpPr>
+        <a:xfrm>
+          <a:off x="0" y="0"/>
+          <a:ext cx="0" cy="0"/>
+          <a:chOff x="0" y="0"/>
+          <a:chExt cx="0" cy="0"/>
+        </a:xfrm>
+      </p:grpSpPr>
+      <p:sp>
+        <p:nvSpPr>
+          <p:cNvPr id="2" name="1 Título"/>
+          <p:cNvSpPr>
+            <a:spLocks noGrp="1"/>
+          </p:cNvSpPr>
+          <p:nvPr>
+            <p:ph type="title"/>
+          </p:nvPr>
+        </p:nvSpPr>
+        <p:spPr/>
+        <p:txBody>
+          <a:bodyPr/>
+          <a:lstStyle/>
+          <a:p>
+            <a:r>
+              <a:rPr lang="es-ES" dirty="0" smtClean="0"/>
+              <a:t>Desarrollo de la aplicación</a:t>
+            </a:r>
+            <a:endParaRPr lang="es-ES" dirty="0"/>
+          </a:p>
+        </p:txBody>
+      </p:sp>
+      <p:sp>
+        <p:nvSpPr>
+          <p:cNvPr id="3" name="2 Marcador de contenido"/>
+          <p:cNvSpPr>
+            <a:spLocks noGrp="1"/>
+          </p:cNvSpPr>
+          <p:nvPr>
+            <p:ph idx="1"/>
+          </p:nvPr>
+        </p:nvSpPr>
+        <p:spPr/>
+        <p:txBody>
+          <a:bodyPr/>
+          <a:lstStyle/>
+          <a:p>
+            <a:r>
+              <a:rPr lang="es-ES" dirty="0" smtClean="0"/>
+              <a:t>Metodología Iterativa-Incremental</a:t>
+            </a:r>
+          </a:p>
+          <a:p>
+            <a:r>
+              <a:rPr lang="es-ES" dirty="0" smtClean="0"/>
+              <a:t>Etapas:</a:t>
+            </a:r>
+          </a:p>
+          <a:p>
+            <a:pPr lvl="1"/>
+            <a:r>
+              <a:rPr lang="es-ES" dirty="0" smtClean="0"/>
+              <a:t>Análisis</a:t>
+            </a:r>
+          </a:p>
+          <a:p>
+            <a:pPr lvl="1"/>
+            <a:r>
+              <a:rPr lang="es-ES" dirty="0" smtClean="0"/>
+              <a:t>Diseño</a:t>
+            </a:r>
+          </a:p>
+          <a:p>
+            <a:pPr lvl="1"/>
+            <a:r>
+              <a:rPr lang="es-ES" dirty="0" smtClean="0"/>
+              <a:t>Implementación</a:t>
+            </a:r>
+          </a:p>
+          <a:p>
+            <a:pPr lvl="1"/>
+            <a:r>
+              <a:rPr lang="es-ES" dirty="0" err="1" smtClean="0"/>
+              <a:t>Testing</a:t>
+            </a:r>
+            <a:endParaRPr lang="es-ES" dirty="0"/>
+          </a:p>
+        </p:txBody>
+      </p:sp>
+      <p:pic>
+        <p:nvPicPr>
+          <p:cNvPr id="5" name="4 Imagen" descr="ciclosoftware.jpg"/>
+          <p:cNvPicPr>
+            <a:picLocks noChangeAspect="1"/>
+          </p:cNvPicPr>
+          <p:nvPr/>
+        </p:nvPicPr>
+        <p:blipFill>
+          <a:blip r:embed="rId2"/>
+          <a:stretch>
+            <a:fillRect/>
+          </a:stretch>
+        </p:blipFill>
+        <p:spPr>
+          <a:xfrm>
+            <a:off x="4643438" y="3000372"/>
+            <a:ext cx="3048000" cy="2886075"/>
+          </a:xfrm>
+          <a:prstGeom prst="rect">
+            <a:avLst/>
+          </a:prstGeom>
+        </p:spPr>
+      </p:pic>
+    </p:spTree>
+  </p:cSld>
+  <p:clrMapOvr>
+    <a:masterClrMapping/>
+  </p:clrMapOvr>
+</p:sld>
+</file>
+
+<file path=ppt/slides/slide8.xml><?xml version="1.0" encoding="utf-8"?>
+<p:sld xmlns:a="http://schemas.openxmlformats.org/drawingml/2006/main" xmlns:r="http://schemas.openxmlformats.org/officeDocument/2006/relationships" xmlns:p="http://schemas.openxmlformats.org/presentationml/2006/main">
+  <p:cSld>
+    <p:spTree>
+      <p:nvGrpSpPr>
+        <p:cNvPr id="1" name=""/>
+        <p:cNvGrpSpPr/>
+        <p:nvPr/>
+      </p:nvGrpSpPr>
+      <p:grpSpPr>
+        <a:xfrm>
+          <a:off x="0" y="0"/>
+          <a:ext cx="0" cy="0"/>
+          <a:chOff x="0" y="0"/>
+          <a:chExt cx="0" cy="0"/>
+        </a:xfrm>
+      </p:grpSpPr>
+      <p:pic>
+        <p:nvPicPr>
+          <p:cNvPr id="4" name="3 Imagen" descr="analisis.jpg"/>
+          <p:cNvPicPr>
+            <a:picLocks noChangeAspect="1"/>
+          </p:cNvPicPr>
+          <p:nvPr/>
+        </p:nvPicPr>
+        <p:blipFill>
+          <a:blip r:embed="rId2"/>
+          <a:stretch>
+            <a:fillRect/>
+          </a:stretch>
+        </p:blipFill>
+        <p:spPr>
+          <a:xfrm>
+            <a:off x="3571868" y="1643050"/>
+            <a:ext cx="4572032" cy="4551712"/>
+          </a:xfrm>
+          <a:prstGeom prst="rect">
+            <a:avLst/>
+          </a:prstGeom>
+        </p:spPr>
+      </p:pic>
+      <p:sp>
+        <p:nvSpPr>
+          <p:cNvPr id="2" name="1 Título"/>
+          <p:cNvSpPr>
+            <a:spLocks noGrp="1"/>
+          </p:cNvSpPr>
+          <p:nvPr>
+            <p:ph type="title"/>
+          </p:nvPr>
+        </p:nvSpPr>
+        <p:spPr/>
+        <p:txBody>
+          <a:bodyPr/>
+          <a:lstStyle/>
+          <a:p>
+            <a:r>
+              <a:rPr lang="es-ES" dirty="0" smtClean="0"/>
+              <a:t>Análisis</a:t>
+            </a:r>
+            <a:endParaRPr lang="es-ES" dirty="0"/>
+          </a:p>
+        </p:txBody>
+      </p:sp>
+      <p:sp>
+        <p:nvSpPr>
+          <p:cNvPr id="3" name="2 Marcador de contenido"/>
+          <p:cNvSpPr>
+            <a:spLocks noGrp="1"/>
+          </p:cNvSpPr>
+          <p:nvPr>
+            <p:ph idx="1"/>
+          </p:nvPr>
+        </p:nvSpPr>
+        <p:spPr>
+          <a:xfrm>
+            <a:off x="500034" y="2571744"/>
+            <a:ext cx="8229600" cy="1707834"/>
+          </a:xfrm>
+        </p:spPr>
+        <p:txBody>
+          <a:bodyPr/>
+          <a:lstStyle/>
+          <a:p>
+            <a:pPr>
+              <a:buNone/>
+            </a:pPr>
+            <a:r>
+              <a:rPr lang="es-ES" dirty="0" smtClean="0"/>
+              <a:t>Ésta etapa implica:</a:t>
+            </a:r>
+          </a:p>
+          <a:p>
+            <a:r>
+              <a:rPr lang="es-ES" dirty="0" smtClean="0"/>
+              <a:t>Estudio del problema planteado</a:t>
+            </a:r>
+          </a:p>
+          <a:p>
+            <a:r>
+              <a:rPr lang="es-ES" dirty="0" smtClean="0"/>
+              <a:t>Relevamiento de funcionalidades</a:t>
+            </a:r>
+          </a:p>
+        </p:txBody>
+      </p:sp>
+    </p:spTree>
+  </p:cSld>
+  <p:clrMapOvr>
+    <a:masterClrMapping/>
+  </p:clrMapOvr>
+</p:sld>
+</file>
+
+<file path=ppt/slides/slide9.xml><?xml version="1.0" encoding="utf-8"?>
+<p:sld xmlns:a="http://schemas.openxmlformats.org/drawingml/2006/main" xmlns:r="http://schemas.openxmlformats.org/officeDocument/2006/relationships" xmlns:p="http://schemas.openxmlformats.org/presentationml/2006/main">
+  <p:cSld>
+    <p:spTree>
+      <p:nvGrpSpPr>
+        <p:cNvPr id="1" name=""/>
+        <p:cNvGrpSpPr/>
+        <p:nvPr/>
+      </p:nvGrpSpPr>
+      <p:grpSpPr>
+        <a:xfrm>
+          <a:off x="0" y="0"/>
+          <a:ext cx="0" cy="0"/>
+          <a:chOff x="0" y="0"/>
+          <a:chExt cx="0" cy="0"/>
+        </a:xfrm>
+      </p:grpSpPr>
+      <p:sp>
+        <p:nvSpPr>
+          <p:cNvPr id="2" name="1 Título"/>
+          <p:cNvSpPr>
+            <a:spLocks noGrp="1"/>
+          </p:cNvSpPr>
+          <p:nvPr>
+            <p:ph type="title"/>
+          </p:nvPr>
+        </p:nvSpPr>
+        <p:spPr/>
+        <p:txBody>
+          <a:bodyPr/>
+          <a:lstStyle/>
+          <a:p>
+            <a:r>
+              <a:rPr lang="es-ES" dirty="0" smtClean="0"/>
+              <a:t>Diseño</a:t>
+            </a:r>
+            <a:endParaRPr lang="es-ES" dirty="0"/>
+          </a:p>
+        </p:txBody>
+      </p:sp>
+      <p:pic>
+        <p:nvPicPr>
+          <p:cNvPr id="4" name="3 Marcador de contenido" descr="diseño.jpg"/>
+          <p:cNvPicPr>
+            <a:picLocks noGrp="1" noChangeAspect="1"/>
+          </p:cNvPicPr>
+          <p:nvPr>
+            <p:ph idx="1"/>
+          </p:nvPr>
+        </p:nvPicPr>
+        <p:blipFill>
+          <a:blip r:embed="rId2"/>
+          <a:stretch>
+            <a:fillRect/>
+          </a:stretch>
+        </p:blipFill>
+        <p:spPr>
+          <a:xfrm>
+            <a:off x="4000496" y="3000372"/>
+            <a:ext cx="5143504" cy="3857628"/>
+          </a:xfrm>
+        </p:spPr>
+      </p:pic>
+    </p:spTree>
+  </p:cSld>
+  <p:clrMapOvr>
+    <a:masterClrMapping/>
+  </p:clrMapOvr>
 </p:sld>
 </file>
 

--- a/Documentacion/Entregas/Presentacion/Presentacion.pptx
+++ b/Documentacion/Entregas/Presentacion/Presentacion.pptx
@@ -14,20 +14,25 @@
     <p:sldId id="279" r:id="rId8"/>
     <p:sldId id="280" r:id="rId9"/>
     <p:sldId id="281" r:id="rId10"/>
-    <p:sldId id="261" r:id="rId11"/>
-    <p:sldId id="260" r:id="rId12"/>
-    <p:sldId id="266" r:id="rId13"/>
-    <p:sldId id="272" r:id="rId14"/>
-    <p:sldId id="262" r:id="rId15"/>
-    <p:sldId id="265" r:id="rId16"/>
-    <p:sldId id="263" r:id="rId17"/>
-    <p:sldId id="264" r:id="rId18"/>
-    <p:sldId id="259" r:id="rId19"/>
-    <p:sldId id="267" r:id="rId20"/>
-    <p:sldId id="273" r:id="rId21"/>
-    <p:sldId id="274" r:id="rId22"/>
-    <p:sldId id="268" r:id="rId23"/>
-    <p:sldId id="269" r:id="rId24"/>
+    <p:sldId id="282" r:id="rId11"/>
+    <p:sldId id="283" r:id="rId12"/>
+    <p:sldId id="284" r:id="rId13"/>
+    <p:sldId id="285" r:id="rId14"/>
+    <p:sldId id="286" r:id="rId15"/>
+    <p:sldId id="261" r:id="rId16"/>
+    <p:sldId id="260" r:id="rId17"/>
+    <p:sldId id="266" r:id="rId18"/>
+    <p:sldId id="272" r:id="rId19"/>
+    <p:sldId id="262" r:id="rId20"/>
+    <p:sldId id="265" r:id="rId21"/>
+    <p:sldId id="263" r:id="rId22"/>
+    <p:sldId id="264" r:id="rId23"/>
+    <p:sldId id="259" r:id="rId24"/>
+    <p:sldId id="267" r:id="rId25"/>
+    <p:sldId id="273" r:id="rId26"/>
+    <p:sldId id="274" r:id="rId27"/>
+    <p:sldId id="268" r:id="rId28"/>
+    <p:sldId id="269" r:id="rId29"/>
   </p:sldIdLst>
   <p:sldSz cx="9144000" cy="6858000" type="screen4x3"/>
   <p:notesSz cx="6858000" cy="9144000"/>
@@ -303,7 +308,7 @@
             <a:fld id="{7A847CFC-816F-41D0-AAC0-9BF4FEBC753E}" type="datetimeFigureOut">
               <a:rPr lang="es-ES" smtClean="0"/>
               <a:pPr/>
-              <a:t>16/12/2013</a:t>
+              <a:t>17/12/2013</a:t>
             </a:fld>
             <a:endParaRPr lang="es-ES"/>
           </a:p>
@@ -470,7 +475,7 @@
             <a:fld id="{7A847CFC-816F-41D0-AAC0-9BF4FEBC753E}" type="datetimeFigureOut">
               <a:rPr lang="es-ES" smtClean="0"/>
               <a:pPr/>
-              <a:t>16/12/2013</a:t>
+              <a:t>17/12/2013</a:t>
             </a:fld>
             <a:endParaRPr lang="es-ES"/>
           </a:p>
@@ -647,7 +652,7 @@
             <a:fld id="{7A847CFC-816F-41D0-AAC0-9BF4FEBC753E}" type="datetimeFigureOut">
               <a:rPr lang="es-ES" smtClean="0"/>
               <a:pPr/>
-              <a:t>16/12/2013</a:t>
+              <a:t>17/12/2013</a:t>
             </a:fld>
             <a:endParaRPr lang="es-ES"/>
           </a:p>
@@ -814,7 +819,7 @@
             <a:fld id="{7A847CFC-816F-41D0-AAC0-9BF4FEBC753E}" type="datetimeFigureOut">
               <a:rPr lang="es-ES" smtClean="0"/>
               <a:pPr/>
-              <a:t>16/12/2013</a:t>
+              <a:t>17/12/2013</a:t>
             </a:fld>
             <a:endParaRPr lang="es-ES"/>
           </a:p>
@@ -1058,7 +1063,7 @@
             <a:fld id="{7A847CFC-816F-41D0-AAC0-9BF4FEBC753E}" type="datetimeFigureOut">
               <a:rPr lang="es-ES" smtClean="0"/>
               <a:pPr/>
-              <a:t>16/12/2013</a:t>
+              <a:t>17/12/2013</a:t>
             </a:fld>
             <a:endParaRPr lang="es-ES"/>
           </a:p>
@@ -1324,7 +1329,7 @@
             <a:fld id="{7A847CFC-816F-41D0-AAC0-9BF4FEBC753E}" type="datetimeFigureOut">
               <a:rPr lang="es-ES" smtClean="0"/>
               <a:pPr/>
-              <a:t>16/12/2013</a:t>
+              <a:t>17/12/2013</a:t>
             </a:fld>
             <a:endParaRPr lang="es-ES"/>
           </a:p>
@@ -1704,7 +1709,7 @@
             <a:fld id="{7A847CFC-816F-41D0-AAC0-9BF4FEBC753E}" type="datetimeFigureOut">
               <a:rPr lang="es-ES" smtClean="0"/>
               <a:pPr/>
-              <a:t>16/12/2013</a:t>
+              <a:t>17/12/2013</a:t>
             </a:fld>
             <a:endParaRPr lang="es-ES"/>
           </a:p>
@@ -1856,7 +1861,7 @@
             <a:fld id="{7A847CFC-816F-41D0-AAC0-9BF4FEBC753E}" type="datetimeFigureOut">
               <a:rPr lang="es-ES" smtClean="0"/>
               <a:pPr/>
-              <a:t>16/12/2013</a:t>
+              <a:t>17/12/2013</a:t>
             </a:fld>
             <a:endParaRPr lang="es-ES"/>
           </a:p>
@@ -1948,7 +1953,7 @@
             <a:fld id="{7A847CFC-816F-41D0-AAC0-9BF4FEBC753E}" type="datetimeFigureOut">
               <a:rPr lang="es-ES" smtClean="0"/>
               <a:pPr/>
-              <a:t>16/12/2013</a:t>
+              <a:t>17/12/2013</a:t>
             </a:fld>
             <a:endParaRPr lang="es-ES"/>
           </a:p>
@@ -2211,7 +2216,7 @@
             <a:fld id="{7A847CFC-816F-41D0-AAC0-9BF4FEBC753E}" type="datetimeFigureOut">
               <a:rPr lang="es-ES" smtClean="0"/>
               <a:pPr/>
-              <a:t>16/12/2013</a:t>
+              <a:t>17/12/2013</a:t>
             </a:fld>
             <a:endParaRPr lang="es-ES"/>
           </a:p>
@@ -2501,7 +2506,7 @@
             <a:fld id="{7A847CFC-816F-41D0-AAC0-9BF4FEBC753E}" type="datetimeFigureOut">
               <a:rPr lang="es-ES" smtClean="0"/>
               <a:pPr/>
-              <a:t>16/12/2013</a:t>
+              <a:t>17/12/2013</a:t>
             </a:fld>
             <a:endParaRPr lang="es-ES"/>
           </a:p>
@@ -3274,7 +3279,7 @@
             <a:fld id="{7A847CFC-816F-41D0-AAC0-9BF4FEBC753E}" type="datetimeFigureOut">
               <a:rPr lang="es-ES" smtClean="0"/>
               <a:pPr/>
-              <a:t>16/12/2013</a:t>
+              <a:t>17/12/2013</a:t>
             </a:fld>
             <a:endParaRPr lang="es-ES"/>
           </a:p>
@@ -4132,6 +4137,661 @@
 <file path=ppt/slides/slide10.xml><?xml version="1.0" encoding="utf-8"?>
 <p:sld xmlns:a="http://schemas.openxmlformats.org/drawingml/2006/main" xmlns:r="http://schemas.openxmlformats.org/officeDocument/2006/relationships" xmlns:p="http://schemas.openxmlformats.org/presentationml/2006/main">
   <p:cSld>
+    <p:spTree>
+      <p:nvGrpSpPr>
+        <p:cNvPr id="1" name=""/>
+        <p:cNvGrpSpPr/>
+        <p:nvPr/>
+      </p:nvGrpSpPr>
+      <p:grpSpPr>
+        <a:xfrm>
+          <a:off x="0" y="0"/>
+          <a:ext cx="0" cy="0"/>
+          <a:chOff x="0" y="0"/>
+          <a:chExt cx="0" cy="0"/>
+        </a:xfrm>
+      </p:grpSpPr>
+      <p:sp>
+        <p:nvSpPr>
+          <p:cNvPr id="2" name="1 Título"/>
+          <p:cNvSpPr>
+            <a:spLocks noGrp="1"/>
+          </p:cNvSpPr>
+          <p:nvPr>
+            <p:ph type="title"/>
+          </p:nvPr>
+        </p:nvSpPr>
+        <p:spPr/>
+        <p:txBody>
+          <a:bodyPr/>
+          <a:lstStyle/>
+          <a:p>
+            <a:r>
+              <a:rPr lang="es-ES" dirty="0" smtClean="0"/>
+              <a:t>Implementación</a:t>
+            </a:r>
+            <a:endParaRPr lang="es-ES" dirty="0"/>
+          </a:p>
+        </p:txBody>
+      </p:sp>
+      <p:pic>
+        <p:nvPicPr>
+          <p:cNvPr id="5" name="4 Imagen" descr="html5.jpg"/>
+          <p:cNvPicPr>
+            <a:picLocks noChangeAspect="1"/>
+          </p:cNvPicPr>
+          <p:nvPr/>
+        </p:nvPicPr>
+        <p:blipFill>
+          <a:blip r:embed="rId2"/>
+          <a:stretch>
+            <a:fillRect/>
+          </a:stretch>
+        </p:blipFill>
+        <p:spPr>
+          <a:xfrm>
+            <a:off x="3643306" y="1785926"/>
+            <a:ext cx="2071702" cy="2071702"/>
+          </a:xfrm>
+          <a:prstGeom prst="rect">
+            <a:avLst/>
+          </a:prstGeom>
+        </p:spPr>
+      </p:pic>
+      <p:pic>
+        <p:nvPicPr>
+          <p:cNvPr id="6" name="5 Imagen" descr="android.jpg"/>
+          <p:cNvPicPr>
+            <a:picLocks noChangeAspect="1"/>
+          </p:cNvPicPr>
+          <p:nvPr/>
+        </p:nvPicPr>
+        <p:blipFill>
+          <a:blip r:embed="rId3"/>
+          <a:stretch>
+            <a:fillRect/>
+          </a:stretch>
+        </p:blipFill>
+        <p:spPr>
+          <a:xfrm>
+            <a:off x="6786578" y="1857364"/>
+            <a:ext cx="1571636" cy="1828538"/>
+          </a:xfrm>
+          <a:prstGeom prst="rect">
+            <a:avLst/>
+          </a:prstGeom>
+          <a:effectLst>
+            <a:outerShdw blurRad="50800" dist="38100" dir="5400000" algn="t" rotWithShape="0">
+              <a:prstClr val="black">
+                <a:alpha val="40000"/>
+              </a:prstClr>
+            </a:outerShdw>
+          </a:effectLst>
+        </p:spPr>
+      </p:pic>
+      <p:pic>
+        <p:nvPicPr>
+          <p:cNvPr id="7" name="6 Imagen" descr="jquery.jpg"/>
+          <p:cNvPicPr>
+            <a:picLocks noChangeAspect="1"/>
+          </p:cNvPicPr>
+          <p:nvPr/>
+        </p:nvPicPr>
+        <p:blipFill>
+          <a:blip r:embed="rId4"/>
+          <a:stretch>
+            <a:fillRect/>
+          </a:stretch>
+        </p:blipFill>
+        <p:spPr>
+          <a:xfrm>
+            <a:off x="5354021" y="4357694"/>
+            <a:ext cx="3789979" cy="928670"/>
+          </a:xfrm>
+          <a:prstGeom prst="rect">
+            <a:avLst/>
+          </a:prstGeom>
+          <a:effectLst>
+            <a:innerShdw blurRad="63500" dist="50800" dir="8100000">
+              <a:prstClr val="black">
+                <a:alpha val="50000"/>
+              </a:prstClr>
+            </a:innerShdw>
+          </a:effectLst>
+        </p:spPr>
+      </p:pic>
+      <p:pic>
+        <p:nvPicPr>
+          <p:cNvPr id="8" name="7 Imagen" descr="java.jpg"/>
+          <p:cNvPicPr>
+            <a:picLocks noChangeAspect="1"/>
+          </p:cNvPicPr>
+          <p:nvPr/>
+        </p:nvPicPr>
+        <p:blipFill>
+          <a:blip r:embed="rId5"/>
+          <a:stretch>
+            <a:fillRect/>
+          </a:stretch>
+        </p:blipFill>
+        <p:spPr>
+          <a:xfrm>
+            <a:off x="0" y="4071918"/>
+            <a:ext cx="2786082" cy="2786082"/>
+          </a:xfrm>
+          <a:prstGeom prst="rect">
+            <a:avLst/>
+          </a:prstGeom>
+          <a:effectLst>
+            <a:outerShdw blurRad="63500" sx="102000" sy="102000" algn="ctr" rotWithShape="0">
+              <a:prstClr val="black">
+                <a:alpha val="40000"/>
+              </a:prstClr>
+            </a:outerShdw>
+          </a:effectLst>
+        </p:spPr>
+      </p:pic>
+      <p:pic>
+        <p:nvPicPr>
+          <p:cNvPr id="9" name="8 Imagen" descr="postgresql.jpg"/>
+          <p:cNvPicPr>
+            <a:picLocks noChangeAspect="1"/>
+          </p:cNvPicPr>
+          <p:nvPr/>
+        </p:nvPicPr>
+        <p:blipFill>
+          <a:blip r:embed="rId6"/>
+          <a:stretch>
+            <a:fillRect/>
+          </a:stretch>
+        </p:blipFill>
+        <p:spPr>
+          <a:xfrm>
+            <a:off x="2928926" y="5610225"/>
+            <a:ext cx="3648075" cy="1247775"/>
+          </a:xfrm>
+          <a:prstGeom prst="rect">
+            <a:avLst/>
+          </a:prstGeom>
+          <a:effectLst>
+            <a:outerShdw blurRad="50800" dist="38100" dir="18900000" algn="bl" rotWithShape="0">
+              <a:prstClr val="black">
+                <a:alpha val="40000"/>
+              </a:prstClr>
+            </a:outerShdw>
+          </a:effectLst>
+        </p:spPr>
+      </p:pic>
+      <p:pic>
+        <p:nvPicPr>
+          <p:cNvPr id="4" name="3 Marcador de contenido" descr="bootstrap.jpg"/>
+          <p:cNvPicPr>
+            <a:picLocks noGrp="1" noChangeAspect="1"/>
+          </p:cNvPicPr>
+          <p:nvPr>
+            <p:ph idx="1"/>
+          </p:nvPr>
+        </p:nvPicPr>
+        <p:blipFill>
+          <a:blip r:embed="rId7"/>
+          <a:stretch>
+            <a:fillRect/>
+          </a:stretch>
+        </p:blipFill>
+        <p:spPr>
+          <a:xfrm>
+            <a:off x="357158" y="2071678"/>
+            <a:ext cx="2168654" cy="1214446"/>
+          </a:xfrm>
+          <a:effectLst>
+            <a:outerShdw blurRad="50800" dist="38100" dir="2700000" algn="tl" rotWithShape="0">
+              <a:prstClr val="black">
+                <a:alpha val="40000"/>
+              </a:prstClr>
+            </a:outerShdw>
+          </a:effectLst>
+        </p:spPr>
+      </p:pic>
+      <p:pic>
+        <p:nvPicPr>
+          <p:cNvPr id="10" name="9 Imagen" descr="hibernate.jpg"/>
+          <p:cNvPicPr>
+            <a:picLocks noChangeAspect="1"/>
+          </p:cNvPicPr>
+          <p:nvPr/>
+        </p:nvPicPr>
+        <p:blipFill>
+          <a:blip r:embed="rId8"/>
+          <a:stretch>
+            <a:fillRect/>
+          </a:stretch>
+        </p:blipFill>
+        <p:spPr>
+          <a:xfrm>
+            <a:off x="2571736" y="3857628"/>
+            <a:ext cx="2714644" cy="750183"/>
+          </a:xfrm>
+          <a:prstGeom prst="rect">
+            <a:avLst/>
+          </a:prstGeom>
+          <a:effectLst>
+            <a:outerShdw blurRad="50800" dist="38100" dir="5400000" algn="t" rotWithShape="0">
+              <a:prstClr val="black">
+                <a:alpha val="40000"/>
+              </a:prstClr>
+            </a:outerShdw>
+          </a:effectLst>
+        </p:spPr>
+      </p:pic>
+    </p:spTree>
+  </p:cSld>
+  <p:clrMapOvr>
+    <a:masterClrMapping/>
+  </p:clrMapOvr>
+</p:sld>
+</file>
+
+<file path=ppt/slides/slide11.xml><?xml version="1.0" encoding="utf-8"?>
+<p:sld xmlns:a="http://schemas.openxmlformats.org/drawingml/2006/main" xmlns:r="http://schemas.openxmlformats.org/officeDocument/2006/relationships" xmlns:p="http://schemas.openxmlformats.org/presentationml/2006/main">
+  <p:cSld>
+    <p:spTree>
+      <p:nvGrpSpPr>
+        <p:cNvPr id="1" name=""/>
+        <p:cNvGrpSpPr/>
+        <p:nvPr/>
+      </p:nvGrpSpPr>
+      <p:grpSpPr>
+        <a:xfrm>
+          <a:off x="0" y="0"/>
+          <a:ext cx="0" cy="0"/>
+          <a:chOff x="0" y="0"/>
+          <a:chExt cx="0" cy="0"/>
+        </a:xfrm>
+      </p:grpSpPr>
+      <p:sp>
+        <p:nvSpPr>
+          <p:cNvPr id="2" name="1 Título"/>
+          <p:cNvSpPr>
+            <a:spLocks noGrp="1"/>
+          </p:cNvSpPr>
+          <p:nvPr>
+            <p:ph type="title"/>
+          </p:nvPr>
+        </p:nvSpPr>
+        <p:spPr/>
+        <p:txBody>
+          <a:bodyPr/>
+          <a:lstStyle/>
+          <a:p>
+            <a:r>
+              <a:rPr lang="es-ES" dirty="0" smtClean="0"/>
+              <a:t>Gestión</a:t>
+            </a:r>
+            <a:endParaRPr lang="es-ES" dirty="0"/>
+          </a:p>
+        </p:txBody>
+      </p:sp>
+      <p:sp>
+        <p:nvSpPr>
+          <p:cNvPr id="3" name="2 Marcador de contenido"/>
+          <p:cNvSpPr>
+            <a:spLocks noGrp="1"/>
+          </p:cNvSpPr>
+          <p:nvPr>
+            <p:ph idx="1"/>
+          </p:nvPr>
+        </p:nvSpPr>
+        <p:spPr/>
+        <p:txBody>
+          <a:bodyPr/>
+          <a:lstStyle/>
+          <a:p>
+            <a:r>
+              <a:rPr lang="es-ES" dirty="0" smtClean="0"/>
+              <a:t>Planificación</a:t>
+            </a:r>
+            <a:endParaRPr lang="es-ES" dirty="0"/>
+          </a:p>
+        </p:txBody>
+      </p:sp>
+      <p:pic>
+        <p:nvPicPr>
+          <p:cNvPr id="4" name="3 Imagen" descr="github.jpg"/>
+          <p:cNvPicPr>
+            <a:picLocks noChangeAspect="1"/>
+          </p:cNvPicPr>
+          <p:nvPr/>
+        </p:nvPicPr>
+        <p:blipFill>
+          <a:blip r:embed="rId2"/>
+          <a:stretch>
+            <a:fillRect/>
+          </a:stretch>
+        </p:blipFill>
+        <p:spPr>
+          <a:xfrm>
+            <a:off x="1071538" y="2357430"/>
+            <a:ext cx="3562360" cy="3562360"/>
+          </a:xfrm>
+          <a:prstGeom prst="rect">
+            <a:avLst/>
+          </a:prstGeom>
+        </p:spPr>
+      </p:pic>
+      <p:pic>
+        <p:nvPicPr>
+          <p:cNvPr id="5" name="4 Imagen" descr="tiempo.jpg"/>
+          <p:cNvPicPr>
+            <a:picLocks noChangeAspect="1"/>
+          </p:cNvPicPr>
+          <p:nvPr/>
+        </p:nvPicPr>
+        <p:blipFill>
+          <a:blip r:embed="rId3"/>
+          <a:stretch>
+            <a:fillRect/>
+          </a:stretch>
+        </p:blipFill>
+        <p:spPr>
+          <a:xfrm>
+            <a:off x="5558455" y="4471983"/>
+            <a:ext cx="3585545" cy="2386017"/>
+          </a:xfrm>
+          <a:prstGeom prst="rect">
+            <a:avLst/>
+          </a:prstGeom>
+        </p:spPr>
+      </p:pic>
+    </p:spTree>
+  </p:cSld>
+  <p:clrMapOvr>
+    <a:masterClrMapping/>
+  </p:clrMapOvr>
+</p:sld>
+</file>
+
+<file path=ppt/slides/slide12.xml><?xml version="1.0" encoding="utf-8"?>
+<p:sld xmlns:a="http://schemas.openxmlformats.org/drawingml/2006/main" xmlns:r="http://schemas.openxmlformats.org/officeDocument/2006/relationships" xmlns:p="http://schemas.openxmlformats.org/presentationml/2006/main">
+  <p:cSld>
+    <p:spTree>
+      <p:nvGrpSpPr>
+        <p:cNvPr id="1" name=""/>
+        <p:cNvGrpSpPr/>
+        <p:nvPr/>
+      </p:nvGrpSpPr>
+      <p:grpSpPr>
+        <a:xfrm>
+          <a:off x="0" y="0"/>
+          <a:ext cx="0" cy="0"/>
+          <a:chOff x="0" y="0"/>
+          <a:chExt cx="0" cy="0"/>
+        </a:xfrm>
+      </p:grpSpPr>
+      <p:sp>
+        <p:nvSpPr>
+          <p:cNvPr id="2" name="1 Título"/>
+          <p:cNvSpPr>
+            <a:spLocks noGrp="1"/>
+          </p:cNvSpPr>
+          <p:nvPr>
+            <p:ph type="title"/>
+          </p:nvPr>
+        </p:nvSpPr>
+        <p:spPr/>
+        <p:txBody>
+          <a:bodyPr/>
+          <a:lstStyle/>
+          <a:p>
+            <a:r>
+              <a:rPr lang="es-ES" dirty="0" smtClean="0"/>
+              <a:t>Trabajo a futuro</a:t>
+            </a:r>
+            <a:endParaRPr lang="es-ES" dirty="0"/>
+          </a:p>
+        </p:txBody>
+      </p:sp>
+      <p:pic>
+        <p:nvPicPr>
+          <p:cNvPr id="4" name="Picture 2" descr="http://www.tshapesolutions.com/wp-content/uploads/2011/01/Internet-Marketing-Tools.jpg"/>
+          <p:cNvPicPr>
+            <a:picLocks noGrp="1" noChangeAspect="1" noChangeArrowheads="1"/>
+          </p:cNvPicPr>
+          <p:nvPr>
+            <p:ph idx="1"/>
+          </p:nvPr>
+        </p:nvPicPr>
+        <p:blipFill>
+          <a:blip r:embed="rId2" cstate="print">
+            <a:clrChange>
+              <a:clrFrom>
+                <a:srgbClr val="FFFFFF"/>
+              </a:clrFrom>
+              <a:clrTo>
+                <a:srgbClr val="FFFFFF">
+                  <a:alpha val="0"/>
+                </a:srgbClr>
+              </a:clrTo>
+            </a:clrChange>
+          </a:blip>
+          <a:srcRect b="2150"/>
+          <a:stretch>
+            <a:fillRect/>
+          </a:stretch>
+        </p:blipFill>
+        <p:spPr bwMode="auto">
+          <a:xfrm>
+            <a:off x="4714876" y="3857628"/>
+            <a:ext cx="4124784" cy="2674925"/>
+          </a:xfrm>
+          <a:prstGeom prst="rect">
+            <a:avLst/>
+          </a:prstGeom>
+          <a:noFill/>
+        </p:spPr>
+      </p:pic>
+    </p:spTree>
+  </p:cSld>
+  <p:clrMapOvr>
+    <a:masterClrMapping/>
+  </p:clrMapOvr>
+</p:sld>
+</file>
+
+<file path=ppt/slides/slide13.xml><?xml version="1.0" encoding="utf-8"?>
+<p:sld xmlns:a="http://schemas.openxmlformats.org/drawingml/2006/main" xmlns:r="http://schemas.openxmlformats.org/officeDocument/2006/relationships" xmlns:p="http://schemas.openxmlformats.org/presentationml/2006/main">
+  <p:cSld>
+    <p:spTree>
+      <p:nvGrpSpPr>
+        <p:cNvPr id="1" name=""/>
+        <p:cNvGrpSpPr/>
+        <p:nvPr/>
+      </p:nvGrpSpPr>
+      <p:grpSpPr>
+        <a:xfrm>
+          <a:off x="0" y="0"/>
+          <a:ext cx="0" cy="0"/>
+          <a:chOff x="0" y="0"/>
+          <a:chExt cx="0" cy="0"/>
+        </a:xfrm>
+      </p:grpSpPr>
+      <p:sp>
+        <p:nvSpPr>
+          <p:cNvPr id="2" name="1 Título"/>
+          <p:cNvSpPr>
+            <a:spLocks noGrp="1"/>
+          </p:cNvSpPr>
+          <p:nvPr>
+            <p:ph type="title"/>
+          </p:nvPr>
+        </p:nvSpPr>
+        <p:spPr/>
+        <p:txBody>
+          <a:bodyPr/>
+          <a:lstStyle/>
+          <a:p>
+            <a:r>
+              <a:rPr lang="es-ES" dirty="0" smtClean="0"/>
+              <a:t>Conclusiones</a:t>
+            </a:r>
+            <a:endParaRPr lang="es-ES" dirty="0"/>
+          </a:p>
+        </p:txBody>
+      </p:sp>
+      <p:sp>
+        <p:nvSpPr>
+          <p:cNvPr id="3" name="2 Marcador de contenido"/>
+          <p:cNvSpPr>
+            <a:spLocks noGrp="1"/>
+          </p:cNvSpPr>
+          <p:nvPr>
+            <p:ph idx="1"/>
+          </p:nvPr>
+        </p:nvSpPr>
+        <p:spPr/>
+        <p:txBody>
+          <a:bodyPr/>
+          <a:lstStyle/>
+          <a:p>
+            <a:r>
+              <a:rPr lang="es-ES" dirty="0" smtClean="0"/>
+              <a:t>E-</a:t>
+            </a:r>
+            <a:r>
+              <a:rPr lang="es-ES" dirty="0" err="1" smtClean="0"/>
+              <a:t>commerce</a:t>
+            </a:r>
+            <a:endParaRPr lang="es-ES" dirty="0" smtClean="0"/>
+          </a:p>
+          <a:p>
+            <a:r>
+              <a:rPr lang="es-ES" dirty="0" err="1" smtClean="0"/>
+              <a:t>Marketplaces</a:t>
+            </a:r>
+            <a:endParaRPr lang="es-ES" dirty="0"/>
+          </a:p>
+        </p:txBody>
+      </p:sp>
+      <p:pic>
+        <p:nvPicPr>
+          <p:cNvPr id="4" name="Picture 2" descr="http://farmhack.net/sites/default/files/idea.png"/>
+          <p:cNvPicPr>
+            <a:picLocks noChangeAspect="1" noChangeArrowheads="1"/>
+          </p:cNvPicPr>
+          <p:nvPr/>
+        </p:nvPicPr>
+        <p:blipFill>
+          <a:blip r:embed="rId2" cstate="print"/>
+          <a:srcRect/>
+          <a:stretch>
+            <a:fillRect/>
+          </a:stretch>
+        </p:blipFill>
+        <p:spPr bwMode="auto">
+          <a:xfrm rot="1055837">
+            <a:off x="5113739" y="3042044"/>
+            <a:ext cx="2562709" cy="2562709"/>
+          </a:xfrm>
+          <a:prstGeom prst="rect">
+            <a:avLst/>
+          </a:prstGeom>
+          <a:noFill/>
+        </p:spPr>
+      </p:pic>
+    </p:spTree>
+  </p:cSld>
+  <p:clrMapOvr>
+    <a:masterClrMapping/>
+  </p:clrMapOvr>
+</p:sld>
+</file>
+
+<file path=ppt/slides/slide14.xml><?xml version="1.0" encoding="utf-8"?>
+<p:sld xmlns:a="http://schemas.openxmlformats.org/drawingml/2006/main" xmlns:r="http://schemas.openxmlformats.org/officeDocument/2006/relationships" xmlns:p="http://schemas.openxmlformats.org/presentationml/2006/main">
+  <p:cSld>
+    <p:spTree>
+      <p:nvGrpSpPr>
+        <p:cNvPr id="1" name=""/>
+        <p:cNvGrpSpPr/>
+        <p:nvPr/>
+      </p:nvGrpSpPr>
+      <p:grpSpPr>
+        <a:xfrm>
+          <a:off x="0" y="0"/>
+          <a:ext cx="0" cy="0"/>
+          <a:chOff x="0" y="0"/>
+          <a:chExt cx="0" cy="0"/>
+        </a:xfrm>
+      </p:grpSpPr>
+      <p:sp>
+        <p:nvSpPr>
+          <p:cNvPr id="2" name="1 Título"/>
+          <p:cNvSpPr>
+            <a:spLocks noGrp="1"/>
+          </p:cNvSpPr>
+          <p:nvPr>
+            <p:ph type="title"/>
+          </p:nvPr>
+        </p:nvSpPr>
+        <p:spPr>
+          <a:xfrm>
+            <a:off x="0" y="500042"/>
+            <a:ext cx="9144000" cy="1143000"/>
+          </a:xfrm>
+        </p:spPr>
+        <p:txBody>
+          <a:bodyPr>
+            <a:normAutofit fontScale="90000"/>
+          </a:bodyPr>
+          <a:lstStyle/>
+          <a:p>
+            <a:pPr algn="ctr"/>
+            <a:r>
+              <a:rPr lang="es-ES" dirty="0" smtClean="0"/>
+              <a:t>¿</a:t>
+            </a:r>
+            <a:r>
+              <a:rPr lang="es-ES" sz="8800" dirty="0" smtClean="0"/>
+              <a:t>Preguntas?</a:t>
+            </a:r>
+            <a:endParaRPr lang="es-ES" sz="8800" dirty="0"/>
+          </a:p>
+        </p:txBody>
+      </p:sp>
+      <p:pic>
+        <p:nvPicPr>
+          <p:cNvPr id="4" name="3 Imagen" descr="preguntas.jpg"/>
+          <p:cNvPicPr>
+            <a:picLocks noChangeAspect="1"/>
+          </p:cNvPicPr>
+          <p:nvPr/>
+        </p:nvPicPr>
+        <p:blipFill>
+          <a:blip r:embed="rId2"/>
+          <a:stretch>
+            <a:fillRect/>
+          </a:stretch>
+        </p:blipFill>
+        <p:spPr>
+          <a:xfrm>
+            <a:off x="2214546" y="2071678"/>
+            <a:ext cx="4128359" cy="3052771"/>
+          </a:xfrm>
+          <a:prstGeom prst="rect">
+            <a:avLst/>
+          </a:prstGeom>
+        </p:spPr>
+      </p:pic>
+    </p:spTree>
+  </p:cSld>
+  <p:clrMapOvr>
+    <a:masterClrMapping/>
+  </p:clrMapOvr>
+</p:sld>
+</file>
+
+<file path=ppt/slides/slide15.xml><?xml version="1.0" encoding="utf-8"?>
+<p:sld xmlns:a="http://schemas.openxmlformats.org/drawingml/2006/main" xmlns:r="http://schemas.openxmlformats.org/officeDocument/2006/relationships" xmlns:p="http://schemas.openxmlformats.org/presentationml/2006/main">
+  <p:cSld>
     <p:bg>
       <p:bgPr>
         <a:blipFill dpi="0" rotWithShape="1">
@@ -4339,7 +4999,7 @@
 </p:sld>
 </file>
 
-<file path=ppt/slides/slide11.xml><?xml version="1.0" encoding="utf-8"?>
+<file path=ppt/slides/slide16.xml><?xml version="1.0" encoding="utf-8"?>
 <p:sld xmlns:a="http://schemas.openxmlformats.org/drawingml/2006/main" xmlns:r="http://schemas.openxmlformats.org/officeDocument/2006/relationships" xmlns:p="http://schemas.openxmlformats.org/presentationml/2006/main">
   <p:cSld>
     <p:spTree>
@@ -4506,7 +5166,7 @@
 </p:sld>
 </file>
 
-<file path=ppt/slides/slide12.xml><?xml version="1.0" encoding="utf-8"?>
+<file path=ppt/slides/slide17.xml><?xml version="1.0" encoding="utf-8"?>
 <p:sld xmlns:a="http://schemas.openxmlformats.org/drawingml/2006/main" xmlns:r="http://schemas.openxmlformats.org/officeDocument/2006/relationships" xmlns:p="http://schemas.openxmlformats.org/presentationml/2006/main">
   <p:cSld>
     <p:spTree>
@@ -4782,735 +5442,6 @@
             <a:avLst/>
           </a:prstGeom>
           <a:noFill/>
-        </p:spPr>
-      </p:pic>
-    </p:spTree>
-  </p:cSld>
-  <p:clrMapOvr>
-    <a:masterClrMapping/>
-  </p:clrMapOvr>
-  <p:timing>
-    <p:tnLst>
-      <p:par>
-        <p:cTn id="1" dur="indefinite" restart="never" nodeType="tmRoot"/>
-      </p:par>
-    </p:tnLst>
-  </p:timing>
-</p:sld>
-</file>
-
-<file path=ppt/slides/slide13.xml><?xml version="1.0" encoding="utf-8"?>
-<p:sld xmlns:a="http://schemas.openxmlformats.org/drawingml/2006/main" xmlns:r="http://schemas.openxmlformats.org/officeDocument/2006/relationships" xmlns:p="http://schemas.openxmlformats.org/presentationml/2006/main">
-  <p:cSld>
-    <p:spTree>
-      <p:nvGrpSpPr>
-        <p:cNvPr id="1" name=""/>
-        <p:cNvGrpSpPr/>
-        <p:nvPr/>
-      </p:nvGrpSpPr>
-      <p:grpSpPr>
-        <a:xfrm>
-          <a:off x="0" y="0"/>
-          <a:ext cx="0" cy="0"/>
-          <a:chOff x="0" y="0"/>
-          <a:chExt cx="0" cy="0"/>
-        </a:xfrm>
-      </p:grpSpPr>
-      <p:sp>
-        <p:nvSpPr>
-          <p:cNvPr id="2" name="1 Título"/>
-          <p:cNvSpPr>
-            <a:spLocks noGrp="1"/>
-          </p:cNvSpPr>
-          <p:nvPr>
-            <p:ph type="title"/>
-          </p:nvPr>
-        </p:nvSpPr>
-        <p:spPr>
-          <a:xfrm>
-            <a:off x="467544" y="548680"/>
-            <a:ext cx="8229600" cy="1143000"/>
-          </a:xfrm>
-        </p:spPr>
-        <p:txBody>
-          <a:bodyPr/>
-          <a:lstStyle/>
-          <a:p>
-            <a:r>
-              <a:rPr lang="en-US" dirty="0" smtClean="0"/>
-              <a:t>Web Services </a:t>
-            </a:r>
-            <a:r>
-              <a:rPr lang="en-US" dirty="0" err="1" smtClean="0"/>
-              <a:t>Geográficos</a:t>
-            </a:r>
-            <a:endParaRPr lang="es-UY" dirty="0"/>
-          </a:p>
-        </p:txBody>
-      </p:sp>
-      <p:sp>
-        <p:nvSpPr>
-          <p:cNvPr id="3" name="2 Marcador de contenido"/>
-          <p:cNvSpPr>
-            <a:spLocks noGrp="1"/>
-          </p:cNvSpPr>
-          <p:nvPr>
-            <p:ph idx="1"/>
-          </p:nvPr>
-        </p:nvSpPr>
-        <p:spPr>
-          <a:xfrm>
-            <a:off x="395536" y="1556792"/>
-            <a:ext cx="8229600" cy="4389120"/>
-          </a:xfrm>
-        </p:spPr>
-        <p:txBody>
-          <a:bodyPr>
-            <a:normAutofit lnSpcReduction="10000"/>
-          </a:bodyPr>
-          <a:lstStyle/>
-          <a:p>
-            <a:pPr lvl="1">
-              <a:buNone/>
-            </a:pPr>
-            <a:endParaRPr lang="en-US" dirty="0" smtClean="0"/>
-          </a:p>
-          <a:p>
-            <a:pPr lvl="1">
-              <a:buNone/>
-            </a:pPr>
-            <a:r>
-              <a:rPr lang="en-US" b="1" dirty="0" smtClean="0"/>
-              <a:t>Web Services (OWS)</a:t>
-            </a:r>
-          </a:p>
-          <a:p>
-            <a:pPr lvl="1">
-              <a:buNone/>
-            </a:pPr>
-            <a:r>
-              <a:rPr lang="en-US" dirty="0" err="1" smtClean="0"/>
-              <a:t>Nombre</a:t>
-            </a:r>
-            <a:r>
-              <a:rPr lang="en-US" dirty="0" smtClean="0"/>
-              <a:t> </a:t>
-            </a:r>
-            <a:r>
-              <a:rPr lang="en-US" dirty="0" err="1" smtClean="0"/>
-              <a:t>genérico</a:t>
-            </a:r>
-            <a:r>
-              <a:rPr lang="en-US" dirty="0" smtClean="0"/>
-              <a:t> con el </a:t>
-            </a:r>
-            <a:r>
-              <a:rPr lang="en-US" dirty="0" err="1" smtClean="0"/>
-              <a:t>que</a:t>
-            </a:r>
-            <a:r>
-              <a:rPr lang="en-US" dirty="0" smtClean="0"/>
-              <a:t> se </a:t>
-            </a:r>
-            <a:r>
-              <a:rPr lang="en-US" dirty="0" err="1" smtClean="0"/>
-              <a:t>agrupan</a:t>
-            </a:r>
-            <a:r>
-              <a:rPr lang="en-US" dirty="0" smtClean="0"/>
-              <a:t> </a:t>
-            </a:r>
-            <a:r>
-              <a:rPr lang="en-US" dirty="0" err="1" smtClean="0"/>
-              <a:t>todos</a:t>
-            </a:r>
-            <a:r>
-              <a:rPr lang="en-US" dirty="0" smtClean="0"/>
-              <a:t> los</a:t>
-            </a:r>
-          </a:p>
-          <a:p>
-            <a:pPr lvl="1">
-              <a:buNone/>
-            </a:pPr>
-            <a:r>
-              <a:rPr lang="en-US" dirty="0" err="1" smtClean="0"/>
-              <a:t>estándares</a:t>
-            </a:r>
-            <a:r>
-              <a:rPr lang="en-US" dirty="0" smtClean="0"/>
-              <a:t> de Web Services </a:t>
-            </a:r>
-            <a:r>
-              <a:rPr lang="en-US" dirty="0" err="1" smtClean="0"/>
-              <a:t>geográficos</a:t>
-            </a:r>
-            <a:r>
-              <a:rPr lang="en-US" dirty="0" smtClean="0"/>
-              <a:t> de OGC.</a:t>
-            </a:r>
-          </a:p>
-          <a:p>
-            <a:pPr lvl="1">
-              <a:buNone/>
-            </a:pPr>
-            <a:endParaRPr lang="en-US" dirty="0" smtClean="0"/>
-          </a:p>
-          <a:p>
-            <a:pPr lvl="1"/>
-            <a:r>
-              <a:rPr lang="en-US" dirty="0" smtClean="0"/>
-              <a:t>Web Map Services (WMS)</a:t>
-            </a:r>
-          </a:p>
-          <a:p>
-            <a:pPr lvl="1">
-              <a:buNone/>
-            </a:pPr>
-            <a:endParaRPr lang="en-US" dirty="0" smtClean="0"/>
-          </a:p>
-          <a:p>
-            <a:pPr lvl="1"/>
-            <a:r>
-              <a:rPr lang="en-US" dirty="0" smtClean="0"/>
-              <a:t>Web Features Services (WFS)</a:t>
-            </a:r>
-          </a:p>
-          <a:p>
-            <a:pPr lvl="1">
-              <a:buNone/>
-            </a:pPr>
-            <a:endParaRPr lang="en-US" dirty="0" smtClean="0"/>
-          </a:p>
-          <a:p>
-            <a:pPr lvl="1"/>
-            <a:r>
-              <a:rPr lang="en-US" dirty="0" smtClean="0"/>
-              <a:t>Web Coverage Services (WCS)</a:t>
-            </a:r>
-          </a:p>
-        </p:txBody>
-      </p:sp>
-      <p:pic>
-        <p:nvPicPr>
-          <p:cNvPr id="11266" name="Picture 2" descr="http://www.papermasters.com/images/communication-technology-system.jpg"/>
-          <p:cNvPicPr>
-            <a:picLocks noChangeAspect="1" noChangeArrowheads="1"/>
-          </p:cNvPicPr>
-          <p:nvPr/>
-        </p:nvPicPr>
-        <p:blipFill>
-          <a:blip r:embed="rId2" cstate="print">
-            <a:clrChange>
-              <a:clrFrom>
-                <a:srgbClr val="FFFFFF"/>
-              </a:clrFrom>
-              <a:clrTo>
-                <a:srgbClr val="FFFFFF">
-                  <a:alpha val="0"/>
-                </a:srgbClr>
-              </a:clrTo>
-            </a:clrChange>
-          </a:blip>
-          <a:srcRect/>
-          <a:stretch>
-            <a:fillRect/>
-          </a:stretch>
-        </p:blipFill>
-        <p:spPr bwMode="auto">
-          <a:xfrm>
-            <a:off x="5220072" y="3284984"/>
-            <a:ext cx="3480881" cy="2607303"/>
-          </a:xfrm>
-          <a:prstGeom prst="rect">
-            <a:avLst/>
-          </a:prstGeom>
-          <a:noFill/>
-        </p:spPr>
-      </p:pic>
-    </p:spTree>
-  </p:cSld>
-  <p:clrMapOvr>
-    <a:masterClrMapping/>
-  </p:clrMapOvr>
-  <p:timing>
-    <p:tnLst>
-      <p:par>
-        <p:cTn id="1" dur="indefinite" restart="never" nodeType="tmRoot"/>
-      </p:par>
-    </p:tnLst>
-  </p:timing>
-</p:sld>
-</file>
-
-<file path=ppt/slides/slide14.xml><?xml version="1.0" encoding="utf-8"?>
-<p:sld xmlns:a="http://schemas.openxmlformats.org/drawingml/2006/main" xmlns:r="http://schemas.openxmlformats.org/officeDocument/2006/relationships" xmlns:p="http://schemas.openxmlformats.org/presentationml/2006/main">
-  <p:cSld>
-    <p:spTree>
-      <p:nvGrpSpPr>
-        <p:cNvPr id="1" name=""/>
-        <p:cNvGrpSpPr/>
-        <p:nvPr/>
-      </p:nvGrpSpPr>
-      <p:grpSpPr>
-        <a:xfrm>
-          <a:off x="0" y="0"/>
-          <a:ext cx="0" cy="0"/>
-          <a:chOff x="0" y="0"/>
-          <a:chExt cx="0" cy="0"/>
-        </a:xfrm>
-      </p:grpSpPr>
-      <p:sp>
-        <p:nvSpPr>
-          <p:cNvPr id="2" name="1 Título"/>
-          <p:cNvSpPr>
-            <a:spLocks noGrp="1"/>
-          </p:cNvSpPr>
-          <p:nvPr>
-            <p:ph type="title"/>
-          </p:nvPr>
-        </p:nvSpPr>
-        <p:spPr/>
-        <p:txBody>
-          <a:bodyPr>
-            <a:normAutofit fontScale="90000"/>
-          </a:bodyPr>
-          <a:lstStyle/>
-          <a:p>
-            <a:r>
-              <a:rPr lang="es-UY" dirty="0" smtClean="0"/>
-              <a:t>Prototipo de la aplicación y Arquitectura</a:t>
-            </a:r>
-            <a:endParaRPr lang="es-UY" dirty="0"/>
-          </a:p>
-        </p:txBody>
-      </p:sp>
-      <p:sp>
-        <p:nvSpPr>
-          <p:cNvPr id="3" name="2 Marcador de contenido"/>
-          <p:cNvSpPr>
-            <a:spLocks noGrp="1"/>
-          </p:cNvSpPr>
-          <p:nvPr>
-            <p:ph idx="1"/>
-          </p:nvPr>
-        </p:nvSpPr>
-        <p:spPr/>
-        <p:txBody>
-          <a:bodyPr/>
-          <a:lstStyle/>
-          <a:p>
-            <a:r>
-              <a:rPr lang="es-UY" dirty="0" smtClean="0"/>
-              <a:t>Estilos arquitectónico</a:t>
-            </a:r>
-          </a:p>
-          <a:p>
-            <a:pPr lvl="1"/>
-            <a:r>
-              <a:rPr lang="es-UY" dirty="0" smtClean="0"/>
-              <a:t>Capa de presentación</a:t>
-            </a:r>
-          </a:p>
-          <a:p>
-            <a:pPr lvl="1"/>
-            <a:r>
-              <a:rPr lang="es-UY" dirty="0" smtClean="0"/>
-              <a:t>Capa de negocio</a:t>
-            </a:r>
-          </a:p>
-          <a:p>
-            <a:pPr lvl="1"/>
-            <a:r>
-              <a:rPr lang="es-UY" dirty="0" smtClean="0"/>
-              <a:t>Capa de persistencia</a:t>
-            </a:r>
-          </a:p>
-          <a:p>
-            <a:endParaRPr lang="en-US" dirty="0" smtClean="0"/>
-          </a:p>
-          <a:p>
-            <a:endParaRPr lang="es-UY" dirty="0" smtClean="0"/>
-          </a:p>
-          <a:p>
-            <a:r>
-              <a:rPr lang="es-UY" dirty="0" smtClean="0"/>
-              <a:t>Escenarios de </a:t>
-            </a:r>
-            <a:r>
-              <a:rPr lang="es-UY" dirty="0" err="1" smtClean="0"/>
-              <a:t>deployment</a:t>
-            </a:r>
-            <a:endParaRPr lang="es-UY" dirty="0" smtClean="0"/>
-          </a:p>
-          <a:p>
-            <a:pPr lvl="1"/>
-            <a:r>
-              <a:rPr lang="es-UY" dirty="0" smtClean="0"/>
-              <a:t>Escenario de desarrollo</a:t>
-            </a:r>
-          </a:p>
-          <a:p>
-            <a:pPr lvl="1"/>
-            <a:r>
-              <a:rPr lang="es-UY" dirty="0" smtClean="0"/>
-              <a:t>Escenario de producción</a:t>
-            </a:r>
-          </a:p>
-          <a:p>
-            <a:endParaRPr lang="es-UY" dirty="0" smtClean="0"/>
-          </a:p>
-          <a:p>
-            <a:endParaRPr lang="es-UY" dirty="0"/>
-          </a:p>
-        </p:txBody>
-      </p:sp>
-      <p:pic>
-        <p:nvPicPr>
-          <p:cNvPr id="10242" name="Picture 2" descr="http://www.geek.com.mx/wp-content/uploads/2012/07/medium_megin_legos.jpg"/>
-          <p:cNvPicPr>
-            <a:picLocks noChangeAspect="1" noChangeArrowheads="1"/>
-          </p:cNvPicPr>
-          <p:nvPr/>
-        </p:nvPicPr>
-        <p:blipFill>
-          <a:blip r:embed="rId2" cstate="print"/>
-          <a:srcRect/>
-          <a:stretch>
-            <a:fillRect/>
-          </a:stretch>
-        </p:blipFill>
-        <p:spPr bwMode="auto">
-          <a:xfrm>
-            <a:off x="4932040" y="1772816"/>
-            <a:ext cx="3801977" cy="2847603"/>
-          </a:xfrm>
-          <a:prstGeom prst="rect">
-            <a:avLst/>
-          </a:prstGeom>
-          <a:noFill/>
-          <a:ln w="0" cap="rnd">
-            <a:solidFill>
-              <a:schemeClr val="tx1"/>
-            </a:solidFill>
-          </a:ln>
-          <a:effectLst>
-            <a:outerShdw blurRad="177800" dir="3600000" sx="101000" sy="101000" algn="ctr" rotWithShape="0">
-              <a:srgbClr val="000000">
-                <a:alpha val="76000"/>
-              </a:srgbClr>
-            </a:outerShdw>
-          </a:effectLst>
-        </p:spPr>
-      </p:pic>
-    </p:spTree>
-  </p:cSld>
-  <p:clrMapOvr>
-    <a:masterClrMapping/>
-  </p:clrMapOvr>
-  <p:timing>
-    <p:tnLst>
-      <p:par>
-        <p:cTn id="1" dur="indefinite" restart="never" nodeType="tmRoot"/>
-      </p:par>
-    </p:tnLst>
-  </p:timing>
-</p:sld>
-</file>
-
-<file path=ppt/slides/slide15.xml><?xml version="1.0" encoding="utf-8"?>
-<p:sld xmlns:a="http://schemas.openxmlformats.org/drawingml/2006/main" xmlns:r="http://schemas.openxmlformats.org/officeDocument/2006/relationships" xmlns:p="http://schemas.openxmlformats.org/presentationml/2006/main">
-  <p:cSld>
-    <p:spTree>
-      <p:nvGrpSpPr>
-        <p:cNvPr id="1" name=""/>
-        <p:cNvGrpSpPr/>
-        <p:nvPr/>
-      </p:nvGrpSpPr>
-      <p:grpSpPr>
-        <a:xfrm>
-          <a:off x="0" y="0"/>
-          <a:ext cx="0" cy="0"/>
-          <a:chOff x="0" y="0"/>
-          <a:chExt cx="0" cy="0"/>
-        </a:xfrm>
-      </p:grpSpPr>
-      <p:sp>
-        <p:nvSpPr>
-          <p:cNvPr id="2" name="1 Título"/>
-          <p:cNvSpPr>
-            <a:spLocks noGrp="1"/>
-          </p:cNvSpPr>
-          <p:nvPr>
-            <p:ph type="title"/>
-          </p:nvPr>
-        </p:nvSpPr>
-        <p:spPr>
-          <a:xfrm>
-            <a:off x="914400" y="620688"/>
-            <a:ext cx="7185992" cy="1010376"/>
-          </a:xfrm>
-        </p:spPr>
-        <p:txBody>
-          <a:bodyPr>
-            <a:normAutofit/>
-          </a:bodyPr>
-          <a:lstStyle/>
-          <a:p>
-            <a:r>
-              <a:rPr lang="es-UY" sz="3200" dirty="0" smtClean="0"/>
-              <a:t>Arquitectura en capas - </a:t>
-            </a:r>
-            <a:r>
-              <a:rPr lang="es-UY" sz="3200" dirty="0" err="1" smtClean="0"/>
-              <a:t>JavaEE</a:t>
-            </a:r>
-            <a:endParaRPr lang="es-UY" sz="3200" dirty="0"/>
-          </a:p>
-        </p:txBody>
-      </p:sp>
-      <p:pic>
-        <p:nvPicPr>
-          <p:cNvPr id="3074" name="Picture 2"/>
-          <p:cNvPicPr>
-            <a:picLocks noGrp="1" noChangeAspect="1" noChangeArrowheads="1"/>
-          </p:cNvPicPr>
-          <p:nvPr>
-            <p:ph idx="1"/>
-          </p:nvPr>
-        </p:nvPicPr>
-        <p:blipFill>
-          <a:blip r:embed="rId2" cstate="print"/>
-          <a:stretch>
-            <a:fillRect/>
-          </a:stretch>
-        </p:blipFill>
-        <p:spPr bwMode="auto">
-          <a:xfrm>
-            <a:off x="1119187" y="1962944"/>
-            <a:ext cx="6905625" cy="4333875"/>
-          </a:xfrm>
-          <a:prstGeom prst="rect">
-            <a:avLst/>
-          </a:prstGeom>
-          <a:noFill/>
-          <a:ln w="9525">
-            <a:noFill/>
-            <a:miter lim="800000"/>
-            <a:headEnd/>
-            <a:tailEnd/>
-          </a:ln>
-          <a:effectLst>
-            <a:outerShdw blurRad="177800" dir="3600000" sx="101000" sy="101000" algn="ctr" rotWithShape="0">
-              <a:srgbClr val="000000">
-                <a:alpha val="78000"/>
-              </a:srgbClr>
-            </a:outerShdw>
-          </a:effectLst>
-        </p:spPr>
-      </p:pic>
-    </p:spTree>
-  </p:cSld>
-  <p:clrMapOvr>
-    <a:masterClrMapping/>
-  </p:clrMapOvr>
-  <p:timing>
-    <p:tnLst>
-      <p:par>
-        <p:cTn id="1" dur="indefinite" restart="never" nodeType="tmRoot"/>
-      </p:par>
-    </p:tnLst>
-  </p:timing>
-</p:sld>
-</file>
-
-<file path=ppt/slides/slide16.xml><?xml version="1.0" encoding="utf-8"?>
-<p:sld xmlns:a="http://schemas.openxmlformats.org/drawingml/2006/main" xmlns:r="http://schemas.openxmlformats.org/officeDocument/2006/relationships" xmlns:p="http://schemas.openxmlformats.org/presentationml/2006/main">
-  <p:cSld>
-    <p:spTree>
-      <p:nvGrpSpPr>
-        <p:cNvPr id="1" name=""/>
-        <p:cNvGrpSpPr/>
-        <p:nvPr/>
-      </p:nvGrpSpPr>
-      <p:grpSpPr>
-        <a:xfrm>
-          <a:off x="0" y="0"/>
-          <a:ext cx="0" cy="0"/>
-          <a:chOff x="0" y="0"/>
-          <a:chExt cx="0" cy="0"/>
-        </a:xfrm>
-      </p:grpSpPr>
-      <p:sp>
-        <p:nvSpPr>
-          <p:cNvPr id="2" name="1 Título"/>
-          <p:cNvSpPr>
-            <a:spLocks noGrp="1"/>
-          </p:cNvSpPr>
-          <p:nvPr>
-            <p:ph type="title"/>
-          </p:nvPr>
-        </p:nvSpPr>
-        <p:spPr>
-          <a:xfrm>
-            <a:off x="467544" y="764704"/>
-            <a:ext cx="8229600" cy="866360"/>
-          </a:xfrm>
-        </p:spPr>
-        <p:txBody>
-          <a:bodyPr>
-            <a:normAutofit/>
-          </a:bodyPr>
-          <a:lstStyle/>
-          <a:p>
-            <a:r>
-              <a:rPr lang="es-UY" sz="3200" dirty="0" smtClean="0"/>
-              <a:t>Escenario de desarrollo</a:t>
-            </a:r>
-            <a:endParaRPr lang="es-UY" sz="3200" dirty="0"/>
-          </a:p>
-        </p:txBody>
-      </p:sp>
-      <p:pic>
-        <p:nvPicPr>
-          <p:cNvPr id="1026" name="Picture 2"/>
-          <p:cNvPicPr>
-            <a:picLocks noGrp="1" noChangeAspect="1" noChangeArrowheads="1"/>
-          </p:cNvPicPr>
-          <p:nvPr>
-            <p:ph idx="1"/>
-          </p:nvPr>
-        </p:nvPicPr>
-        <p:blipFill>
-          <a:blip r:embed="rId2" cstate="print"/>
-          <a:stretch>
-            <a:fillRect/>
-          </a:stretch>
-        </p:blipFill>
-        <p:spPr bwMode="auto">
-          <a:xfrm>
-            <a:off x="489351" y="1935163"/>
-            <a:ext cx="8165297" cy="4389437"/>
-          </a:xfrm>
-          <a:prstGeom prst="rect">
-            <a:avLst/>
-          </a:prstGeom>
-          <a:noFill/>
-          <a:ln w="9525">
-            <a:noFill/>
-            <a:miter lim="800000"/>
-            <a:headEnd/>
-            <a:tailEnd/>
-          </a:ln>
-          <a:effectLst>
-            <a:outerShdw blurRad="177800" dir="3660000" algn="ctr" rotWithShape="0">
-              <a:srgbClr val="000000">
-                <a:alpha val="78000"/>
-              </a:srgbClr>
-            </a:outerShdw>
-          </a:effectLst>
-        </p:spPr>
-      </p:pic>
-    </p:spTree>
-  </p:cSld>
-  <p:clrMapOvr>
-    <a:masterClrMapping/>
-  </p:clrMapOvr>
-  <p:timing>
-    <p:tnLst>
-      <p:par>
-        <p:cTn id="1" dur="indefinite" restart="never" nodeType="tmRoot"/>
-      </p:par>
-    </p:tnLst>
-  </p:timing>
-</p:sld>
-</file>
-
-<file path=ppt/slides/slide17.xml><?xml version="1.0" encoding="utf-8"?>
-<p:sld xmlns:a="http://schemas.openxmlformats.org/drawingml/2006/main" xmlns:r="http://schemas.openxmlformats.org/officeDocument/2006/relationships" xmlns:p="http://schemas.openxmlformats.org/presentationml/2006/main">
-  <p:cSld>
-    <p:spTree>
-      <p:nvGrpSpPr>
-        <p:cNvPr id="1" name=""/>
-        <p:cNvGrpSpPr/>
-        <p:nvPr/>
-      </p:nvGrpSpPr>
-      <p:grpSpPr>
-        <a:xfrm>
-          <a:off x="0" y="0"/>
-          <a:ext cx="0" cy="0"/>
-          <a:chOff x="0" y="0"/>
-          <a:chExt cx="0" cy="0"/>
-        </a:xfrm>
-      </p:grpSpPr>
-      <p:sp>
-        <p:nvSpPr>
-          <p:cNvPr id="2" name="1 Título"/>
-          <p:cNvSpPr>
-            <a:spLocks noGrp="1"/>
-          </p:cNvSpPr>
-          <p:nvPr>
-            <p:ph type="title"/>
-          </p:nvPr>
-        </p:nvSpPr>
-        <p:spPr>
-          <a:xfrm>
-            <a:off x="467544" y="620688"/>
-            <a:ext cx="8229600" cy="938368"/>
-          </a:xfrm>
-        </p:spPr>
-        <p:txBody>
-          <a:bodyPr>
-            <a:normAutofit/>
-          </a:bodyPr>
-          <a:lstStyle/>
-          <a:p>
-            <a:r>
-              <a:rPr lang="es-UY" sz="3200" dirty="0" smtClean="0"/>
-              <a:t>Escenario de producción</a:t>
-            </a:r>
-            <a:endParaRPr lang="es-UY" sz="3200" dirty="0"/>
-          </a:p>
-        </p:txBody>
-      </p:sp>
-      <p:pic>
-        <p:nvPicPr>
-          <p:cNvPr id="2050" name="Picture 2"/>
-          <p:cNvPicPr>
-            <a:picLocks noGrp="1" noChangeAspect="1" noChangeArrowheads="1"/>
-          </p:cNvPicPr>
-          <p:nvPr>
-            <p:ph idx="1"/>
-          </p:nvPr>
-        </p:nvPicPr>
-        <p:blipFill>
-          <a:blip r:embed="rId2" cstate="print"/>
-          <a:stretch>
-            <a:fillRect/>
-          </a:stretch>
-        </p:blipFill>
-        <p:spPr bwMode="auto">
-          <a:xfrm>
-            <a:off x="457200" y="1995006"/>
-            <a:ext cx="8229600" cy="4269751"/>
-          </a:xfrm>
-          <a:prstGeom prst="rect">
-            <a:avLst/>
-          </a:prstGeom>
-          <a:noFill/>
-          <a:ln w="9525">
-            <a:noFill/>
-            <a:miter lim="800000"/>
-            <a:headEnd/>
-            <a:tailEnd/>
-          </a:ln>
-          <a:effectLst>
-            <a:outerShdw blurRad="177800" dir="3600000" sx="101000" sy="101000" algn="ctr" rotWithShape="0">
-              <a:srgbClr val="000000">
-                <a:alpha val="78000"/>
-              </a:srgbClr>
-            </a:outerShdw>
-          </a:effectLst>
         </p:spPr>
       </p:pic>
     </p:spTree>
@@ -5555,189 +5486,174 @@
             <p:ph type="title"/>
           </p:nvPr>
         </p:nvSpPr>
-        <p:spPr/>
+        <p:spPr>
+          <a:xfrm>
+            <a:off x="467544" y="548680"/>
+            <a:ext cx="8229600" cy="1143000"/>
+          </a:xfrm>
+        </p:spPr>
+        <p:txBody>
+          <a:bodyPr/>
+          <a:lstStyle/>
+          <a:p>
+            <a:r>
+              <a:rPr lang="en-US" dirty="0" smtClean="0"/>
+              <a:t>Web Services </a:t>
+            </a:r>
+            <a:r>
+              <a:rPr lang="en-US" dirty="0" err="1" smtClean="0"/>
+              <a:t>Geográficos</a:t>
+            </a:r>
+            <a:endParaRPr lang="es-UY" dirty="0"/>
+          </a:p>
+        </p:txBody>
+      </p:sp>
+      <p:sp>
+        <p:nvSpPr>
+          <p:cNvPr id="3" name="2 Marcador de contenido"/>
+          <p:cNvSpPr>
+            <a:spLocks noGrp="1"/>
+          </p:cNvSpPr>
+          <p:nvPr>
+            <p:ph idx="1"/>
+          </p:nvPr>
+        </p:nvSpPr>
+        <p:spPr>
+          <a:xfrm>
+            <a:off x="395536" y="1556792"/>
+            <a:ext cx="8229600" cy="4389120"/>
+          </a:xfrm>
+        </p:spPr>
         <p:txBody>
           <a:bodyPr>
-            <a:normAutofit fontScale="90000"/>
+            <a:normAutofit lnSpcReduction="10000"/>
           </a:bodyPr>
           <a:lstStyle/>
           <a:p>
-            <a:r>
-              <a:rPr lang="es-UY" dirty="0" smtClean="0"/>
-              <a:t>Relevamiento de Estándares y Herramientas </a:t>
-            </a:r>
-            <a:endParaRPr lang="es-UY" dirty="0"/>
-          </a:p>
-        </p:txBody>
-      </p:sp>
-      <p:sp>
-        <p:nvSpPr>
-          <p:cNvPr id="3" name="2 Marcador de contenido"/>
-          <p:cNvSpPr>
-            <a:spLocks noGrp="1"/>
-          </p:cNvSpPr>
-          <p:nvPr>
-            <p:ph idx="1"/>
-          </p:nvPr>
-        </p:nvSpPr>
-        <p:spPr/>
-        <p:txBody>
-          <a:bodyPr>
-            <a:normAutofit fontScale="92500" lnSpcReduction="20000"/>
-          </a:bodyPr>
-          <a:lstStyle/>
-          <a:p>
-            <a:pPr>
+            <a:pPr lvl="1">
               <a:buNone/>
             </a:pPr>
-            <a:r>
-              <a:rPr lang="es-UY" dirty="0" smtClean="0"/>
-              <a:t>Herramientas utilizadas en el proceso </a:t>
-            </a:r>
-          </a:p>
-          <a:p>
-            <a:pPr>
+            <a:endParaRPr lang="en-US" dirty="0" smtClean="0"/>
+          </a:p>
+          <a:p>
+            <a:pPr lvl="1">
               <a:buNone/>
             </a:pPr>
             <a:r>
-              <a:rPr lang="es-UY" dirty="0" smtClean="0"/>
-              <a:t>de desarrollo:</a:t>
-            </a:r>
+              <a:rPr lang="en-US" b="1" dirty="0" smtClean="0"/>
+              <a:t>Web Services (OWS)</a:t>
+            </a:r>
+          </a:p>
+          <a:p>
+            <a:pPr lvl="1">
+              <a:buNone/>
+            </a:pPr>
+            <a:r>
+              <a:rPr lang="en-US" dirty="0" err="1" smtClean="0"/>
+              <a:t>Nombre</a:t>
+            </a:r>
+            <a:r>
+              <a:rPr lang="en-US" dirty="0" smtClean="0"/>
+              <a:t> </a:t>
+            </a:r>
+            <a:r>
+              <a:rPr lang="en-US" dirty="0" err="1" smtClean="0"/>
+              <a:t>genérico</a:t>
+            </a:r>
+            <a:r>
+              <a:rPr lang="en-US" dirty="0" smtClean="0"/>
+              <a:t> con el </a:t>
+            </a:r>
+            <a:r>
+              <a:rPr lang="en-US" dirty="0" err="1" smtClean="0"/>
+              <a:t>que</a:t>
+            </a:r>
+            <a:r>
+              <a:rPr lang="en-US" dirty="0" smtClean="0"/>
+              <a:t> se </a:t>
+            </a:r>
+            <a:r>
+              <a:rPr lang="en-US" dirty="0" err="1" smtClean="0"/>
+              <a:t>agrupan</a:t>
+            </a:r>
+            <a:r>
+              <a:rPr lang="en-US" dirty="0" smtClean="0"/>
+              <a:t> </a:t>
+            </a:r>
+            <a:r>
+              <a:rPr lang="en-US" dirty="0" err="1" smtClean="0"/>
+              <a:t>todos</a:t>
+            </a:r>
+            <a:r>
+              <a:rPr lang="en-US" dirty="0" smtClean="0"/>
+              <a:t> los</a:t>
+            </a:r>
+          </a:p>
+          <a:p>
+            <a:pPr lvl="1">
+              <a:buNone/>
+            </a:pPr>
+            <a:r>
+              <a:rPr lang="en-US" dirty="0" err="1" smtClean="0"/>
+              <a:t>estándares</a:t>
+            </a:r>
+            <a:r>
+              <a:rPr lang="en-US" dirty="0" smtClean="0"/>
+              <a:t> de Web Services </a:t>
+            </a:r>
+            <a:r>
+              <a:rPr lang="en-US" dirty="0" err="1" smtClean="0"/>
+              <a:t>geográficos</a:t>
+            </a:r>
+            <a:r>
+              <a:rPr lang="en-US" dirty="0" smtClean="0"/>
+              <a:t> de OGC.</a:t>
+            </a:r>
+          </a:p>
+          <a:p>
+            <a:pPr lvl="1">
+              <a:buNone/>
+            </a:pPr>
+            <a:endParaRPr lang="en-US" dirty="0" smtClean="0"/>
           </a:p>
           <a:p>
             <a:pPr lvl="1"/>
             <a:r>
-              <a:rPr lang="es-UY" dirty="0" smtClean="0"/>
-              <a:t>Eclipse </a:t>
-            </a:r>
-            <a:r>
-              <a:rPr lang="es-UY" dirty="0" err="1" smtClean="0"/>
-              <a:t>Indigo</a:t>
-            </a:r>
-            <a:r>
-              <a:rPr lang="es-UY" dirty="0" smtClean="0"/>
-              <a:t> + </a:t>
-            </a:r>
-            <a:r>
-              <a:rPr lang="es-UY" dirty="0" err="1" smtClean="0"/>
-              <a:t>Subversive</a:t>
-            </a:r>
-            <a:r>
-              <a:rPr lang="es-UY" dirty="0" smtClean="0"/>
-              <a:t>.</a:t>
-            </a:r>
+              <a:rPr lang="en-US" dirty="0" smtClean="0"/>
+              <a:t>Web Map Services (WMS)</a:t>
+            </a:r>
+          </a:p>
+          <a:p>
+            <a:pPr lvl="1">
+              <a:buNone/>
+            </a:pPr>
+            <a:endParaRPr lang="en-US" dirty="0" smtClean="0"/>
           </a:p>
           <a:p>
             <a:pPr lvl="1"/>
             <a:r>
-              <a:rPr lang="es-UY" dirty="0" err="1" smtClean="0"/>
-              <a:t>Postgresql</a:t>
-            </a:r>
-            <a:r>
-              <a:rPr lang="es-UY" dirty="0" smtClean="0"/>
-              <a:t>  9.2 + </a:t>
-            </a:r>
-            <a:r>
-              <a:rPr lang="es-UY" dirty="0" err="1" smtClean="0"/>
-              <a:t>PostGIS</a:t>
-            </a:r>
-            <a:r>
-              <a:rPr lang="es-UY" dirty="0" smtClean="0"/>
-              <a:t> 2.0 + </a:t>
-            </a:r>
-            <a:r>
-              <a:rPr lang="es-UY" dirty="0" err="1" smtClean="0"/>
-              <a:t>pgAdmin</a:t>
-            </a:r>
-            <a:r>
-              <a:rPr lang="es-UY" dirty="0" smtClean="0"/>
-              <a:t> 1.6.	</a:t>
-            </a:r>
+              <a:rPr lang="en-US" dirty="0" smtClean="0"/>
+              <a:t>Web Features Services (WFS)</a:t>
+            </a:r>
+          </a:p>
+          <a:p>
+            <a:pPr lvl="1">
+              <a:buNone/>
+            </a:pPr>
+            <a:endParaRPr lang="en-US" dirty="0" smtClean="0"/>
           </a:p>
           <a:p>
             <a:pPr lvl="1"/>
             <a:r>
               <a:rPr lang="en-US" dirty="0" smtClean="0"/>
-              <a:t>Hibernate JPA 2.0 - JDBC</a:t>
-            </a:r>
-            <a:endParaRPr lang="es-UY" dirty="0" smtClean="0"/>
-          </a:p>
-          <a:p>
-            <a:pPr lvl="1"/>
-            <a:r>
-              <a:rPr lang="es-UY" dirty="0" err="1" smtClean="0"/>
-              <a:t>GeoServer</a:t>
-            </a:r>
-            <a:r>
-              <a:rPr lang="es-UY" dirty="0" smtClean="0"/>
-              <a:t> 2.3.1</a:t>
-            </a:r>
-          </a:p>
-          <a:p>
-            <a:pPr lvl="1"/>
-            <a:r>
-              <a:rPr lang="es-UY" dirty="0" err="1" smtClean="0"/>
-              <a:t>OpenLayers</a:t>
-            </a:r>
-            <a:r>
-              <a:rPr lang="es-UY" dirty="0" smtClean="0"/>
-              <a:t> 2.12</a:t>
-            </a:r>
-          </a:p>
-          <a:p>
-            <a:pPr lvl="1"/>
-            <a:r>
-              <a:rPr lang="en-US" dirty="0" smtClean="0"/>
-              <a:t>JSF 2.1 + </a:t>
-            </a:r>
-            <a:r>
-              <a:rPr lang="en-US" dirty="0" err="1" smtClean="0"/>
-              <a:t>Primefaces</a:t>
-            </a:r>
-            <a:r>
-              <a:rPr lang="en-US" dirty="0" smtClean="0"/>
-              <a:t> 3.5.</a:t>
-            </a:r>
-            <a:endParaRPr lang="es-UY" dirty="0" smtClean="0"/>
-          </a:p>
-          <a:p>
-            <a:pPr lvl="1"/>
-            <a:r>
-              <a:rPr lang="es-UY" dirty="0" err="1" smtClean="0"/>
-              <a:t>ApacheTomcat</a:t>
-            </a:r>
-            <a:r>
-              <a:rPr lang="es-UY" dirty="0" smtClean="0"/>
-              <a:t> 7.0.39.</a:t>
-            </a:r>
-          </a:p>
-          <a:p>
-            <a:pPr lvl="1"/>
-            <a:r>
-              <a:rPr lang="en-US" dirty="0" smtClean="0"/>
-              <a:t>Extras:</a:t>
-            </a:r>
-          </a:p>
-          <a:p>
-            <a:pPr lvl="2"/>
-            <a:r>
-              <a:rPr lang="en-US" dirty="0" smtClean="0"/>
-              <a:t>SVN Tortoise</a:t>
-            </a:r>
-            <a:endParaRPr lang="es-UY" dirty="0" smtClean="0"/>
-          </a:p>
-          <a:p>
-            <a:pPr lvl="2"/>
-            <a:r>
-              <a:rPr lang="en-US" dirty="0" smtClean="0"/>
-              <a:t>Visual Paradigm</a:t>
+              <a:t>Web Coverage Services (WCS)</a:t>
             </a:r>
           </a:p>
         </p:txBody>
       </p:sp>
       <p:pic>
         <p:nvPicPr>
-          <p:cNvPr id="6146" name="Picture 2" descr="http://www.tshapesolutions.com/wp-content/uploads/2011/01/Internet-Marketing-Tools.jpg"/>
+          <p:cNvPr id="11266" name="Picture 2" descr="http://www.papermasters.com/images/communication-technology-system.jpg"/>
           <p:cNvPicPr>
             <a:picLocks noChangeAspect="1" noChangeArrowheads="1"/>
           </p:cNvPicPr>
@@ -5756,15 +5672,15 @@
               </a:clrTo>
             </a:clrChange>
           </a:blip>
-          <a:srcRect b="2150"/>
+          <a:srcRect/>
           <a:stretch>
             <a:fillRect/>
           </a:stretch>
         </p:blipFill>
         <p:spPr bwMode="auto">
           <a:xfrm>
-            <a:off x="4091543" y="3212976"/>
-            <a:ext cx="5052457" cy="3276506"/>
+            <a:off x="5220072" y="3284984"/>
+            <a:ext cx="3480881" cy="2607303"/>
           </a:xfrm>
           <a:prstGeom prst="rect">
             <a:avLst/>
@@ -5822,24 +5738,8 @@
           <a:lstStyle/>
           <a:p>
             <a:r>
-              <a:rPr lang="en-US" dirty="0" err="1" smtClean="0"/>
-              <a:t>Evaluación</a:t>
-            </a:r>
-            <a:r>
-              <a:rPr lang="en-US" dirty="0" smtClean="0"/>
-              <a:t> de </a:t>
-            </a:r>
-            <a:r>
-              <a:rPr lang="en-US" dirty="0" err="1" smtClean="0"/>
-              <a:t>Estándares</a:t>
-            </a:r>
-            <a:r>
-              <a:rPr lang="en-US" dirty="0" smtClean="0"/>
-              <a:t> y </a:t>
-            </a:r>
-            <a:r>
-              <a:rPr lang="en-US" dirty="0" err="1" smtClean="0"/>
-              <a:t>Herramientas</a:t>
+              <a:rPr lang="es-UY" dirty="0" smtClean="0"/>
+              <a:t>Prototipo de la aplicación y Arquitectura</a:t>
             </a:r>
             <a:endParaRPr lang="es-UY" dirty="0"/>
           </a:p>
@@ -5855,73 +5755,86 @@
             <p:ph idx="1"/>
           </p:nvPr>
         </p:nvSpPr>
-        <p:spPr>
-          <a:xfrm>
-            <a:off x="457200" y="2204864"/>
-            <a:ext cx="8229600" cy="4119736"/>
-          </a:xfrm>
-        </p:spPr>
+        <p:spPr/>
         <p:txBody>
           <a:bodyPr/>
           <a:lstStyle/>
           <a:p>
             <a:r>
-              <a:rPr lang="en-US" dirty="0" smtClean="0"/>
-              <a:t>WFS-T </a:t>
-            </a:r>
-          </a:p>
-          <a:p>
-            <a:r>
-              <a:rPr lang="en-US" dirty="0" err="1" smtClean="0"/>
-              <a:t>Geoserver</a:t>
-            </a:r>
+              <a:rPr lang="es-UY" dirty="0" smtClean="0"/>
+              <a:t>Estilos arquitectónico</a:t>
+            </a:r>
+          </a:p>
+          <a:p>
+            <a:pPr lvl="1"/>
+            <a:r>
+              <a:rPr lang="es-UY" dirty="0" smtClean="0"/>
+              <a:t>Capa de presentación</a:t>
+            </a:r>
+          </a:p>
+          <a:p>
+            <a:pPr lvl="1"/>
+            <a:r>
+              <a:rPr lang="es-UY" dirty="0" smtClean="0"/>
+              <a:t>Capa de negocio</a:t>
+            </a:r>
+          </a:p>
+          <a:p>
+            <a:pPr lvl="1"/>
+            <a:r>
+              <a:rPr lang="es-UY" dirty="0" smtClean="0"/>
+              <a:t>Capa de persistencia</a:t>
+            </a:r>
+          </a:p>
+          <a:p>
             <a:endParaRPr lang="en-US" dirty="0" smtClean="0"/>
           </a:p>
           <a:p>
-            <a:r>
-              <a:rPr lang="en-US" dirty="0" err="1" smtClean="0"/>
-              <a:t>OpenLayers</a:t>
-            </a:r>
-            <a:endParaRPr lang="en-US" dirty="0" smtClean="0"/>
-          </a:p>
-          <a:p>
-            <a:r>
-              <a:rPr lang="en-US" dirty="0" err="1" smtClean="0"/>
-              <a:t>Postgres</a:t>
-            </a:r>
-            <a:r>
-              <a:rPr lang="en-US" dirty="0" smtClean="0"/>
-              <a:t> + </a:t>
-            </a:r>
-            <a:r>
-              <a:rPr lang="en-US" dirty="0" err="1" smtClean="0"/>
-              <a:t>Postgis</a:t>
-            </a:r>
+            <a:endParaRPr lang="es-UY" dirty="0" smtClean="0"/>
+          </a:p>
+          <a:p>
+            <a:r>
+              <a:rPr lang="es-UY" dirty="0" smtClean="0"/>
+              <a:t>Escenarios de </a:t>
+            </a:r>
+            <a:r>
+              <a:rPr lang="es-UY" dirty="0" err="1" smtClean="0"/>
+              <a:t>deployment</a:t>
+            </a:r>
+            <a:endParaRPr lang="es-UY" dirty="0" smtClean="0"/>
+          </a:p>
+          <a:p>
+            <a:pPr lvl="1"/>
+            <a:r>
+              <a:rPr lang="es-UY" dirty="0" smtClean="0"/>
+              <a:t>Escenario de desarrollo</a:t>
+            </a:r>
+          </a:p>
+          <a:p>
+            <a:pPr lvl="1"/>
+            <a:r>
+              <a:rPr lang="es-UY" dirty="0" smtClean="0"/>
+              <a:t>Escenario de producción</a:t>
+            </a:r>
+          </a:p>
+          <a:p>
+            <a:endParaRPr lang="es-UY" dirty="0" smtClean="0"/>
+          </a:p>
+          <a:p>
             <a:endParaRPr lang="es-UY" dirty="0"/>
           </a:p>
         </p:txBody>
       </p:sp>
       <p:pic>
         <p:nvPicPr>
-          <p:cNvPr id="5122" name="Picture 2" descr="http://1.bp.blogspot.com/-KEvTT33ClPY/UYlvoWixv0I/AAAAAAAAAIY/g4uYEojkZvk/s1600/evaluacion.jpg"/>
+          <p:cNvPr id="10242" name="Picture 2" descr="http://www.geek.com.mx/wp-content/uploads/2012/07/medium_megin_legos.jpg"/>
           <p:cNvPicPr>
             <a:picLocks noChangeAspect="1" noChangeArrowheads="1"/>
           </p:cNvPicPr>
           <p:nvPr/>
         </p:nvPicPr>
         <p:blipFill>
-          <a:blip r:embed="rId2" cstate="print">
-            <a:clrChange>
-              <a:clrFrom>
-                <a:srgbClr val="FFFFFF"/>
-              </a:clrFrom>
-              <a:clrTo>
-                <a:srgbClr val="FFFFFF">
-                  <a:alpha val="0"/>
-                </a:srgbClr>
-              </a:clrTo>
-            </a:clrChange>
-          </a:blip>
+          <a:blip r:embed="rId2" cstate="print"/>
           <a:srcRect/>
           <a:stretch>
             <a:fillRect/>
@@ -5929,13 +5842,25 @@
         </p:blipFill>
         <p:spPr bwMode="auto">
           <a:xfrm>
-            <a:off x="3923928" y="3068960"/>
-            <a:ext cx="4835565" cy="3096344"/>
+            <a:off x="4932040" y="1772816"/>
+            <a:ext cx="3801977" cy="2847603"/>
           </a:xfrm>
           <a:prstGeom prst="rect">
             <a:avLst/>
           </a:prstGeom>
           <a:noFill/>
+          <a:ln w="0" cap="rnd">
+            <a:solidFill>
+              <a:schemeClr val="tx1"/>
+            </a:solidFill>
+          </a:ln>
+          <a:effectLst>
+            <a:outerShdw blurRad="177800" dir="3600000" sx="101000" sy="101000" algn="ctr" rotWithShape="0">
+              <a:srgbClr val="000000">
+                <a:alpha val="76000"/>
+              </a:srgbClr>
+            </a:outerShdw>
+          </a:effectLst>
         </p:spPr>
       </p:pic>
     </p:spTree>
@@ -6127,55 +6052,59 @@
         </p:nvSpPr>
         <p:spPr>
           <a:xfrm>
-            <a:off x="467544" y="620688"/>
-            <a:ext cx="8229600" cy="1143000"/>
-          </a:xfrm>
-        </p:spPr>
-        <p:txBody>
-          <a:bodyPr/>
-          <a:lstStyle/>
-          <a:p>
-            <a:pPr algn="ctr"/>
-            <a:r>
-              <a:rPr lang="en-US" dirty="0" err="1" smtClean="0"/>
-              <a:t>Presentación</a:t>
-            </a:r>
-            <a:r>
-              <a:rPr lang="en-US" dirty="0" smtClean="0"/>
-              <a:t> </a:t>
-            </a:r>
-            <a:r>
-              <a:rPr lang="en-US" dirty="0" err="1" smtClean="0"/>
-              <a:t>Previa</a:t>
-            </a:r>
-            <a:endParaRPr lang="es-UY" dirty="0"/>
+            <a:off x="914400" y="620688"/>
+            <a:ext cx="7185992" cy="1010376"/>
+          </a:xfrm>
+        </p:spPr>
+        <p:txBody>
+          <a:bodyPr>
+            <a:normAutofit/>
+          </a:bodyPr>
+          <a:lstStyle/>
+          <a:p>
+            <a:r>
+              <a:rPr lang="es-UY" sz="3200" dirty="0" smtClean="0"/>
+              <a:t>Arquitectura en capas - </a:t>
+            </a:r>
+            <a:r>
+              <a:rPr lang="es-UY" sz="3200" dirty="0" err="1" smtClean="0"/>
+              <a:t>JavaEE</a:t>
+            </a:r>
+            <a:endParaRPr lang="es-UY" sz="3200" dirty="0"/>
           </a:p>
         </p:txBody>
       </p:sp>
       <p:pic>
         <p:nvPicPr>
-          <p:cNvPr id="6" name="Picture 3" descr="C:\Users\JuanMa\Desktop\image3.png"/>
+          <p:cNvPr id="3074" name="Picture 2"/>
           <p:cNvPicPr>
-            <a:picLocks noChangeAspect="1" noChangeArrowheads="1"/>
+            <a:picLocks noGrp="1" noChangeAspect="1" noChangeArrowheads="1"/>
           </p:cNvPicPr>
-          <p:nvPr/>
+          <p:nvPr>
+            <p:ph idx="1"/>
+          </p:nvPr>
         </p:nvPicPr>
         <p:blipFill>
           <a:blip r:embed="rId2" cstate="print"/>
-          <a:srcRect/>
           <a:stretch>
             <a:fillRect/>
           </a:stretch>
         </p:blipFill>
         <p:spPr bwMode="auto">
           <a:xfrm>
-            <a:off x="1115616" y="2348880"/>
-            <a:ext cx="7056784" cy="3969442"/>
+            <a:off x="1119187" y="1962944"/>
+            <a:ext cx="6905625" cy="4333875"/>
           </a:xfrm>
           <a:prstGeom prst="rect">
             <a:avLst/>
           </a:prstGeom>
           <a:noFill/>
+          <a:ln w="9525">
+            <a:noFill/>
+            <a:miter lim="800000"/>
+            <a:headEnd/>
+            <a:tailEnd/>
+          </a:ln>
           <a:effectLst>
             <a:outerShdw blurRad="177800" dir="3600000" sx="101000" sy="101000" algn="ctr" rotWithShape="0">
               <a:srgbClr val="000000">
@@ -6217,13 +6146,45 @@
           <a:chExt cx="0" cy="0"/>
         </a:xfrm>
       </p:grpSpPr>
+      <p:sp>
+        <p:nvSpPr>
+          <p:cNvPr id="2" name="1 Título"/>
+          <p:cNvSpPr>
+            <a:spLocks noGrp="1"/>
+          </p:cNvSpPr>
+          <p:nvPr>
+            <p:ph type="title"/>
+          </p:nvPr>
+        </p:nvSpPr>
+        <p:spPr>
+          <a:xfrm>
+            <a:off x="467544" y="764704"/>
+            <a:ext cx="8229600" cy="866360"/>
+          </a:xfrm>
+        </p:spPr>
+        <p:txBody>
+          <a:bodyPr>
+            <a:normAutofit/>
+          </a:bodyPr>
+          <a:lstStyle/>
+          <a:p>
+            <a:r>
+              <a:rPr lang="es-UY" sz="3200" dirty="0" smtClean="0"/>
+              <a:t>Escenario de desarrollo</a:t>
+            </a:r>
+            <a:endParaRPr lang="es-UY" sz="3200" dirty="0"/>
+          </a:p>
+        </p:txBody>
+      </p:sp>
       <p:pic>
         <p:nvPicPr>
-          <p:cNvPr id="6" name="3 Marcador de contenido" descr="image.png"/>
+          <p:cNvPr id="1026" name="Picture 2"/>
           <p:cNvPicPr>
-            <a:picLocks noChangeAspect="1"/>
+            <a:picLocks noGrp="1" noChangeAspect="1" noChangeArrowheads="1"/>
           </p:cNvPicPr>
-          <p:nvPr/>
+          <p:nvPr>
+            <p:ph idx="1"/>
+          </p:nvPr>
         </p:nvPicPr>
         <p:blipFill>
           <a:blip r:embed="rId2" cstate="print"/>
@@ -6231,16 +6192,23 @@
             <a:fillRect/>
           </a:stretch>
         </p:blipFill>
-        <p:spPr>
-          <a:xfrm>
-            <a:off x="3851920" y="3789040"/>
-            <a:ext cx="4703938" cy="2645965"/>
+        <p:spPr bwMode="auto">
+          <a:xfrm>
+            <a:off x="489351" y="1935163"/>
+            <a:ext cx="8165297" cy="4389437"/>
           </a:xfrm>
           <a:prstGeom prst="rect">
             <a:avLst/>
           </a:prstGeom>
+          <a:noFill/>
+          <a:ln w="9525">
+            <a:noFill/>
+            <a:miter lim="800000"/>
+            <a:headEnd/>
+            <a:tailEnd/>
+          </a:ln>
           <a:effectLst>
-            <a:outerShdw blurRad="177800" dir="3600000" sx="101000" sy="101000" algn="ctr" rotWithShape="0">
+            <a:outerShdw blurRad="177800" dir="3660000" algn="ctr" rotWithShape="0">
               <a:srgbClr val="000000">
                 <a:alpha val="78000"/>
               </a:srgbClr>
@@ -6248,124 +6216,6 @@
           </a:effectLst>
         </p:spPr>
       </p:pic>
-      <p:pic>
-        <p:nvPicPr>
-          <p:cNvPr id="7" name="Picture 2" descr="C:\Users\JuanMa\Desktop\image1.png"/>
-          <p:cNvPicPr>
-            <a:picLocks noChangeAspect="1" noChangeArrowheads="1"/>
-          </p:cNvPicPr>
-          <p:nvPr/>
-        </p:nvPicPr>
-        <p:blipFill>
-          <a:blip r:embed="rId3" cstate="print"/>
-          <a:srcRect/>
-          <a:stretch>
-            <a:fillRect/>
-          </a:stretch>
-        </p:blipFill>
-        <p:spPr bwMode="auto">
-          <a:xfrm>
-            <a:off x="467544" y="548680"/>
-            <a:ext cx="5076056" cy="2855282"/>
-          </a:xfrm>
-          <a:prstGeom prst="rect">
-            <a:avLst/>
-          </a:prstGeom>
-          <a:noFill/>
-          <a:effectLst>
-            <a:outerShdw blurRad="177800" dir="3600000" sx="101000" sy="101000" algn="ctr" rotWithShape="0">
-              <a:srgbClr val="000000">
-                <a:alpha val="78000"/>
-              </a:srgbClr>
-            </a:outerShdw>
-          </a:effectLst>
-        </p:spPr>
-      </p:pic>
-      <p:sp>
-        <p:nvSpPr>
-          <p:cNvPr id="8" name="7 CuadroTexto"/>
-          <p:cNvSpPr txBox="1"/>
-          <p:nvPr/>
-        </p:nvSpPr>
-        <p:spPr>
-          <a:xfrm>
-            <a:off x="1331640" y="4005064"/>
-            <a:ext cx="2376264" cy="1077218"/>
-          </a:xfrm>
-          <a:prstGeom prst="rect">
-            <a:avLst/>
-          </a:prstGeom>
-          <a:noFill/>
-        </p:spPr>
-        <p:txBody>
-          <a:bodyPr wrap="square" rtlCol="0">
-            <a:spAutoFit/>
-          </a:bodyPr>
-          <a:lstStyle/>
-          <a:p>
-            <a:pPr algn="ctr"/>
-            <a:r>
-              <a:rPr lang="en-US" sz="3200" b="1" dirty="0" err="1" smtClean="0">
-                <a:latin typeface="Candara" pitchFamily="34" charset="0"/>
-              </a:rPr>
-              <a:t>Zonas</a:t>
-            </a:r>
-            <a:r>
-              <a:rPr lang="en-US" sz="3200" b="1" dirty="0" smtClean="0">
-                <a:latin typeface="Candara" pitchFamily="34" charset="0"/>
-              </a:rPr>
-              <a:t> de </a:t>
-            </a:r>
-            <a:r>
-              <a:rPr lang="en-US" sz="3200" b="1" dirty="0" err="1" smtClean="0">
-                <a:latin typeface="Candara" pitchFamily="34" charset="0"/>
-              </a:rPr>
-              <a:t>Reparto</a:t>
-            </a:r>
-            <a:endParaRPr lang="es-UY" sz="3200" b="1" dirty="0">
-              <a:latin typeface="Candara" pitchFamily="34" charset="0"/>
-            </a:endParaRPr>
-          </a:p>
-        </p:txBody>
-      </p:sp>
-      <p:sp>
-        <p:nvSpPr>
-          <p:cNvPr id="11" name="10 CuadroTexto"/>
-          <p:cNvSpPr txBox="1"/>
-          <p:nvPr/>
-        </p:nvSpPr>
-        <p:spPr>
-          <a:xfrm>
-            <a:off x="5940152" y="1052736"/>
-            <a:ext cx="2160240" cy="584775"/>
-          </a:xfrm>
-          <a:prstGeom prst="rect">
-            <a:avLst/>
-          </a:prstGeom>
-          <a:noFill/>
-        </p:spPr>
-        <p:txBody>
-          <a:bodyPr wrap="square" rtlCol="0">
-            <a:spAutoFit/>
-          </a:bodyPr>
-          <a:lstStyle/>
-          <a:p>
-            <a:r>
-              <a:rPr lang="en-US" sz="3200" b="1" dirty="0" err="1" smtClean="0">
-                <a:latin typeface="Candara" pitchFamily="34" charset="0"/>
-                <a:ea typeface="Arial Unicode MS" pitchFamily="34" charset="-128"/>
-                <a:cs typeface="Arial Unicode MS" pitchFamily="34" charset="-128"/>
-              </a:rPr>
-              <a:t>Envios</a:t>
-            </a:r>
-            <a:endParaRPr lang="es-UY" sz="3200" b="1" dirty="0">
-              <a:latin typeface="Candara" pitchFamily="34" charset="0"/>
-              <a:ea typeface="Arial Unicode MS" pitchFamily="34" charset="-128"/>
-              <a:cs typeface="Arial Unicode MS" pitchFamily="34" charset="-128"/>
-            </a:endParaRPr>
-          </a:p>
-        </p:txBody>
-      </p:sp>
     </p:spTree>
   </p:cSld>
   <p:clrMapOvr>
@@ -6410,6 +6260,816 @@
         </p:nvSpPr>
         <p:spPr>
           <a:xfrm>
+            <a:off x="467544" y="620688"/>
+            <a:ext cx="8229600" cy="938368"/>
+          </a:xfrm>
+        </p:spPr>
+        <p:txBody>
+          <a:bodyPr>
+            <a:normAutofit/>
+          </a:bodyPr>
+          <a:lstStyle/>
+          <a:p>
+            <a:r>
+              <a:rPr lang="es-UY" sz="3200" dirty="0" smtClean="0"/>
+              <a:t>Escenario de producción</a:t>
+            </a:r>
+            <a:endParaRPr lang="es-UY" sz="3200" dirty="0"/>
+          </a:p>
+        </p:txBody>
+      </p:sp>
+      <p:pic>
+        <p:nvPicPr>
+          <p:cNvPr id="2050" name="Picture 2"/>
+          <p:cNvPicPr>
+            <a:picLocks noGrp="1" noChangeAspect="1" noChangeArrowheads="1"/>
+          </p:cNvPicPr>
+          <p:nvPr>
+            <p:ph idx="1"/>
+          </p:nvPr>
+        </p:nvPicPr>
+        <p:blipFill>
+          <a:blip r:embed="rId2" cstate="print"/>
+          <a:stretch>
+            <a:fillRect/>
+          </a:stretch>
+        </p:blipFill>
+        <p:spPr bwMode="auto">
+          <a:xfrm>
+            <a:off x="457200" y="1995006"/>
+            <a:ext cx="8229600" cy="4269751"/>
+          </a:xfrm>
+          <a:prstGeom prst="rect">
+            <a:avLst/>
+          </a:prstGeom>
+          <a:noFill/>
+          <a:ln w="9525">
+            <a:noFill/>
+            <a:miter lim="800000"/>
+            <a:headEnd/>
+            <a:tailEnd/>
+          </a:ln>
+          <a:effectLst>
+            <a:outerShdw blurRad="177800" dir="3600000" sx="101000" sy="101000" algn="ctr" rotWithShape="0">
+              <a:srgbClr val="000000">
+                <a:alpha val="78000"/>
+              </a:srgbClr>
+            </a:outerShdw>
+          </a:effectLst>
+        </p:spPr>
+      </p:pic>
+    </p:spTree>
+  </p:cSld>
+  <p:clrMapOvr>
+    <a:masterClrMapping/>
+  </p:clrMapOvr>
+  <p:timing>
+    <p:tnLst>
+      <p:par>
+        <p:cTn id="1" dur="indefinite" restart="never" nodeType="tmRoot"/>
+      </p:par>
+    </p:tnLst>
+  </p:timing>
+</p:sld>
+</file>
+
+<file path=ppt/slides/slide23.xml><?xml version="1.0" encoding="utf-8"?>
+<p:sld xmlns:a="http://schemas.openxmlformats.org/drawingml/2006/main" xmlns:r="http://schemas.openxmlformats.org/officeDocument/2006/relationships" xmlns:p="http://schemas.openxmlformats.org/presentationml/2006/main">
+  <p:cSld>
+    <p:spTree>
+      <p:nvGrpSpPr>
+        <p:cNvPr id="1" name=""/>
+        <p:cNvGrpSpPr/>
+        <p:nvPr/>
+      </p:nvGrpSpPr>
+      <p:grpSpPr>
+        <a:xfrm>
+          <a:off x="0" y="0"/>
+          <a:ext cx="0" cy="0"/>
+          <a:chOff x="0" y="0"/>
+          <a:chExt cx="0" cy="0"/>
+        </a:xfrm>
+      </p:grpSpPr>
+      <p:sp>
+        <p:nvSpPr>
+          <p:cNvPr id="2" name="1 Título"/>
+          <p:cNvSpPr>
+            <a:spLocks noGrp="1"/>
+          </p:cNvSpPr>
+          <p:nvPr>
+            <p:ph type="title"/>
+          </p:nvPr>
+        </p:nvSpPr>
+        <p:spPr/>
+        <p:txBody>
+          <a:bodyPr>
+            <a:normAutofit fontScale="90000"/>
+          </a:bodyPr>
+          <a:lstStyle/>
+          <a:p>
+            <a:r>
+              <a:rPr lang="es-UY" dirty="0" smtClean="0"/>
+              <a:t>Relevamiento de Estándares y Herramientas </a:t>
+            </a:r>
+            <a:endParaRPr lang="es-UY" dirty="0"/>
+          </a:p>
+        </p:txBody>
+      </p:sp>
+      <p:sp>
+        <p:nvSpPr>
+          <p:cNvPr id="3" name="2 Marcador de contenido"/>
+          <p:cNvSpPr>
+            <a:spLocks noGrp="1"/>
+          </p:cNvSpPr>
+          <p:nvPr>
+            <p:ph idx="1"/>
+          </p:nvPr>
+        </p:nvSpPr>
+        <p:spPr/>
+        <p:txBody>
+          <a:bodyPr>
+            <a:normAutofit fontScale="92500" lnSpcReduction="20000"/>
+          </a:bodyPr>
+          <a:lstStyle/>
+          <a:p>
+            <a:pPr>
+              <a:buNone/>
+            </a:pPr>
+            <a:r>
+              <a:rPr lang="es-UY" dirty="0" smtClean="0"/>
+              <a:t>Herramientas utilizadas en el proceso </a:t>
+            </a:r>
+          </a:p>
+          <a:p>
+            <a:pPr>
+              <a:buNone/>
+            </a:pPr>
+            <a:r>
+              <a:rPr lang="es-UY" dirty="0" smtClean="0"/>
+              <a:t>de desarrollo:</a:t>
+            </a:r>
+          </a:p>
+          <a:p>
+            <a:pPr lvl="1"/>
+            <a:r>
+              <a:rPr lang="es-UY" dirty="0" smtClean="0"/>
+              <a:t>Eclipse </a:t>
+            </a:r>
+            <a:r>
+              <a:rPr lang="es-UY" dirty="0" err="1" smtClean="0"/>
+              <a:t>Indigo</a:t>
+            </a:r>
+            <a:r>
+              <a:rPr lang="es-UY" dirty="0" smtClean="0"/>
+              <a:t> + </a:t>
+            </a:r>
+            <a:r>
+              <a:rPr lang="es-UY" dirty="0" err="1" smtClean="0"/>
+              <a:t>Subversive</a:t>
+            </a:r>
+            <a:r>
+              <a:rPr lang="es-UY" dirty="0" smtClean="0"/>
+              <a:t>.</a:t>
+            </a:r>
+          </a:p>
+          <a:p>
+            <a:pPr lvl="1"/>
+            <a:r>
+              <a:rPr lang="es-UY" dirty="0" err="1" smtClean="0"/>
+              <a:t>Postgresql</a:t>
+            </a:r>
+            <a:r>
+              <a:rPr lang="es-UY" dirty="0" smtClean="0"/>
+              <a:t>  9.2 + </a:t>
+            </a:r>
+            <a:r>
+              <a:rPr lang="es-UY" dirty="0" err="1" smtClean="0"/>
+              <a:t>PostGIS</a:t>
+            </a:r>
+            <a:r>
+              <a:rPr lang="es-UY" dirty="0" smtClean="0"/>
+              <a:t> 2.0 + </a:t>
+            </a:r>
+            <a:r>
+              <a:rPr lang="es-UY" dirty="0" err="1" smtClean="0"/>
+              <a:t>pgAdmin</a:t>
+            </a:r>
+            <a:r>
+              <a:rPr lang="es-UY" dirty="0" smtClean="0"/>
+              <a:t> 1.6.	</a:t>
+            </a:r>
+          </a:p>
+          <a:p>
+            <a:pPr lvl="1"/>
+            <a:r>
+              <a:rPr lang="en-US" dirty="0" smtClean="0"/>
+              <a:t>Hibernate JPA 2.0 - JDBC</a:t>
+            </a:r>
+            <a:endParaRPr lang="es-UY" dirty="0" smtClean="0"/>
+          </a:p>
+          <a:p>
+            <a:pPr lvl="1"/>
+            <a:r>
+              <a:rPr lang="es-UY" dirty="0" err="1" smtClean="0"/>
+              <a:t>GeoServer</a:t>
+            </a:r>
+            <a:r>
+              <a:rPr lang="es-UY" dirty="0" smtClean="0"/>
+              <a:t> 2.3.1</a:t>
+            </a:r>
+          </a:p>
+          <a:p>
+            <a:pPr lvl="1"/>
+            <a:r>
+              <a:rPr lang="es-UY" dirty="0" err="1" smtClean="0"/>
+              <a:t>OpenLayers</a:t>
+            </a:r>
+            <a:r>
+              <a:rPr lang="es-UY" dirty="0" smtClean="0"/>
+              <a:t> 2.12</a:t>
+            </a:r>
+          </a:p>
+          <a:p>
+            <a:pPr lvl="1"/>
+            <a:r>
+              <a:rPr lang="en-US" dirty="0" smtClean="0"/>
+              <a:t>JSF 2.1 + </a:t>
+            </a:r>
+            <a:r>
+              <a:rPr lang="en-US" dirty="0" err="1" smtClean="0"/>
+              <a:t>Primefaces</a:t>
+            </a:r>
+            <a:r>
+              <a:rPr lang="en-US" dirty="0" smtClean="0"/>
+              <a:t> 3.5.</a:t>
+            </a:r>
+            <a:endParaRPr lang="es-UY" dirty="0" smtClean="0"/>
+          </a:p>
+          <a:p>
+            <a:pPr lvl="1"/>
+            <a:r>
+              <a:rPr lang="es-UY" dirty="0" err="1" smtClean="0"/>
+              <a:t>ApacheTomcat</a:t>
+            </a:r>
+            <a:r>
+              <a:rPr lang="es-UY" dirty="0" smtClean="0"/>
+              <a:t> 7.0.39.</a:t>
+            </a:r>
+          </a:p>
+          <a:p>
+            <a:pPr lvl="1"/>
+            <a:r>
+              <a:rPr lang="en-US" dirty="0" smtClean="0"/>
+              <a:t>Extras:</a:t>
+            </a:r>
+          </a:p>
+          <a:p>
+            <a:pPr lvl="2"/>
+            <a:r>
+              <a:rPr lang="en-US" dirty="0" smtClean="0"/>
+              <a:t>SVN Tortoise</a:t>
+            </a:r>
+            <a:endParaRPr lang="es-UY" dirty="0" smtClean="0"/>
+          </a:p>
+          <a:p>
+            <a:pPr lvl="2"/>
+            <a:r>
+              <a:rPr lang="en-US" dirty="0" smtClean="0"/>
+              <a:t>Visual Paradigm</a:t>
+            </a:r>
+          </a:p>
+        </p:txBody>
+      </p:sp>
+      <p:pic>
+        <p:nvPicPr>
+          <p:cNvPr id="6146" name="Picture 2" descr="http://www.tshapesolutions.com/wp-content/uploads/2011/01/Internet-Marketing-Tools.jpg"/>
+          <p:cNvPicPr>
+            <a:picLocks noChangeAspect="1" noChangeArrowheads="1"/>
+          </p:cNvPicPr>
+          <p:nvPr/>
+        </p:nvPicPr>
+        <p:blipFill>
+          <a:blip r:embed="rId2" cstate="print">
+            <a:clrChange>
+              <a:clrFrom>
+                <a:srgbClr val="FFFFFF"/>
+              </a:clrFrom>
+              <a:clrTo>
+                <a:srgbClr val="FFFFFF">
+                  <a:alpha val="0"/>
+                </a:srgbClr>
+              </a:clrTo>
+            </a:clrChange>
+          </a:blip>
+          <a:srcRect b="2150"/>
+          <a:stretch>
+            <a:fillRect/>
+          </a:stretch>
+        </p:blipFill>
+        <p:spPr bwMode="auto">
+          <a:xfrm>
+            <a:off x="4091543" y="3212976"/>
+            <a:ext cx="5052457" cy="3276506"/>
+          </a:xfrm>
+          <a:prstGeom prst="rect">
+            <a:avLst/>
+          </a:prstGeom>
+          <a:noFill/>
+        </p:spPr>
+      </p:pic>
+    </p:spTree>
+  </p:cSld>
+  <p:clrMapOvr>
+    <a:masterClrMapping/>
+  </p:clrMapOvr>
+  <p:timing>
+    <p:tnLst>
+      <p:par>
+        <p:cTn id="1" dur="indefinite" restart="never" nodeType="tmRoot"/>
+      </p:par>
+    </p:tnLst>
+  </p:timing>
+</p:sld>
+</file>
+
+<file path=ppt/slides/slide24.xml><?xml version="1.0" encoding="utf-8"?>
+<p:sld xmlns:a="http://schemas.openxmlformats.org/drawingml/2006/main" xmlns:r="http://schemas.openxmlformats.org/officeDocument/2006/relationships" xmlns:p="http://schemas.openxmlformats.org/presentationml/2006/main">
+  <p:cSld>
+    <p:spTree>
+      <p:nvGrpSpPr>
+        <p:cNvPr id="1" name=""/>
+        <p:cNvGrpSpPr/>
+        <p:nvPr/>
+      </p:nvGrpSpPr>
+      <p:grpSpPr>
+        <a:xfrm>
+          <a:off x="0" y="0"/>
+          <a:ext cx="0" cy="0"/>
+          <a:chOff x="0" y="0"/>
+          <a:chExt cx="0" cy="0"/>
+        </a:xfrm>
+      </p:grpSpPr>
+      <p:sp>
+        <p:nvSpPr>
+          <p:cNvPr id="2" name="1 Título"/>
+          <p:cNvSpPr>
+            <a:spLocks noGrp="1"/>
+          </p:cNvSpPr>
+          <p:nvPr>
+            <p:ph type="title"/>
+          </p:nvPr>
+        </p:nvSpPr>
+        <p:spPr/>
+        <p:txBody>
+          <a:bodyPr>
+            <a:normAutofit fontScale="90000"/>
+          </a:bodyPr>
+          <a:lstStyle/>
+          <a:p>
+            <a:r>
+              <a:rPr lang="en-US" dirty="0" err="1" smtClean="0"/>
+              <a:t>Evaluación</a:t>
+            </a:r>
+            <a:r>
+              <a:rPr lang="en-US" dirty="0" smtClean="0"/>
+              <a:t> de </a:t>
+            </a:r>
+            <a:r>
+              <a:rPr lang="en-US" dirty="0" err="1" smtClean="0"/>
+              <a:t>Estándares</a:t>
+            </a:r>
+            <a:r>
+              <a:rPr lang="en-US" dirty="0" smtClean="0"/>
+              <a:t> y </a:t>
+            </a:r>
+            <a:r>
+              <a:rPr lang="en-US" dirty="0" err="1" smtClean="0"/>
+              <a:t>Herramientas</a:t>
+            </a:r>
+            <a:endParaRPr lang="es-UY" dirty="0"/>
+          </a:p>
+        </p:txBody>
+      </p:sp>
+      <p:sp>
+        <p:nvSpPr>
+          <p:cNvPr id="3" name="2 Marcador de contenido"/>
+          <p:cNvSpPr>
+            <a:spLocks noGrp="1"/>
+          </p:cNvSpPr>
+          <p:nvPr>
+            <p:ph idx="1"/>
+          </p:nvPr>
+        </p:nvSpPr>
+        <p:spPr>
+          <a:xfrm>
+            <a:off x="457200" y="2204864"/>
+            <a:ext cx="8229600" cy="4119736"/>
+          </a:xfrm>
+        </p:spPr>
+        <p:txBody>
+          <a:bodyPr/>
+          <a:lstStyle/>
+          <a:p>
+            <a:r>
+              <a:rPr lang="en-US" dirty="0" smtClean="0"/>
+              <a:t>WFS-T </a:t>
+            </a:r>
+          </a:p>
+          <a:p>
+            <a:r>
+              <a:rPr lang="en-US" dirty="0" err="1" smtClean="0"/>
+              <a:t>Geoserver</a:t>
+            </a:r>
+            <a:endParaRPr lang="en-US" dirty="0" smtClean="0"/>
+          </a:p>
+          <a:p>
+            <a:r>
+              <a:rPr lang="en-US" dirty="0" err="1" smtClean="0"/>
+              <a:t>OpenLayers</a:t>
+            </a:r>
+            <a:endParaRPr lang="en-US" dirty="0" smtClean="0"/>
+          </a:p>
+          <a:p>
+            <a:r>
+              <a:rPr lang="en-US" dirty="0" err="1" smtClean="0"/>
+              <a:t>Postgres</a:t>
+            </a:r>
+            <a:r>
+              <a:rPr lang="en-US" dirty="0" smtClean="0"/>
+              <a:t> + </a:t>
+            </a:r>
+            <a:r>
+              <a:rPr lang="en-US" dirty="0" err="1" smtClean="0"/>
+              <a:t>Postgis</a:t>
+            </a:r>
+            <a:endParaRPr lang="es-UY" dirty="0"/>
+          </a:p>
+        </p:txBody>
+      </p:sp>
+      <p:pic>
+        <p:nvPicPr>
+          <p:cNvPr id="5122" name="Picture 2" descr="http://1.bp.blogspot.com/-KEvTT33ClPY/UYlvoWixv0I/AAAAAAAAAIY/g4uYEojkZvk/s1600/evaluacion.jpg"/>
+          <p:cNvPicPr>
+            <a:picLocks noChangeAspect="1" noChangeArrowheads="1"/>
+          </p:cNvPicPr>
+          <p:nvPr/>
+        </p:nvPicPr>
+        <p:blipFill>
+          <a:blip r:embed="rId2" cstate="print">
+            <a:clrChange>
+              <a:clrFrom>
+                <a:srgbClr val="FFFFFF"/>
+              </a:clrFrom>
+              <a:clrTo>
+                <a:srgbClr val="FFFFFF">
+                  <a:alpha val="0"/>
+                </a:srgbClr>
+              </a:clrTo>
+            </a:clrChange>
+          </a:blip>
+          <a:srcRect/>
+          <a:stretch>
+            <a:fillRect/>
+          </a:stretch>
+        </p:blipFill>
+        <p:spPr bwMode="auto">
+          <a:xfrm>
+            <a:off x="3923928" y="3068960"/>
+            <a:ext cx="4835565" cy="3096344"/>
+          </a:xfrm>
+          <a:prstGeom prst="rect">
+            <a:avLst/>
+          </a:prstGeom>
+          <a:noFill/>
+        </p:spPr>
+      </p:pic>
+    </p:spTree>
+  </p:cSld>
+  <p:clrMapOvr>
+    <a:masterClrMapping/>
+  </p:clrMapOvr>
+  <p:timing>
+    <p:tnLst>
+      <p:par>
+        <p:cTn id="1" dur="indefinite" restart="never" nodeType="tmRoot"/>
+      </p:par>
+    </p:tnLst>
+  </p:timing>
+</p:sld>
+</file>
+
+<file path=ppt/slides/slide25.xml><?xml version="1.0" encoding="utf-8"?>
+<p:sld xmlns:a="http://schemas.openxmlformats.org/drawingml/2006/main" xmlns:r="http://schemas.openxmlformats.org/officeDocument/2006/relationships" xmlns:p="http://schemas.openxmlformats.org/presentationml/2006/main">
+  <p:cSld>
+    <p:spTree>
+      <p:nvGrpSpPr>
+        <p:cNvPr id="1" name=""/>
+        <p:cNvGrpSpPr/>
+        <p:nvPr/>
+      </p:nvGrpSpPr>
+      <p:grpSpPr>
+        <a:xfrm>
+          <a:off x="0" y="0"/>
+          <a:ext cx="0" cy="0"/>
+          <a:chOff x="0" y="0"/>
+          <a:chExt cx="0" cy="0"/>
+        </a:xfrm>
+      </p:grpSpPr>
+      <p:sp>
+        <p:nvSpPr>
+          <p:cNvPr id="2" name="1 Título"/>
+          <p:cNvSpPr>
+            <a:spLocks noGrp="1"/>
+          </p:cNvSpPr>
+          <p:nvPr>
+            <p:ph type="title"/>
+          </p:nvPr>
+        </p:nvSpPr>
+        <p:spPr>
+          <a:xfrm>
+            <a:off x="467544" y="620688"/>
+            <a:ext cx="8229600" cy="1143000"/>
+          </a:xfrm>
+        </p:spPr>
+        <p:txBody>
+          <a:bodyPr/>
+          <a:lstStyle/>
+          <a:p>
+            <a:pPr algn="ctr"/>
+            <a:r>
+              <a:rPr lang="en-US" dirty="0" err="1" smtClean="0"/>
+              <a:t>Presentación</a:t>
+            </a:r>
+            <a:r>
+              <a:rPr lang="en-US" dirty="0" smtClean="0"/>
+              <a:t> </a:t>
+            </a:r>
+            <a:r>
+              <a:rPr lang="en-US" dirty="0" err="1" smtClean="0"/>
+              <a:t>Previa</a:t>
+            </a:r>
+            <a:endParaRPr lang="es-UY" dirty="0"/>
+          </a:p>
+        </p:txBody>
+      </p:sp>
+      <p:pic>
+        <p:nvPicPr>
+          <p:cNvPr id="6" name="Picture 3" descr="C:\Users\JuanMa\Desktop\image3.png"/>
+          <p:cNvPicPr>
+            <a:picLocks noChangeAspect="1" noChangeArrowheads="1"/>
+          </p:cNvPicPr>
+          <p:nvPr/>
+        </p:nvPicPr>
+        <p:blipFill>
+          <a:blip r:embed="rId2" cstate="print"/>
+          <a:srcRect/>
+          <a:stretch>
+            <a:fillRect/>
+          </a:stretch>
+        </p:blipFill>
+        <p:spPr bwMode="auto">
+          <a:xfrm>
+            <a:off x="1115616" y="2348880"/>
+            <a:ext cx="7056784" cy="3969442"/>
+          </a:xfrm>
+          <a:prstGeom prst="rect">
+            <a:avLst/>
+          </a:prstGeom>
+          <a:noFill/>
+          <a:effectLst>
+            <a:outerShdw blurRad="177800" dir="3600000" sx="101000" sy="101000" algn="ctr" rotWithShape="0">
+              <a:srgbClr val="000000">
+                <a:alpha val="78000"/>
+              </a:srgbClr>
+            </a:outerShdw>
+          </a:effectLst>
+        </p:spPr>
+      </p:pic>
+    </p:spTree>
+  </p:cSld>
+  <p:clrMapOvr>
+    <a:masterClrMapping/>
+  </p:clrMapOvr>
+  <p:timing>
+    <p:tnLst>
+      <p:par>
+        <p:cTn id="1" dur="indefinite" restart="never" nodeType="tmRoot"/>
+      </p:par>
+    </p:tnLst>
+  </p:timing>
+</p:sld>
+</file>
+
+<file path=ppt/slides/slide26.xml><?xml version="1.0" encoding="utf-8"?>
+<p:sld xmlns:a="http://schemas.openxmlformats.org/drawingml/2006/main" xmlns:r="http://schemas.openxmlformats.org/officeDocument/2006/relationships" xmlns:p="http://schemas.openxmlformats.org/presentationml/2006/main">
+  <p:cSld>
+    <p:spTree>
+      <p:nvGrpSpPr>
+        <p:cNvPr id="1" name=""/>
+        <p:cNvGrpSpPr/>
+        <p:nvPr/>
+      </p:nvGrpSpPr>
+      <p:grpSpPr>
+        <a:xfrm>
+          <a:off x="0" y="0"/>
+          <a:ext cx="0" cy="0"/>
+          <a:chOff x="0" y="0"/>
+          <a:chExt cx="0" cy="0"/>
+        </a:xfrm>
+      </p:grpSpPr>
+      <p:pic>
+        <p:nvPicPr>
+          <p:cNvPr id="6" name="3 Marcador de contenido" descr="image.png"/>
+          <p:cNvPicPr>
+            <a:picLocks noChangeAspect="1"/>
+          </p:cNvPicPr>
+          <p:nvPr/>
+        </p:nvPicPr>
+        <p:blipFill>
+          <a:blip r:embed="rId2" cstate="print"/>
+          <a:stretch>
+            <a:fillRect/>
+          </a:stretch>
+        </p:blipFill>
+        <p:spPr>
+          <a:xfrm>
+            <a:off x="3851920" y="3789040"/>
+            <a:ext cx="4703938" cy="2645965"/>
+          </a:xfrm>
+          <a:prstGeom prst="rect">
+            <a:avLst/>
+          </a:prstGeom>
+          <a:effectLst>
+            <a:outerShdw blurRad="177800" dir="3600000" sx="101000" sy="101000" algn="ctr" rotWithShape="0">
+              <a:srgbClr val="000000">
+                <a:alpha val="78000"/>
+              </a:srgbClr>
+            </a:outerShdw>
+          </a:effectLst>
+        </p:spPr>
+      </p:pic>
+      <p:pic>
+        <p:nvPicPr>
+          <p:cNvPr id="7" name="Picture 2" descr="C:\Users\JuanMa\Desktop\image1.png"/>
+          <p:cNvPicPr>
+            <a:picLocks noChangeAspect="1" noChangeArrowheads="1"/>
+          </p:cNvPicPr>
+          <p:nvPr/>
+        </p:nvPicPr>
+        <p:blipFill>
+          <a:blip r:embed="rId3" cstate="print"/>
+          <a:srcRect/>
+          <a:stretch>
+            <a:fillRect/>
+          </a:stretch>
+        </p:blipFill>
+        <p:spPr bwMode="auto">
+          <a:xfrm>
+            <a:off x="467544" y="548680"/>
+            <a:ext cx="5076056" cy="2855282"/>
+          </a:xfrm>
+          <a:prstGeom prst="rect">
+            <a:avLst/>
+          </a:prstGeom>
+          <a:noFill/>
+          <a:effectLst>
+            <a:outerShdw blurRad="177800" dir="3600000" sx="101000" sy="101000" algn="ctr" rotWithShape="0">
+              <a:srgbClr val="000000">
+                <a:alpha val="78000"/>
+              </a:srgbClr>
+            </a:outerShdw>
+          </a:effectLst>
+        </p:spPr>
+      </p:pic>
+      <p:sp>
+        <p:nvSpPr>
+          <p:cNvPr id="8" name="7 CuadroTexto"/>
+          <p:cNvSpPr txBox="1"/>
+          <p:nvPr/>
+        </p:nvSpPr>
+        <p:spPr>
+          <a:xfrm>
+            <a:off x="1331640" y="4005064"/>
+            <a:ext cx="2376264" cy="1077218"/>
+          </a:xfrm>
+          <a:prstGeom prst="rect">
+            <a:avLst/>
+          </a:prstGeom>
+          <a:noFill/>
+        </p:spPr>
+        <p:txBody>
+          <a:bodyPr wrap="square" rtlCol="0">
+            <a:spAutoFit/>
+          </a:bodyPr>
+          <a:lstStyle/>
+          <a:p>
+            <a:pPr algn="ctr"/>
+            <a:r>
+              <a:rPr lang="en-US" sz="3200" b="1" dirty="0" err="1" smtClean="0">
+                <a:latin typeface="Candara" pitchFamily="34" charset="0"/>
+              </a:rPr>
+              <a:t>Zonas</a:t>
+            </a:r>
+            <a:r>
+              <a:rPr lang="en-US" sz="3200" b="1" dirty="0" smtClean="0">
+                <a:latin typeface="Candara" pitchFamily="34" charset="0"/>
+              </a:rPr>
+              <a:t> de </a:t>
+            </a:r>
+            <a:r>
+              <a:rPr lang="en-US" sz="3200" b="1" dirty="0" err="1" smtClean="0">
+                <a:latin typeface="Candara" pitchFamily="34" charset="0"/>
+              </a:rPr>
+              <a:t>Reparto</a:t>
+            </a:r>
+            <a:endParaRPr lang="es-UY" sz="3200" b="1" dirty="0">
+              <a:latin typeface="Candara" pitchFamily="34" charset="0"/>
+            </a:endParaRPr>
+          </a:p>
+        </p:txBody>
+      </p:sp>
+      <p:sp>
+        <p:nvSpPr>
+          <p:cNvPr id="11" name="10 CuadroTexto"/>
+          <p:cNvSpPr txBox="1"/>
+          <p:nvPr/>
+        </p:nvSpPr>
+        <p:spPr>
+          <a:xfrm>
+            <a:off x="5940152" y="1052736"/>
+            <a:ext cx="2160240" cy="584775"/>
+          </a:xfrm>
+          <a:prstGeom prst="rect">
+            <a:avLst/>
+          </a:prstGeom>
+          <a:noFill/>
+        </p:spPr>
+        <p:txBody>
+          <a:bodyPr wrap="square" rtlCol="0">
+            <a:spAutoFit/>
+          </a:bodyPr>
+          <a:lstStyle/>
+          <a:p>
+            <a:r>
+              <a:rPr lang="en-US" sz="3200" b="1" dirty="0" err="1" smtClean="0">
+                <a:latin typeface="Candara" pitchFamily="34" charset="0"/>
+                <a:ea typeface="Arial Unicode MS" pitchFamily="34" charset="-128"/>
+                <a:cs typeface="Arial Unicode MS" pitchFamily="34" charset="-128"/>
+              </a:rPr>
+              <a:t>Envios</a:t>
+            </a:r>
+            <a:endParaRPr lang="es-UY" sz="3200" b="1" dirty="0">
+              <a:latin typeface="Candara" pitchFamily="34" charset="0"/>
+              <a:ea typeface="Arial Unicode MS" pitchFamily="34" charset="-128"/>
+              <a:cs typeface="Arial Unicode MS" pitchFamily="34" charset="-128"/>
+            </a:endParaRPr>
+          </a:p>
+        </p:txBody>
+      </p:sp>
+    </p:spTree>
+  </p:cSld>
+  <p:clrMapOvr>
+    <a:masterClrMapping/>
+  </p:clrMapOvr>
+  <p:timing>
+    <p:tnLst>
+      <p:par>
+        <p:cTn id="1" dur="indefinite" restart="never" nodeType="tmRoot"/>
+      </p:par>
+    </p:tnLst>
+  </p:timing>
+</p:sld>
+</file>
+
+<file path=ppt/slides/slide27.xml><?xml version="1.0" encoding="utf-8"?>
+<p:sld xmlns:a="http://schemas.openxmlformats.org/drawingml/2006/main" xmlns:r="http://schemas.openxmlformats.org/officeDocument/2006/relationships" xmlns:p="http://schemas.openxmlformats.org/presentationml/2006/main">
+  <p:cSld>
+    <p:spTree>
+      <p:nvGrpSpPr>
+        <p:cNvPr id="1" name=""/>
+        <p:cNvGrpSpPr/>
+        <p:nvPr/>
+      </p:nvGrpSpPr>
+      <p:grpSpPr>
+        <a:xfrm>
+          <a:off x="0" y="0"/>
+          <a:ext cx="0" cy="0"/>
+          <a:chOff x="0" y="0"/>
+          <a:chExt cx="0" cy="0"/>
+        </a:xfrm>
+      </p:grpSpPr>
+      <p:sp>
+        <p:nvSpPr>
+          <p:cNvPr id="2" name="1 Título"/>
+          <p:cNvSpPr>
+            <a:spLocks noGrp="1"/>
+          </p:cNvSpPr>
+          <p:nvPr>
+            <p:ph type="title"/>
+          </p:nvPr>
+        </p:nvSpPr>
+        <p:spPr>
+          <a:xfrm>
             <a:off x="179512" y="692696"/>
             <a:ext cx="8229600" cy="1143000"/>
           </a:xfrm>
@@ -6732,7 +7392,7 @@
 </p:sld>
 </file>
 
-<file path=ppt/slides/slide23.xml><?xml version="1.0" encoding="utf-8"?>
+<file path=ppt/slides/slide28.xml><?xml version="1.0" encoding="utf-8"?>
 <p:sld xmlns:a="http://schemas.openxmlformats.org/drawingml/2006/main" xmlns:r="http://schemas.openxmlformats.org/officeDocument/2006/relationships" xmlns:p="http://schemas.openxmlformats.org/presentationml/2006/main">
   <p:cSld>
     <p:spTree>
@@ -7432,7 +8092,6 @@
               <a:rPr lang="es-UY" dirty="0" smtClean="0"/>
               <a:t>Aplicación a desarrollar</a:t>
             </a:r>
-            <a:endParaRPr lang="es-UY" dirty="0" smtClean="0"/>
           </a:p>
           <a:p>
             <a:pPr>

--- a/Documentacion/Entregas/Presentacion/Presentacion.pptx
+++ b/Documentacion/Entregas/Presentacion/Presentacion.pptx
@@ -7,32 +7,20 @@
   <p:sldIdLst>
     <p:sldId id="256" r:id="rId2"/>
     <p:sldId id="257" r:id="rId3"/>
-    <p:sldId id="275" r:id="rId4"/>
+    <p:sldId id="289" r:id="rId4"/>
     <p:sldId id="276" r:id="rId5"/>
     <p:sldId id="277" r:id="rId6"/>
-    <p:sldId id="278" r:id="rId7"/>
-    <p:sldId id="279" r:id="rId8"/>
-    <p:sldId id="280" r:id="rId9"/>
-    <p:sldId id="281" r:id="rId10"/>
-    <p:sldId id="282" r:id="rId11"/>
-    <p:sldId id="283" r:id="rId12"/>
-    <p:sldId id="284" r:id="rId13"/>
-    <p:sldId id="285" r:id="rId14"/>
-    <p:sldId id="286" r:id="rId15"/>
-    <p:sldId id="261" r:id="rId16"/>
-    <p:sldId id="260" r:id="rId17"/>
-    <p:sldId id="266" r:id="rId18"/>
-    <p:sldId id="272" r:id="rId19"/>
-    <p:sldId id="262" r:id="rId20"/>
-    <p:sldId id="265" r:id="rId21"/>
-    <p:sldId id="263" r:id="rId22"/>
-    <p:sldId id="264" r:id="rId23"/>
-    <p:sldId id="259" r:id="rId24"/>
-    <p:sldId id="267" r:id="rId25"/>
-    <p:sldId id="273" r:id="rId26"/>
-    <p:sldId id="274" r:id="rId27"/>
-    <p:sldId id="268" r:id="rId28"/>
-    <p:sldId id="269" r:id="rId29"/>
+    <p:sldId id="275" r:id="rId7"/>
+    <p:sldId id="278" r:id="rId8"/>
+    <p:sldId id="283" r:id="rId9"/>
+    <p:sldId id="279" r:id="rId10"/>
+    <p:sldId id="280" r:id="rId11"/>
+    <p:sldId id="281" r:id="rId12"/>
+    <p:sldId id="288" r:id="rId13"/>
+    <p:sldId id="284" r:id="rId14"/>
+    <p:sldId id="285" r:id="rId15"/>
+    <p:sldId id="287" r:id="rId16"/>
+    <p:sldId id="286" r:id="rId17"/>
   </p:sldIdLst>
   <p:sldSz cx="9144000" cy="6858000" type="screen4x3"/>
   <p:notesSz cx="6858000" cy="9144000"/>
@@ -132,6 +120,3450 @@
     </a:lvl9pPr>
   </p:defaultTextStyle>
 </p:presentation>
+</file>
+
+<file path=ppt/diagrams/colors1.xml><?xml version="1.0" encoding="utf-8"?>
+<dgm:colorsDef xmlns:dgm="http://schemas.openxmlformats.org/drawingml/2006/diagram" xmlns:a="http://schemas.openxmlformats.org/drawingml/2006/main" uniqueId="urn:microsoft.com/office/officeart/2005/8/colors/accent1_3">
+  <dgm:title val=""/>
+  <dgm:desc val=""/>
+  <dgm:catLst>
+    <dgm:cat type="accent1" pri="11300"/>
+  </dgm:catLst>
+  <dgm:styleLbl name="node0">
+    <dgm:fillClrLst meth="repeat">
+      <a:schemeClr val="accent1">
+        <a:shade val="80000"/>
+      </a:schemeClr>
+    </dgm:fillClrLst>
+    <dgm:linClrLst meth="repeat">
+      <a:schemeClr val="lt1"/>
+    </dgm:linClrLst>
+    <dgm:effectClrLst/>
+    <dgm:txLinClrLst/>
+    <dgm:txFillClrLst/>
+    <dgm:txEffectClrLst/>
+  </dgm:styleLbl>
+  <dgm:styleLbl name="alignNode1">
+    <dgm:fillClrLst>
+      <a:schemeClr val="accent1">
+        <a:shade val="80000"/>
+      </a:schemeClr>
+      <a:schemeClr val="accent1">
+        <a:tint val="70000"/>
+      </a:schemeClr>
+    </dgm:fillClrLst>
+    <dgm:linClrLst>
+      <a:schemeClr val="accent1">
+        <a:shade val="80000"/>
+      </a:schemeClr>
+      <a:schemeClr val="accent1">
+        <a:tint val="70000"/>
+      </a:schemeClr>
+    </dgm:linClrLst>
+    <dgm:effectClrLst/>
+    <dgm:txLinClrLst/>
+    <dgm:txFillClrLst/>
+    <dgm:txEffectClrLst/>
+  </dgm:styleLbl>
+  <dgm:styleLbl name="node1">
+    <dgm:fillClrLst>
+      <a:schemeClr val="accent1">
+        <a:shade val="80000"/>
+      </a:schemeClr>
+      <a:schemeClr val="accent1">
+        <a:tint val="70000"/>
+      </a:schemeClr>
+    </dgm:fillClrLst>
+    <dgm:linClrLst meth="repeat">
+      <a:schemeClr val="lt1"/>
+    </dgm:linClrLst>
+    <dgm:effectClrLst/>
+    <dgm:txLinClrLst/>
+    <dgm:txFillClrLst/>
+    <dgm:txEffectClrLst/>
+  </dgm:styleLbl>
+  <dgm:styleLbl name="lnNode1">
+    <dgm:fillClrLst>
+      <a:schemeClr val="accent1">
+        <a:shade val="80000"/>
+      </a:schemeClr>
+      <a:schemeClr val="accent1">
+        <a:tint val="70000"/>
+      </a:schemeClr>
+    </dgm:fillClrLst>
+    <dgm:linClrLst meth="repeat">
+      <a:schemeClr val="lt1"/>
+    </dgm:linClrLst>
+    <dgm:effectClrLst/>
+    <dgm:txLinClrLst/>
+    <dgm:txFillClrLst/>
+    <dgm:txEffectClrLst/>
+  </dgm:styleLbl>
+  <dgm:styleLbl name="vennNode1">
+    <dgm:fillClrLst>
+      <a:schemeClr val="accent1">
+        <a:shade val="80000"/>
+        <a:alpha val="50000"/>
+      </a:schemeClr>
+      <a:schemeClr val="accent1">
+        <a:tint val="70000"/>
+        <a:alpha val="50000"/>
+      </a:schemeClr>
+    </dgm:fillClrLst>
+    <dgm:linClrLst meth="repeat">
+      <a:schemeClr val="lt1"/>
+    </dgm:linClrLst>
+    <dgm:effectClrLst/>
+    <dgm:txLinClrLst/>
+    <dgm:txFillClrLst/>
+    <dgm:txEffectClrLst/>
+  </dgm:styleLbl>
+  <dgm:styleLbl name="node2">
+    <dgm:fillClrLst>
+      <a:schemeClr val="accent1">
+        <a:tint val="99000"/>
+      </a:schemeClr>
+    </dgm:fillClrLst>
+    <dgm:linClrLst meth="repeat">
+      <a:schemeClr val="lt1"/>
+    </dgm:linClrLst>
+    <dgm:effectClrLst/>
+    <dgm:txLinClrLst/>
+    <dgm:txFillClrLst/>
+    <dgm:txEffectClrLst/>
+  </dgm:styleLbl>
+  <dgm:styleLbl name="node3">
+    <dgm:fillClrLst>
+      <a:schemeClr val="accent1">
+        <a:tint val="80000"/>
+      </a:schemeClr>
+    </dgm:fillClrLst>
+    <dgm:linClrLst meth="repeat">
+      <a:schemeClr val="lt1"/>
+    </dgm:linClrLst>
+    <dgm:effectClrLst/>
+    <dgm:txLinClrLst/>
+    <dgm:txFillClrLst/>
+    <dgm:txEffectClrLst/>
+  </dgm:styleLbl>
+  <dgm:styleLbl name="node4">
+    <dgm:fillClrLst>
+      <a:schemeClr val="accent1">
+        <a:tint val="70000"/>
+      </a:schemeClr>
+    </dgm:fillClrLst>
+    <dgm:linClrLst meth="repeat">
+      <a:schemeClr val="lt1"/>
+    </dgm:linClrLst>
+    <dgm:effectClrLst/>
+    <dgm:txLinClrLst/>
+    <dgm:txFillClrLst/>
+    <dgm:txEffectClrLst/>
+  </dgm:styleLbl>
+  <dgm:styleLbl name="fgImgPlace1">
+    <dgm:fillClrLst>
+      <a:schemeClr val="accent1">
+        <a:tint val="50000"/>
+      </a:schemeClr>
+      <a:schemeClr val="accent1">
+        <a:tint val="20000"/>
+      </a:schemeClr>
+    </dgm:fillClrLst>
+    <dgm:linClrLst meth="repeat">
+      <a:schemeClr val="lt1"/>
+    </dgm:linClrLst>
+    <dgm:effectClrLst/>
+    <dgm:txLinClrLst/>
+    <dgm:txFillClrLst meth="repeat">
+      <a:schemeClr val="lt1"/>
+    </dgm:txFillClrLst>
+    <dgm:txEffectClrLst/>
+  </dgm:styleLbl>
+  <dgm:styleLbl name="alignImgPlace1">
+    <dgm:fillClrLst>
+      <a:schemeClr val="accent1">
+        <a:tint val="50000"/>
+      </a:schemeClr>
+      <a:schemeClr val="accent1">
+        <a:tint val="20000"/>
+      </a:schemeClr>
+    </dgm:fillClrLst>
+    <dgm:linClrLst meth="repeat">
+      <a:schemeClr val="lt1"/>
+    </dgm:linClrLst>
+    <dgm:effectClrLst/>
+    <dgm:txLinClrLst/>
+    <dgm:txFillClrLst meth="repeat">
+      <a:schemeClr val="lt1"/>
+    </dgm:txFillClrLst>
+    <dgm:txEffectClrLst/>
+  </dgm:styleLbl>
+  <dgm:styleLbl name="bgImgPlace1">
+    <dgm:fillClrLst>
+      <a:schemeClr val="accent1">
+        <a:tint val="50000"/>
+      </a:schemeClr>
+      <a:schemeClr val="accent1">
+        <a:tint val="20000"/>
+      </a:schemeClr>
+    </dgm:fillClrLst>
+    <dgm:linClrLst meth="repeat">
+      <a:schemeClr val="lt1"/>
+    </dgm:linClrLst>
+    <dgm:effectClrLst/>
+    <dgm:txLinClrLst/>
+    <dgm:txFillClrLst meth="repeat">
+      <a:schemeClr val="lt1"/>
+    </dgm:txFillClrLst>
+    <dgm:txEffectClrLst/>
+  </dgm:styleLbl>
+  <dgm:styleLbl name="sibTrans2D1">
+    <dgm:fillClrLst>
+      <a:schemeClr val="accent1">
+        <a:shade val="90000"/>
+      </a:schemeClr>
+      <a:schemeClr val="accent1">
+        <a:tint val="70000"/>
+      </a:schemeClr>
+    </dgm:fillClrLst>
+    <dgm:linClrLst>
+      <a:schemeClr val="accent1">
+        <a:shade val="90000"/>
+      </a:schemeClr>
+      <a:schemeClr val="accent1">
+        <a:tint val="70000"/>
+      </a:schemeClr>
+    </dgm:linClrLst>
+    <dgm:effectClrLst/>
+    <dgm:txLinClrLst/>
+    <dgm:txFillClrLst/>
+    <dgm:txEffectClrLst/>
+  </dgm:styleLbl>
+  <dgm:styleLbl name="fgSibTrans2D1">
+    <dgm:fillClrLst>
+      <a:schemeClr val="accent1">
+        <a:shade val="90000"/>
+      </a:schemeClr>
+      <a:schemeClr val="accent1">
+        <a:tint val="70000"/>
+      </a:schemeClr>
+    </dgm:fillClrLst>
+    <dgm:linClrLst>
+      <a:schemeClr val="accent1">
+        <a:shade val="90000"/>
+      </a:schemeClr>
+      <a:schemeClr val="accent1">
+        <a:tint val="70000"/>
+      </a:schemeClr>
+    </dgm:linClrLst>
+    <dgm:effectClrLst/>
+    <dgm:txLinClrLst/>
+    <dgm:txFillClrLst meth="repeat">
+      <a:schemeClr val="lt1"/>
+    </dgm:txFillClrLst>
+    <dgm:txEffectClrLst/>
+  </dgm:styleLbl>
+  <dgm:styleLbl name="bgSibTrans2D1">
+    <dgm:fillClrLst>
+      <a:schemeClr val="accent1">
+        <a:shade val="90000"/>
+      </a:schemeClr>
+      <a:schemeClr val="accent1">
+        <a:tint val="70000"/>
+      </a:schemeClr>
+    </dgm:fillClrLst>
+    <dgm:linClrLst>
+      <a:schemeClr val="accent1">
+        <a:shade val="90000"/>
+      </a:schemeClr>
+      <a:schemeClr val="accent1">
+        <a:tint val="70000"/>
+      </a:schemeClr>
+    </dgm:linClrLst>
+    <dgm:effectClrLst/>
+    <dgm:txLinClrLst/>
+    <dgm:txFillClrLst meth="repeat">
+      <a:schemeClr val="lt1"/>
+    </dgm:txFillClrLst>
+    <dgm:txEffectClrLst/>
+  </dgm:styleLbl>
+  <dgm:styleLbl name="sibTrans1D1">
+    <dgm:fillClrLst>
+      <a:schemeClr val="accent1">
+        <a:shade val="90000"/>
+      </a:schemeClr>
+      <a:schemeClr val="accent1">
+        <a:tint val="70000"/>
+      </a:schemeClr>
+    </dgm:fillClrLst>
+    <dgm:linClrLst>
+      <a:schemeClr val="accent1">
+        <a:shade val="90000"/>
+      </a:schemeClr>
+      <a:schemeClr val="accent1">
+        <a:tint val="70000"/>
+      </a:schemeClr>
+    </dgm:linClrLst>
+    <dgm:effectClrLst/>
+    <dgm:txLinClrLst/>
+    <dgm:txFillClrLst meth="repeat">
+      <a:schemeClr val="tx1"/>
+    </dgm:txFillClrLst>
+    <dgm:txEffectClrLst/>
+  </dgm:styleLbl>
+  <dgm:styleLbl name="callout">
+    <dgm:fillClrLst meth="repeat">
+      <a:schemeClr val="accent1"/>
+    </dgm:fillClrLst>
+    <dgm:linClrLst meth="repeat">
+      <a:schemeClr val="accent1"/>
+    </dgm:linClrLst>
+    <dgm:effectClrLst/>
+    <dgm:txLinClrLst/>
+    <dgm:txFillClrLst meth="repeat">
+      <a:schemeClr val="tx1"/>
+    </dgm:txFillClrLst>
+    <dgm:txEffectClrLst/>
+  </dgm:styleLbl>
+  <dgm:styleLbl name="asst0">
+    <dgm:fillClrLst meth="repeat">
+      <a:schemeClr val="accent1">
+        <a:shade val="80000"/>
+      </a:schemeClr>
+    </dgm:fillClrLst>
+    <dgm:linClrLst meth="repeat">
+      <a:schemeClr val="lt1"/>
+    </dgm:linClrLst>
+    <dgm:effectClrLst/>
+    <dgm:txLinClrLst/>
+    <dgm:txFillClrLst/>
+    <dgm:txEffectClrLst/>
+  </dgm:styleLbl>
+  <dgm:styleLbl name="asst1">
+    <dgm:fillClrLst meth="repeat">
+      <a:schemeClr val="accent1">
+        <a:shade val="80000"/>
+      </a:schemeClr>
+    </dgm:fillClrLst>
+    <dgm:linClrLst meth="repeat">
+      <a:schemeClr val="lt1"/>
+    </dgm:linClrLst>
+    <dgm:effectClrLst/>
+    <dgm:txLinClrLst/>
+    <dgm:txFillClrLst/>
+    <dgm:txEffectClrLst/>
+  </dgm:styleLbl>
+  <dgm:styleLbl name="asst2">
+    <dgm:fillClrLst>
+      <a:schemeClr val="accent1">
+        <a:tint val="99000"/>
+      </a:schemeClr>
+    </dgm:fillClrLst>
+    <dgm:linClrLst meth="repeat">
+      <a:schemeClr val="lt1"/>
+    </dgm:linClrLst>
+    <dgm:effectClrLst/>
+    <dgm:txLinClrLst/>
+    <dgm:txFillClrLst/>
+    <dgm:txEffectClrLst/>
+  </dgm:styleLbl>
+  <dgm:styleLbl name="asst3">
+    <dgm:fillClrLst>
+      <a:schemeClr val="accent1">
+        <a:tint val="80000"/>
+      </a:schemeClr>
+    </dgm:fillClrLst>
+    <dgm:linClrLst meth="repeat">
+      <a:schemeClr val="lt1"/>
+    </dgm:linClrLst>
+    <dgm:effectClrLst/>
+    <dgm:txLinClrLst/>
+    <dgm:txFillClrLst/>
+    <dgm:txEffectClrLst/>
+  </dgm:styleLbl>
+  <dgm:styleLbl name="asst4">
+    <dgm:fillClrLst>
+      <a:schemeClr val="accent1">
+        <a:tint val="70000"/>
+      </a:schemeClr>
+    </dgm:fillClrLst>
+    <dgm:linClrLst meth="repeat">
+      <a:schemeClr val="lt1"/>
+    </dgm:linClrLst>
+    <dgm:effectClrLst/>
+    <dgm:txLinClrLst/>
+    <dgm:txFillClrLst/>
+    <dgm:txEffectClrLst/>
+  </dgm:styleLbl>
+  <dgm:styleLbl name="parChTrans2D1">
+    <dgm:fillClrLst meth="repeat">
+      <a:schemeClr val="accent1">
+        <a:tint val="60000"/>
+      </a:schemeClr>
+    </dgm:fillClrLst>
+    <dgm:linClrLst meth="repeat">
+      <a:schemeClr val="accent1">
+        <a:tint val="60000"/>
+      </a:schemeClr>
+    </dgm:linClrLst>
+    <dgm:effectClrLst/>
+    <dgm:txLinClrLst/>
+    <dgm:txFillClrLst meth="repeat">
+      <a:schemeClr val="lt1"/>
+    </dgm:txFillClrLst>
+    <dgm:txEffectClrLst/>
+  </dgm:styleLbl>
+  <dgm:styleLbl name="parChTrans2D2">
+    <dgm:fillClrLst meth="repeat">
+      <a:schemeClr val="accent1">
+        <a:tint val="90000"/>
+      </a:schemeClr>
+    </dgm:fillClrLst>
+    <dgm:linClrLst meth="repeat">
+      <a:schemeClr val="accent1">
+        <a:tint val="90000"/>
+      </a:schemeClr>
+    </dgm:linClrLst>
+    <dgm:effectClrLst/>
+    <dgm:txLinClrLst/>
+    <dgm:txFillClrLst/>
+    <dgm:txEffectClrLst/>
+  </dgm:styleLbl>
+  <dgm:styleLbl name="parChTrans2D3">
+    <dgm:fillClrLst meth="repeat">
+      <a:schemeClr val="accent1">
+        <a:tint val="70000"/>
+      </a:schemeClr>
+    </dgm:fillClrLst>
+    <dgm:linClrLst meth="repeat">
+      <a:schemeClr val="accent1">
+        <a:tint val="70000"/>
+      </a:schemeClr>
+    </dgm:linClrLst>
+    <dgm:effectClrLst/>
+    <dgm:txLinClrLst/>
+    <dgm:txFillClrLst/>
+    <dgm:txEffectClrLst/>
+  </dgm:styleLbl>
+  <dgm:styleLbl name="parChTrans2D4">
+    <dgm:fillClrLst meth="repeat">
+      <a:schemeClr val="accent1">
+        <a:tint val="50000"/>
+      </a:schemeClr>
+    </dgm:fillClrLst>
+    <dgm:linClrLst meth="repeat">
+      <a:schemeClr val="accent1">
+        <a:tint val="50000"/>
+      </a:schemeClr>
+    </dgm:linClrLst>
+    <dgm:effectClrLst/>
+    <dgm:txLinClrLst/>
+    <dgm:txFillClrLst meth="repeat">
+      <a:schemeClr val="lt1"/>
+    </dgm:txFillClrLst>
+    <dgm:txEffectClrLst/>
+  </dgm:styleLbl>
+  <dgm:styleLbl name="parChTrans1D1">
+    <dgm:fillClrLst meth="repeat">
+      <a:schemeClr val="accent1">
+        <a:shade val="80000"/>
+      </a:schemeClr>
+    </dgm:fillClrLst>
+    <dgm:linClrLst meth="repeat">
+      <a:schemeClr val="accent1">
+        <a:shade val="80000"/>
+      </a:schemeClr>
+    </dgm:linClrLst>
+    <dgm:effectClrLst/>
+    <dgm:txLinClrLst/>
+    <dgm:txFillClrLst meth="repeat">
+      <a:schemeClr val="tx1"/>
+    </dgm:txFillClrLst>
+    <dgm:txEffectClrLst/>
+  </dgm:styleLbl>
+  <dgm:styleLbl name="parChTrans1D2">
+    <dgm:fillClrLst meth="repeat">
+      <a:schemeClr val="accent1">
+        <a:tint val="99000"/>
+      </a:schemeClr>
+    </dgm:fillClrLst>
+    <dgm:linClrLst meth="repeat">
+      <a:schemeClr val="accent1">
+        <a:tint val="99000"/>
+      </a:schemeClr>
+    </dgm:linClrLst>
+    <dgm:effectClrLst/>
+    <dgm:txLinClrLst/>
+    <dgm:txFillClrLst meth="repeat">
+      <a:schemeClr val="tx1"/>
+    </dgm:txFillClrLst>
+    <dgm:txEffectClrLst/>
+  </dgm:styleLbl>
+  <dgm:styleLbl name="parChTrans1D3">
+    <dgm:fillClrLst meth="repeat">
+      <a:schemeClr val="accent1">
+        <a:tint val="80000"/>
+      </a:schemeClr>
+    </dgm:fillClrLst>
+    <dgm:linClrLst meth="repeat">
+      <a:schemeClr val="accent1">
+        <a:tint val="80000"/>
+      </a:schemeClr>
+    </dgm:linClrLst>
+    <dgm:effectClrLst/>
+    <dgm:txLinClrLst/>
+    <dgm:txFillClrLst meth="repeat">
+      <a:schemeClr val="tx1"/>
+    </dgm:txFillClrLst>
+    <dgm:txEffectClrLst/>
+  </dgm:styleLbl>
+  <dgm:styleLbl name="parChTrans1D4">
+    <dgm:fillClrLst meth="repeat">
+      <a:schemeClr val="accent1">
+        <a:tint val="70000"/>
+      </a:schemeClr>
+    </dgm:fillClrLst>
+    <dgm:linClrLst meth="repeat">
+      <a:schemeClr val="accent1">
+        <a:tint val="70000"/>
+      </a:schemeClr>
+    </dgm:linClrLst>
+    <dgm:effectClrLst/>
+    <dgm:txLinClrLst/>
+    <dgm:txFillClrLst meth="repeat">
+      <a:schemeClr val="tx1"/>
+    </dgm:txFillClrLst>
+    <dgm:txEffectClrLst/>
+  </dgm:styleLbl>
+  <dgm:styleLbl name="fgAcc1">
+    <dgm:fillClrLst meth="repeat">
+      <a:schemeClr val="lt1">
+        <a:alpha val="90000"/>
+      </a:schemeClr>
+    </dgm:fillClrLst>
+    <dgm:linClrLst>
+      <a:schemeClr val="accent1">
+        <a:shade val="80000"/>
+      </a:schemeClr>
+      <a:schemeClr val="accent1">
+        <a:tint val="70000"/>
+      </a:schemeClr>
+    </dgm:linClrLst>
+    <dgm:effectClrLst/>
+    <dgm:txLinClrLst/>
+    <dgm:txFillClrLst meth="repeat">
+      <a:schemeClr val="dk1"/>
+    </dgm:txFillClrLst>
+    <dgm:txEffectClrLst/>
+  </dgm:styleLbl>
+  <dgm:styleLbl name="conFgAcc1">
+    <dgm:fillClrLst meth="repeat">
+      <a:schemeClr val="lt1">
+        <a:alpha val="90000"/>
+      </a:schemeClr>
+    </dgm:fillClrLst>
+    <dgm:linClrLst>
+      <a:schemeClr val="accent1">
+        <a:shade val="80000"/>
+      </a:schemeClr>
+      <a:schemeClr val="accent1">
+        <a:tint val="70000"/>
+      </a:schemeClr>
+    </dgm:linClrLst>
+    <dgm:effectClrLst/>
+    <dgm:txLinClrLst/>
+    <dgm:txFillClrLst meth="repeat">
+      <a:schemeClr val="dk1"/>
+    </dgm:txFillClrLst>
+    <dgm:txEffectClrLst/>
+  </dgm:styleLbl>
+  <dgm:styleLbl name="alignAcc1">
+    <dgm:fillClrLst meth="repeat">
+      <a:schemeClr val="lt1">
+        <a:alpha val="90000"/>
+      </a:schemeClr>
+    </dgm:fillClrLst>
+    <dgm:linClrLst>
+      <a:schemeClr val="accent1">
+        <a:shade val="80000"/>
+      </a:schemeClr>
+      <a:schemeClr val="accent1">
+        <a:tint val="70000"/>
+      </a:schemeClr>
+    </dgm:linClrLst>
+    <dgm:effectClrLst/>
+    <dgm:txLinClrLst/>
+    <dgm:txFillClrLst meth="repeat">
+      <a:schemeClr val="dk1"/>
+    </dgm:txFillClrLst>
+    <dgm:txEffectClrLst/>
+  </dgm:styleLbl>
+  <dgm:styleLbl name="trAlignAcc1">
+    <dgm:fillClrLst meth="repeat">
+      <a:schemeClr val="lt1">
+        <a:alpha val="40000"/>
+      </a:schemeClr>
+    </dgm:fillClrLst>
+    <dgm:linClrLst meth="repeat">
+      <a:schemeClr val="accent1"/>
+    </dgm:linClrLst>
+    <dgm:effectClrLst/>
+    <dgm:txLinClrLst/>
+    <dgm:txFillClrLst meth="repeat">
+      <a:schemeClr val="dk1"/>
+    </dgm:txFillClrLst>
+    <dgm:txEffectClrLst/>
+  </dgm:styleLbl>
+  <dgm:styleLbl name="bgAcc1">
+    <dgm:fillClrLst meth="repeat">
+      <a:schemeClr val="lt1">
+        <a:alpha val="90000"/>
+      </a:schemeClr>
+    </dgm:fillClrLst>
+    <dgm:linClrLst>
+      <a:schemeClr val="accent1">
+        <a:shade val="80000"/>
+      </a:schemeClr>
+      <a:schemeClr val="accent1">
+        <a:tint val="70000"/>
+      </a:schemeClr>
+    </dgm:linClrLst>
+    <dgm:effectClrLst/>
+    <dgm:txLinClrLst/>
+    <dgm:txFillClrLst meth="repeat">
+      <a:schemeClr val="dk1"/>
+    </dgm:txFillClrLst>
+    <dgm:txEffectClrLst/>
+  </dgm:styleLbl>
+  <dgm:styleLbl name="solidFgAcc1">
+    <dgm:fillClrLst meth="repeat">
+      <a:schemeClr val="lt1"/>
+    </dgm:fillClrLst>
+    <dgm:linClrLst>
+      <a:schemeClr val="accent1">
+        <a:shade val="80000"/>
+      </a:schemeClr>
+      <a:schemeClr val="accent1">
+        <a:tint val="70000"/>
+      </a:schemeClr>
+    </dgm:linClrLst>
+    <dgm:effectClrLst/>
+    <dgm:txLinClrLst/>
+    <dgm:txFillClrLst meth="repeat">
+      <a:schemeClr val="dk1"/>
+    </dgm:txFillClrLst>
+    <dgm:txEffectClrLst/>
+  </dgm:styleLbl>
+  <dgm:styleLbl name="solidAlignAcc1">
+    <dgm:fillClrLst meth="repeat">
+      <a:schemeClr val="lt1"/>
+    </dgm:fillClrLst>
+    <dgm:linClrLst meth="repeat">
+      <a:schemeClr val="accent1"/>
+    </dgm:linClrLst>
+    <dgm:effectClrLst/>
+    <dgm:txLinClrLst/>
+    <dgm:txFillClrLst meth="repeat">
+      <a:schemeClr val="dk1"/>
+    </dgm:txFillClrLst>
+    <dgm:txEffectClrLst/>
+  </dgm:styleLbl>
+  <dgm:styleLbl name="solidBgAcc1">
+    <dgm:fillClrLst meth="repeat">
+      <a:schemeClr val="lt1"/>
+    </dgm:fillClrLst>
+    <dgm:linClrLst meth="repeat">
+      <a:schemeClr val="accent1"/>
+    </dgm:linClrLst>
+    <dgm:effectClrLst/>
+    <dgm:txLinClrLst/>
+    <dgm:txFillClrLst meth="repeat">
+      <a:schemeClr val="dk1"/>
+    </dgm:txFillClrLst>
+    <dgm:txEffectClrLst/>
+  </dgm:styleLbl>
+  <dgm:styleLbl name="fgAccFollowNode1">
+    <dgm:fillClrLst meth="repeat">
+      <a:schemeClr val="accent1">
+        <a:alpha val="90000"/>
+        <a:tint val="40000"/>
+      </a:schemeClr>
+    </dgm:fillClrLst>
+    <dgm:linClrLst meth="repeat">
+      <a:schemeClr val="accent1">
+        <a:alpha val="90000"/>
+        <a:tint val="40000"/>
+      </a:schemeClr>
+    </dgm:linClrLst>
+    <dgm:effectClrLst/>
+    <dgm:txLinClrLst/>
+    <dgm:txFillClrLst meth="repeat">
+      <a:schemeClr val="dk1"/>
+    </dgm:txFillClrLst>
+    <dgm:txEffectClrLst/>
+  </dgm:styleLbl>
+  <dgm:styleLbl name="alignAccFollowNode1">
+    <dgm:fillClrLst meth="repeat">
+      <a:schemeClr val="accent1">
+        <a:alpha val="90000"/>
+        <a:tint val="40000"/>
+      </a:schemeClr>
+    </dgm:fillClrLst>
+    <dgm:linClrLst meth="repeat">
+      <a:schemeClr val="accent1">
+        <a:alpha val="90000"/>
+        <a:tint val="40000"/>
+      </a:schemeClr>
+    </dgm:linClrLst>
+    <dgm:effectClrLst/>
+    <dgm:txLinClrLst/>
+    <dgm:txFillClrLst meth="repeat">
+      <a:schemeClr val="dk1"/>
+    </dgm:txFillClrLst>
+    <dgm:txEffectClrLst/>
+  </dgm:styleLbl>
+  <dgm:styleLbl name="bgAccFollowNode1">
+    <dgm:fillClrLst meth="repeat">
+      <a:schemeClr val="accent1">
+        <a:alpha val="90000"/>
+        <a:tint val="40000"/>
+      </a:schemeClr>
+    </dgm:fillClrLst>
+    <dgm:linClrLst meth="repeat">
+      <a:schemeClr val="lt1"/>
+    </dgm:linClrLst>
+    <dgm:effectClrLst/>
+    <dgm:txLinClrLst/>
+    <dgm:txFillClrLst meth="repeat">
+      <a:schemeClr val="dk1"/>
+    </dgm:txFillClrLst>
+    <dgm:txEffectClrLst/>
+  </dgm:styleLbl>
+  <dgm:styleLbl name="fgAcc0">
+    <dgm:fillClrLst meth="repeat">
+      <a:schemeClr val="lt1">
+        <a:alpha val="90000"/>
+      </a:schemeClr>
+    </dgm:fillClrLst>
+    <dgm:linClrLst meth="repeat">
+      <a:schemeClr val="accent1">
+        <a:shade val="80000"/>
+      </a:schemeClr>
+    </dgm:linClrLst>
+    <dgm:effectClrLst/>
+    <dgm:txLinClrLst/>
+    <dgm:txFillClrLst meth="repeat">
+      <a:schemeClr val="dk1"/>
+    </dgm:txFillClrLst>
+    <dgm:txEffectClrLst/>
+  </dgm:styleLbl>
+  <dgm:styleLbl name="fgAcc2">
+    <dgm:fillClrLst meth="repeat">
+      <a:schemeClr val="lt1">
+        <a:alpha val="90000"/>
+      </a:schemeClr>
+    </dgm:fillClrLst>
+    <dgm:linClrLst meth="repeat">
+      <a:schemeClr val="accent1">
+        <a:tint val="99000"/>
+      </a:schemeClr>
+    </dgm:linClrLst>
+    <dgm:effectClrLst/>
+    <dgm:txLinClrLst/>
+    <dgm:txFillClrLst meth="repeat">
+      <a:schemeClr val="dk1"/>
+    </dgm:txFillClrLst>
+    <dgm:txEffectClrLst/>
+  </dgm:styleLbl>
+  <dgm:styleLbl name="fgAcc3">
+    <dgm:fillClrLst meth="repeat">
+      <a:schemeClr val="lt1">
+        <a:alpha val="90000"/>
+      </a:schemeClr>
+    </dgm:fillClrLst>
+    <dgm:linClrLst meth="repeat">
+      <a:schemeClr val="accent1">
+        <a:tint val="80000"/>
+      </a:schemeClr>
+    </dgm:linClrLst>
+    <dgm:effectClrLst/>
+    <dgm:txLinClrLst/>
+    <dgm:txFillClrLst meth="repeat">
+      <a:schemeClr val="dk1"/>
+    </dgm:txFillClrLst>
+    <dgm:txEffectClrLst/>
+  </dgm:styleLbl>
+  <dgm:styleLbl name="fgAcc4">
+    <dgm:fillClrLst meth="repeat">
+      <a:schemeClr val="lt1">
+        <a:alpha val="90000"/>
+      </a:schemeClr>
+    </dgm:fillClrLst>
+    <dgm:linClrLst meth="repeat">
+      <a:schemeClr val="accent1">
+        <a:tint val="70000"/>
+      </a:schemeClr>
+    </dgm:linClrLst>
+    <dgm:effectClrLst/>
+    <dgm:txLinClrLst/>
+    <dgm:txFillClrLst meth="repeat">
+      <a:schemeClr val="dk1"/>
+    </dgm:txFillClrLst>
+    <dgm:txEffectClrLst/>
+  </dgm:styleLbl>
+  <dgm:styleLbl name="bgShp">
+    <dgm:fillClrLst meth="repeat">
+      <a:schemeClr val="accent1">
+        <a:tint val="40000"/>
+      </a:schemeClr>
+    </dgm:fillClrLst>
+    <dgm:linClrLst meth="repeat">
+      <a:schemeClr val="dk1"/>
+    </dgm:linClrLst>
+    <dgm:effectClrLst/>
+    <dgm:txLinClrLst/>
+    <dgm:txFillClrLst meth="repeat">
+      <a:schemeClr val="dk1"/>
+    </dgm:txFillClrLst>
+    <dgm:txEffectClrLst/>
+  </dgm:styleLbl>
+  <dgm:styleLbl name="dkBgShp">
+    <dgm:fillClrLst meth="repeat">
+      <a:schemeClr val="accent1">
+        <a:shade val="90000"/>
+      </a:schemeClr>
+    </dgm:fillClrLst>
+    <dgm:linClrLst meth="repeat">
+      <a:schemeClr val="dk1"/>
+    </dgm:linClrLst>
+    <dgm:effectClrLst/>
+    <dgm:txLinClrLst/>
+    <dgm:txFillClrLst meth="repeat">
+      <a:schemeClr val="lt1"/>
+    </dgm:txFillClrLst>
+    <dgm:txEffectClrLst/>
+  </dgm:styleLbl>
+  <dgm:styleLbl name="trBgShp">
+    <dgm:fillClrLst meth="repeat">
+      <a:schemeClr val="accent1">
+        <a:tint val="50000"/>
+        <a:alpha val="40000"/>
+      </a:schemeClr>
+    </dgm:fillClrLst>
+    <dgm:linClrLst meth="repeat">
+      <a:schemeClr val="accent1"/>
+    </dgm:linClrLst>
+    <dgm:effectClrLst/>
+    <dgm:txLinClrLst/>
+    <dgm:txFillClrLst meth="repeat">
+      <a:schemeClr val="lt1"/>
+    </dgm:txFillClrLst>
+    <dgm:txEffectClrLst/>
+  </dgm:styleLbl>
+  <dgm:styleLbl name="fgShp">
+    <dgm:fillClrLst meth="repeat">
+      <a:schemeClr val="accent1">
+        <a:tint val="40000"/>
+      </a:schemeClr>
+    </dgm:fillClrLst>
+    <dgm:linClrLst meth="repeat">
+      <a:schemeClr val="lt1"/>
+    </dgm:linClrLst>
+    <dgm:effectClrLst/>
+    <dgm:txLinClrLst/>
+    <dgm:txFillClrLst meth="repeat">
+      <a:schemeClr val="dk1"/>
+    </dgm:txFillClrLst>
+    <dgm:txEffectClrLst/>
+  </dgm:styleLbl>
+  <dgm:styleLbl name="revTx">
+    <dgm:fillClrLst meth="repeat">
+      <a:schemeClr val="lt1">
+        <a:alpha val="0"/>
+      </a:schemeClr>
+    </dgm:fillClrLst>
+    <dgm:linClrLst meth="repeat">
+      <a:schemeClr val="dk1">
+        <a:alpha val="0"/>
+      </a:schemeClr>
+    </dgm:linClrLst>
+    <dgm:effectClrLst/>
+    <dgm:txLinClrLst/>
+    <dgm:txFillClrLst meth="repeat">
+      <a:schemeClr val="tx1"/>
+    </dgm:txFillClrLst>
+    <dgm:txEffectClrLst/>
+  </dgm:styleLbl>
+</dgm:colorsDef>
+</file>
+
+<file path=ppt/diagrams/data1.xml><?xml version="1.0" encoding="utf-8"?>
+<dgm:dataModel xmlns:dgm="http://schemas.openxmlformats.org/drawingml/2006/diagram" xmlns:a="http://schemas.openxmlformats.org/drawingml/2006/main">
+  <dgm:ptLst>
+    <dgm:pt modelId="{737C1C54-8312-479E-9854-26470EC438D3}" type="doc">
+      <dgm:prSet loTypeId="urn:microsoft.com/office/officeart/2005/8/layout/vProcess5" loCatId="process" qsTypeId="urn:microsoft.com/office/officeart/2005/8/quickstyle/simple1" qsCatId="simple" csTypeId="urn:microsoft.com/office/officeart/2005/8/colors/accent1_3" csCatId="accent1" phldr="1"/>
+      <dgm:spPr/>
+    </dgm:pt>
+    <dgm:pt modelId="{3F3BB990-B799-4844-B829-20C846DA65AE}">
+      <dgm:prSet phldrT="[Texto]"/>
+      <dgm:spPr/>
+      <dgm:t>
+        <a:bodyPr/>
+        <a:lstStyle/>
+        <a:p>
+          <a:r>
+            <a:rPr lang="es-ES" dirty="0" smtClean="0"/>
+            <a:t>Análisis</a:t>
+          </a:r>
+          <a:endParaRPr lang="es-ES" dirty="0"/>
+        </a:p>
+      </dgm:t>
+    </dgm:pt>
+    <dgm:pt modelId="{A7736B91-12B5-4103-9086-1158F1F19C58}" type="parTrans" cxnId="{C9DB8267-5253-4C86-B563-5F0429F0FD85}">
+      <dgm:prSet/>
+      <dgm:spPr/>
+      <dgm:t>
+        <a:bodyPr/>
+        <a:lstStyle/>
+        <a:p>
+          <a:endParaRPr lang="es-ES"/>
+        </a:p>
+      </dgm:t>
+    </dgm:pt>
+    <dgm:pt modelId="{4B61434E-7582-4085-8096-CEB04FC200CD}" type="sibTrans" cxnId="{C9DB8267-5253-4C86-B563-5F0429F0FD85}">
+      <dgm:prSet/>
+      <dgm:spPr/>
+      <dgm:t>
+        <a:bodyPr/>
+        <a:lstStyle/>
+        <a:p>
+          <a:endParaRPr lang="es-ES"/>
+        </a:p>
+      </dgm:t>
+    </dgm:pt>
+    <dgm:pt modelId="{47729186-0D7B-423D-87C3-F530FFE824A9}">
+      <dgm:prSet phldrT="[Texto]"/>
+      <dgm:spPr/>
+      <dgm:t>
+        <a:bodyPr/>
+        <a:lstStyle/>
+        <a:p>
+          <a:r>
+            <a:rPr lang="es-ES" dirty="0" smtClean="0"/>
+            <a:t>Diseño</a:t>
+          </a:r>
+          <a:endParaRPr lang="es-ES" dirty="0"/>
+        </a:p>
+      </dgm:t>
+    </dgm:pt>
+    <dgm:pt modelId="{143D1DDB-B2BD-49FF-9CB7-D18CC25C9933}" type="parTrans" cxnId="{93E39A4B-953A-4F08-9A06-9C94BACDF39B}">
+      <dgm:prSet/>
+      <dgm:spPr/>
+      <dgm:t>
+        <a:bodyPr/>
+        <a:lstStyle/>
+        <a:p>
+          <a:endParaRPr lang="es-ES"/>
+        </a:p>
+      </dgm:t>
+    </dgm:pt>
+    <dgm:pt modelId="{7995F348-721F-48E6-9669-4E1D92CAF17C}" type="sibTrans" cxnId="{93E39A4B-953A-4F08-9A06-9C94BACDF39B}">
+      <dgm:prSet/>
+      <dgm:spPr/>
+      <dgm:t>
+        <a:bodyPr/>
+        <a:lstStyle/>
+        <a:p>
+          <a:endParaRPr lang="es-ES"/>
+        </a:p>
+      </dgm:t>
+    </dgm:pt>
+    <dgm:pt modelId="{90D7148F-243C-499F-A3E1-F32D24025DF0}">
+      <dgm:prSet phldrT="[Texto]"/>
+      <dgm:spPr/>
+      <dgm:t>
+        <a:bodyPr/>
+        <a:lstStyle/>
+        <a:p>
+          <a:r>
+            <a:rPr lang="es-ES" dirty="0" smtClean="0"/>
+            <a:t>Pruebas</a:t>
+          </a:r>
+          <a:endParaRPr lang="es-ES" dirty="0"/>
+        </a:p>
+      </dgm:t>
+    </dgm:pt>
+    <dgm:pt modelId="{81AC90CA-0913-414B-9806-8CD7B893B9AA}" type="parTrans" cxnId="{7545A9DB-C10E-4DA9-A6A1-EDF80B20DC2B}">
+      <dgm:prSet/>
+      <dgm:spPr/>
+      <dgm:t>
+        <a:bodyPr/>
+        <a:lstStyle/>
+        <a:p>
+          <a:endParaRPr lang="es-ES"/>
+        </a:p>
+      </dgm:t>
+    </dgm:pt>
+    <dgm:pt modelId="{EA634AFA-102B-4251-99C7-7040F2ADF80A}" type="sibTrans" cxnId="{7545A9DB-C10E-4DA9-A6A1-EDF80B20DC2B}">
+      <dgm:prSet/>
+      <dgm:spPr/>
+      <dgm:t>
+        <a:bodyPr/>
+        <a:lstStyle/>
+        <a:p>
+          <a:endParaRPr lang="es-ES"/>
+        </a:p>
+      </dgm:t>
+    </dgm:pt>
+    <dgm:pt modelId="{EE50EE4E-2F64-48A1-963C-14EEFA7A668B}">
+      <dgm:prSet phldrT="[Texto]"/>
+      <dgm:spPr/>
+      <dgm:t>
+        <a:bodyPr/>
+        <a:lstStyle/>
+        <a:p>
+          <a:r>
+            <a:rPr lang="es-ES" dirty="0" smtClean="0"/>
+            <a:t>Implementación	</a:t>
+          </a:r>
+          <a:endParaRPr lang="es-ES" dirty="0"/>
+        </a:p>
+      </dgm:t>
+    </dgm:pt>
+    <dgm:pt modelId="{5CC2A434-6492-442A-A947-2342EEAC6215}" type="parTrans" cxnId="{37370E94-FBD6-42C7-B161-024612995DAC}">
+      <dgm:prSet/>
+      <dgm:spPr/>
+      <dgm:t>
+        <a:bodyPr/>
+        <a:lstStyle/>
+        <a:p>
+          <a:endParaRPr lang="es-ES"/>
+        </a:p>
+      </dgm:t>
+    </dgm:pt>
+    <dgm:pt modelId="{1D4E4B81-12F9-4C5B-B932-5D0E96D9370D}" type="sibTrans" cxnId="{37370E94-FBD6-42C7-B161-024612995DAC}">
+      <dgm:prSet/>
+      <dgm:spPr/>
+      <dgm:t>
+        <a:bodyPr/>
+        <a:lstStyle/>
+        <a:p>
+          <a:endParaRPr lang="es-ES"/>
+        </a:p>
+      </dgm:t>
+    </dgm:pt>
+    <dgm:pt modelId="{516C1408-5163-4BF1-8569-2F589E88703B}" type="pres">
+      <dgm:prSet presAssocID="{737C1C54-8312-479E-9854-26470EC438D3}" presName="outerComposite" presStyleCnt="0">
+        <dgm:presLayoutVars>
+          <dgm:chMax val="5"/>
+          <dgm:dir/>
+          <dgm:resizeHandles val="exact"/>
+        </dgm:presLayoutVars>
+      </dgm:prSet>
+      <dgm:spPr/>
+    </dgm:pt>
+    <dgm:pt modelId="{209563BE-42D8-4338-99D2-C11FBC0609D5}" type="pres">
+      <dgm:prSet presAssocID="{737C1C54-8312-479E-9854-26470EC438D3}" presName="dummyMaxCanvas" presStyleCnt="0">
+        <dgm:presLayoutVars/>
+      </dgm:prSet>
+      <dgm:spPr/>
+    </dgm:pt>
+    <dgm:pt modelId="{F8A01BD1-E5C3-4094-98B0-E182C226425F}" type="pres">
+      <dgm:prSet presAssocID="{737C1C54-8312-479E-9854-26470EC438D3}" presName="FourNodes_1" presStyleLbl="node1" presStyleIdx="0" presStyleCnt="4">
+        <dgm:presLayoutVars>
+          <dgm:bulletEnabled val="1"/>
+        </dgm:presLayoutVars>
+      </dgm:prSet>
+      <dgm:spPr/>
+    </dgm:pt>
+    <dgm:pt modelId="{57E549FD-1089-420F-9A72-4D8403182B0F}" type="pres">
+      <dgm:prSet presAssocID="{737C1C54-8312-479E-9854-26470EC438D3}" presName="FourNodes_2" presStyleLbl="node1" presStyleIdx="1" presStyleCnt="4">
+        <dgm:presLayoutVars>
+          <dgm:bulletEnabled val="1"/>
+        </dgm:presLayoutVars>
+      </dgm:prSet>
+      <dgm:spPr/>
+    </dgm:pt>
+    <dgm:pt modelId="{4559F581-D3DF-464B-8620-C6E244F45E5F}" type="pres">
+      <dgm:prSet presAssocID="{737C1C54-8312-479E-9854-26470EC438D3}" presName="FourNodes_3" presStyleLbl="node1" presStyleIdx="2" presStyleCnt="4">
+        <dgm:presLayoutVars>
+          <dgm:bulletEnabled val="1"/>
+        </dgm:presLayoutVars>
+      </dgm:prSet>
+      <dgm:spPr/>
+    </dgm:pt>
+    <dgm:pt modelId="{542481D7-D05E-40E1-A9DA-85E943A44965}" type="pres">
+      <dgm:prSet presAssocID="{737C1C54-8312-479E-9854-26470EC438D3}" presName="FourNodes_4" presStyleLbl="node1" presStyleIdx="3" presStyleCnt="4">
+        <dgm:presLayoutVars>
+          <dgm:bulletEnabled val="1"/>
+        </dgm:presLayoutVars>
+      </dgm:prSet>
+      <dgm:spPr/>
+      <dgm:t>
+        <a:bodyPr/>
+        <a:lstStyle/>
+        <a:p>
+          <a:endParaRPr lang="es-ES"/>
+        </a:p>
+      </dgm:t>
+    </dgm:pt>
+    <dgm:pt modelId="{4136C89E-6FDA-49F1-AFAF-4920935C3B69}" type="pres">
+      <dgm:prSet presAssocID="{737C1C54-8312-479E-9854-26470EC438D3}" presName="FourConn_1-2" presStyleLbl="fgAccFollowNode1" presStyleIdx="0" presStyleCnt="3">
+        <dgm:presLayoutVars>
+          <dgm:bulletEnabled val="1"/>
+        </dgm:presLayoutVars>
+      </dgm:prSet>
+      <dgm:spPr/>
+    </dgm:pt>
+    <dgm:pt modelId="{62D09EF4-7E5A-4D7F-83C7-9761470AA737}" type="pres">
+      <dgm:prSet presAssocID="{737C1C54-8312-479E-9854-26470EC438D3}" presName="FourConn_2-3" presStyleLbl="fgAccFollowNode1" presStyleIdx="1" presStyleCnt="3">
+        <dgm:presLayoutVars>
+          <dgm:bulletEnabled val="1"/>
+        </dgm:presLayoutVars>
+      </dgm:prSet>
+      <dgm:spPr/>
+    </dgm:pt>
+    <dgm:pt modelId="{E8263E9A-CAD0-4176-A3DA-48F09621AACF}" type="pres">
+      <dgm:prSet presAssocID="{737C1C54-8312-479E-9854-26470EC438D3}" presName="FourConn_3-4" presStyleLbl="fgAccFollowNode1" presStyleIdx="2" presStyleCnt="3">
+        <dgm:presLayoutVars>
+          <dgm:bulletEnabled val="1"/>
+        </dgm:presLayoutVars>
+      </dgm:prSet>
+      <dgm:spPr/>
+    </dgm:pt>
+    <dgm:pt modelId="{4B6F1C0B-E509-4680-916F-70A1232BF9D3}" type="pres">
+      <dgm:prSet presAssocID="{737C1C54-8312-479E-9854-26470EC438D3}" presName="FourNodes_1_text" presStyleLbl="node1" presStyleIdx="3" presStyleCnt="4">
+        <dgm:presLayoutVars>
+          <dgm:bulletEnabled val="1"/>
+        </dgm:presLayoutVars>
+      </dgm:prSet>
+      <dgm:spPr/>
+    </dgm:pt>
+    <dgm:pt modelId="{38FB80B3-2EC1-4CB2-B574-AC1A41E31108}" type="pres">
+      <dgm:prSet presAssocID="{737C1C54-8312-479E-9854-26470EC438D3}" presName="FourNodes_2_text" presStyleLbl="node1" presStyleIdx="3" presStyleCnt="4">
+        <dgm:presLayoutVars>
+          <dgm:bulletEnabled val="1"/>
+        </dgm:presLayoutVars>
+      </dgm:prSet>
+      <dgm:spPr/>
+    </dgm:pt>
+    <dgm:pt modelId="{E979A6F7-5E60-4032-92A5-A375B27F58AA}" type="pres">
+      <dgm:prSet presAssocID="{737C1C54-8312-479E-9854-26470EC438D3}" presName="FourNodes_3_text" presStyleLbl="node1" presStyleIdx="3" presStyleCnt="4">
+        <dgm:presLayoutVars>
+          <dgm:bulletEnabled val="1"/>
+        </dgm:presLayoutVars>
+      </dgm:prSet>
+      <dgm:spPr/>
+    </dgm:pt>
+    <dgm:pt modelId="{8D93DC09-C8F1-4DE9-B73F-B919F89373DF}" type="pres">
+      <dgm:prSet presAssocID="{737C1C54-8312-479E-9854-26470EC438D3}" presName="FourNodes_4_text" presStyleLbl="node1" presStyleIdx="3" presStyleCnt="4">
+        <dgm:presLayoutVars>
+          <dgm:bulletEnabled val="1"/>
+        </dgm:presLayoutVars>
+      </dgm:prSet>
+      <dgm:spPr/>
+      <dgm:t>
+        <a:bodyPr/>
+        <a:lstStyle/>
+        <a:p>
+          <a:endParaRPr lang="es-ES"/>
+        </a:p>
+      </dgm:t>
+    </dgm:pt>
+  </dgm:ptLst>
+  <dgm:cxnLst>
+    <dgm:cxn modelId="{65B7BF1B-FB75-4CB1-B943-45C0E36F2FFF}" type="presOf" srcId="{3F3BB990-B799-4844-B829-20C846DA65AE}" destId="{4B6F1C0B-E509-4680-916F-70A1232BF9D3}" srcOrd="1" destOrd="0" presId="urn:microsoft.com/office/officeart/2005/8/layout/vProcess5"/>
+    <dgm:cxn modelId="{CB80C1BA-3B9F-4F6E-B864-47B022626BCF}" type="presOf" srcId="{90D7148F-243C-499F-A3E1-F32D24025DF0}" destId="{542481D7-D05E-40E1-A9DA-85E943A44965}" srcOrd="0" destOrd="0" presId="urn:microsoft.com/office/officeart/2005/8/layout/vProcess5"/>
+    <dgm:cxn modelId="{ADE36F73-55D0-47B4-9449-12F648DA194A}" type="presOf" srcId="{90D7148F-243C-499F-A3E1-F32D24025DF0}" destId="{8D93DC09-C8F1-4DE9-B73F-B919F89373DF}" srcOrd="1" destOrd="0" presId="urn:microsoft.com/office/officeart/2005/8/layout/vProcess5"/>
+    <dgm:cxn modelId="{28880A8F-7142-42EF-A296-D76D8884618A}" type="presOf" srcId="{47729186-0D7B-423D-87C3-F530FFE824A9}" destId="{38FB80B3-2EC1-4CB2-B574-AC1A41E31108}" srcOrd="1" destOrd="0" presId="urn:microsoft.com/office/officeart/2005/8/layout/vProcess5"/>
+    <dgm:cxn modelId="{046C1A7A-672F-484C-B558-D993CF3AF5F3}" type="presOf" srcId="{1D4E4B81-12F9-4C5B-B932-5D0E96D9370D}" destId="{E8263E9A-CAD0-4176-A3DA-48F09621AACF}" srcOrd="0" destOrd="0" presId="urn:microsoft.com/office/officeart/2005/8/layout/vProcess5"/>
+    <dgm:cxn modelId="{3E1C7202-A3E9-45C8-ACCB-651A36FADA8B}" type="presOf" srcId="{7995F348-721F-48E6-9669-4E1D92CAF17C}" destId="{62D09EF4-7E5A-4D7F-83C7-9761470AA737}" srcOrd="0" destOrd="0" presId="urn:microsoft.com/office/officeart/2005/8/layout/vProcess5"/>
+    <dgm:cxn modelId="{D95B36E5-8DC0-4B3D-9831-FE7C7533CF49}" type="presOf" srcId="{EE50EE4E-2F64-48A1-963C-14EEFA7A668B}" destId="{4559F581-D3DF-464B-8620-C6E244F45E5F}" srcOrd="0" destOrd="0" presId="urn:microsoft.com/office/officeart/2005/8/layout/vProcess5"/>
+    <dgm:cxn modelId="{93E39A4B-953A-4F08-9A06-9C94BACDF39B}" srcId="{737C1C54-8312-479E-9854-26470EC438D3}" destId="{47729186-0D7B-423D-87C3-F530FFE824A9}" srcOrd="1" destOrd="0" parTransId="{143D1DDB-B2BD-49FF-9CB7-D18CC25C9933}" sibTransId="{7995F348-721F-48E6-9669-4E1D92CAF17C}"/>
+    <dgm:cxn modelId="{AE20F56F-7D80-4370-A98A-F592D79BB9E3}" type="presOf" srcId="{3F3BB990-B799-4844-B829-20C846DA65AE}" destId="{F8A01BD1-E5C3-4094-98B0-E182C226425F}" srcOrd="0" destOrd="0" presId="urn:microsoft.com/office/officeart/2005/8/layout/vProcess5"/>
+    <dgm:cxn modelId="{7545A9DB-C10E-4DA9-A6A1-EDF80B20DC2B}" srcId="{737C1C54-8312-479E-9854-26470EC438D3}" destId="{90D7148F-243C-499F-A3E1-F32D24025DF0}" srcOrd="3" destOrd="0" parTransId="{81AC90CA-0913-414B-9806-8CD7B893B9AA}" sibTransId="{EA634AFA-102B-4251-99C7-7040F2ADF80A}"/>
+    <dgm:cxn modelId="{23071B09-FDE8-48A1-A4F8-B15B0BA02432}" type="presOf" srcId="{737C1C54-8312-479E-9854-26470EC438D3}" destId="{516C1408-5163-4BF1-8569-2F589E88703B}" srcOrd="0" destOrd="0" presId="urn:microsoft.com/office/officeart/2005/8/layout/vProcess5"/>
+    <dgm:cxn modelId="{37370E94-FBD6-42C7-B161-024612995DAC}" srcId="{737C1C54-8312-479E-9854-26470EC438D3}" destId="{EE50EE4E-2F64-48A1-963C-14EEFA7A668B}" srcOrd="2" destOrd="0" parTransId="{5CC2A434-6492-442A-A947-2342EEAC6215}" sibTransId="{1D4E4B81-12F9-4C5B-B932-5D0E96D9370D}"/>
+    <dgm:cxn modelId="{B44FBC25-533A-458D-91BE-FBFD26CA5C34}" type="presOf" srcId="{EE50EE4E-2F64-48A1-963C-14EEFA7A668B}" destId="{E979A6F7-5E60-4032-92A5-A375B27F58AA}" srcOrd="1" destOrd="0" presId="urn:microsoft.com/office/officeart/2005/8/layout/vProcess5"/>
+    <dgm:cxn modelId="{C9DB8267-5253-4C86-B563-5F0429F0FD85}" srcId="{737C1C54-8312-479E-9854-26470EC438D3}" destId="{3F3BB990-B799-4844-B829-20C846DA65AE}" srcOrd="0" destOrd="0" parTransId="{A7736B91-12B5-4103-9086-1158F1F19C58}" sibTransId="{4B61434E-7582-4085-8096-CEB04FC200CD}"/>
+    <dgm:cxn modelId="{C64F5060-1C1E-41E5-8406-B6E7FA36FDB3}" type="presOf" srcId="{47729186-0D7B-423D-87C3-F530FFE824A9}" destId="{57E549FD-1089-420F-9A72-4D8403182B0F}" srcOrd="0" destOrd="0" presId="urn:microsoft.com/office/officeart/2005/8/layout/vProcess5"/>
+    <dgm:cxn modelId="{A681F0F1-A6A0-4340-9D0E-ADD53053203E}" type="presOf" srcId="{4B61434E-7582-4085-8096-CEB04FC200CD}" destId="{4136C89E-6FDA-49F1-AFAF-4920935C3B69}" srcOrd="0" destOrd="0" presId="urn:microsoft.com/office/officeart/2005/8/layout/vProcess5"/>
+    <dgm:cxn modelId="{119CCC7E-1134-4485-B7BB-CD347EF5725D}" type="presParOf" srcId="{516C1408-5163-4BF1-8569-2F589E88703B}" destId="{209563BE-42D8-4338-99D2-C11FBC0609D5}" srcOrd="0" destOrd="0" presId="urn:microsoft.com/office/officeart/2005/8/layout/vProcess5"/>
+    <dgm:cxn modelId="{8614688E-3EFE-4A22-AA31-7E801EED6C94}" type="presParOf" srcId="{516C1408-5163-4BF1-8569-2F589E88703B}" destId="{F8A01BD1-E5C3-4094-98B0-E182C226425F}" srcOrd="1" destOrd="0" presId="urn:microsoft.com/office/officeart/2005/8/layout/vProcess5"/>
+    <dgm:cxn modelId="{807C447C-E004-4147-AE7F-F1810C91BA95}" type="presParOf" srcId="{516C1408-5163-4BF1-8569-2F589E88703B}" destId="{57E549FD-1089-420F-9A72-4D8403182B0F}" srcOrd="2" destOrd="0" presId="urn:microsoft.com/office/officeart/2005/8/layout/vProcess5"/>
+    <dgm:cxn modelId="{3A46C191-958C-44A2-B646-34C12691B674}" type="presParOf" srcId="{516C1408-5163-4BF1-8569-2F589E88703B}" destId="{4559F581-D3DF-464B-8620-C6E244F45E5F}" srcOrd="3" destOrd="0" presId="urn:microsoft.com/office/officeart/2005/8/layout/vProcess5"/>
+    <dgm:cxn modelId="{65A53BAF-4D85-489C-A58F-320B43C880CC}" type="presParOf" srcId="{516C1408-5163-4BF1-8569-2F589E88703B}" destId="{542481D7-D05E-40E1-A9DA-85E943A44965}" srcOrd="4" destOrd="0" presId="urn:microsoft.com/office/officeart/2005/8/layout/vProcess5"/>
+    <dgm:cxn modelId="{336E82B8-F9CE-4EA7-9B83-827346CFDD2C}" type="presParOf" srcId="{516C1408-5163-4BF1-8569-2F589E88703B}" destId="{4136C89E-6FDA-49F1-AFAF-4920935C3B69}" srcOrd="5" destOrd="0" presId="urn:microsoft.com/office/officeart/2005/8/layout/vProcess5"/>
+    <dgm:cxn modelId="{15302FC9-9105-43C2-9DE7-481177C9546F}" type="presParOf" srcId="{516C1408-5163-4BF1-8569-2F589E88703B}" destId="{62D09EF4-7E5A-4D7F-83C7-9761470AA737}" srcOrd="6" destOrd="0" presId="urn:microsoft.com/office/officeart/2005/8/layout/vProcess5"/>
+    <dgm:cxn modelId="{3469B9AC-158C-4324-B1E9-F1240A60AF26}" type="presParOf" srcId="{516C1408-5163-4BF1-8569-2F589E88703B}" destId="{E8263E9A-CAD0-4176-A3DA-48F09621AACF}" srcOrd="7" destOrd="0" presId="urn:microsoft.com/office/officeart/2005/8/layout/vProcess5"/>
+    <dgm:cxn modelId="{074BBFB5-EA18-48FB-B1A6-AAA9DE1EEF7A}" type="presParOf" srcId="{516C1408-5163-4BF1-8569-2F589E88703B}" destId="{4B6F1C0B-E509-4680-916F-70A1232BF9D3}" srcOrd="8" destOrd="0" presId="urn:microsoft.com/office/officeart/2005/8/layout/vProcess5"/>
+    <dgm:cxn modelId="{A600BB32-91C9-4648-8C1F-11199095276B}" type="presParOf" srcId="{516C1408-5163-4BF1-8569-2F589E88703B}" destId="{38FB80B3-2EC1-4CB2-B574-AC1A41E31108}" srcOrd="9" destOrd="0" presId="urn:microsoft.com/office/officeart/2005/8/layout/vProcess5"/>
+    <dgm:cxn modelId="{B2DC9C63-4BFE-4D24-8C27-0CF77702382D}" type="presParOf" srcId="{516C1408-5163-4BF1-8569-2F589E88703B}" destId="{E979A6F7-5E60-4032-92A5-A375B27F58AA}" srcOrd="10" destOrd="0" presId="urn:microsoft.com/office/officeart/2005/8/layout/vProcess5"/>
+    <dgm:cxn modelId="{3076CAF6-5930-48B6-BA65-47F92E2FEAF8}" type="presParOf" srcId="{516C1408-5163-4BF1-8569-2F589E88703B}" destId="{8D93DC09-C8F1-4DE9-B73F-B919F89373DF}" srcOrd="11" destOrd="0" presId="urn:microsoft.com/office/officeart/2005/8/layout/vProcess5"/>
+  </dgm:cxnLst>
+  <dgm:bg/>
+  <dgm:whole/>
+</dgm:dataModel>
+</file>
+
+<file path=ppt/diagrams/layout1.xml><?xml version="1.0" encoding="utf-8"?>
+<dgm:layoutDef xmlns:dgm="http://schemas.openxmlformats.org/drawingml/2006/diagram" xmlns:a="http://schemas.openxmlformats.org/drawingml/2006/main" uniqueId="urn:microsoft.com/office/officeart/2005/8/layout/vProcess5">
+  <dgm:title val=""/>
+  <dgm:desc val=""/>
+  <dgm:catLst>
+    <dgm:cat type="process" pri="14000"/>
+  </dgm:catLst>
+  <dgm:sampData>
+    <dgm:dataModel>
+      <dgm:ptLst>
+        <dgm:pt modelId="0" type="doc"/>
+        <dgm:pt modelId="1">
+          <dgm:prSet phldr="1"/>
+        </dgm:pt>
+        <dgm:pt modelId="2">
+          <dgm:prSet phldr="1"/>
+        </dgm:pt>
+        <dgm:pt modelId="3">
+          <dgm:prSet phldr="1"/>
+        </dgm:pt>
+      </dgm:ptLst>
+      <dgm:cxnLst>
+        <dgm:cxn modelId="5" srcId="0" destId="1" srcOrd="0" destOrd="0"/>
+        <dgm:cxn modelId="6" srcId="0" destId="2" srcOrd="1" destOrd="0"/>
+        <dgm:cxn modelId="7" srcId="0" destId="3" srcOrd="2" destOrd="0"/>
+      </dgm:cxnLst>
+      <dgm:bg/>
+      <dgm:whole/>
+    </dgm:dataModel>
+  </dgm:sampData>
+  <dgm:styleData>
+    <dgm:dataModel>
+      <dgm:ptLst>
+        <dgm:pt modelId="0" type="doc"/>
+        <dgm:pt modelId="1"/>
+        <dgm:pt modelId="2"/>
+      </dgm:ptLst>
+      <dgm:cxnLst>
+        <dgm:cxn modelId="3" srcId="0" destId="1" srcOrd="0" destOrd="0"/>
+        <dgm:cxn modelId="4" srcId="0" destId="2" srcOrd="1" destOrd="0"/>
+      </dgm:cxnLst>
+      <dgm:bg/>
+      <dgm:whole/>
+    </dgm:dataModel>
+  </dgm:styleData>
+  <dgm:clrData>
+    <dgm:dataModel>
+      <dgm:ptLst>
+        <dgm:pt modelId="0" type="doc"/>
+        <dgm:pt modelId="1"/>
+        <dgm:pt modelId="2"/>
+        <dgm:pt modelId="3"/>
+        <dgm:pt modelId="4"/>
+      </dgm:ptLst>
+      <dgm:cxnLst>
+        <dgm:cxn modelId="6" srcId="0" destId="1" srcOrd="0" destOrd="0"/>
+        <dgm:cxn modelId="7" srcId="0" destId="2" srcOrd="1" destOrd="0"/>
+        <dgm:cxn modelId="8" srcId="0" destId="3" srcOrd="2" destOrd="0"/>
+        <dgm:cxn modelId="9" srcId="0" destId="4" srcOrd="3" destOrd="0"/>
+      </dgm:cxnLst>
+      <dgm:bg/>
+      <dgm:whole/>
+    </dgm:dataModel>
+  </dgm:clrData>
+  <dgm:layoutNode name="outerComposite">
+    <dgm:varLst>
+      <dgm:chMax val="5"/>
+      <dgm:dir/>
+      <dgm:resizeHandles val="exact"/>
+    </dgm:varLst>
+    <dgm:alg type="composite"/>
+    <dgm:shape xmlns:r="http://schemas.openxmlformats.org/officeDocument/2006/relationships" r:blip="">
+      <dgm:adjLst/>
+    </dgm:shape>
+    <dgm:presOf/>
+    <dgm:choose name="Name0">
+      <dgm:if name="Name1" func="var" arg="dir" op="equ" val="norm">
+        <dgm:constrLst>
+          <dgm:constr type="primFontSz" for="ch" ptType="node" op="equ" val="65"/>
+          <dgm:constr type="w" for="ch" forName="dummyMaxCanvas" refType="w"/>
+          <dgm:constr type="h" for="ch" forName="dummyMaxCanvas" refType="h"/>
+          <dgm:constr type="w" for="ch" forName="OneNode_1" refType="w"/>
+          <dgm:constr type="h" for="ch" forName="OneNode_1" refType="h" fact="0.5"/>
+          <dgm:constr type="ctrY" for="ch" forName="OneNode_1" refType="h" fact="0.5"/>
+          <dgm:constr type="w" for="ch" forName="TwoNodes_1" refType="w" fact="0.85"/>
+          <dgm:constr type="h" for="ch" forName="TwoNodes_1" refType="h" fact="0.45"/>
+          <dgm:constr type="t" for="ch" forName="TwoNodes_1"/>
+          <dgm:constr type="l" for="ch" forName="TwoNodes_1"/>
+          <dgm:constr type="w" for="ch" forName="TwoNodes_2" refType="w" fact="0.85"/>
+          <dgm:constr type="h" for="ch" forName="TwoNodes_2" refType="h" fact="0.45"/>
+          <dgm:constr type="b" for="ch" forName="TwoNodes_2" refType="h"/>
+          <dgm:constr type="r" for="ch" forName="TwoNodes_2" refType="w"/>
+          <dgm:constr type="w" for="ch" forName="TwoConn_1-2" refType="h" refFor="ch" refForName="TwoNodes_1" fact="0.65"/>
+          <dgm:constr type="h" for="ch" forName="TwoConn_1-2" refType="h" refFor="ch" refForName="TwoNodes_1" fact="0.65"/>
+          <dgm:constr type="ctrY" for="ch" forName="TwoConn_1-2" refType="h" fact="0.5"/>
+          <dgm:constr type="r" for="ch" forName="TwoConn_1-2" refType="r" refFor="ch" refForName="TwoNodes_1"/>
+          <dgm:constr type="r" for="ch" forName="TwoNodes_1_text" refType="l" refFor="ch" refForName="TwoConn_1-2"/>
+          <dgm:constr type="rOff" for="ch" forName="TwoNodes_1_text" refType="w" refFor="ch" refForName="TwoConn_1-2" fact="-0.5"/>
+          <dgm:constr type="t" for="ch" forName="TwoNodes_1_text" refType="t" refFor="ch" refForName="TwoNodes_1"/>
+          <dgm:constr type="b" for="ch" forName="TwoNodes_1_text" refType="b" refFor="ch" refForName="TwoNodes_1"/>
+          <dgm:constr type="l" for="ch" forName="TwoNodes_1_text" refType="l" refFor="ch" refForName="TwoNodes_1"/>
+          <dgm:constr type="r" for="ch" forName="TwoNodes_2_text" refType="l" refFor="ch" refForName="TwoConn_1-2"/>
+          <dgm:constr type="t" for="ch" forName="TwoNodes_2_text" refType="t" refFor="ch" refForName="TwoNodes_2"/>
+          <dgm:constr type="b" for="ch" forName="TwoNodes_2_text" refType="b" refFor="ch" refForName="TwoNodes_2"/>
+          <dgm:constr type="l" for="ch" forName="TwoNodes_2_text" refType="l" refFor="ch" refForName="TwoNodes_2"/>
+          <dgm:constr type="w" for="ch" forName="ThreeNodes_1" refType="w" fact="0.85"/>
+          <dgm:constr type="h" for="ch" forName="ThreeNodes_1" refType="h" fact="0.3"/>
+          <dgm:constr type="t" for="ch" forName="ThreeNodes_1"/>
+          <dgm:constr type="l" for="ch" forName="ThreeNodes_1"/>
+          <dgm:constr type="w" for="ch" forName="ThreeNodes_2" refType="w" fact="0.85"/>
+          <dgm:constr type="h" for="ch" forName="ThreeNodes_2" refType="h" fact="0.3"/>
+          <dgm:constr type="ctrY" for="ch" forName="ThreeNodes_2" refType="h" fact="0.5"/>
+          <dgm:constr type="ctrX" for="ch" forName="ThreeNodes_2" refType="w" fact="0.5"/>
+          <dgm:constr type="w" for="ch" forName="ThreeNodes_3" refType="w" fact="0.85"/>
+          <dgm:constr type="h" for="ch" forName="ThreeNodes_3" refType="h" fact="0.3"/>
+          <dgm:constr type="b" for="ch" forName="ThreeNodes_3" refType="h"/>
+          <dgm:constr type="r" for="ch" forName="ThreeNodes_3" refType="w"/>
+          <dgm:constr type="w" for="ch" forName="ThreeConn_1-2" refType="h" refFor="ch" refForName="ThreeNodes_1" fact="0.65"/>
+          <dgm:constr type="h" for="ch" forName="ThreeConn_1-2" refType="h" refFor="ch" refForName="ThreeNodes_1" fact="0.65"/>
+          <dgm:constr type="ctrY" for="ch" forName="ThreeConn_1-2" refType="h" fact="0.325"/>
+          <dgm:constr type="r" for="ch" forName="ThreeConn_1-2" refType="r" refFor="ch" refForName="ThreeNodes_1"/>
+          <dgm:constr type="w" for="ch" forName="ThreeConn_2-3" refType="h" refFor="ch" refForName="ThreeNodes_2" fact="0.65"/>
+          <dgm:constr type="h" for="ch" forName="ThreeConn_2-3" refType="h" refFor="ch" refForName="ThreeNodes_2" fact="0.65"/>
+          <dgm:constr type="ctrY" for="ch" forName="ThreeConn_2-3" refType="h" fact="0.673"/>
+          <dgm:constr type="r" for="ch" forName="ThreeConn_2-3" refType="r" refFor="ch" refForName="ThreeNodes_2"/>
+          <dgm:constr type="r" for="ch" forName="ThreeNodes_1_text" refType="l" refFor="ch" refForName="ThreeConn_1-2"/>
+          <dgm:constr type="rOff" for="ch" forName="ThreeNodes_1_text" refType="w" refFor="ch" refForName="ThreeConn_1-2" fact="-0.57"/>
+          <dgm:constr type="t" for="ch" forName="ThreeNodes_1_text" refType="t" refFor="ch" refForName="ThreeNodes_1"/>
+          <dgm:constr type="b" for="ch" forName="ThreeNodes_1_text" refType="b" refFor="ch" refForName="ThreeNodes_1"/>
+          <dgm:constr type="l" for="ch" forName="ThreeNodes_1_text" refType="l" refFor="ch" refForName="ThreeNodes_1"/>
+          <dgm:constr type="r" for="ch" forName="ThreeNodes_2_text" refType="l" refFor="ch" refForName="ThreeConn_1-2"/>
+          <dgm:constr type="t" for="ch" forName="ThreeNodes_2_text" refType="t" refFor="ch" refForName="ThreeNodes_2"/>
+          <dgm:constr type="b" for="ch" forName="ThreeNodes_2_text" refType="b" refFor="ch" refForName="ThreeNodes_2"/>
+          <dgm:constr type="l" for="ch" forName="ThreeNodes_2_text" refType="l" refFor="ch" refForName="ThreeNodes_2"/>
+          <dgm:constr type="r" for="ch" forName="ThreeNodes_3_text" refType="l" refFor="ch" refForName="ThreeConn_2-3"/>
+          <dgm:constr type="t" for="ch" forName="ThreeNodes_3_text" refType="t" refFor="ch" refForName="ThreeNodes_3"/>
+          <dgm:constr type="b" for="ch" forName="ThreeNodes_3_text" refType="b" refFor="ch" refForName="ThreeNodes_3"/>
+          <dgm:constr type="l" for="ch" forName="ThreeNodes_3_text" refType="l" refFor="ch" refForName="ThreeNodes_3"/>
+          <dgm:constr type="w" for="ch" forName="FourNodes_1" refType="w" fact="0.8"/>
+          <dgm:constr type="h" for="ch" forName="FourNodes_1" refType="h" fact="0.22"/>
+          <dgm:constr type="t" for="ch" forName="FourNodes_1"/>
+          <dgm:constr type="l" for="ch" forName="FourNodes_1"/>
+          <dgm:constr type="w" for="ch" forName="FourNodes_2" refType="w" fact="0.8"/>
+          <dgm:constr type="h" for="ch" forName="FourNodes_2" refType="h" fact="0.22"/>
+          <dgm:constr type="ctrY" for="ch" forName="FourNodes_2" refType="h" fact="0.37"/>
+          <dgm:constr type="ctrX" for="ch" forName="FourNodes_2" refType="w" fact="0.467"/>
+          <dgm:constr type="w" for="ch" forName="FourNodes_3" refType="w" fact="0.8"/>
+          <dgm:constr type="h" for="ch" forName="FourNodes_3" refType="h" fact="0.22"/>
+          <dgm:constr type="ctrY" for="ch" forName="FourNodes_3" refType="h" fact="0.63"/>
+          <dgm:constr type="ctrX" for="ch" forName="FourNodes_3" refType="w" fact="0.533"/>
+          <dgm:constr type="w" for="ch" forName="FourNodes_4" refType="w" fact="0.8"/>
+          <dgm:constr type="h" for="ch" forName="FourNodes_4" refType="h" fact="0.22"/>
+          <dgm:constr type="b" for="ch" forName="FourNodes_4" refType="h"/>
+          <dgm:constr type="r" for="ch" forName="FourNodes_4" refType="w"/>
+          <dgm:constr type="w" for="ch" forName="FourConn_1-2" refType="h" refFor="ch" refForName="FourNodes_1" fact="0.65"/>
+          <dgm:constr type="h" for="ch" forName="FourConn_1-2" refType="h" refFor="ch" refForName="FourNodes_1" fact="0.65"/>
+          <dgm:constr type="ctrY" for="ch" forName="FourConn_1-2" refType="h" fact="0.24"/>
+          <dgm:constr type="r" for="ch" forName="FourConn_1-2" refType="r" refFor="ch" refForName="FourNodes_1"/>
+          <dgm:constr type="w" for="ch" forName="FourConn_2-3" refType="h" refFor="ch" refForName="FourNodes_2" fact="0.65"/>
+          <dgm:constr type="h" for="ch" forName="FourConn_2-3" refType="h" refFor="ch" refForName="FourNodes_2" fact="0.65"/>
+          <dgm:constr type="ctrY" for="ch" forName="FourConn_2-3" refType="h" fact="0.5"/>
+          <dgm:constr type="r" for="ch" forName="FourConn_2-3" refType="r" refFor="ch" refForName="FourNodes_2"/>
+          <dgm:constr type="w" for="ch" forName="FourConn_3-4" refType="h" refFor="ch" refForName="FourNodes_3" fact="0.65"/>
+          <dgm:constr type="h" for="ch" forName="FourConn_3-4" refType="h" refFor="ch" refForName="FourNodes_3" fact="0.65"/>
+          <dgm:constr type="ctrY" for="ch" forName="FourConn_3-4" refType="h" fact="0.76"/>
+          <dgm:constr type="r" for="ch" forName="FourConn_3-4" refType="r" refFor="ch" refForName="FourNodes_3"/>
+          <dgm:constr type="r" for="ch" forName="FourNodes_1_text" refType="l" refFor="ch" refForName="FourConn_1-2"/>
+          <dgm:constr type="rOff" for="ch" forName="FourNodes_1_text" refType="w" refFor="ch" refForName="FourConn_1-2" fact="-0.7"/>
+          <dgm:constr type="t" for="ch" forName="FourNodes_1_text" refType="t" refFor="ch" refForName="FourNodes_1"/>
+          <dgm:constr type="b" for="ch" forName="FourNodes_1_text" refType="b" refFor="ch" refForName="FourNodes_1"/>
+          <dgm:constr type="l" for="ch" forName="FourNodes_1_text" refType="l" refFor="ch" refForName="FourNodes_1"/>
+          <dgm:constr type="r" for="ch" forName="FourNodes_2_text" refType="l" refFor="ch" refForName="FourConn_1-2"/>
+          <dgm:constr type="t" for="ch" forName="FourNodes_2_text" refType="t" refFor="ch" refForName="FourNodes_2"/>
+          <dgm:constr type="b" for="ch" forName="FourNodes_2_text" refType="b" refFor="ch" refForName="FourNodes_2"/>
+          <dgm:constr type="l" for="ch" forName="FourNodes_2_text" refType="l" refFor="ch" refForName="FourNodes_2"/>
+          <dgm:constr type="r" for="ch" forName="FourNodes_3_text" refType="l" refFor="ch" refForName="FourConn_2-3"/>
+          <dgm:constr type="t" for="ch" forName="FourNodes_3_text" refType="t" refFor="ch" refForName="FourNodes_3"/>
+          <dgm:constr type="b" for="ch" forName="FourNodes_3_text" refType="b" refFor="ch" refForName="FourNodes_3"/>
+          <dgm:constr type="l" for="ch" forName="FourNodes_3_text" refType="l" refFor="ch" refForName="FourNodes_3"/>
+          <dgm:constr type="r" for="ch" forName="FourNodes_4_text" refType="l" refFor="ch" refForName="FourConn_3-4"/>
+          <dgm:constr type="t" for="ch" forName="FourNodes_4_text" refType="t" refFor="ch" refForName="FourNodes_4"/>
+          <dgm:constr type="b" for="ch" forName="FourNodes_4_text" refType="b" refFor="ch" refForName="FourNodes_4"/>
+          <dgm:constr type="l" for="ch" forName="FourNodes_4_text" refType="l" refFor="ch" refForName="FourNodes_4"/>
+          <dgm:constr type="w" for="ch" forName="FiveNodes_1" refType="w" fact="0.77"/>
+          <dgm:constr type="h" for="ch" forName="FiveNodes_1" refType="h" fact="0.18"/>
+          <dgm:constr type="t" for="ch" forName="FiveNodes_1"/>
+          <dgm:constr type="l" for="ch" forName="FiveNodes_1"/>
+          <dgm:constr type="w" for="ch" forName="FiveNodes_2" refType="w" fact="0.77"/>
+          <dgm:constr type="h" for="ch" forName="FiveNodes_2" refType="h" fact="0.18"/>
+          <dgm:constr type="ctrY" for="ch" forName="FiveNodes_2" refType="h" fact="0.295"/>
+          <dgm:constr type="ctrX" for="ch" forName="FiveNodes_2" refType="w" fact="0.4425"/>
+          <dgm:constr type="w" for="ch" forName="FiveNodes_3" refType="w" fact="0.77"/>
+          <dgm:constr type="h" for="ch" forName="FiveNodes_3" refType="h" fact="0.18"/>
+          <dgm:constr type="ctrY" for="ch" forName="FiveNodes_3" refType="h" fact="0.5"/>
+          <dgm:constr type="ctrX" for="ch" forName="FiveNodes_3" refType="w" fact="0.5"/>
+          <dgm:constr type="w" for="ch" forName="FiveNodes_4" refType="w" fact="0.77"/>
+          <dgm:constr type="h" for="ch" forName="FiveNodes_4" refType="h" fact="0.18"/>
+          <dgm:constr type="ctrY" for="ch" forName="FiveNodes_4" refType="h" fact="0.705"/>
+          <dgm:constr type="ctrX" for="ch" forName="FiveNodes_4" refType="w" fact="0.5575"/>
+          <dgm:constr type="w" for="ch" forName="FiveNodes_5" refType="w" fact="0.77"/>
+          <dgm:constr type="h" for="ch" forName="FiveNodes_5" refType="h" fact="0.18"/>
+          <dgm:constr type="b" for="ch" forName="FiveNodes_5" refType="h"/>
+          <dgm:constr type="r" for="ch" forName="FiveNodes_5" refType="w"/>
+          <dgm:constr type="w" for="ch" forName="FiveConn_1-2" refType="h" refFor="ch" refForName="FiveNodes_1" fact="0.65"/>
+          <dgm:constr type="h" for="ch" forName="FiveConn_1-2" refType="h" refFor="ch" refForName="FiveNodes_1" fact="0.65"/>
+          <dgm:constr type="ctrY" for="ch" forName="FiveConn_1-2" refType="h" fact="0.19"/>
+          <dgm:constr type="r" for="ch" forName="FiveConn_1-2" refType="r" refFor="ch" refForName="FiveNodes_1"/>
+          <dgm:constr type="w" for="ch" forName="FiveConn_2-3" refType="h" refFor="ch" refForName="FiveNodes_2" fact="0.65"/>
+          <dgm:constr type="h" for="ch" forName="FiveConn_2-3" refType="h" refFor="ch" refForName="FiveNodes_2" fact="0.65"/>
+          <dgm:constr type="ctrY" for="ch" forName="FiveConn_2-3" refType="h" fact="0.395"/>
+          <dgm:constr type="r" for="ch" forName="FiveConn_2-3" refType="r" refFor="ch" refForName="FiveNodes_2"/>
+          <dgm:constr type="w" for="ch" forName="FiveConn_3-4" refType="h" refFor="ch" refForName="FiveNodes_3" fact="0.65"/>
+          <dgm:constr type="h" for="ch" forName="FiveConn_3-4" refType="h" refFor="ch" refForName="FiveNodes_3" fact="0.65"/>
+          <dgm:constr type="ctrY" for="ch" forName="FiveConn_3-4" refType="h" fact="0.597"/>
+          <dgm:constr type="r" for="ch" forName="FiveConn_3-4" refType="r" refFor="ch" refForName="FiveNodes_3"/>
+          <dgm:constr type="w" for="ch" forName="FiveConn_4-5" refType="h" refFor="ch" refForName="FiveNodes_4" fact="0.65"/>
+          <dgm:constr type="h" for="ch" forName="FiveConn_4-5" refType="h" refFor="ch" refForName="FiveNodes_4" fact="0.65"/>
+          <dgm:constr type="ctrY" for="ch" forName="FiveConn_4-5" refType="h" fact="0.804"/>
+          <dgm:constr type="r" for="ch" forName="FiveConn_4-5" refType="r" refFor="ch" refForName="FiveNodes_4"/>
+          <dgm:constr type="r" for="ch" forName="FiveNodes_1_text" refType="l" refFor="ch" refForName="FiveConn_1-2"/>
+          <dgm:constr type="rOff" for="ch" forName="FiveNodes_1_text" refType="w" refFor="ch" refForName="FiveConn_1-2" fact="-0.75"/>
+          <dgm:constr type="t" for="ch" forName="FiveNodes_1_text" refType="t" refFor="ch" refForName="FiveNodes_1"/>
+          <dgm:constr type="b" for="ch" forName="FiveNodes_1_text" refType="b" refFor="ch" refForName="FiveNodes_1"/>
+          <dgm:constr type="l" for="ch" forName="FiveNodes_1_text" refType="l" refFor="ch" refForName="FiveNodes_1"/>
+          <dgm:constr type="r" for="ch" forName="FiveNodes_2_text" refType="l" refFor="ch" refForName="FiveConn_1-2"/>
+          <dgm:constr type="t" for="ch" forName="FiveNodes_2_text" refType="t" refFor="ch" refForName="FiveNodes_2"/>
+          <dgm:constr type="b" for="ch" forName="FiveNodes_2_text" refType="b" refFor="ch" refForName="FiveNodes_2"/>
+          <dgm:constr type="l" for="ch" forName="FiveNodes_2_text" refType="l" refFor="ch" refForName="FiveNodes_2"/>
+          <dgm:constr type="r" for="ch" forName="FiveNodes_3_text" refType="l" refFor="ch" refForName="FiveConn_2-3"/>
+          <dgm:constr type="t" for="ch" forName="FiveNodes_3_text" refType="t" refFor="ch" refForName="FiveNodes_3"/>
+          <dgm:constr type="b" for="ch" forName="FiveNodes_3_text" refType="b" refFor="ch" refForName="FiveNodes_3"/>
+          <dgm:constr type="l" for="ch" forName="FiveNodes_3_text" refType="l" refFor="ch" refForName="FiveNodes_3"/>
+          <dgm:constr type="r" for="ch" forName="FiveNodes_4_text" refType="l" refFor="ch" refForName="FiveConn_3-4"/>
+          <dgm:constr type="t" for="ch" forName="FiveNodes_4_text" refType="t" refFor="ch" refForName="FiveNodes_4"/>
+          <dgm:constr type="b" for="ch" forName="FiveNodes_4_text" refType="b" refFor="ch" refForName="FiveNodes_4"/>
+          <dgm:constr type="l" for="ch" forName="FiveNodes_4_text" refType="l" refFor="ch" refForName="FiveNodes_4"/>
+          <dgm:constr type="r" for="ch" forName="FiveNodes_5_text" refType="l" refFor="ch" refForName="FiveConn_4-5"/>
+          <dgm:constr type="t" for="ch" forName="FiveNodes_5_text" refType="t" refFor="ch" refForName="FiveNodes_5"/>
+          <dgm:constr type="b" for="ch" forName="FiveNodes_5_text" refType="b" refFor="ch" refForName="FiveNodes_5"/>
+          <dgm:constr type="l" for="ch" forName="FiveNodes_5_text" refType="l" refFor="ch" refForName="FiveNodes_5"/>
+        </dgm:constrLst>
+      </dgm:if>
+      <dgm:else name="Name2">
+        <dgm:constrLst>
+          <dgm:constr type="primFontSz" for="ch" ptType="node" op="equ" val="65"/>
+          <dgm:constr type="w" for="ch" forName="dummyMaxCanvas" refType="w"/>
+          <dgm:constr type="h" for="ch" forName="dummyMaxCanvas" refType="h"/>
+          <dgm:constr type="w" for="ch" forName="OneNode_1" refType="w"/>
+          <dgm:constr type="h" for="ch" forName="OneNode_1" refType="h" fact="0.5"/>
+          <dgm:constr type="ctrY" for="ch" forName="OneNode_1" refType="h" fact="0.5"/>
+          <dgm:constr type="w" for="ch" forName="TwoNodes_1" refType="w" fact="0.85"/>
+          <dgm:constr type="h" for="ch" forName="TwoNodes_1" refType="h" fact="0.45"/>
+          <dgm:constr type="t" for="ch" forName="TwoNodes_1"/>
+          <dgm:constr type="r" for="ch" forName="TwoNodes_1" refType="w"/>
+          <dgm:constr type="w" for="ch" forName="TwoNodes_2" refType="w" fact="0.85"/>
+          <dgm:constr type="h" for="ch" forName="TwoNodes_2" refType="h" fact="0.45"/>
+          <dgm:constr type="b" for="ch" forName="TwoNodes_2" refType="h"/>
+          <dgm:constr type="l" for="ch" forName="TwoNodes_2"/>
+          <dgm:constr type="w" for="ch" forName="TwoConn_1-2" refType="h" refFor="ch" refForName="TwoNodes_1" fact="0.65"/>
+          <dgm:constr type="h" for="ch" forName="TwoConn_1-2" refType="h" refFor="ch" refForName="TwoNodes_1" fact="0.65"/>
+          <dgm:constr type="ctrY" for="ch" forName="TwoConn_1-2" refType="h" fact="0.5"/>
+          <dgm:constr type="l" for="ch" forName="TwoConn_1-2" refType="l" refFor="ch" refForName="TwoNodes_1"/>
+          <dgm:constr type="l" for="ch" forName="TwoNodes_1_text" refType="r" refFor="ch" refForName="TwoConn_1-2"/>
+          <dgm:constr type="lOff" for="ch" forName="TwoNodes_1_text" refType="w" refFor="ch" refForName="TwoConn_1-2" fact="0.5"/>
+          <dgm:constr type="t" for="ch" forName="TwoNodes_1_text" refType="t" refFor="ch" refForName="TwoNodes_1"/>
+          <dgm:constr type="b" for="ch" forName="TwoNodes_1_text" refType="b" refFor="ch" refForName="TwoNodes_1"/>
+          <dgm:constr type="r" for="ch" forName="TwoNodes_1_text" refType="r" refFor="ch" refForName="TwoNodes_1"/>
+          <dgm:constr type="l" for="ch" forName="TwoNodes_2_text" refType="r" refFor="ch" refForName="TwoConn_1-2"/>
+          <dgm:constr type="t" for="ch" forName="TwoNodes_2_text" refType="t" refFor="ch" refForName="TwoNodes_2"/>
+          <dgm:constr type="b" for="ch" forName="TwoNodes_2_text" refType="b" refFor="ch" refForName="TwoNodes_2"/>
+          <dgm:constr type="r" for="ch" forName="TwoNodes_2_text" refType="r" refFor="ch" refForName="TwoNodes_2"/>
+          <dgm:constr type="w" for="ch" forName="ThreeNodes_1" refType="w" fact="0.85"/>
+          <dgm:constr type="h" for="ch" forName="ThreeNodes_1" refType="h" fact="0.3"/>
+          <dgm:constr type="t" for="ch" forName="ThreeNodes_1"/>
+          <dgm:constr type="r" for="ch" forName="ThreeNodes_1" refType="w"/>
+          <dgm:constr type="w" for="ch" forName="ThreeNodes_2" refType="w" fact="0.85"/>
+          <dgm:constr type="h" for="ch" forName="ThreeNodes_2" refType="h" fact="0.3"/>
+          <dgm:constr type="ctrY" for="ch" forName="ThreeNodes_2" refType="h" fact="0.5"/>
+          <dgm:constr type="ctrX" for="ch" forName="ThreeNodes_2" refType="w" fact="0.5"/>
+          <dgm:constr type="w" for="ch" forName="ThreeNodes_3" refType="w" fact="0.85"/>
+          <dgm:constr type="h" for="ch" forName="ThreeNodes_3" refType="h" fact="0.3"/>
+          <dgm:constr type="b" for="ch" forName="ThreeNodes_3" refType="h"/>
+          <dgm:constr type="l" for="ch" forName="ThreeNodes_3"/>
+          <dgm:constr type="w" for="ch" forName="ThreeConn_1-2" refType="h" refFor="ch" refForName="ThreeNodes_1" fact="0.65"/>
+          <dgm:constr type="h" for="ch" forName="ThreeConn_1-2" refType="h" refFor="ch" refForName="ThreeNodes_1" fact="0.65"/>
+          <dgm:constr type="ctrY" for="ch" forName="ThreeConn_1-2" refType="h" fact="0.325"/>
+          <dgm:constr type="l" for="ch" forName="ThreeConn_1-2" refType="l" refFor="ch" refForName="ThreeNodes_1"/>
+          <dgm:constr type="w" for="ch" forName="ThreeConn_2-3" refType="h" refFor="ch" refForName="ThreeNodes_2" fact="0.65"/>
+          <dgm:constr type="h" for="ch" forName="ThreeConn_2-3" refType="h" refFor="ch" refForName="ThreeNodes_2" fact="0.65"/>
+          <dgm:constr type="ctrY" for="ch" forName="ThreeConn_2-3" refType="h" fact="0.673"/>
+          <dgm:constr type="l" for="ch" forName="ThreeConn_2-3" refType="l" refFor="ch" refForName="ThreeNodes_2"/>
+          <dgm:constr type="l" for="ch" forName="ThreeNodes_1_text" refType="r" refFor="ch" refForName="ThreeConn_1-2"/>
+          <dgm:constr type="lOff" for="ch" forName="ThreeNodes_1_text" refType="w" refFor="ch" refForName="ThreeConn_1-2" fact="0.55"/>
+          <dgm:constr type="t" for="ch" forName="ThreeNodes_1_text" refType="t" refFor="ch" refForName="ThreeNodes_1"/>
+          <dgm:constr type="b" for="ch" forName="ThreeNodes_1_text" refType="b" refFor="ch" refForName="ThreeNodes_1"/>
+          <dgm:constr type="r" for="ch" forName="ThreeNodes_1_text" refType="r" refFor="ch" refForName="ThreeNodes_1"/>
+          <dgm:constr type="l" for="ch" forName="ThreeNodes_2_text" refType="r" refFor="ch" refForName="ThreeConn_1-2"/>
+          <dgm:constr type="t" for="ch" forName="ThreeNodes_2_text" refType="t" refFor="ch" refForName="ThreeNodes_2"/>
+          <dgm:constr type="b" for="ch" forName="ThreeNodes_2_text" refType="b" refFor="ch" refForName="ThreeNodes_2"/>
+          <dgm:constr type="r" for="ch" forName="ThreeNodes_2_text" refType="r" refFor="ch" refForName="ThreeNodes_2"/>
+          <dgm:constr type="l" for="ch" forName="ThreeNodes_3_text" refType="r" refFor="ch" refForName="ThreeConn_2-3"/>
+          <dgm:constr type="t" for="ch" forName="ThreeNodes_3_text" refType="t" refFor="ch" refForName="ThreeNodes_3"/>
+          <dgm:constr type="b" for="ch" forName="ThreeNodes_3_text" refType="b" refFor="ch" refForName="ThreeNodes_3"/>
+          <dgm:constr type="r" for="ch" forName="ThreeNodes_3_text" refType="r" refFor="ch" refForName="ThreeNodes_3"/>
+          <dgm:constr type="w" for="ch" forName="FourNodes_1" refType="w" fact="0.8"/>
+          <dgm:constr type="h" for="ch" forName="FourNodes_1" refType="h" fact="0.22"/>
+          <dgm:constr type="t" for="ch" forName="FourNodes_1"/>
+          <dgm:constr type="r" for="ch" forName="FourNodes_1" refType="w"/>
+          <dgm:constr type="w" for="ch" forName="FourNodes_2" refType="w" fact="0.8"/>
+          <dgm:constr type="h" for="ch" forName="FourNodes_2" refType="h" fact="0.22"/>
+          <dgm:constr type="ctrY" for="ch" forName="FourNodes_2" refType="h" fact="0.37"/>
+          <dgm:constr type="ctrX" for="ch" forName="FourNodes_2" refType="w" fact="0.533"/>
+          <dgm:constr type="w" for="ch" forName="FourNodes_3" refType="w" fact="0.8"/>
+          <dgm:constr type="h" for="ch" forName="FourNodes_3" refType="h" fact="0.22"/>
+          <dgm:constr type="ctrY" for="ch" forName="FourNodes_3" refType="h" fact="0.63"/>
+          <dgm:constr type="ctrX" for="ch" forName="FourNodes_3" refType="w" fact="0.467"/>
+          <dgm:constr type="w" for="ch" forName="FourNodes_4" refType="w" fact="0.8"/>
+          <dgm:constr type="h" for="ch" forName="FourNodes_4" refType="h" fact="0.22"/>
+          <dgm:constr type="b" for="ch" forName="FourNodes_4" refType="h"/>
+          <dgm:constr type="l" for="ch" forName="FourNodes_4"/>
+          <dgm:constr type="w" for="ch" forName="FourConn_1-2" refType="h" refFor="ch" refForName="FourNodes_1" fact="0.65"/>
+          <dgm:constr type="h" for="ch" forName="FourConn_1-2" refType="h" refFor="ch" refForName="FourNodes_1" fact="0.65"/>
+          <dgm:constr type="ctrY" for="ch" forName="FourConn_1-2" refType="h" fact="0.24"/>
+          <dgm:constr type="l" for="ch" forName="FourConn_1-2" refType="l" refFor="ch" refForName="FourNodes_1"/>
+          <dgm:constr type="w" for="ch" forName="FourConn_2-3" refType="h" refFor="ch" refForName="FourNodes_2" fact="0.65"/>
+          <dgm:constr type="h" for="ch" forName="FourConn_2-3" refType="h" refFor="ch" refForName="FourNodes_2" fact="0.65"/>
+          <dgm:constr type="ctrY" for="ch" forName="FourConn_2-3" refType="h" fact="0.5"/>
+          <dgm:constr type="l" for="ch" forName="FourConn_2-3" refType="l" refFor="ch" refForName="FourNodes_2"/>
+          <dgm:constr type="w" for="ch" forName="FourConn_3-4" refType="h" refFor="ch" refForName="FourNodes_3" fact="0.65"/>
+          <dgm:constr type="h" for="ch" forName="FourConn_3-4" refType="h" refFor="ch" refForName="FourNodes_3" fact="0.65"/>
+          <dgm:constr type="ctrY" for="ch" forName="FourConn_3-4" refType="h" fact="0.76"/>
+          <dgm:constr type="l" for="ch" forName="FourConn_3-4" refType="l" refFor="ch" refForName="FourNodes_3"/>
+          <dgm:constr type="l" for="ch" forName="FourNodes_1_text" refType="r" refFor="ch" refForName="FourConn_1-2"/>
+          <dgm:constr type="lOff" for="ch" forName="FourNodes_1_text" refType="w" refFor="ch" refForName="FourConn_1-2" fact="0.69"/>
+          <dgm:constr type="t" for="ch" forName="FourNodes_1_text" refType="t" refFor="ch" refForName="FourNodes_1"/>
+          <dgm:constr type="b" for="ch" forName="FourNodes_1_text" refType="b" refFor="ch" refForName="FourNodes_1"/>
+          <dgm:constr type="r" for="ch" forName="FourNodes_1_text" refType="r" refFor="ch" refForName="FourNodes_1"/>
+          <dgm:constr type="l" for="ch" forName="FourNodes_2_text" refType="r" refFor="ch" refForName="FourConn_1-2"/>
+          <dgm:constr type="t" for="ch" forName="FourNodes_2_text" refType="t" refFor="ch" refForName="FourNodes_2"/>
+          <dgm:constr type="b" for="ch" forName="FourNodes_2_text" refType="b" refFor="ch" refForName="FourNodes_2"/>
+          <dgm:constr type="r" for="ch" forName="FourNodes_2_text" refType="r" refFor="ch" refForName="FourNodes_2"/>
+          <dgm:constr type="l" for="ch" forName="FourNodes_3_text" refType="r" refFor="ch" refForName="FourConn_2-3"/>
+          <dgm:constr type="t" for="ch" forName="FourNodes_3_text" refType="t" refFor="ch" refForName="FourNodes_3"/>
+          <dgm:constr type="b" for="ch" forName="FourNodes_3_text" refType="b" refFor="ch" refForName="FourNodes_3"/>
+          <dgm:constr type="r" for="ch" forName="FourNodes_3_text" refType="r" refFor="ch" refForName="FourNodes_3"/>
+          <dgm:constr type="l" for="ch" forName="FourNodes_4_text" refType="r" refFor="ch" refForName="FourConn_3-4"/>
+          <dgm:constr type="t" for="ch" forName="FourNodes_4_text" refType="t" refFor="ch" refForName="FourNodes_4"/>
+          <dgm:constr type="b" for="ch" forName="FourNodes_4_text" refType="b" refFor="ch" refForName="FourNodes_4"/>
+          <dgm:constr type="r" for="ch" forName="FourNodes_4_text" refType="r" refFor="ch" refForName="FourNodes_4"/>
+          <dgm:constr type="w" for="ch" forName="FiveNodes_1" refType="w" fact="0.77"/>
+          <dgm:constr type="h" for="ch" forName="FiveNodes_1" refType="h" fact="0.18"/>
+          <dgm:constr type="t" for="ch" forName="FiveNodes_1"/>
+          <dgm:constr type="r" for="ch" forName="FiveNodes_1" refType="w"/>
+          <dgm:constr type="w" for="ch" forName="FiveNodes_2" refType="w" fact="0.77"/>
+          <dgm:constr type="h" for="ch" forName="FiveNodes_2" refType="h" fact="0.18"/>
+          <dgm:constr type="ctrY" for="ch" forName="FiveNodes_2" refType="h" fact="0.295"/>
+          <dgm:constr type="ctrX" for="ch" forName="FiveNodes_2" refType="w" fact="0.5575"/>
+          <dgm:constr type="w" for="ch" forName="FiveNodes_3" refType="w" fact="0.77"/>
+          <dgm:constr type="h" for="ch" forName="FiveNodes_3" refType="h" fact="0.18"/>
+          <dgm:constr type="ctrY" for="ch" forName="FiveNodes_3" refType="h" fact="0.5"/>
+          <dgm:constr type="ctrX" for="ch" forName="FiveNodes_3" refType="w" fact="0.5"/>
+          <dgm:constr type="w" for="ch" forName="FiveNodes_4" refType="w" fact="0.77"/>
+          <dgm:constr type="h" for="ch" forName="FiveNodes_4" refType="h" fact="0.18"/>
+          <dgm:constr type="ctrY" for="ch" forName="FiveNodes_4" refType="h" fact="0.705"/>
+          <dgm:constr type="ctrX" for="ch" forName="FiveNodes_4" refType="w" fact="0.4425"/>
+          <dgm:constr type="w" for="ch" forName="FiveNodes_5" refType="w" fact="0.77"/>
+          <dgm:constr type="h" for="ch" forName="FiveNodes_5" refType="h" fact="0.18"/>
+          <dgm:constr type="b" for="ch" forName="FiveNodes_5" refType="h"/>
+          <dgm:constr type="l" for="ch" forName="FiveNodes_5"/>
+          <dgm:constr type="w" for="ch" forName="FiveConn_1-2" refType="h" refFor="ch" refForName="FiveNodes_1" fact="0.65"/>
+          <dgm:constr type="h" for="ch" forName="FiveConn_1-2" refType="h" refFor="ch" refForName="FiveNodes_1" fact="0.65"/>
+          <dgm:constr type="ctrY" for="ch" forName="FiveConn_1-2" refType="h" fact="0.19"/>
+          <dgm:constr type="l" for="ch" forName="FiveConn_1-2" refType="l" refFor="ch" refForName="FiveNodes_1"/>
+          <dgm:constr type="w" for="ch" forName="FiveConn_2-3" refType="h" refFor="ch" refForName="FiveNodes_2" fact="0.65"/>
+          <dgm:constr type="h" for="ch" forName="FiveConn_2-3" refType="h" refFor="ch" refForName="FiveNodes_2" fact="0.65"/>
+          <dgm:constr type="ctrY" for="ch" forName="FiveConn_2-3" refType="h" fact="0.395"/>
+          <dgm:constr type="l" for="ch" forName="FiveConn_2-3" refType="l" refFor="ch" refForName="FiveNodes_2"/>
+          <dgm:constr type="w" for="ch" forName="FiveConn_3-4" refType="h" refFor="ch" refForName="FiveNodes_3" fact="0.65"/>
+          <dgm:constr type="h" for="ch" forName="FiveConn_3-4" refType="h" refFor="ch" refForName="FiveNodes_3" fact="0.65"/>
+          <dgm:constr type="ctrY" for="ch" forName="FiveConn_3-4" refType="h" fact="0.597"/>
+          <dgm:constr type="l" for="ch" forName="FiveConn_3-4" refType="l" refFor="ch" refForName="FiveNodes_3"/>
+          <dgm:constr type="w" for="ch" forName="FiveConn_4-5" refType="h" refFor="ch" refForName="FiveNodes_4" fact="0.65"/>
+          <dgm:constr type="h" for="ch" forName="FiveConn_4-5" refType="h" refFor="ch" refForName="FiveNodes_4" fact="0.65"/>
+          <dgm:constr type="ctrY" for="ch" forName="FiveConn_4-5" refType="h" fact="0.804"/>
+          <dgm:constr type="l" for="ch" forName="FiveConn_4-5" refType="l" refFor="ch" refForName="FiveNodes_4"/>
+          <dgm:constr type="l" for="ch" forName="FiveNodes_1_text" refType="r" refFor="ch" refForName="FiveConn_1-2"/>
+          <dgm:constr type="lOff" for="ch" forName="FiveNodes_1_text" refType="w" refFor="ch" refForName="FiveConn_1-2" fact="0.73"/>
+          <dgm:constr type="t" for="ch" forName="FiveNodes_1_text" refType="t" refFor="ch" refForName="FiveNodes_1"/>
+          <dgm:constr type="b" for="ch" forName="FiveNodes_1_text" refType="b" refFor="ch" refForName="FiveNodes_1"/>
+          <dgm:constr type="r" for="ch" forName="FiveNodes_1_text" refType="r" refFor="ch" refForName="FiveNodes_1"/>
+          <dgm:constr type="l" for="ch" forName="FiveNodes_2_text" refType="r" refFor="ch" refForName="FiveConn_1-2"/>
+          <dgm:constr type="t" for="ch" forName="FiveNodes_2_text" refType="t" refFor="ch" refForName="FiveNodes_2"/>
+          <dgm:constr type="b" for="ch" forName="FiveNodes_2_text" refType="b" refFor="ch" refForName="FiveNodes_2"/>
+          <dgm:constr type="r" for="ch" forName="FiveNodes_2_text" refType="r" refFor="ch" refForName="FiveNodes_2"/>
+          <dgm:constr type="l" for="ch" forName="FiveNodes_3_text" refType="r" refFor="ch" refForName="FiveConn_2-3"/>
+          <dgm:constr type="t" for="ch" forName="FiveNodes_3_text" refType="t" refFor="ch" refForName="FiveNodes_3"/>
+          <dgm:constr type="b" for="ch" forName="FiveNodes_3_text" refType="b" refFor="ch" refForName="FiveNodes_3"/>
+          <dgm:constr type="r" for="ch" forName="FiveNodes_3_text" refType="r" refFor="ch" refForName="FiveNodes_3"/>
+          <dgm:constr type="l" for="ch" forName="FiveNodes_4_text" refType="r" refFor="ch" refForName="FiveConn_3-4"/>
+          <dgm:constr type="t" for="ch" forName="FiveNodes_4_text" refType="t" refFor="ch" refForName="FiveNodes_4"/>
+          <dgm:constr type="b" for="ch" forName="FiveNodes_4_text" refType="b" refFor="ch" refForName="FiveNodes_4"/>
+          <dgm:constr type="r" for="ch" forName="FiveNodes_4_text" refType="r" refFor="ch" refForName="FiveNodes_4"/>
+          <dgm:constr type="l" for="ch" forName="FiveNodes_5_text" refType="r" refFor="ch" refForName="FiveConn_4-5"/>
+          <dgm:constr type="t" for="ch" forName="FiveNodes_5_text" refType="t" refFor="ch" refForName="FiveNodes_5"/>
+          <dgm:constr type="b" for="ch" forName="FiveNodes_5_text" refType="b" refFor="ch" refForName="FiveNodes_5"/>
+          <dgm:constr type="r" for="ch" forName="FiveNodes_5_text" refType="r" refFor="ch" refForName="FiveNodes_5"/>
+        </dgm:constrLst>
+      </dgm:else>
+    </dgm:choose>
+    <dgm:ruleLst/>
+    <dgm:layoutNode name="dummyMaxCanvas">
+      <dgm:varLst/>
+      <dgm:alg type="sp"/>
+      <dgm:shape xmlns:r="http://schemas.openxmlformats.org/officeDocument/2006/relationships" r:blip="">
+        <dgm:adjLst/>
+      </dgm:shape>
+      <dgm:presOf/>
+      <dgm:constrLst/>
+      <dgm:ruleLst/>
+    </dgm:layoutNode>
+    <dgm:choose name="Name3">
+      <dgm:if name="Name4" axis="ch" ptType="node" func="cnt" op="equ" val="1">
+        <dgm:layoutNode name="OneNode_1">
+          <dgm:varLst>
+            <dgm:bulletEnabled val="1"/>
+          </dgm:varLst>
+          <dgm:alg type="tx"/>
+          <dgm:shape xmlns:r="http://schemas.openxmlformats.org/officeDocument/2006/relationships" type="roundRect" r:blip="">
+            <dgm:adjLst>
+              <dgm:adj idx="1" val="0.1"/>
+            </dgm:adjLst>
+          </dgm:shape>
+          <dgm:presOf axis="ch desOrSelf" ptType="node node" st="1 1" cnt="1 0"/>
+          <dgm:constrLst>
+            <dgm:constr type="lMarg" refType="primFontSz" fact="0.3"/>
+            <dgm:constr type="rMarg" refType="primFontSz" fact="0.3"/>
+            <dgm:constr type="tMarg" refType="primFontSz" fact="0.3"/>
+            <dgm:constr type="bMarg" refType="primFontSz" fact="0.3"/>
+          </dgm:constrLst>
+          <dgm:ruleLst>
+            <dgm:rule type="primFontSz" val="5" fact="NaN" max="NaN"/>
+          </dgm:ruleLst>
+        </dgm:layoutNode>
+      </dgm:if>
+      <dgm:else name="Name5">
+        <dgm:choose name="Name6">
+          <dgm:if name="Name7" axis="ch" ptType="node" func="cnt" op="equ" val="2">
+            <dgm:layoutNode name="TwoNodes_1">
+              <dgm:varLst>
+                <dgm:bulletEnabled val="1"/>
+              </dgm:varLst>
+              <dgm:alg type="sp"/>
+              <dgm:shape xmlns:r="http://schemas.openxmlformats.org/officeDocument/2006/relationships" type="roundRect" r:blip="">
+                <dgm:adjLst>
+                  <dgm:adj idx="1" val="0.1"/>
+                </dgm:adjLst>
+              </dgm:shape>
+              <dgm:presOf axis="ch desOrSelf" ptType="node node" st="1 1" cnt="1 0"/>
+              <dgm:constrLst/>
+              <dgm:ruleLst/>
+            </dgm:layoutNode>
+            <dgm:layoutNode name="TwoNodes_2">
+              <dgm:varLst>
+                <dgm:bulletEnabled val="1"/>
+              </dgm:varLst>
+              <dgm:alg type="sp"/>
+              <dgm:shape xmlns:r="http://schemas.openxmlformats.org/officeDocument/2006/relationships" type="roundRect" r:blip="">
+                <dgm:adjLst>
+                  <dgm:adj idx="1" val="0.1"/>
+                </dgm:adjLst>
+              </dgm:shape>
+              <dgm:presOf axis="ch desOrSelf" ptType="node node" st="2 1" cnt="1 0"/>
+              <dgm:constrLst/>
+              <dgm:ruleLst/>
+            </dgm:layoutNode>
+            <dgm:layoutNode name="TwoConn_1-2" styleLbl="fgAccFollowNode1">
+              <dgm:varLst>
+                <dgm:bulletEnabled val="1"/>
+              </dgm:varLst>
+              <dgm:alg type="tx"/>
+              <dgm:shape xmlns:r="http://schemas.openxmlformats.org/officeDocument/2006/relationships" type="downArrow" r:blip="">
+                <dgm:adjLst>
+                  <dgm:adj idx="1" val="0.55"/>
+                  <dgm:adj idx="2" val="0.45"/>
+                </dgm:adjLst>
+              </dgm:shape>
+              <dgm:presOf axis="ch" ptType="sibTrans" cnt="1"/>
+              <dgm:constrLst>
+                <dgm:constr type="lMarg" refType="primFontSz" fact="0.1"/>
+                <dgm:constr type="rMarg" refType="primFontSz" fact="0.1"/>
+                <dgm:constr type="tMarg" refType="primFontSz" fact="0.1"/>
+                <dgm:constr type="bMarg" refType="primFontSz" fact="0.1"/>
+              </dgm:constrLst>
+              <dgm:ruleLst>
+                <dgm:rule type="primFontSz" val="5" fact="NaN" max="NaN"/>
+              </dgm:ruleLst>
+            </dgm:layoutNode>
+            <dgm:layoutNode name="TwoNodes_1_text">
+              <dgm:varLst>
+                <dgm:bulletEnabled val="1"/>
+              </dgm:varLst>
+              <dgm:alg type="tx">
+                <dgm:param type="parTxLTRAlign" val="l"/>
+                <dgm:param type="txAnchorVertCh" val="mid"/>
+              </dgm:alg>
+              <dgm:shape xmlns:r="http://schemas.openxmlformats.org/officeDocument/2006/relationships" type="roundRect" r:blip="" hideGeom="1">
+                <dgm:adjLst>
+                  <dgm:adj idx="1" val="0.1"/>
+                </dgm:adjLst>
+              </dgm:shape>
+              <dgm:presOf axis="ch desOrSelf" ptType="node node" st="1 1" cnt="1 0"/>
+              <dgm:constrLst>
+                <dgm:constr type="lMarg" refType="primFontSz" fact="0.3"/>
+                <dgm:constr type="rMarg" refType="primFontSz" fact="0.3"/>
+                <dgm:constr type="tMarg" refType="primFontSz" fact="0.3"/>
+                <dgm:constr type="bMarg" refType="primFontSz" fact="0.3"/>
+              </dgm:constrLst>
+              <dgm:ruleLst>
+                <dgm:rule type="primFontSz" val="5" fact="NaN" max="NaN"/>
+              </dgm:ruleLst>
+            </dgm:layoutNode>
+            <dgm:layoutNode name="TwoNodes_2_text">
+              <dgm:varLst>
+                <dgm:bulletEnabled val="1"/>
+              </dgm:varLst>
+              <dgm:alg type="tx">
+                <dgm:param type="parTxLTRAlign" val="l"/>
+                <dgm:param type="txAnchorVertCh" val="mid"/>
+              </dgm:alg>
+              <dgm:shape xmlns:r="http://schemas.openxmlformats.org/officeDocument/2006/relationships" type="roundRect" r:blip="" hideGeom="1">
+                <dgm:adjLst>
+                  <dgm:adj idx="1" val="0.1"/>
+                </dgm:adjLst>
+              </dgm:shape>
+              <dgm:presOf axis="ch desOrSelf" ptType="node node" st="2 1" cnt="1 0"/>
+              <dgm:constrLst>
+                <dgm:constr type="lMarg" refType="primFontSz" fact="0.3"/>
+                <dgm:constr type="rMarg" refType="primFontSz" fact="0.3"/>
+                <dgm:constr type="tMarg" refType="primFontSz" fact="0.3"/>
+                <dgm:constr type="bMarg" refType="primFontSz" fact="0.3"/>
+              </dgm:constrLst>
+              <dgm:ruleLst>
+                <dgm:rule type="primFontSz" val="5" fact="NaN" max="NaN"/>
+              </dgm:ruleLst>
+            </dgm:layoutNode>
+          </dgm:if>
+          <dgm:else name="Name8">
+            <dgm:choose name="Name9">
+              <dgm:if name="Name10" axis="ch" ptType="node" func="cnt" op="equ" val="3">
+                <dgm:layoutNode name="ThreeNodes_1">
+                  <dgm:varLst>
+                    <dgm:bulletEnabled val="1"/>
+                  </dgm:varLst>
+                  <dgm:alg type="sp"/>
+                  <dgm:shape xmlns:r="http://schemas.openxmlformats.org/officeDocument/2006/relationships" type="roundRect" r:blip="">
+                    <dgm:adjLst>
+                      <dgm:adj idx="1" val="0.1"/>
+                    </dgm:adjLst>
+                  </dgm:shape>
+                  <dgm:presOf axis="ch desOrSelf" ptType="node node" st="1 1" cnt="1 0"/>
+                  <dgm:constrLst/>
+                  <dgm:ruleLst/>
+                </dgm:layoutNode>
+                <dgm:layoutNode name="ThreeNodes_2">
+                  <dgm:varLst>
+                    <dgm:bulletEnabled val="1"/>
+                  </dgm:varLst>
+                  <dgm:alg type="sp"/>
+                  <dgm:shape xmlns:r="http://schemas.openxmlformats.org/officeDocument/2006/relationships" type="roundRect" r:blip="">
+                    <dgm:adjLst>
+                      <dgm:adj idx="1" val="0.1"/>
+                    </dgm:adjLst>
+                  </dgm:shape>
+                  <dgm:presOf axis="ch desOrSelf" ptType="node node" st="2 1" cnt="1 0"/>
+                  <dgm:constrLst/>
+                  <dgm:ruleLst/>
+                </dgm:layoutNode>
+                <dgm:layoutNode name="ThreeNodes_3">
+                  <dgm:varLst>
+                    <dgm:bulletEnabled val="1"/>
+                  </dgm:varLst>
+                  <dgm:alg type="sp"/>
+                  <dgm:shape xmlns:r="http://schemas.openxmlformats.org/officeDocument/2006/relationships" type="roundRect" r:blip="">
+                    <dgm:adjLst>
+                      <dgm:adj idx="1" val="0.1"/>
+                    </dgm:adjLst>
+                  </dgm:shape>
+                  <dgm:presOf axis="ch desOrSelf" ptType="node node" st="3 1" cnt="1 0"/>
+                  <dgm:constrLst/>
+                  <dgm:ruleLst/>
+                </dgm:layoutNode>
+                <dgm:layoutNode name="ThreeConn_1-2" styleLbl="fgAccFollowNode1">
+                  <dgm:varLst>
+                    <dgm:bulletEnabled val="1"/>
+                  </dgm:varLst>
+                  <dgm:alg type="tx"/>
+                  <dgm:shape xmlns:r="http://schemas.openxmlformats.org/officeDocument/2006/relationships" type="downArrow" r:blip="">
+                    <dgm:adjLst>
+                      <dgm:adj idx="1" val="0.55"/>
+                      <dgm:adj idx="2" val="0.45"/>
+                    </dgm:adjLst>
+                  </dgm:shape>
+                  <dgm:presOf axis="ch" ptType="sibTrans" cnt="1"/>
+                  <dgm:constrLst>
+                    <dgm:constr type="lMarg" refType="primFontSz" fact="0.1"/>
+                    <dgm:constr type="rMarg" refType="primFontSz" fact="0.1"/>
+                    <dgm:constr type="tMarg" refType="primFontSz" fact="0.1"/>
+                    <dgm:constr type="bMarg" refType="primFontSz" fact="0.1"/>
+                  </dgm:constrLst>
+                  <dgm:ruleLst>
+                    <dgm:rule type="primFontSz" val="5" fact="NaN" max="NaN"/>
+                  </dgm:ruleLst>
+                </dgm:layoutNode>
+                <dgm:layoutNode name="ThreeConn_2-3" styleLbl="fgAccFollowNode1">
+                  <dgm:varLst>
+                    <dgm:bulletEnabled val="1"/>
+                  </dgm:varLst>
+                  <dgm:alg type="tx"/>
+                  <dgm:shape xmlns:r="http://schemas.openxmlformats.org/officeDocument/2006/relationships" type="downArrow" r:blip="">
+                    <dgm:adjLst>
+                      <dgm:adj idx="1" val="0.55"/>
+                      <dgm:adj idx="2" val="0.45"/>
+                    </dgm:adjLst>
+                  </dgm:shape>
+                  <dgm:presOf axis="ch" ptType="sibTrans" st="2" cnt="1"/>
+                  <dgm:constrLst>
+                    <dgm:constr type="lMarg" refType="primFontSz" fact="0.1"/>
+                    <dgm:constr type="rMarg" refType="primFontSz" fact="0.1"/>
+                    <dgm:constr type="tMarg" refType="primFontSz" fact="0.1"/>
+                    <dgm:constr type="bMarg" refType="primFontSz" fact="0.1"/>
+                  </dgm:constrLst>
+                  <dgm:ruleLst>
+                    <dgm:rule type="primFontSz" val="5" fact="NaN" max="NaN"/>
+                  </dgm:ruleLst>
+                </dgm:layoutNode>
+                <dgm:layoutNode name="ThreeNodes_1_text">
+                  <dgm:varLst>
+                    <dgm:bulletEnabled val="1"/>
+                  </dgm:varLst>
+                  <dgm:alg type="tx">
+                    <dgm:param type="parTxLTRAlign" val="l"/>
+                    <dgm:param type="txAnchorVertCh" val="mid"/>
+                  </dgm:alg>
+                  <dgm:shape xmlns:r="http://schemas.openxmlformats.org/officeDocument/2006/relationships" type="roundRect" r:blip="" hideGeom="1">
+                    <dgm:adjLst>
+                      <dgm:adj idx="1" val="0.1"/>
+                    </dgm:adjLst>
+                  </dgm:shape>
+                  <dgm:presOf axis="ch desOrSelf" ptType="node node" st="1 1" cnt="1 0"/>
+                  <dgm:constrLst>
+                    <dgm:constr type="lMarg" refType="primFontSz" fact="0.3"/>
+                    <dgm:constr type="rMarg" refType="primFontSz" fact="0.3"/>
+                    <dgm:constr type="tMarg" refType="primFontSz" fact="0.3"/>
+                    <dgm:constr type="bMarg" refType="primFontSz" fact="0.3"/>
+                  </dgm:constrLst>
+                  <dgm:ruleLst>
+                    <dgm:rule type="primFontSz" val="5" fact="NaN" max="NaN"/>
+                  </dgm:ruleLst>
+                </dgm:layoutNode>
+                <dgm:layoutNode name="ThreeNodes_2_text">
+                  <dgm:varLst>
+                    <dgm:bulletEnabled val="1"/>
+                  </dgm:varLst>
+                  <dgm:alg type="tx">
+                    <dgm:param type="parTxLTRAlign" val="l"/>
+                    <dgm:param type="txAnchorVertCh" val="mid"/>
+                  </dgm:alg>
+                  <dgm:shape xmlns:r="http://schemas.openxmlformats.org/officeDocument/2006/relationships" type="roundRect" r:blip="" hideGeom="1">
+                    <dgm:adjLst>
+                      <dgm:adj idx="1" val="0.1"/>
+                    </dgm:adjLst>
+                  </dgm:shape>
+                  <dgm:presOf axis="ch desOrSelf" ptType="node node" st="2 1" cnt="1 0"/>
+                  <dgm:constrLst>
+                    <dgm:constr type="lMarg" refType="primFontSz" fact="0.3"/>
+                    <dgm:constr type="rMarg" refType="primFontSz" fact="0.3"/>
+                    <dgm:constr type="tMarg" refType="primFontSz" fact="0.3"/>
+                    <dgm:constr type="bMarg" refType="primFontSz" fact="0.3"/>
+                  </dgm:constrLst>
+                  <dgm:ruleLst>
+                    <dgm:rule type="primFontSz" val="5" fact="NaN" max="NaN"/>
+                  </dgm:ruleLst>
+                </dgm:layoutNode>
+                <dgm:layoutNode name="ThreeNodes_3_text">
+                  <dgm:varLst>
+                    <dgm:bulletEnabled val="1"/>
+                  </dgm:varLst>
+                  <dgm:alg type="tx">
+                    <dgm:param type="parTxLTRAlign" val="l"/>
+                    <dgm:param type="txAnchorVertCh" val="mid"/>
+                  </dgm:alg>
+                  <dgm:shape xmlns:r="http://schemas.openxmlformats.org/officeDocument/2006/relationships" type="roundRect" r:blip="" hideGeom="1">
+                    <dgm:adjLst>
+                      <dgm:adj idx="1" val="0.1"/>
+                    </dgm:adjLst>
+                  </dgm:shape>
+                  <dgm:presOf axis="ch desOrSelf" ptType="node node" st="3 1" cnt="1 0"/>
+                  <dgm:constrLst>
+                    <dgm:constr type="lMarg" refType="primFontSz" fact="0.3"/>
+                    <dgm:constr type="rMarg" refType="primFontSz" fact="0.3"/>
+                    <dgm:constr type="tMarg" refType="primFontSz" fact="0.3"/>
+                    <dgm:constr type="bMarg" refType="primFontSz" fact="0.3"/>
+                  </dgm:constrLst>
+                  <dgm:ruleLst>
+                    <dgm:rule type="primFontSz" val="5" fact="NaN" max="NaN"/>
+                  </dgm:ruleLst>
+                </dgm:layoutNode>
+              </dgm:if>
+              <dgm:else name="Name11">
+                <dgm:choose name="Name12">
+                  <dgm:if name="Name13" axis="ch" ptType="node" func="cnt" op="equ" val="4">
+                    <dgm:layoutNode name="FourNodes_1">
+                      <dgm:varLst>
+                        <dgm:bulletEnabled val="1"/>
+                      </dgm:varLst>
+                      <dgm:alg type="sp"/>
+                      <dgm:shape xmlns:r="http://schemas.openxmlformats.org/officeDocument/2006/relationships" type="roundRect" r:blip="">
+                        <dgm:adjLst>
+                          <dgm:adj idx="1" val="0.1"/>
+                        </dgm:adjLst>
+                      </dgm:shape>
+                      <dgm:presOf axis="ch desOrSelf" ptType="node node" st="1 1" cnt="1 0"/>
+                      <dgm:constrLst/>
+                      <dgm:ruleLst/>
+                    </dgm:layoutNode>
+                    <dgm:layoutNode name="FourNodes_2">
+                      <dgm:varLst>
+                        <dgm:bulletEnabled val="1"/>
+                      </dgm:varLst>
+                      <dgm:alg type="sp"/>
+                      <dgm:shape xmlns:r="http://schemas.openxmlformats.org/officeDocument/2006/relationships" type="roundRect" r:blip="">
+                        <dgm:adjLst>
+                          <dgm:adj idx="1" val="0.1"/>
+                        </dgm:adjLst>
+                      </dgm:shape>
+                      <dgm:presOf axis="ch desOrSelf" ptType="node node" st="2 1" cnt="1 0"/>
+                      <dgm:constrLst/>
+                      <dgm:ruleLst/>
+                    </dgm:layoutNode>
+                    <dgm:layoutNode name="FourNodes_3">
+                      <dgm:varLst>
+                        <dgm:bulletEnabled val="1"/>
+                      </dgm:varLst>
+                      <dgm:alg type="sp"/>
+                      <dgm:shape xmlns:r="http://schemas.openxmlformats.org/officeDocument/2006/relationships" type="roundRect" r:blip="">
+                        <dgm:adjLst>
+                          <dgm:adj idx="1" val="0.1"/>
+                        </dgm:adjLst>
+                      </dgm:shape>
+                      <dgm:presOf axis="ch desOrSelf" ptType="node node" st="3 1" cnt="1 0"/>
+                      <dgm:constrLst/>
+                      <dgm:ruleLst/>
+                    </dgm:layoutNode>
+                    <dgm:layoutNode name="FourNodes_4">
+                      <dgm:varLst>
+                        <dgm:bulletEnabled val="1"/>
+                      </dgm:varLst>
+                      <dgm:alg type="sp"/>
+                      <dgm:shape xmlns:r="http://schemas.openxmlformats.org/officeDocument/2006/relationships" type="roundRect" r:blip="">
+                        <dgm:adjLst>
+                          <dgm:adj idx="1" val="0.1"/>
+                        </dgm:adjLst>
+                      </dgm:shape>
+                      <dgm:presOf axis="ch desOrSelf" ptType="node node" st="4 1" cnt="1 0"/>
+                      <dgm:constrLst/>
+                      <dgm:ruleLst/>
+                    </dgm:layoutNode>
+                    <dgm:layoutNode name="FourConn_1-2" styleLbl="fgAccFollowNode1">
+                      <dgm:varLst>
+                        <dgm:bulletEnabled val="1"/>
+                      </dgm:varLst>
+                      <dgm:alg type="tx"/>
+                      <dgm:shape xmlns:r="http://schemas.openxmlformats.org/officeDocument/2006/relationships" type="downArrow" r:blip="">
+                        <dgm:adjLst>
+                          <dgm:adj idx="1" val="0.55"/>
+                          <dgm:adj idx="2" val="0.45"/>
+                        </dgm:adjLst>
+                      </dgm:shape>
+                      <dgm:presOf axis="ch" ptType="sibTrans" cnt="1"/>
+                      <dgm:constrLst>
+                        <dgm:constr type="lMarg" refType="primFontSz" fact="0.1"/>
+                        <dgm:constr type="rMarg" refType="primFontSz" fact="0.1"/>
+                        <dgm:constr type="tMarg" refType="primFontSz" fact="0.1"/>
+                        <dgm:constr type="bMarg" refType="primFontSz" fact="0.1"/>
+                      </dgm:constrLst>
+                      <dgm:ruleLst>
+                        <dgm:rule type="primFontSz" val="5" fact="NaN" max="NaN"/>
+                      </dgm:ruleLst>
+                    </dgm:layoutNode>
+                    <dgm:layoutNode name="FourConn_2-3" styleLbl="fgAccFollowNode1">
+                      <dgm:varLst>
+                        <dgm:bulletEnabled val="1"/>
+                      </dgm:varLst>
+                      <dgm:alg type="tx"/>
+                      <dgm:shape xmlns:r="http://schemas.openxmlformats.org/officeDocument/2006/relationships" type="downArrow" r:blip="">
+                        <dgm:adjLst>
+                          <dgm:adj idx="1" val="0.55"/>
+                          <dgm:adj idx="2" val="0.45"/>
+                        </dgm:adjLst>
+                      </dgm:shape>
+                      <dgm:presOf axis="ch" ptType="sibTrans" st="2" cnt="1"/>
+                      <dgm:constrLst>
+                        <dgm:constr type="lMarg" refType="primFontSz" fact="0.1"/>
+                        <dgm:constr type="rMarg" refType="primFontSz" fact="0.1"/>
+                        <dgm:constr type="tMarg" refType="primFontSz" fact="0.1"/>
+                        <dgm:constr type="bMarg" refType="primFontSz" fact="0.1"/>
+                      </dgm:constrLst>
+                      <dgm:ruleLst>
+                        <dgm:rule type="primFontSz" val="5" fact="NaN" max="NaN"/>
+                      </dgm:ruleLst>
+                    </dgm:layoutNode>
+                    <dgm:layoutNode name="FourConn_3-4" styleLbl="fgAccFollowNode1">
+                      <dgm:varLst>
+                        <dgm:bulletEnabled val="1"/>
+                      </dgm:varLst>
+                      <dgm:alg type="tx"/>
+                      <dgm:shape xmlns:r="http://schemas.openxmlformats.org/officeDocument/2006/relationships" type="downArrow" r:blip="">
+                        <dgm:adjLst>
+                          <dgm:adj idx="1" val="0.55"/>
+                          <dgm:adj idx="2" val="0.45"/>
+                        </dgm:adjLst>
+                      </dgm:shape>
+                      <dgm:presOf axis="ch" ptType="sibTrans" st="3" cnt="1"/>
+                      <dgm:constrLst>
+                        <dgm:constr type="lMarg" refType="primFontSz" fact="0.1"/>
+                        <dgm:constr type="rMarg" refType="primFontSz" fact="0.1"/>
+                        <dgm:constr type="tMarg" refType="primFontSz" fact="0.1"/>
+                        <dgm:constr type="bMarg" refType="primFontSz" fact="0.1"/>
+                      </dgm:constrLst>
+                      <dgm:ruleLst>
+                        <dgm:rule type="primFontSz" val="5" fact="NaN" max="NaN"/>
+                      </dgm:ruleLst>
+                    </dgm:layoutNode>
+                    <dgm:layoutNode name="FourNodes_1_text">
+                      <dgm:varLst>
+                        <dgm:bulletEnabled val="1"/>
+                      </dgm:varLst>
+                      <dgm:alg type="tx">
+                        <dgm:param type="parTxLTRAlign" val="l"/>
+                        <dgm:param type="txAnchorVertCh" val="mid"/>
+                      </dgm:alg>
+                      <dgm:shape xmlns:r="http://schemas.openxmlformats.org/officeDocument/2006/relationships" type="roundRect" r:blip="" hideGeom="1">
+                        <dgm:adjLst>
+                          <dgm:adj idx="1" val="0.1"/>
+                        </dgm:adjLst>
+                      </dgm:shape>
+                      <dgm:presOf axis="ch desOrSelf" ptType="node node" st="1 1" cnt="1 0"/>
+                      <dgm:constrLst>
+                        <dgm:constr type="lMarg" refType="primFontSz" fact="0.3"/>
+                        <dgm:constr type="rMarg" refType="primFontSz" fact="0.3"/>
+                        <dgm:constr type="tMarg" refType="primFontSz" fact="0.3"/>
+                        <dgm:constr type="bMarg" refType="primFontSz" fact="0.3"/>
+                      </dgm:constrLst>
+                      <dgm:ruleLst>
+                        <dgm:rule type="primFontSz" val="5" fact="NaN" max="NaN"/>
+                      </dgm:ruleLst>
+                    </dgm:layoutNode>
+                    <dgm:layoutNode name="FourNodes_2_text">
+                      <dgm:varLst>
+                        <dgm:bulletEnabled val="1"/>
+                      </dgm:varLst>
+                      <dgm:alg type="tx">
+                        <dgm:param type="parTxLTRAlign" val="l"/>
+                        <dgm:param type="txAnchorVertCh" val="mid"/>
+                      </dgm:alg>
+                      <dgm:shape xmlns:r="http://schemas.openxmlformats.org/officeDocument/2006/relationships" type="roundRect" r:blip="" hideGeom="1">
+                        <dgm:adjLst>
+                          <dgm:adj idx="1" val="0.1"/>
+                        </dgm:adjLst>
+                      </dgm:shape>
+                      <dgm:presOf axis="ch desOrSelf" ptType="node node" st="2 1" cnt="1 0"/>
+                      <dgm:constrLst>
+                        <dgm:constr type="lMarg" refType="primFontSz" fact="0.3"/>
+                        <dgm:constr type="rMarg" refType="primFontSz" fact="0.3"/>
+                        <dgm:constr type="tMarg" refType="primFontSz" fact="0.3"/>
+                        <dgm:constr type="bMarg" refType="primFontSz" fact="0.3"/>
+                      </dgm:constrLst>
+                      <dgm:ruleLst>
+                        <dgm:rule type="primFontSz" val="5" fact="NaN" max="NaN"/>
+                      </dgm:ruleLst>
+                    </dgm:layoutNode>
+                    <dgm:layoutNode name="FourNodes_3_text">
+                      <dgm:varLst>
+                        <dgm:bulletEnabled val="1"/>
+                      </dgm:varLst>
+                      <dgm:alg type="tx">
+                        <dgm:param type="parTxLTRAlign" val="l"/>
+                        <dgm:param type="txAnchorVertCh" val="mid"/>
+                      </dgm:alg>
+                      <dgm:shape xmlns:r="http://schemas.openxmlformats.org/officeDocument/2006/relationships" type="roundRect" r:blip="" hideGeom="1">
+                        <dgm:adjLst>
+                          <dgm:adj idx="1" val="0.1"/>
+                        </dgm:adjLst>
+                      </dgm:shape>
+                      <dgm:presOf axis="ch desOrSelf" ptType="node node" st="3 1" cnt="1 0"/>
+                      <dgm:constrLst>
+                        <dgm:constr type="lMarg" refType="primFontSz" fact="0.3"/>
+                        <dgm:constr type="rMarg" refType="primFontSz" fact="0.3"/>
+                        <dgm:constr type="tMarg" refType="primFontSz" fact="0.3"/>
+                        <dgm:constr type="bMarg" refType="primFontSz" fact="0.3"/>
+                      </dgm:constrLst>
+                      <dgm:ruleLst>
+                        <dgm:rule type="primFontSz" val="5" fact="NaN" max="NaN"/>
+                      </dgm:ruleLst>
+                    </dgm:layoutNode>
+                    <dgm:layoutNode name="FourNodes_4_text">
+                      <dgm:varLst>
+                        <dgm:bulletEnabled val="1"/>
+                      </dgm:varLst>
+                      <dgm:alg type="tx">
+                        <dgm:param type="parTxLTRAlign" val="l"/>
+                        <dgm:param type="txAnchorVertCh" val="mid"/>
+                      </dgm:alg>
+                      <dgm:shape xmlns:r="http://schemas.openxmlformats.org/officeDocument/2006/relationships" type="roundRect" r:blip="" hideGeom="1">
+                        <dgm:adjLst>
+                          <dgm:adj idx="1" val="0.1"/>
+                        </dgm:adjLst>
+                      </dgm:shape>
+                      <dgm:presOf axis="ch desOrSelf" ptType="node node" st="4 1" cnt="1 0"/>
+                      <dgm:constrLst>
+                        <dgm:constr type="lMarg" refType="primFontSz" fact="0.3"/>
+                        <dgm:constr type="rMarg" refType="primFontSz" fact="0.3"/>
+                        <dgm:constr type="tMarg" refType="primFontSz" fact="0.3"/>
+                        <dgm:constr type="bMarg" refType="primFontSz" fact="0.3"/>
+                      </dgm:constrLst>
+                      <dgm:ruleLst>
+                        <dgm:rule type="primFontSz" val="5" fact="NaN" max="NaN"/>
+                      </dgm:ruleLst>
+                    </dgm:layoutNode>
+                  </dgm:if>
+                  <dgm:else name="Name14">
+                    <dgm:choose name="Name15">
+                      <dgm:if name="Name16" axis="ch" ptType="node" func="cnt" op="gte" val="5">
+                        <dgm:layoutNode name="FiveNodes_1">
+                          <dgm:varLst>
+                            <dgm:bulletEnabled val="1"/>
+                          </dgm:varLst>
+                          <dgm:alg type="sp"/>
+                          <dgm:shape xmlns:r="http://schemas.openxmlformats.org/officeDocument/2006/relationships" type="roundRect" r:blip="">
+                            <dgm:adjLst>
+                              <dgm:adj idx="1" val="0.1"/>
+                            </dgm:adjLst>
+                          </dgm:shape>
+                          <dgm:presOf axis="ch desOrSelf" ptType="node node" st="1 1" cnt="1 0"/>
+                          <dgm:constrLst/>
+                          <dgm:ruleLst/>
+                        </dgm:layoutNode>
+                        <dgm:layoutNode name="FiveNodes_2">
+                          <dgm:varLst>
+                            <dgm:bulletEnabled val="1"/>
+                          </dgm:varLst>
+                          <dgm:alg type="sp"/>
+                          <dgm:shape xmlns:r="http://schemas.openxmlformats.org/officeDocument/2006/relationships" type="roundRect" r:blip="">
+                            <dgm:adjLst>
+                              <dgm:adj idx="1" val="0.1"/>
+                            </dgm:adjLst>
+                          </dgm:shape>
+                          <dgm:presOf axis="ch desOrSelf" ptType="node node" st="2 1" cnt="1 0"/>
+                          <dgm:constrLst/>
+                          <dgm:ruleLst/>
+                        </dgm:layoutNode>
+                        <dgm:layoutNode name="FiveNodes_3">
+                          <dgm:varLst>
+                            <dgm:bulletEnabled val="1"/>
+                          </dgm:varLst>
+                          <dgm:alg type="sp"/>
+                          <dgm:shape xmlns:r="http://schemas.openxmlformats.org/officeDocument/2006/relationships" type="roundRect" r:blip="">
+                            <dgm:adjLst>
+                              <dgm:adj idx="1" val="0.1"/>
+                            </dgm:adjLst>
+                          </dgm:shape>
+                          <dgm:presOf axis="ch desOrSelf" ptType="node node" st="3 1" cnt="1 0"/>
+                          <dgm:constrLst/>
+                          <dgm:ruleLst/>
+                        </dgm:layoutNode>
+                        <dgm:layoutNode name="FiveNodes_4">
+                          <dgm:varLst>
+                            <dgm:bulletEnabled val="1"/>
+                          </dgm:varLst>
+                          <dgm:alg type="sp"/>
+                          <dgm:shape xmlns:r="http://schemas.openxmlformats.org/officeDocument/2006/relationships" type="roundRect" r:blip="">
+                            <dgm:adjLst>
+                              <dgm:adj idx="1" val="0.1"/>
+                            </dgm:adjLst>
+                          </dgm:shape>
+                          <dgm:presOf axis="ch desOrSelf" ptType="node node" st="4 1" cnt="1 0"/>
+                          <dgm:constrLst/>
+                          <dgm:ruleLst/>
+                        </dgm:layoutNode>
+                        <dgm:layoutNode name="FiveNodes_5">
+                          <dgm:varLst>
+                            <dgm:bulletEnabled val="1"/>
+                          </dgm:varLst>
+                          <dgm:alg type="sp"/>
+                          <dgm:shape xmlns:r="http://schemas.openxmlformats.org/officeDocument/2006/relationships" type="roundRect" r:blip="">
+                            <dgm:adjLst>
+                              <dgm:adj idx="1" val="0.1"/>
+                            </dgm:adjLst>
+                          </dgm:shape>
+                          <dgm:presOf axis="ch desOrSelf" ptType="node node" st="5 1" cnt="1 0"/>
+                          <dgm:constrLst/>
+                          <dgm:ruleLst/>
+                        </dgm:layoutNode>
+                        <dgm:layoutNode name="FiveConn_1-2" styleLbl="fgAccFollowNode1">
+                          <dgm:varLst>
+                            <dgm:bulletEnabled val="1"/>
+                          </dgm:varLst>
+                          <dgm:alg type="tx"/>
+                          <dgm:shape xmlns:r="http://schemas.openxmlformats.org/officeDocument/2006/relationships" type="downArrow" r:blip="">
+                            <dgm:adjLst>
+                              <dgm:adj idx="1" val="0.55"/>
+                              <dgm:adj idx="2" val="0.45"/>
+                            </dgm:adjLst>
+                          </dgm:shape>
+                          <dgm:presOf axis="ch" ptType="sibTrans" cnt="1"/>
+                          <dgm:constrLst>
+                            <dgm:constr type="lMarg" refType="primFontSz" fact="0.1"/>
+                            <dgm:constr type="rMarg" refType="primFontSz" fact="0.1"/>
+                            <dgm:constr type="tMarg" refType="primFontSz" fact="0.1"/>
+                            <dgm:constr type="bMarg" refType="primFontSz" fact="0.1"/>
+                          </dgm:constrLst>
+                          <dgm:ruleLst>
+                            <dgm:rule type="primFontSz" val="5" fact="NaN" max="NaN"/>
+                          </dgm:ruleLst>
+                        </dgm:layoutNode>
+                        <dgm:layoutNode name="FiveConn_2-3" styleLbl="fgAccFollowNode1">
+                          <dgm:varLst>
+                            <dgm:bulletEnabled val="1"/>
+                          </dgm:varLst>
+                          <dgm:alg type="tx"/>
+                          <dgm:shape xmlns:r="http://schemas.openxmlformats.org/officeDocument/2006/relationships" type="downArrow" r:blip="">
+                            <dgm:adjLst>
+                              <dgm:adj idx="1" val="0.55"/>
+                              <dgm:adj idx="2" val="0.45"/>
+                            </dgm:adjLst>
+                          </dgm:shape>
+                          <dgm:presOf axis="ch" ptType="sibTrans" st="2" cnt="1"/>
+                          <dgm:constrLst>
+                            <dgm:constr type="lMarg" refType="primFontSz" fact="0.1"/>
+                            <dgm:constr type="rMarg" refType="primFontSz" fact="0.1"/>
+                            <dgm:constr type="tMarg" refType="primFontSz" fact="0.1"/>
+                            <dgm:constr type="bMarg" refType="primFontSz" fact="0.1"/>
+                          </dgm:constrLst>
+                          <dgm:ruleLst>
+                            <dgm:rule type="primFontSz" val="5" fact="NaN" max="NaN"/>
+                          </dgm:ruleLst>
+                        </dgm:layoutNode>
+                        <dgm:layoutNode name="FiveConn_3-4" styleLbl="fgAccFollowNode1">
+                          <dgm:varLst>
+                            <dgm:bulletEnabled val="1"/>
+                          </dgm:varLst>
+                          <dgm:alg type="tx"/>
+                          <dgm:shape xmlns:r="http://schemas.openxmlformats.org/officeDocument/2006/relationships" type="downArrow" r:blip="">
+                            <dgm:adjLst>
+                              <dgm:adj idx="1" val="0.55"/>
+                              <dgm:adj idx="2" val="0.45"/>
+                            </dgm:adjLst>
+                          </dgm:shape>
+                          <dgm:presOf axis="ch" ptType="sibTrans" st="3" cnt="1"/>
+                          <dgm:constrLst>
+                            <dgm:constr type="lMarg" refType="primFontSz" fact="0.1"/>
+                            <dgm:constr type="rMarg" refType="primFontSz" fact="0.1"/>
+                            <dgm:constr type="tMarg" refType="primFontSz" fact="0.1"/>
+                            <dgm:constr type="bMarg" refType="primFontSz" fact="0.1"/>
+                          </dgm:constrLst>
+                          <dgm:ruleLst>
+                            <dgm:rule type="primFontSz" val="5" fact="NaN" max="NaN"/>
+                          </dgm:ruleLst>
+                        </dgm:layoutNode>
+                        <dgm:layoutNode name="FiveConn_4-5" styleLbl="fgAccFollowNode1">
+                          <dgm:varLst>
+                            <dgm:bulletEnabled val="1"/>
+                          </dgm:varLst>
+                          <dgm:alg type="tx"/>
+                          <dgm:shape xmlns:r="http://schemas.openxmlformats.org/officeDocument/2006/relationships" type="downArrow" r:blip="">
+                            <dgm:adjLst>
+                              <dgm:adj idx="1" val="0.55"/>
+                              <dgm:adj idx="2" val="0.45"/>
+                            </dgm:adjLst>
+                          </dgm:shape>
+                          <dgm:presOf axis="ch" ptType="sibTrans" st="4" cnt="1"/>
+                          <dgm:constrLst>
+                            <dgm:constr type="lMarg" refType="primFontSz" fact="0.1"/>
+                            <dgm:constr type="rMarg" refType="primFontSz" fact="0.1"/>
+                            <dgm:constr type="tMarg" refType="primFontSz" fact="0.1"/>
+                            <dgm:constr type="bMarg" refType="primFontSz" fact="0.1"/>
+                          </dgm:constrLst>
+                          <dgm:ruleLst>
+                            <dgm:rule type="primFontSz" val="5" fact="NaN" max="NaN"/>
+                          </dgm:ruleLst>
+                        </dgm:layoutNode>
+                        <dgm:layoutNode name="FiveNodes_1_text">
+                          <dgm:varLst>
+                            <dgm:bulletEnabled val="1"/>
+                          </dgm:varLst>
+                          <dgm:alg type="tx">
+                            <dgm:param type="parTxLTRAlign" val="l"/>
+                            <dgm:param type="txAnchorVertCh" val="mid"/>
+                          </dgm:alg>
+                          <dgm:shape xmlns:r="http://schemas.openxmlformats.org/officeDocument/2006/relationships" type="roundRect" r:blip="" hideGeom="1">
+                            <dgm:adjLst>
+                              <dgm:adj idx="1" val="0.1"/>
+                            </dgm:adjLst>
+                          </dgm:shape>
+                          <dgm:presOf axis="ch desOrSelf" ptType="node node" st="1 1" cnt="1 0"/>
+                          <dgm:constrLst>
+                            <dgm:constr type="lMarg" refType="primFontSz" fact="0.3"/>
+                            <dgm:constr type="rMarg" refType="primFontSz" fact="0.3"/>
+                            <dgm:constr type="tMarg" refType="primFontSz" fact="0.3"/>
+                            <dgm:constr type="bMarg" refType="primFontSz" fact="0.3"/>
+                          </dgm:constrLst>
+                          <dgm:ruleLst>
+                            <dgm:rule type="primFontSz" val="5" fact="NaN" max="NaN"/>
+                          </dgm:ruleLst>
+                        </dgm:layoutNode>
+                        <dgm:layoutNode name="FiveNodes_2_text">
+                          <dgm:varLst>
+                            <dgm:bulletEnabled val="1"/>
+                          </dgm:varLst>
+                          <dgm:alg type="tx">
+                            <dgm:param type="parTxLTRAlign" val="l"/>
+                            <dgm:param type="txAnchorVertCh" val="mid"/>
+                          </dgm:alg>
+                          <dgm:shape xmlns:r="http://schemas.openxmlformats.org/officeDocument/2006/relationships" type="roundRect" r:blip="" hideGeom="1">
+                            <dgm:adjLst>
+                              <dgm:adj idx="1" val="0.1"/>
+                            </dgm:adjLst>
+                          </dgm:shape>
+                          <dgm:presOf axis="ch desOrSelf" ptType="node node" st="2 1" cnt="1 0"/>
+                          <dgm:constrLst>
+                            <dgm:constr type="lMarg" refType="primFontSz" fact="0.3"/>
+                            <dgm:constr type="rMarg" refType="primFontSz" fact="0.3"/>
+                            <dgm:constr type="tMarg" refType="primFontSz" fact="0.3"/>
+                            <dgm:constr type="bMarg" refType="primFontSz" fact="0.3"/>
+                          </dgm:constrLst>
+                          <dgm:ruleLst>
+                            <dgm:rule type="primFontSz" val="5" fact="NaN" max="NaN"/>
+                          </dgm:ruleLst>
+                        </dgm:layoutNode>
+                        <dgm:layoutNode name="FiveNodes_3_text">
+                          <dgm:varLst>
+                            <dgm:bulletEnabled val="1"/>
+                          </dgm:varLst>
+                          <dgm:alg type="tx">
+                            <dgm:param type="parTxLTRAlign" val="l"/>
+                            <dgm:param type="txAnchorVertCh" val="mid"/>
+                          </dgm:alg>
+                          <dgm:shape xmlns:r="http://schemas.openxmlformats.org/officeDocument/2006/relationships" type="roundRect" r:blip="" hideGeom="1">
+                            <dgm:adjLst>
+                              <dgm:adj idx="1" val="0.1"/>
+                            </dgm:adjLst>
+                          </dgm:shape>
+                          <dgm:presOf axis="ch desOrSelf" ptType="node node" st="3 1" cnt="1 0"/>
+                          <dgm:constrLst>
+                            <dgm:constr type="lMarg" refType="primFontSz" fact="0.3"/>
+                            <dgm:constr type="rMarg" refType="primFontSz" fact="0.3"/>
+                            <dgm:constr type="tMarg" refType="primFontSz" fact="0.3"/>
+                            <dgm:constr type="bMarg" refType="primFontSz" fact="0.3"/>
+                          </dgm:constrLst>
+                          <dgm:ruleLst>
+                            <dgm:rule type="primFontSz" val="5" fact="NaN" max="NaN"/>
+                          </dgm:ruleLst>
+                        </dgm:layoutNode>
+                        <dgm:layoutNode name="FiveNodes_4_text">
+                          <dgm:varLst>
+                            <dgm:bulletEnabled val="1"/>
+                          </dgm:varLst>
+                          <dgm:alg type="tx">
+                            <dgm:param type="parTxLTRAlign" val="l"/>
+                            <dgm:param type="txAnchorVertCh" val="mid"/>
+                          </dgm:alg>
+                          <dgm:shape xmlns:r="http://schemas.openxmlformats.org/officeDocument/2006/relationships" type="roundRect" r:blip="" hideGeom="1">
+                            <dgm:adjLst>
+                              <dgm:adj idx="1" val="0.1"/>
+                            </dgm:adjLst>
+                          </dgm:shape>
+                          <dgm:presOf axis="ch desOrSelf" ptType="node node" st="4 1" cnt="1 0"/>
+                          <dgm:constrLst>
+                            <dgm:constr type="lMarg" refType="primFontSz" fact="0.3"/>
+                            <dgm:constr type="rMarg" refType="primFontSz" fact="0.3"/>
+                            <dgm:constr type="tMarg" refType="primFontSz" fact="0.3"/>
+                            <dgm:constr type="bMarg" refType="primFontSz" fact="0.3"/>
+                          </dgm:constrLst>
+                          <dgm:ruleLst>
+                            <dgm:rule type="primFontSz" val="5" fact="NaN" max="NaN"/>
+                          </dgm:ruleLst>
+                        </dgm:layoutNode>
+                        <dgm:layoutNode name="FiveNodes_5_text">
+                          <dgm:varLst>
+                            <dgm:bulletEnabled val="1"/>
+                          </dgm:varLst>
+                          <dgm:alg type="tx">
+                            <dgm:param type="parTxLTRAlign" val="l"/>
+                            <dgm:param type="txAnchorVertCh" val="mid"/>
+                          </dgm:alg>
+                          <dgm:shape xmlns:r="http://schemas.openxmlformats.org/officeDocument/2006/relationships" type="roundRect" r:blip="" hideGeom="1">
+                            <dgm:adjLst>
+                              <dgm:adj idx="1" val="0.1"/>
+                            </dgm:adjLst>
+                          </dgm:shape>
+                          <dgm:presOf axis="ch desOrSelf" ptType="node node" st="5 1" cnt="1 0"/>
+                          <dgm:constrLst>
+                            <dgm:constr type="lMarg" refType="primFontSz" fact="0.3"/>
+                            <dgm:constr type="rMarg" refType="primFontSz" fact="0.3"/>
+                            <dgm:constr type="tMarg" refType="primFontSz" fact="0.3"/>
+                            <dgm:constr type="bMarg" refType="primFontSz" fact="0.3"/>
+                          </dgm:constrLst>
+                          <dgm:ruleLst>
+                            <dgm:rule type="primFontSz" val="5" fact="NaN" max="NaN"/>
+                          </dgm:ruleLst>
+                        </dgm:layoutNode>
+                      </dgm:if>
+                      <dgm:else name="Name17"/>
+                    </dgm:choose>
+                  </dgm:else>
+                </dgm:choose>
+              </dgm:else>
+            </dgm:choose>
+          </dgm:else>
+        </dgm:choose>
+      </dgm:else>
+    </dgm:choose>
+  </dgm:layoutNode>
+</dgm:layoutDef>
+</file>
+
+<file path=ppt/diagrams/quickStyle1.xml><?xml version="1.0" encoding="utf-8"?>
+<dgm:styleDef xmlns:dgm="http://schemas.openxmlformats.org/drawingml/2006/diagram" xmlns:a="http://schemas.openxmlformats.org/drawingml/2006/main" uniqueId="urn:microsoft.com/office/officeart/2005/8/quickstyle/simple1">
+  <dgm:title val=""/>
+  <dgm:desc val=""/>
+  <dgm:catLst>
+    <dgm:cat type="simple" pri="10100"/>
+  </dgm:catLst>
+  <dgm:scene3d>
+    <a:camera prst="orthographicFront"/>
+    <a:lightRig rig="threePt" dir="t"/>
+  </dgm:scene3d>
+  <dgm:styleLbl name="node0">
+    <dgm:scene3d>
+      <a:camera prst="orthographicFront"/>
+      <a:lightRig rig="threePt" dir="t"/>
+    </dgm:scene3d>
+    <dgm:sp3d/>
+    <dgm:txPr/>
+    <dgm:style>
+      <a:lnRef idx="2">
+        <a:scrgbClr r="0" g="0" b="0"/>
+      </a:lnRef>
+      <a:fillRef idx="1">
+        <a:scrgbClr r="0" g="0" b="0"/>
+      </a:fillRef>
+      <a:effectRef idx="0">
+        <a:scrgbClr r="0" g="0" b="0"/>
+      </a:effectRef>
+      <a:fontRef idx="minor">
+        <a:schemeClr val="lt1"/>
+      </a:fontRef>
+    </dgm:style>
+  </dgm:styleLbl>
+  <dgm:styleLbl name="lnNode1">
+    <dgm:scene3d>
+      <a:camera prst="orthographicFront"/>
+      <a:lightRig rig="threePt" dir="t"/>
+    </dgm:scene3d>
+    <dgm:sp3d/>
+    <dgm:txPr/>
+    <dgm:style>
+      <a:lnRef idx="2">
+        <a:scrgbClr r="0" g="0" b="0"/>
+      </a:lnRef>
+      <a:fillRef idx="1">
+        <a:scrgbClr r="0" g="0" b="0"/>
+      </a:fillRef>
+      <a:effectRef idx="0">
+        <a:scrgbClr r="0" g="0" b="0"/>
+      </a:effectRef>
+      <a:fontRef idx="minor">
+        <a:schemeClr val="lt1"/>
+      </a:fontRef>
+    </dgm:style>
+  </dgm:styleLbl>
+  <dgm:styleLbl name="vennNode1">
+    <dgm:scene3d>
+      <a:camera prst="orthographicFront"/>
+      <a:lightRig rig="threePt" dir="t"/>
+    </dgm:scene3d>
+    <dgm:sp3d/>
+    <dgm:txPr/>
+    <dgm:style>
+      <a:lnRef idx="2">
+        <a:scrgbClr r="0" g="0" b="0"/>
+      </a:lnRef>
+      <a:fillRef idx="1">
+        <a:scrgbClr r="0" g="0" b="0"/>
+      </a:fillRef>
+      <a:effectRef idx="0">
+        <a:scrgbClr r="0" g="0" b="0"/>
+      </a:effectRef>
+      <a:fontRef idx="minor">
+        <a:schemeClr val="tx1"/>
+      </a:fontRef>
+    </dgm:style>
+  </dgm:styleLbl>
+  <dgm:styleLbl name="alignNode1">
+    <dgm:scene3d>
+      <a:camera prst="orthographicFront"/>
+      <a:lightRig rig="threePt" dir="t"/>
+    </dgm:scene3d>
+    <dgm:sp3d/>
+    <dgm:txPr/>
+    <dgm:style>
+      <a:lnRef idx="2">
+        <a:scrgbClr r="0" g="0" b="0"/>
+      </a:lnRef>
+      <a:fillRef idx="1">
+        <a:scrgbClr r="0" g="0" b="0"/>
+      </a:fillRef>
+      <a:effectRef idx="0">
+        <a:scrgbClr r="0" g="0" b="0"/>
+      </a:effectRef>
+      <a:fontRef idx="minor">
+        <a:schemeClr val="lt1"/>
+      </a:fontRef>
+    </dgm:style>
+  </dgm:styleLbl>
+  <dgm:styleLbl name="node1">
+    <dgm:scene3d>
+      <a:camera prst="orthographicFront"/>
+      <a:lightRig rig="threePt" dir="t"/>
+    </dgm:scene3d>
+    <dgm:sp3d/>
+    <dgm:txPr/>
+    <dgm:style>
+      <a:lnRef idx="2">
+        <a:scrgbClr r="0" g="0" b="0"/>
+      </a:lnRef>
+      <a:fillRef idx="1">
+        <a:scrgbClr r="0" g="0" b="0"/>
+      </a:fillRef>
+      <a:effectRef idx="0">
+        <a:scrgbClr r="0" g="0" b="0"/>
+      </a:effectRef>
+      <a:fontRef idx="minor">
+        <a:schemeClr val="lt1"/>
+      </a:fontRef>
+    </dgm:style>
+  </dgm:styleLbl>
+  <dgm:styleLbl name="node2">
+    <dgm:scene3d>
+      <a:camera prst="orthographicFront"/>
+      <a:lightRig rig="threePt" dir="t"/>
+    </dgm:scene3d>
+    <dgm:sp3d/>
+    <dgm:txPr/>
+    <dgm:style>
+      <a:lnRef idx="2">
+        <a:scrgbClr r="0" g="0" b="0"/>
+      </a:lnRef>
+      <a:fillRef idx="1">
+        <a:scrgbClr r="0" g="0" b="0"/>
+      </a:fillRef>
+      <a:effectRef idx="0">
+        <a:scrgbClr r="0" g="0" b="0"/>
+      </a:effectRef>
+      <a:fontRef idx="minor">
+        <a:schemeClr val="lt1"/>
+      </a:fontRef>
+    </dgm:style>
+  </dgm:styleLbl>
+  <dgm:styleLbl name="node3">
+    <dgm:scene3d>
+      <a:camera prst="orthographicFront"/>
+      <a:lightRig rig="threePt" dir="t"/>
+    </dgm:scene3d>
+    <dgm:sp3d/>
+    <dgm:txPr/>
+    <dgm:style>
+      <a:lnRef idx="2">
+        <a:scrgbClr r="0" g="0" b="0"/>
+      </a:lnRef>
+      <a:fillRef idx="1">
+        <a:scrgbClr r="0" g="0" b="0"/>
+      </a:fillRef>
+      <a:effectRef idx="0">
+        <a:scrgbClr r="0" g="0" b="0"/>
+      </a:effectRef>
+      <a:fontRef idx="minor">
+        <a:schemeClr val="lt1"/>
+      </a:fontRef>
+    </dgm:style>
+  </dgm:styleLbl>
+  <dgm:styleLbl name="node4">
+    <dgm:scene3d>
+      <a:camera prst="orthographicFront"/>
+      <a:lightRig rig="threePt" dir="t"/>
+    </dgm:scene3d>
+    <dgm:sp3d/>
+    <dgm:txPr/>
+    <dgm:style>
+      <a:lnRef idx="2">
+        <a:scrgbClr r="0" g="0" b="0"/>
+      </a:lnRef>
+      <a:fillRef idx="1">
+        <a:scrgbClr r="0" g="0" b="0"/>
+      </a:fillRef>
+      <a:effectRef idx="0">
+        <a:scrgbClr r="0" g="0" b="0"/>
+      </a:effectRef>
+      <a:fontRef idx="minor">
+        <a:schemeClr val="lt1"/>
+      </a:fontRef>
+    </dgm:style>
+  </dgm:styleLbl>
+  <dgm:styleLbl name="fgImgPlace1">
+    <dgm:scene3d>
+      <a:camera prst="orthographicFront"/>
+      <a:lightRig rig="threePt" dir="t"/>
+    </dgm:scene3d>
+    <dgm:sp3d/>
+    <dgm:txPr/>
+    <dgm:style>
+      <a:lnRef idx="2">
+        <a:scrgbClr r="0" g="0" b="0"/>
+      </a:lnRef>
+      <a:fillRef idx="1">
+        <a:scrgbClr r="0" g="0" b="0"/>
+      </a:fillRef>
+      <a:effectRef idx="0">
+        <a:scrgbClr r="0" g="0" b="0"/>
+      </a:effectRef>
+      <a:fontRef idx="minor"/>
+    </dgm:style>
+  </dgm:styleLbl>
+  <dgm:styleLbl name="alignImgPlace1">
+    <dgm:scene3d>
+      <a:camera prst="orthographicFront"/>
+      <a:lightRig rig="threePt" dir="t"/>
+    </dgm:scene3d>
+    <dgm:sp3d/>
+    <dgm:txPr/>
+    <dgm:style>
+      <a:lnRef idx="2">
+        <a:scrgbClr r="0" g="0" b="0"/>
+      </a:lnRef>
+      <a:fillRef idx="1">
+        <a:scrgbClr r="0" g="0" b="0"/>
+      </a:fillRef>
+      <a:effectRef idx="0">
+        <a:scrgbClr r="0" g="0" b="0"/>
+      </a:effectRef>
+      <a:fontRef idx="minor"/>
+    </dgm:style>
+  </dgm:styleLbl>
+  <dgm:styleLbl name="bgImgPlace1">
+    <dgm:scene3d>
+      <a:camera prst="orthographicFront"/>
+      <a:lightRig rig="threePt" dir="t"/>
+    </dgm:scene3d>
+    <dgm:sp3d/>
+    <dgm:txPr/>
+    <dgm:style>
+      <a:lnRef idx="2">
+        <a:scrgbClr r="0" g="0" b="0"/>
+      </a:lnRef>
+      <a:fillRef idx="1">
+        <a:scrgbClr r="0" g="0" b="0"/>
+      </a:fillRef>
+      <a:effectRef idx="0">
+        <a:scrgbClr r="0" g="0" b="0"/>
+      </a:effectRef>
+      <a:fontRef idx="minor"/>
+    </dgm:style>
+  </dgm:styleLbl>
+  <dgm:styleLbl name="sibTrans2D1">
+    <dgm:scene3d>
+      <a:camera prst="orthographicFront"/>
+      <a:lightRig rig="threePt" dir="t"/>
+    </dgm:scene3d>
+    <dgm:sp3d/>
+    <dgm:txPr/>
+    <dgm:style>
+      <a:lnRef idx="0">
+        <a:scrgbClr r="0" g="0" b="0"/>
+      </a:lnRef>
+      <a:fillRef idx="1">
+        <a:scrgbClr r="0" g="0" b="0"/>
+      </a:fillRef>
+      <a:effectRef idx="0">
+        <a:scrgbClr r="0" g="0" b="0"/>
+      </a:effectRef>
+      <a:fontRef idx="minor">
+        <a:schemeClr val="lt1"/>
+      </a:fontRef>
+    </dgm:style>
+  </dgm:styleLbl>
+  <dgm:styleLbl name="fgSibTrans2D1">
+    <dgm:scene3d>
+      <a:camera prst="orthographicFront"/>
+      <a:lightRig rig="threePt" dir="t"/>
+    </dgm:scene3d>
+    <dgm:sp3d/>
+    <dgm:txPr/>
+    <dgm:style>
+      <a:lnRef idx="0">
+        <a:scrgbClr r="0" g="0" b="0"/>
+      </a:lnRef>
+      <a:fillRef idx="1">
+        <a:scrgbClr r="0" g="0" b="0"/>
+      </a:fillRef>
+      <a:effectRef idx="0">
+        <a:scrgbClr r="0" g="0" b="0"/>
+      </a:effectRef>
+      <a:fontRef idx="minor">
+        <a:schemeClr val="lt1"/>
+      </a:fontRef>
+    </dgm:style>
+  </dgm:styleLbl>
+  <dgm:styleLbl name="bgSibTrans2D1">
+    <dgm:scene3d>
+      <a:camera prst="orthographicFront"/>
+      <a:lightRig rig="threePt" dir="t"/>
+    </dgm:scene3d>
+    <dgm:sp3d/>
+    <dgm:txPr/>
+    <dgm:style>
+      <a:lnRef idx="0">
+        <a:scrgbClr r="0" g="0" b="0"/>
+      </a:lnRef>
+      <a:fillRef idx="1">
+        <a:scrgbClr r="0" g="0" b="0"/>
+      </a:fillRef>
+      <a:effectRef idx="0">
+        <a:scrgbClr r="0" g="0" b="0"/>
+      </a:effectRef>
+      <a:fontRef idx="minor">
+        <a:schemeClr val="lt1"/>
+      </a:fontRef>
+    </dgm:style>
+  </dgm:styleLbl>
+  <dgm:styleLbl name="sibTrans1D1">
+    <dgm:scene3d>
+      <a:camera prst="orthographicFront"/>
+      <a:lightRig rig="threePt" dir="t"/>
+    </dgm:scene3d>
+    <dgm:sp3d/>
+    <dgm:txPr/>
+    <dgm:style>
+      <a:lnRef idx="1">
+        <a:scrgbClr r="0" g="0" b="0"/>
+      </a:lnRef>
+      <a:fillRef idx="0">
+        <a:scrgbClr r="0" g="0" b="0"/>
+      </a:fillRef>
+      <a:effectRef idx="0">
+        <a:scrgbClr r="0" g="0" b="0"/>
+      </a:effectRef>
+      <a:fontRef idx="minor"/>
+    </dgm:style>
+  </dgm:styleLbl>
+  <dgm:styleLbl name="callout">
+    <dgm:scene3d>
+      <a:camera prst="orthographicFront"/>
+      <a:lightRig rig="threePt" dir="t"/>
+    </dgm:scene3d>
+    <dgm:sp3d/>
+    <dgm:txPr/>
+    <dgm:style>
+      <a:lnRef idx="2">
+        <a:scrgbClr r="0" g="0" b="0"/>
+      </a:lnRef>
+      <a:fillRef idx="1">
+        <a:scrgbClr r="0" g="0" b="0"/>
+      </a:fillRef>
+      <a:effectRef idx="0">
+        <a:scrgbClr r="0" g="0" b="0"/>
+      </a:effectRef>
+      <a:fontRef idx="minor"/>
+    </dgm:style>
+  </dgm:styleLbl>
+  <dgm:styleLbl name="asst0">
+    <dgm:scene3d>
+      <a:camera prst="orthographicFront"/>
+      <a:lightRig rig="threePt" dir="t"/>
+    </dgm:scene3d>
+    <dgm:sp3d/>
+    <dgm:txPr/>
+    <dgm:style>
+      <a:lnRef idx="2">
+        <a:scrgbClr r="0" g="0" b="0"/>
+      </a:lnRef>
+      <a:fillRef idx="1">
+        <a:scrgbClr r="0" g="0" b="0"/>
+      </a:fillRef>
+      <a:effectRef idx="0">
+        <a:scrgbClr r="0" g="0" b="0"/>
+      </a:effectRef>
+      <a:fontRef idx="minor">
+        <a:schemeClr val="lt1"/>
+      </a:fontRef>
+    </dgm:style>
+  </dgm:styleLbl>
+  <dgm:styleLbl name="asst1">
+    <dgm:scene3d>
+      <a:camera prst="orthographicFront"/>
+      <a:lightRig rig="threePt" dir="t"/>
+    </dgm:scene3d>
+    <dgm:sp3d/>
+    <dgm:txPr/>
+    <dgm:style>
+      <a:lnRef idx="2">
+        <a:scrgbClr r="0" g="0" b="0"/>
+      </a:lnRef>
+      <a:fillRef idx="1">
+        <a:scrgbClr r="0" g="0" b="0"/>
+      </a:fillRef>
+      <a:effectRef idx="0">
+        <a:scrgbClr r="0" g="0" b="0"/>
+      </a:effectRef>
+      <a:fontRef idx="minor">
+        <a:schemeClr val="lt1"/>
+      </a:fontRef>
+    </dgm:style>
+  </dgm:styleLbl>
+  <dgm:styleLbl name="asst2">
+    <dgm:scene3d>
+      <a:camera prst="orthographicFront"/>
+      <a:lightRig rig="threePt" dir="t"/>
+    </dgm:scene3d>
+    <dgm:sp3d/>
+    <dgm:txPr/>
+    <dgm:style>
+      <a:lnRef idx="2">
+        <a:scrgbClr r="0" g="0" b="0"/>
+      </a:lnRef>
+      <a:fillRef idx="1">
+        <a:scrgbClr r="0" g="0" b="0"/>
+      </a:fillRef>
+      <a:effectRef idx="0">
+        <a:scrgbClr r="0" g="0" b="0"/>
+      </a:effectRef>
+      <a:fontRef idx="minor">
+        <a:schemeClr val="lt1"/>
+      </a:fontRef>
+    </dgm:style>
+  </dgm:styleLbl>
+  <dgm:styleLbl name="asst3">
+    <dgm:scene3d>
+      <a:camera prst="orthographicFront"/>
+      <a:lightRig rig="threePt" dir="t"/>
+    </dgm:scene3d>
+    <dgm:sp3d/>
+    <dgm:txPr/>
+    <dgm:style>
+      <a:lnRef idx="2">
+        <a:scrgbClr r="0" g="0" b="0"/>
+      </a:lnRef>
+      <a:fillRef idx="1">
+        <a:scrgbClr r="0" g="0" b="0"/>
+      </a:fillRef>
+      <a:effectRef idx="0">
+        <a:scrgbClr r="0" g="0" b="0"/>
+      </a:effectRef>
+      <a:fontRef idx="minor">
+        <a:schemeClr val="lt1"/>
+      </a:fontRef>
+    </dgm:style>
+  </dgm:styleLbl>
+  <dgm:styleLbl name="asst4">
+    <dgm:scene3d>
+      <a:camera prst="orthographicFront"/>
+      <a:lightRig rig="threePt" dir="t"/>
+    </dgm:scene3d>
+    <dgm:sp3d/>
+    <dgm:txPr/>
+    <dgm:style>
+      <a:lnRef idx="2">
+        <a:scrgbClr r="0" g="0" b="0"/>
+      </a:lnRef>
+      <a:fillRef idx="1">
+        <a:scrgbClr r="0" g="0" b="0"/>
+      </a:fillRef>
+      <a:effectRef idx="0">
+        <a:scrgbClr r="0" g="0" b="0"/>
+      </a:effectRef>
+      <a:fontRef idx="minor">
+        <a:schemeClr val="lt1"/>
+      </a:fontRef>
+    </dgm:style>
+  </dgm:styleLbl>
+  <dgm:styleLbl name="parChTrans2D1">
+    <dgm:scene3d>
+      <a:camera prst="orthographicFront"/>
+      <a:lightRig rig="threePt" dir="t"/>
+    </dgm:scene3d>
+    <dgm:sp3d/>
+    <dgm:txPr/>
+    <dgm:style>
+      <a:lnRef idx="2">
+        <a:scrgbClr r="0" g="0" b="0"/>
+      </a:lnRef>
+      <a:fillRef idx="1">
+        <a:scrgbClr r="0" g="0" b="0"/>
+      </a:fillRef>
+      <a:effectRef idx="0">
+        <a:scrgbClr r="0" g="0" b="0"/>
+      </a:effectRef>
+      <a:fontRef idx="minor">
+        <a:schemeClr val="lt1"/>
+      </a:fontRef>
+    </dgm:style>
+  </dgm:styleLbl>
+  <dgm:styleLbl name="parChTrans2D2">
+    <dgm:scene3d>
+      <a:camera prst="orthographicFront"/>
+      <a:lightRig rig="threePt" dir="t"/>
+    </dgm:scene3d>
+    <dgm:sp3d/>
+    <dgm:txPr/>
+    <dgm:style>
+      <a:lnRef idx="2">
+        <a:scrgbClr r="0" g="0" b="0"/>
+      </a:lnRef>
+      <a:fillRef idx="1">
+        <a:scrgbClr r="0" g="0" b="0"/>
+      </a:fillRef>
+      <a:effectRef idx="0">
+        <a:scrgbClr r="0" g="0" b="0"/>
+      </a:effectRef>
+      <a:fontRef idx="minor">
+        <a:schemeClr val="lt1"/>
+      </a:fontRef>
+    </dgm:style>
+  </dgm:styleLbl>
+  <dgm:styleLbl name="parChTrans2D3">
+    <dgm:scene3d>
+      <a:camera prst="orthographicFront"/>
+      <a:lightRig rig="threePt" dir="t"/>
+    </dgm:scene3d>
+    <dgm:sp3d/>
+    <dgm:txPr/>
+    <dgm:style>
+      <a:lnRef idx="2">
+        <a:scrgbClr r="0" g="0" b="0"/>
+      </a:lnRef>
+      <a:fillRef idx="1">
+        <a:scrgbClr r="0" g="0" b="0"/>
+      </a:fillRef>
+      <a:effectRef idx="0">
+        <a:scrgbClr r="0" g="0" b="0"/>
+      </a:effectRef>
+      <a:fontRef idx="minor">
+        <a:schemeClr val="lt1"/>
+      </a:fontRef>
+    </dgm:style>
+  </dgm:styleLbl>
+  <dgm:styleLbl name="parChTrans2D4">
+    <dgm:scene3d>
+      <a:camera prst="orthographicFront"/>
+      <a:lightRig rig="threePt" dir="t"/>
+    </dgm:scene3d>
+    <dgm:sp3d/>
+    <dgm:txPr/>
+    <dgm:style>
+      <a:lnRef idx="2">
+        <a:scrgbClr r="0" g="0" b="0"/>
+      </a:lnRef>
+      <a:fillRef idx="1">
+        <a:scrgbClr r="0" g="0" b="0"/>
+      </a:fillRef>
+      <a:effectRef idx="0">
+        <a:scrgbClr r="0" g="0" b="0"/>
+      </a:effectRef>
+      <a:fontRef idx="minor">
+        <a:schemeClr val="lt1"/>
+      </a:fontRef>
+    </dgm:style>
+  </dgm:styleLbl>
+  <dgm:styleLbl name="parChTrans1D1">
+    <dgm:scene3d>
+      <a:camera prst="orthographicFront"/>
+      <a:lightRig rig="threePt" dir="t"/>
+    </dgm:scene3d>
+    <dgm:sp3d/>
+    <dgm:txPr/>
+    <dgm:style>
+      <a:lnRef idx="2">
+        <a:scrgbClr r="0" g="0" b="0"/>
+      </a:lnRef>
+      <a:fillRef idx="0">
+        <a:scrgbClr r="0" g="0" b="0"/>
+      </a:fillRef>
+      <a:effectRef idx="0">
+        <a:scrgbClr r="0" g="0" b="0"/>
+      </a:effectRef>
+      <a:fontRef idx="minor"/>
+    </dgm:style>
+  </dgm:styleLbl>
+  <dgm:styleLbl name="parChTrans1D2">
+    <dgm:scene3d>
+      <a:camera prst="orthographicFront"/>
+      <a:lightRig rig="threePt" dir="t"/>
+    </dgm:scene3d>
+    <dgm:sp3d/>
+    <dgm:txPr/>
+    <dgm:style>
+      <a:lnRef idx="2">
+        <a:scrgbClr r="0" g="0" b="0"/>
+      </a:lnRef>
+      <a:fillRef idx="0">
+        <a:scrgbClr r="0" g="0" b="0"/>
+      </a:fillRef>
+      <a:effectRef idx="0">
+        <a:scrgbClr r="0" g="0" b="0"/>
+      </a:effectRef>
+      <a:fontRef idx="minor"/>
+    </dgm:style>
+  </dgm:styleLbl>
+  <dgm:styleLbl name="parChTrans1D3">
+    <dgm:scene3d>
+      <a:camera prst="orthographicFront"/>
+      <a:lightRig rig="threePt" dir="t"/>
+    </dgm:scene3d>
+    <dgm:sp3d/>
+    <dgm:txPr/>
+    <dgm:style>
+      <a:lnRef idx="2">
+        <a:scrgbClr r="0" g="0" b="0"/>
+      </a:lnRef>
+      <a:fillRef idx="0">
+        <a:scrgbClr r="0" g="0" b="0"/>
+      </a:fillRef>
+      <a:effectRef idx="0">
+        <a:scrgbClr r="0" g="0" b="0"/>
+      </a:effectRef>
+      <a:fontRef idx="minor"/>
+    </dgm:style>
+  </dgm:styleLbl>
+  <dgm:styleLbl name="parChTrans1D4">
+    <dgm:scene3d>
+      <a:camera prst="orthographicFront"/>
+      <a:lightRig rig="threePt" dir="t"/>
+    </dgm:scene3d>
+    <dgm:sp3d/>
+    <dgm:txPr/>
+    <dgm:style>
+      <a:lnRef idx="2">
+        <a:scrgbClr r="0" g="0" b="0"/>
+      </a:lnRef>
+      <a:fillRef idx="0">
+        <a:scrgbClr r="0" g="0" b="0"/>
+      </a:fillRef>
+      <a:effectRef idx="0">
+        <a:scrgbClr r="0" g="0" b="0"/>
+      </a:effectRef>
+      <a:fontRef idx="minor"/>
+    </dgm:style>
+  </dgm:styleLbl>
+  <dgm:styleLbl name="fgAcc1">
+    <dgm:scene3d>
+      <a:camera prst="orthographicFront"/>
+      <a:lightRig rig="threePt" dir="t"/>
+    </dgm:scene3d>
+    <dgm:sp3d/>
+    <dgm:txPr/>
+    <dgm:style>
+      <a:lnRef idx="2">
+        <a:scrgbClr r="0" g="0" b="0"/>
+      </a:lnRef>
+      <a:fillRef idx="1">
+        <a:scrgbClr r="0" g="0" b="0"/>
+      </a:fillRef>
+      <a:effectRef idx="0">
+        <a:scrgbClr r="0" g="0" b="0"/>
+      </a:effectRef>
+      <a:fontRef idx="minor"/>
+    </dgm:style>
+  </dgm:styleLbl>
+  <dgm:styleLbl name="conFgAcc1">
+    <dgm:scene3d>
+      <a:camera prst="orthographicFront"/>
+      <a:lightRig rig="threePt" dir="t"/>
+    </dgm:scene3d>
+    <dgm:sp3d/>
+    <dgm:txPr/>
+    <dgm:style>
+      <a:lnRef idx="2">
+        <a:scrgbClr r="0" g="0" b="0"/>
+      </a:lnRef>
+      <a:fillRef idx="1">
+        <a:scrgbClr r="0" g="0" b="0"/>
+      </a:fillRef>
+      <a:effectRef idx="0">
+        <a:scrgbClr r="0" g="0" b="0"/>
+      </a:effectRef>
+      <a:fontRef idx="minor"/>
+    </dgm:style>
+  </dgm:styleLbl>
+  <dgm:styleLbl name="alignAcc1">
+    <dgm:scene3d>
+      <a:camera prst="orthographicFront"/>
+      <a:lightRig rig="threePt" dir="t"/>
+    </dgm:scene3d>
+    <dgm:sp3d/>
+    <dgm:txPr/>
+    <dgm:style>
+      <a:lnRef idx="2">
+        <a:scrgbClr r="0" g="0" b="0"/>
+      </a:lnRef>
+      <a:fillRef idx="1">
+        <a:scrgbClr r="0" g="0" b="0"/>
+      </a:fillRef>
+      <a:effectRef idx="0">
+        <a:scrgbClr r="0" g="0" b="0"/>
+      </a:effectRef>
+      <a:fontRef idx="minor"/>
+    </dgm:style>
+  </dgm:styleLbl>
+  <dgm:styleLbl name="trAlignAcc1">
+    <dgm:scene3d>
+      <a:camera prst="orthographicFront"/>
+      <a:lightRig rig="threePt" dir="t"/>
+    </dgm:scene3d>
+    <dgm:sp3d/>
+    <dgm:txPr/>
+    <dgm:style>
+      <a:lnRef idx="1">
+        <a:scrgbClr r="0" g="0" b="0"/>
+      </a:lnRef>
+      <a:fillRef idx="1">
+        <a:scrgbClr r="0" g="0" b="0"/>
+      </a:fillRef>
+      <a:effectRef idx="0">
+        <a:scrgbClr r="0" g="0" b="0"/>
+      </a:effectRef>
+      <a:fontRef idx="minor"/>
+    </dgm:style>
+  </dgm:styleLbl>
+  <dgm:styleLbl name="bgAcc1">
+    <dgm:scene3d>
+      <a:camera prst="orthographicFront"/>
+      <a:lightRig rig="threePt" dir="t"/>
+    </dgm:scene3d>
+    <dgm:sp3d/>
+    <dgm:txPr/>
+    <dgm:style>
+      <a:lnRef idx="2">
+        <a:scrgbClr r="0" g="0" b="0"/>
+      </a:lnRef>
+      <a:fillRef idx="1">
+        <a:scrgbClr r="0" g="0" b="0"/>
+      </a:fillRef>
+      <a:effectRef idx="0">
+        <a:scrgbClr r="0" g="0" b="0"/>
+      </a:effectRef>
+      <a:fontRef idx="minor"/>
+    </dgm:style>
+  </dgm:styleLbl>
+  <dgm:styleLbl name="solidFgAcc1">
+    <dgm:scene3d>
+      <a:camera prst="orthographicFront"/>
+      <a:lightRig rig="threePt" dir="t"/>
+    </dgm:scene3d>
+    <dgm:sp3d/>
+    <dgm:txPr/>
+    <dgm:style>
+      <a:lnRef idx="2">
+        <a:scrgbClr r="0" g="0" b="0"/>
+      </a:lnRef>
+      <a:fillRef idx="1">
+        <a:scrgbClr r="0" g="0" b="0"/>
+      </a:fillRef>
+      <a:effectRef idx="0">
+        <a:scrgbClr r="0" g="0" b="0"/>
+      </a:effectRef>
+      <a:fontRef idx="minor"/>
+    </dgm:style>
+  </dgm:styleLbl>
+  <dgm:styleLbl name="solidAlignAcc1">
+    <dgm:scene3d>
+      <a:camera prst="orthographicFront"/>
+      <a:lightRig rig="threePt" dir="t"/>
+    </dgm:scene3d>
+    <dgm:sp3d/>
+    <dgm:txPr/>
+    <dgm:style>
+      <a:lnRef idx="2">
+        <a:scrgbClr r="0" g="0" b="0"/>
+      </a:lnRef>
+      <a:fillRef idx="1">
+        <a:scrgbClr r="0" g="0" b="0"/>
+      </a:fillRef>
+      <a:effectRef idx="0">
+        <a:scrgbClr r="0" g="0" b="0"/>
+      </a:effectRef>
+      <a:fontRef idx="minor"/>
+    </dgm:style>
+  </dgm:styleLbl>
+  <dgm:styleLbl name="solidBgAcc1">
+    <dgm:scene3d>
+      <a:camera prst="orthographicFront"/>
+      <a:lightRig rig="threePt" dir="t"/>
+    </dgm:scene3d>
+    <dgm:sp3d/>
+    <dgm:txPr/>
+    <dgm:style>
+      <a:lnRef idx="2">
+        <a:scrgbClr r="0" g="0" b="0"/>
+      </a:lnRef>
+      <a:fillRef idx="1">
+        <a:scrgbClr r="0" g="0" b="0"/>
+      </a:fillRef>
+      <a:effectRef idx="0">
+        <a:scrgbClr r="0" g="0" b="0"/>
+      </a:effectRef>
+      <a:fontRef idx="minor"/>
+    </dgm:style>
+  </dgm:styleLbl>
+  <dgm:styleLbl name="fgAccFollowNode1">
+    <dgm:scene3d>
+      <a:camera prst="orthographicFront"/>
+      <a:lightRig rig="threePt" dir="t"/>
+    </dgm:scene3d>
+    <dgm:sp3d/>
+    <dgm:txPr/>
+    <dgm:style>
+      <a:lnRef idx="2">
+        <a:scrgbClr r="0" g="0" b="0"/>
+      </a:lnRef>
+      <a:fillRef idx="1">
+        <a:scrgbClr r="0" g="0" b="0"/>
+      </a:fillRef>
+      <a:effectRef idx="0">
+        <a:scrgbClr r="0" g="0" b="0"/>
+      </a:effectRef>
+      <a:fontRef idx="minor"/>
+    </dgm:style>
+  </dgm:styleLbl>
+  <dgm:styleLbl name="alignAccFollowNode1">
+    <dgm:scene3d>
+      <a:camera prst="orthographicFront"/>
+      <a:lightRig rig="threePt" dir="t"/>
+    </dgm:scene3d>
+    <dgm:sp3d/>
+    <dgm:txPr/>
+    <dgm:style>
+      <a:lnRef idx="2">
+        <a:scrgbClr r="0" g="0" b="0"/>
+      </a:lnRef>
+      <a:fillRef idx="1">
+        <a:scrgbClr r="0" g="0" b="0"/>
+      </a:fillRef>
+      <a:effectRef idx="0">
+        <a:scrgbClr r="0" g="0" b="0"/>
+      </a:effectRef>
+      <a:fontRef idx="minor"/>
+    </dgm:style>
+  </dgm:styleLbl>
+  <dgm:styleLbl name="bgAccFollowNode1">
+    <dgm:scene3d>
+      <a:camera prst="orthographicFront"/>
+      <a:lightRig rig="threePt" dir="t"/>
+    </dgm:scene3d>
+    <dgm:sp3d/>
+    <dgm:txPr/>
+    <dgm:style>
+      <a:lnRef idx="2">
+        <a:scrgbClr r="0" g="0" b="0"/>
+      </a:lnRef>
+      <a:fillRef idx="1">
+        <a:scrgbClr r="0" g="0" b="0"/>
+      </a:fillRef>
+      <a:effectRef idx="0">
+        <a:scrgbClr r="0" g="0" b="0"/>
+      </a:effectRef>
+      <a:fontRef idx="minor"/>
+    </dgm:style>
+  </dgm:styleLbl>
+  <dgm:styleLbl name="fgAcc0">
+    <dgm:scene3d>
+      <a:camera prst="orthographicFront"/>
+      <a:lightRig rig="threePt" dir="t"/>
+    </dgm:scene3d>
+    <dgm:sp3d/>
+    <dgm:txPr/>
+    <dgm:style>
+      <a:lnRef idx="2">
+        <a:scrgbClr r="0" g="0" b="0"/>
+      </a:lnRef>
+      <a:fillRef idx="1">
+        <a:scrgbClr r="0" g="0" b="0"/>
+      </a:fillRef>
+      <a:effectRef idx="0">
+        <a:scrgbClr r="0" g="0" b="0"/>
+      </a:effectRef>
+      <a:fontRef idx="minor"/>
+    </dgm:style>
+  </dgm:styleLbl>
+  <dgm:styleLbl name="fgAcc2">
+    <dgm:scene3d>
+      <a:camera prst="orthographicFront"/>
+      <a:lightRig rig="threePt" dir="t"/>
+    </dgm:scene3d>
+    <dgm:sp3d/>
+    <dgm:txPr/>
+    <dgm:style>
+      <a:lnRef idx="2">
+        <a:scrgbClr r="0" g="0" b="0"/>
+      </a:lnRef>
+      <a:fillRef idx="1">
+        <a:scrgbClr r="0" g="0" b="0"/>
+      </a:fillRef>
+      <a:effectRef idx="0">
+        <a:scrgbClr r="0" g="0" b="0"/>
+      </a:effectRef>
+      <a:fontRef idx="minor"/>
+    </dgm:style>
+  </dgm:styleLbl>
+  <dgm:styleLbl name="fgAcc3">
+    <dgm:scene3d>
+      <a:camera prst="orthographicFront"/>
+      <a:lightRig rig="threePt" dir="t"/>
+    </dgm:scene3d>
+    <dgm:sp3d/>
+    <dgm:txPr/>
+    <dgm:style>
+      <a:lnRef idx="2">
+        <a:scrgbClr r="0" g="0" b="0"/>
+      </a:lnRef>
+      <a:fillRef idx="1">
+        <a:scrgbClr r="0" g="0" b="0"/>
+      </a:fillRef>
+      <a:effectRef idx="0">
+        <a:scrgbClr r="0" g="0" b="0"/>
+      </a:effectRef>
+      <a:fontRef idx="minor"/>
+    </dgm:style>
+  </dgm:styleLbl>
+  <dgm:styleLbl name="fgAcc4">
+    <dgm:scene3d>
+      <a:camera prst="orthographicFront"/>
+      <a:lightRig rig="threePt" dir="t"/>
+    </dgm:scene3d>
+    <dgm:sp3d/>
+    <dgm:txPr/>
+    <dgm:style>
+      <a:lnRef idx="2">
+        <a:scrgbClr r="0" g="0" b="0"/>
+      </a:lnRef>
+      <a:fillRef idx="1">
+        <a:scrgbClr r="0" g="0" b="0"/>
+      </a:fillRef>
+      <a:effectRef idx="0">
+        <a:scrgbClr r="0" g="0" b="0"/>
+      </a:effectRef>
+      <a:fontRef idx="minor"/>
+    </dgm:style>
+  </dgm:styleLbl>
+  <dgm:styleLbl name="bgShp">
+    <dgm:scene3d>
+      <a:camera prst="orthographicFront"/>
+      <a:lightRig rig="threePt" dir="t"/>
+    </dgm:scene3d>
+    <dgm:sp3d/>
+    <dgm:txPr/>
+    <dgm:style>
+      <a:lnRef idx="0">
+        <a:scrgbClr r="0" g="0" b="0"/>
+      </a:lnRef>
+      <a:fillRef idx="1">
+        <a:scrgbClr r="0" g="0" b="0"/>
+      </a:fillRef>
+      <a:effectRef idx="0">
+        <a:scrgbClr r="0" g="0" b="0"/>
+      </a:effectRef>
+      <a:fontRef idx="minor"/>
+    </dgm:style>
+  </dgm:styleLbl>
+  <dgm:styleLbl name="dkBgShp">
+    <dgm:scene3d>
+      <a:camera prst="orthographicFront"/>
+      <a:lightRig rig="threePt" dir="t"/>
+    </dgm:scene3d>
+    <dgm:sp3d/>
+    <dgm:txPr/>
+    <dgm:style>
+      <a:lnRef idx="0">
+        <a:scrgbClr r="0" g="0" b="0"/>
+      </a:lnRef>
+      <a:fillRef idx="1">
+        <a:scrgbClr r="0" g="0" b="0"/>
+      </a:fillRef>
+      <a:effectRef idx="0">
+        <a:scrgbClr r="0" g="0" b="0"/>
+      </a:effectRef>
+      <a:fontRef idx="minor"/>
+    </dgm:style>
+  </dgm:styleLbl>
+  <dgm:styleLbl name="trBgShp">
+    <dgm:scene3d>
+      <a:camera prst="orthographicFront"/>
+      <a:lightRig rig="threePt" dir="t"/>
+    </dgm:scene3d>
+    <dgm:sp3d/>
+    <dgm:txPr/>
+    <dgm:style>
+      <a:lnRef idx="0">
+        <a:scrgbClr r="0" g="0" b="0"/>
+      </a:lnRef>
+      <a:fillRef idx="1">
+        <a:scrgbClr r="0" g="0" b="0"/>
+      </a:fillRef>
+      <a:effectRef idx="0">
+        <a:scrgbClr r="0" g="0" b="0"/>
+      </a:effectRef>
+      <a:fontRef idx="minor"/>
+    </dgm:style>
+  </dgm:styleLbl>
+  <dgm:styleLbl name="fgShp">
+    <dgm:scene3d>
+      <a:camera prst="orthographicFront"/>
+      <a:lightRig rig="threePt" dir="t"/>
+    </dgm:scene3d>
+    <dgm:sp3d/>
+    <dgm:txPr/>
+    <dgm:style>
+      <a:lnRef idx="2">
+        <a:scrgbClr r="0" g="0" b="0"/>
+      </a:lnRef>
+      <a:fillRef idx="1">
+        <a:scrgbClr r="0" g="0" b="0"/>
+      </a:fillRef>
+      <a:effectRef idx="0">
+        <a:scrgbClr r="0" g="0" b="0"/>
+      </a:effectRef>
+      <a:fontRef idx="minor"/>
+    </dgm:style>
+  </dgm:styleLbl>
+  <dgm:styleLbl name="revTx">
+    <dgm:scene3d>
+      <a:camera prst="orthographicFront"/>
+      <a:lightRig rig="threePt" dir="t"/>
+    </dgm:scene3d>
+    <dgm:sp3d/>
+    <dgm:txPr/>
+    <dgm:style>
+      <a:lnRef idx="0">
+        <a:scrgbClr r="0" g="0" b="0"/>
+      </a:lnRef>
+      <a:fillRef idx="0">
+        <a:scrgbClr r="0" g="0" b="0"/>
+      </a:fillRef>
+      <a:effectRef idx="0">
+        <a:scrgbClr r="0" g="0" b="0"/>
+      </a:effectRef>
+      <a:fontRef idx="minor"/>
+    </dgm:style>
+  </dgm:styleLbl>
+</dgm:styleDef>
 </file>
 
 <file path=ppt/slideLayouts/slideLayout1.xml><?xml version="1.0" encoding="utf-8"?>
@@ -3910,8 +7342,8 @@
         </p:nvSpPr>
         <p:spPr>
           <a:xfrm>
-            <a:off x="571472" y="2000240"/>
-            <a:ext cx="7851648" cy="1828800"/>
+            <a:off x="571472" y="2243142"/>
+            <a:ext cx="7851648" cy="1257296"/>
           </a:xfrm>
         </p:spPr>
         <p:txBody>
@@ -3964,68 +7396,221 @@
         </p:nvSpPr>
         <p:spPr>
           <a:xfrm>
-            <a:off x="357158" y="4714884"/>
-            <a:ext cx="6400800" cy="1752600"/>
+            <a:off x="2500298" y="4071942"/>
+            <a:ext cx="3643338" cy="2286016"/>
           </a:xfrm>
         </p:spPr>
         <p:txBody>
           <a:bodyPr>
-            <a:normAutofit fontScale="92500" lnSpcReduction="20000"/>
+            <a:normAutofit fontScale="25000" lnSpcReduction="20000"/>
           </a:bodyPr>
           <a:lstStyle/>
           <a:p>
-            <a:pPr algn="l"/>
-            <a:r>
-              <a:rPr lang="es-UY" sz="3500" dirty="0" smtClean="0"/>
+            <a:pPr algn="ctr"/>
+            <a:r>
+              <a:rPr lang="es-UY" sz="9600" b="1" dirty="0" smtClean="0">
+                <a:effectLst>
+                  <a:outerShdw blurRad="38100" dist="25400" dir="5400000" algn="tl" rotWithShape="0">
+                    <a:srgbClr val="000000">
+                      <a:alpha val="43000"/>
+                    </a:srgbClr>
+                  </a:outerShdw>
+                </a:effectLst>
+                <a:latin typeface="+mj-lt"/>
+                <a:ea typeface="+mj-ea"/>
+                <a:cs typeface="+mj-cs"/>
+              </a:rPr>
               <a:t>Integrantes</a:t>
             </a:r>
-            <a:r>
-              <a:rPr lang="es-UY" sz="4100" dirty="0" smtClean="0"/>
-              <a:t>:</a:t>
-            </a:r>
-          </a:p>
-          <a:p>
-            <a:pPr algn="l">
-              <a:buFont typeface="Arial" pitchFamily="34" charset="0"/>
-              <a:buChar char="•"/>
-            </a:pPr>
-            <a:r>
-              <a:rPr lang="es-UY" dirty="0" smtClean="0"/>
-              <a:t> Andrés </a:t>
-            </a:r>
-            <a:r>
-              <a:rPr lang="es-UY" dirty="0" err="1" smtClean="0"/>
+            <a:endParaRPr lang="es-UY" sz="9600" b="1" dirty="0" smtClean="0">
+              <a:effectLst>
+                <a:outerShdw blurRad="38100" dist="25400" dir="5400000" algn="tl" rotWithShape="0">
+                  <a:srgbClr val="000000">
+                    <a:alpha val="43000"/>
+                  </a:srgbClr>
+                </a:outerShdw>
+              </a:effectLst>
+              <a:latin typeface="+mj-lt"/>
+              <a:ea typeface="+mj-ea"/>
+              <a:cs typeface="+mj-cs"/>
+            </a:endParaRPr>
+          </a:p>
+          <a:p>
+            <a:pPr algn="ctr"/>
+            <a:r>
+              <a:rPr lang="es-UY" sz="6400" b="1" dirty="0" smtClean="0">
+                <a:effectLst>
+                  <a:outerShdw blurRad="38100" dist="25400" dir="5400000" algn="tl" rotWithShape="0">
+                    <a:srgbClr val="000000">
+                      <a:alpha val="43000"/>
+                    </a:srgbClr>
+                  </a:outerShdw>
+                </a:effectLst>
+                <a:latin typeface="+mj-lt"/>
+                <a:ea typeface="+mj-ea"/>
+                <a:cs typeface="+mj-cs"/>
+              </a:rPr>
+              <a:t> </a:t>
+            </a:r>
+            <a:r>
+              <a:rPr lang="es-UY" sz="8000" b="1" dirty="0" smtClean="0">
+                <a:effectLst>
+                  <a:outerShdw blurRad="38100" dist="25400" dir="5400000" algn="tl" rotWithShape="0">
+                    <a:srgbClr val="000000">
+                      <a:alpha val="43000"/>
+                    </a:srgbClr>
+                  </a:outerShdw>
+                </a:effectLst>
+                <a:latin typeface="+mj-lt"/>
+                <a:ea typeface="+mj-ea"/>
+                <a:cs typeface="+mj-cs"/>
+              </a:rPr>
+              <a:t>Andrés </a:t>
+            </a:r>
+            <a:r>
+              <a:rPr lang="es-UY" sz="8000" b="1" dirty="0" err="1" smtClean="0">
+                <a:effectLst>
+                  <a:outerShdw blurRad="38100" dist="25400" dir="5400000" algn="tl" rotWithShape="0">
+                    <a:srgbClr val="000000">
+                      <a:alpha val="43000"/>
+                    </a:srgbClr>
+                  </a:outerShdw>
+                </a:effectLst>
+                <a:latin typeface="+mj-lt"/>
+                <a:ea typeface="+mj-ea"/>
+                <a:cs typeface="+mj-cs"/>
+              </a:rPr>
               <a:t>Aldao</a:t>
             </a:r>
-            <a:endParaRPr lang="es-UY" dirty="0" smtClean="0"/>
-          </a:p>
-          <a:p>
-            <a:pPr algn="l">
-              <a:buFont typeface="Arial" pitchFamily="34" charset="0"/>
-              <a:buChar char="•"/>
-            </a:pPr>
-            <a:r>
-              <a:rPr lang="es-UY" dirty="0" smtClean="0"/>
+            <a:endParaRPr lang="es-UY" sz="8000" b="1" dirty="0" smtClean="0">
+              <a:effectLst>
+                <a:outerShdw blurRad="38100" dist="25400" dir="5400000" algn="tl" rotWithShape="0">
+                  <a:srgbClr val="000000">
+                    <a:alpha val="43000"/>
+                  </a:srgbClr>
+                </a:outerShdw>
+              </a:effectLst>
+              <a:latin typeface="+mj-lt"/>
+              <a:ea typeface="+mj-ea"/>
+              <a:cs typeface="+mj-cs"/>
+            </a:endParaRPr>
+          </a:p>
+          <a:p>
+            <a:pPr algn="ctr"/>
+            <a:r>
+              <a:rPr lang="es-UY" sz="8000" b="1" dirty="0" smtClean="0">
+                <a:effectLst>
+                  <a:outerShdw blurRad="38100" dist="25400" dir="5400000" algn="tl" rotWithShape="0">
+                    <a:srgbClr val="000000">
+                      <a:alpha val="43000"/>
+                    </a:srgbClr>
+                  </a:outerShdw>
+                </a:effectLst>
+                <a:latin typeface="+mj-lt"/>
+                <a:ea typeface="+mj-ea"/>
+                <a:cs typeface="+mj-cs"/>
+              </a:rPr>
               <a:t>Alejandro </a:t>
             </a:r>
             <a:r>
-              <a:rPr lang="es-UY" dirty="0" err="1" smtClean="0"/>
+              <a:rPr lang="es-UY" sz="8000" b="1" dirty="0" err="1" smtClean="0">
+                <a:effectLst>
+                  <a:outerShdw blurRad="38100" dist="25400" dir="5400000" algn="tl" rotWithShape="0">
+                    <a:srgbClr val="000000">
+                      <a:alpha val="43000"/>
+                    </a:srgbClr>
+                  </a:outerShdw>
+                </a:effectLst>
+                <a:latin typeface="+mj-lt"/>
+                <a:ea typeface="+mj-ea"/>
+                <a:cs typeface="+mj-cs"/>
+              </a:rPr>
               <a:t>Fontes</a:t>
             </a:r>
-            <a:endParaRPr lang="es-UY" dirty="0" smtClean="0"/>
-          </a:p>
-          <a:p>
-            <a:pPr algn="l">
-              <a:buFont typeface="Arial" pitchFamily="34" charset="0"/>
-              <a:buChar char="•"/>
-            </a:pPr>
-            <a:r>
-              <a:rPr lang="es-UY" dirty="0" smtClean="0"/>
+            <a:endParaRPr lang="es-UY" sz="8000" b="1" dirty="0" smtClean="0">
+              <a:effectLst>
+                <a:outerShdw blurRad="38100" dist="25400" dir="5400000" algn="tl" rotWithShape="0">
+                  <a:srgbClr val="000000">
+                    <a:alpha val="43000"/>
+                  </a:srgbClr>
+                </a:outerShdw>
+              </a:effectLst>
+              <a:latin typeface="+mj-lt"/>
+              <a:ea typeface="+mj-ea"/>
+              <a:cs typeface="+mj-cs"/>
+            </a:endParaRPr>
+          </a:p>
+          <a:p>
+            <a:pPr algn="ctr"/>
+            <a:r>
+              <a:rPr lang="es-UY" sz="8000" b="1" dirty="0" smtClean="0">
+                <a:effectLst>
+                  <a:outerShdw blurRad="38100" dist="25400" dir="5400000" algn="tl" rotWithShape="0">
+                    <a:srgbClr val="000000">
+                      <a:alpha val="43000"/>
+                    </a:srgbClr>
+                  </a:outerShdw>
+                </a:effectLst>
+                <a:latin typeface="+mj-lt"/>
+                <a:ea typeface="+mj-ea"/>
+                <a:cs typeface="+mj-cs"/>
+              </a:rPr>
               <a:t>Mauricio Rodríguez</a:t>
             </a:r>
           </a:p>
           <a:p>
-            <a:pPr algn="l"/>
+            <a:pPr algn="ctr"/>
+            <a:endParaRPr lang="es-UY" sz="6400" b="1" dirty="0" smtClean="0">
+              <a:effectLst>
+                <a:outerShdw blurRad="38100" dist="25400" dir="5400000" algn="tl" rotWithShape="0">
+                  <a:srgbClr val="000000">
+                    <a:alpha val="43000"/>
+                  </a:srgbClr>
+                </a:outerShdw>
+              </a:effectLst>
+              <a:latin typeface="+mj-lt"/>
+              <a:ea typeface="+mj-ea"/>
+              <a:cs typeface="+mj-cs"/>
+            </a:endParaRPr>
+          </a:p>
+          <a:p>
+            <a:pPr algn="ctr"/>
+            <a:r>
+              <a:rPr lang="es-UY" sz="9600" b="1" dirty="0" smtClean="0">
+                <a:effectLst>
+                  <a:outerShdw blurRad="38100" dist="25400" dir="5400000" algn="tl" rotWithShape="0">
+                    <a:srgbClr val="000000">
+                      <a:alpha val="43000"/>
+                    </a:srgbClr>
+                  </a:outerShdw>
+                </a:effectLst>
+                <a:latin typeface="+mj-lt"/>
+                <a:ea typeface="+mj-ea"/>
+                <a:cs typeface="+mj-cs"/>
+              </a:rPr>
+              <a:t>Tutor</a:t>
+            </a:r>
+          </a:p>
+          <a:p>
+            <a:pPr algn="ctr"/>
+            <a:r>
+              <a:rPr lang="es-UY" sz="8000" b="1" dirty="0" smtClean="0">
+                <a:effectLst>
+                  <a:outerShdw blurRad="38100" dist="25400" dir="5400000" algn="tl" rotWithShape="0">
+                    <a:srgbClr val="000000">
+                      <a:alpha val="43000"/>
+                    </a:srgbClr>
+                  </a:outerShdw>
+                </a:effectLst>
+                <a:latin typeface="+mj-lt"/>
+                <a:ea typeface="+mj-ea"/>
+                <a:cs typeface="+mj-cs"/>
+              </a:rPr>
+              <a:t>Martín Rodríguez</a:t>
+            </a:r>
+          </a:p>
+          <a:p>
+            <a:pPr algn="ctr"/>
             <a:endParaRPr lang="es-UY" dirty="0"/>
           </a:p>
         </p:txBody>
@@ -4046,7 +7631,7 @@
         </p:blipFill>
         <p:spPr>
           <a:xfrm>
-            <a:off x="357157" y="428604"/>
+            <a:off x="505529" y="428604"/>
             <a:ext cx="2637711" cy="1071570"/>
           </a:xfrm>
           <a:prstGeom prst="rect">
@@ -4083,42 +7668,6 @@
           </a:prstGeom>
         </p:spPr>
       </p:pic>
-      <p:sp>
-        <p:nvSpPr>
-          <p:cNvPr id="8" name="7 CuadroTexto"/>
-          <p:cNvSpPr txBox="1"/>
-          <p:nvPr/>
-        </p:nvSpPr>
-        <p:spPr>
-          <a:xfrm>
-            <a:off x="5000628" y="5429264"/>
-            <a:ext cx="3500462" cy="954107"/>
-          </a:xfrm>
-          <a:prstGeom prst="rect">
-            <a:avLst/>
-          </a:prstGeom>
-          <a:noFill/>
-        </p:spPr>
-        <p:txBody>
-          <a:bodyPr wrap="square" rtlCol="0">
-            <a:spAutoFit/>
-          </a:bodyPr>
-          <a:lstStyle/>
-          <a:p>
-            <a:r>
-              <a:rPr lang="es-ES" sz="3200" dirty="0" smtClean="0"/>
-              <a:t>Tutor:</a:t>
-            </a:r>
-          </a:p>
-          <a:p>
-            <a:r>
-              <a:rPr lang="es-ES" sz="2400" dirty="0" smtClean="0"/>
-              <a:t>Martín Rodríguez</a:t>
-            </a:r>
-            <a:endParaRPr lang="es-ES" sz="2400" dirty="0"/>
-          </a:p>
-        </p:txBody>
-      </p:sp>
     </p:spTree>
   </p:cSld>
   <p:clrMapOvr>
@@ -4153,30 +7702,53 @@
       </p:grpSpPr>
       <p:sp>
         <p:nvSpPr>
-          <p:cNvPr id="2" name="1 Título"/>
-          <p:cNvSpPr>
-            <a:spLocks noGrp="1"/>
-          </p:cNvSpPr>
-          <p:nvPr>
-            <p:ph type="title"/>
-          </p:nvPr>
+          <p:cNvPr id="5" name="4 Rectángulo"/>
+          <p:cNvSpPr/>
+          <p:nvPr/>
         </p:nvSpPr>
-        <p:spPr/>
+        <p:spPr>
+          <a:xfrm>
+            <a:off x="0" y="2071678"/>
+            <a:ext cx="9144000" cy="4786322"/>
+          </a:xfrm>
+          <a:prstGeom prst="rect">
+            <a:avLst/>
+          </a:prstGeom>
+          <a:solidFill>
+            <a:schemeClr val="bg1"/>
+          </a:solidFill>
+          <a:ln>
+            <a:noFill/>
+          </a:ln>
+        </p:spPr>
+        <p:style>
+          <a:lnRef idx="2">
+            <a:schemeClr val="accent1">
+              <a:shade val="50000"/>
+            </a:schemeClr>
+          </a:lnRef>
+          <a:fillRef idx="1">
+            <a:schemeClr val="accent1"/>
+          </a:fillRef>
+          <a:effectRef idx="0">
+            <a:schemeClr val="accent1"/>
+          </a:effectRef>
+          <a:fontRef idx="minor">
+            <a:schemeClr val="lt1"/>
+          </a:fontRef>
+        </p:style>
         <p:txBody>
-          <a:bodyPr/>
+          <a:bodyPr rtlCol="0" anchor="ctr"/>
           <a:lstStyle/>
           <a:p>
-            <a:r>
-              <a:rPr lang="es-ES" dirty="0" smtClean="0"/>
-              <a:t>Implementación</a:t>
-            </a:r>
-            <a:endParaRPr lang="es-ES" dirty="0"/>
+            <a:pPr algn="ctr"/>
+            <a:endParaRPr lang="es-ES"/>
           </a:p>
         </p:txBody>
       </p:sp>
       <p:pic>
         <p:nvPicPr>
-          <p:cNvPr id="5" name="4 Imagen" descr="html5.jpg"/>
+          <p:cNvPr id="4" name="3 Imagen" descr="analisis.jpg"/>
           <p:cNvPicPr>
             <a:picLocks noChangeAspect="1"/>
           </p:cNvPicPr>
@@ -4190,204 +7762,98 @@
         </p:blipFill>
         <p:spPr>
           <a:xfrm>
-            <a:off x="3643306" y="1785926"/>
-            <a:ext cx="2071702" cy="2071702"/>
+            <a:off x="4643438" y="2716208"/>
+            <a:ext cx="3350570" cy="3335678"/>
           </a:xfrm>
           <a:prstGeom prst="rect">
             <a:avLst/>
           </a:prstGeom>
         </p:spPr>
       </p:pic>
-      <p:pic>
-        <p:nvPicPr>
-          <p:cNvPr id="6" name="5 Imagen" descr="android.jpg"/>
-          <p:cNvPicPr>
-            <a:picLocks noChangeAspect="1"/>
-          </p:cNvPicPr>
-          <p:nvPr/>
-        </p:nvPicPr>
-        <p:blipFill>
-          <a:blip r:embed="rId3"/>
-          <a:stretch>
-            <a:fillRect/>
-          </a:stretch>
-        </p:blipFill>
-        <p:spPr>
-          <a:xfrm>
-            <a:off x="6786578" y="1857364"/>
-            <a:ext cx="1571636" cy="1828538"/>
-          </a:xfrm>
-          <a:prstGeom prst="rect">
-            <a:avLst/>
-          </a:prstGeom>
-          <a:effectLst>
-            <a:outerShdw blurRad="50800" dist="38100" dir="5400000" algn="t" rotWithShape="0">
-              <a:prstClr val="black">
-                <a:alpha val="40000"/>
-              </a:prstClr>
-            </a:outerShdw>
-          </a:effectLst>
-        </p:spPr>
-      </p:pic>
-      <p:pic>
-        <p:nvPicPr>
-          <p:cNvPr id="7" name="6 Imagen" descr="jquery.jpg"/>
-          <p:cNvPicPr>
-            <a:picLocks noChangeAspect="1"/>
-          </p:cNvPicPr>
-          <p:nvPr/>
-        </p:nvPicPr>
-        <p:blipFill>
-          <a:blip r:embed="rId4"/>
-          <a:stretch>
-            <a:fillRect/>
-          </a:stretch>
-        </p:blipFill>
-        <p:spPr>
-          <a:xfrm>
-            <a:off x="5354021" y="4357694"/>
-            <a:ext cx="3789979" cy="928670"/>
-          </a:xfrm>
-          <a:prstGeom prst="rect">
-            <a:avLst/>
-          </a:prstGeom>
-          <a:effectLst>
-            <a:innerShdw blurRad="63500" dist="50800" dir="8100000">
-              <a:prstClr val="black">
-                <a:alpha val="50000"/>
-              </a:prstClr>
-            </a:innerShdw>
-          </a:effectLst>
-        </p:spPr>
-      </p:pic>
-      <p:pic>
-        <p:nvPicPr>
-          <p:cNvPr id="8" name="7 Imagen" descr="java.jpg"/>
-          <p:cNvPicPr>
-            <a:picLocks noChangeAspect="1"/>
-          </p:cNvPicPr>
-          <p:nvPr/>
-        </p:nvPicPr>
-        <p:blipFill>
-          <a:blip r:embed="rId5"/>
-          <a:stretch>
-            <a:fillRect/>
-          </a:stretch>
-        </p:blipFill>
-        <p:spPr>
-          <a:xfrm>
-            <a:off x="0" y="4071918"/>
-            <a:ext cx="2786082" cy="2786082"/>
-          </a:xfrm>
-          <a:prstGeom prst="rect">
-            <a:avLst/>
-          </a:prstGeom>
-          <a:effectLst>
-            <a:outerShdw blurRad="63500" sx="102000" sy="102000" algn="ctr" rotWithShape="0">
-              <a:prstClr val="black">
-                <a:alpha val="40000"/>
-              </a:prstClr>
-            </a:outerShdw>
-          </a:effectLst>
-        </p:spPr>
-      </p:pic>
-      <p:pic>
-        <p:nvPicPr>
-          <p:cNvPr id="9" name="8 Imagen" descr="postgresql.jpg"/>
-          <p:cNvPicPr>
-            <a:picLocks noChangeAspect="1"/>
-          </p:cNvPicPr>
-          <p:nvPr/>
-        </p:nvPicPr>
-        <p:blipFill>
-          <a:blip r:embed="rId6"/>
-          <a:stretch>
-            <a:fillRect/>
-          </a:stretch>
-        </p:blipFill>
-        <p:spPr>
-          <a:xfrm>
-            <a:off x="2928926" y="5610225"/>
-            <a:ext cx="3648075" cy="1247775"/>
-          </a:xfrm>
-          <a:prstGeom prst="rect">
-            <a:avLst/>
-          </a:prstGeom>
-          <a:effectLst>
-            <a:outerShdw blurRad="50800" dist="38100" dir="18900000" algn="bl" rotWithShape="0">
-              <a:prstClr val="black">
-                <a:alpha val="40000"/>
-              </a:prstClr>
-            </a:outerShdw>
-          </a:effectLst>
-        </p:spPr>
-      </p:pic>
-      <p:pic>
-        <p:nvPicPr>
-          <p:cNvPr id="4" name="3 Marcador de contenido" descr="bootstrap.jpg"/>
-          <p:cNvPicPr>
-            <a:picLocks noGrp="1" noChangeAspect="1"/>
-          </p:cNvPicPr>
+      <p:sp>
+        <p:nvSpPr>
+          <p:cNvPr id="2" name="1 Título"/>
+          <p:cNvSpPr>
+            <a:spLocks noGrp="1"/>
+          </p:cNvSpPr>
+          <p:nvPr>
+            <p:ph type="title"/>
+          </p:nvPr>
+        </p:nvSpPr>
+        <p:spPr/>
+        <p:txBody>
+          <a:bodyPr/>
+          <a:lstStyle/>
+          <a:p>
+            <a:pPr algn="ctr"/>
+            <a:r>
+              <a:rPr lang="es-ES" dirty="0" smtClean="0"/>
+              <a:t>Análisis</a:t>
+            </a:r>
+            <a:endParaRPr lang="es-ES" dirty="0"/>
+          </a:p>
+        </p:txBody>
+      </p:sp>
+      <p:sp>
+        <p:nvSpPr>
+          <p:cNvPr id="3" name="2 Marcador de contenido"/>
+          <p:cNvSpPr>
+            <a:spLocks noGrp="1"/>
+          </p:cNvSpPr>
           <p:nvPr>
             <p:ph idx="1"/>
           </p:nvPr>
-        </p:nvPicPr>
-        <p:blipFill>
-          <a:blip r:embed="rId7"/>
-          <a:stretch>
-            <a:fillRect/>
-          </a:stretch>
-        </p:blipFill>
+        </p:nvSpPr>
         <p:spPr>
           <a:xfrm>
-            <a:off x="357158" y="2071678"/>
-            <a:ext cx="2168654" cy="1214446"/>
+            <a:off x="500034" y="2571744"/>
+            <a:ext cx="8229600" cy="1707834"/>
           </a:xfrm>
-          <a:effectLst>
-            <a:outerShdw blurRad="50800" dist="38100" dir="2700000" algn="tl" rotWithShape="0">
-              <a:prstClr val="black">
-                <a:alpha val="40000"/>
-              </a:prstClr>
-            </a:outerShdw>
-          </a:effectLst>
         </p:spPr>
-      </p:pic>
-      <p:pic>
-        <p:nvPicPr>
-          <p:cNvPr id="10" name="9 Imagen" descr="hibernate.jpg"/>
-          <p:cNvPicPr>
-            <a:picLocks noChangeAspect="1"/>
-          </p:cNvPicPr>
-          <p:nvPr/>
-        </p:nvPicPr>
-        <p:blipFill>
-          <a:blip r:embed="rId8"/>
-          <a:stretch>
-            <a:fillRect/>
-          </a:stretch>
-        </p:blipFill>
-        <p:spPr>
-          <a:xfrm>
-            <a:off x="2571736" y="3857628"/>
-            <a:ext cx="2714644" cy="750183"/>
-          </a:xfrm>
-          <a:prstGeom prst="rect">
-            <a:avLst/>
-          </a:prstGeom>
-          <a:effectLst>
-            <a:outerShdw blurRad="50800" dist="38100" dir="5400000" algn="t" rotWithShape="0">
-              <a:prstClr val="black">
-                <a:alpha val="40000"/>
-              </a:prstClr>
-            </a:outerShdw>
-          </a:effectLst>
-        </p:spPr>
-      </p:pic>
+        <p:txBody>
+          <a:bodyPr/>
+          <a:lstStyle/>
+          <a:p>
+            <a:pPr>
+              <a:buNone/>
+            </a:pPr>
+            <a:r>
+              <a:rPr lang="es-ES" dirty="0" smtClean="0">
+                <a:latin typeface="+mj-lt"/>
+              </a:rPr>
+              <a:t>Ésta etapa implica:</a:t>
+            </a:r>
+          </a:p>
+          <a:p>
+            <a:r>
+              <a:rPr lang="es-ES" dirty="0" smtClean="0">
+                <a:latin typeface="+mj-lt"/>
+              </a:rPr>
+              <a:t>Estudio del problema planteado</a:t>
+            </a:r>
+          </a:p>
+          <a:p>
+            <a:r>
+              <a:rPr lang="es-ES" dirty="0" smtClean="0">
+                <a:latin typeface="+mj-lt"/>
+              </a:rPr>
+              <a:t>Relevamiento de funcionalidades</a:t>
+            </a:r>
+          </a:p>
+        </p:txBody>
+      </p:sp>
     </p:spTree>
   </p:cSld>
   <p:clrMapOvr>
     <a:masterClrMapping/>
   </p:clrMapOvr>
+  <p:timing>
+    <p:tnLst>
+      <p:par>
+        <p:cTn id="1" dur="indefinite" restart="never" nodeType="tmRoot"/>
+      </p:par>
+    </p:tnLst>
+  </p:timing>
 </p:sld>
 </file>
 
@@ -4423,32 +7889,10 @@
           <a:bodyPr/>
           <a:lstStyle/>
           <a:p>
+            <a:pPr algn="ctr"/>
             <a:r>
               <a:rPr lang="es-ES" dirty="0" smtClean="0"/>
-              <a:t>Gestión</a:t>
-            </a:r>
-            <a:endParaRPr lang="es-ES" dirty="0"/>
-          </a:p>
-        </p:txBody>
-      </p:sp>
-      <p:sp>
-        <p:nvSpPr>
-          <p:cNvPr id="3" name="2 Marcador de contenido"/>
-          <p:cNvSpPr>
-            <a:spLocks noGrp="1"/>
-          </p:cNvSpPr>
-          <p:nvPr>
-            <p:ph idx="1"/>
-          </p:nvPr>
-        </p:nvSpPr>
-        <p:spPr/>
-        <p:txBody>
-          <a:bodyPr/>
-          <a:lstStyle/>
-          <a:p>
-            <a:r>
-              <a:rPr lang="es-ES" dirty="0" smtClean="0"/>
-              <a:t>Planificación</a:t>
+              <a:t>Diseño</a:t>
             </a:r>
             <a:endParaRPr lang="es-ES" dirty="0"/>
           </a:p>
@@ -4456,11 +7900,13 @@
       </p:sp>
       <p:pic>
         <p:nvPicPr>
-          <p:cNvPr id="4" name="3 Imagen" descr="github.jpg"/>
+          <p:cNvPr id="4" name="3 Marcador de contenido" descr="diseño.jpg"/>
           <p:cNvPicPr>
-            <a:picLocks noChangeAspect="1"/>
+            <a:picLocks noGrp="1" noChangeAspect="1"/>
           </p:cNvPicPr>
-          <p:nvPr/>
+          <p:nvPr>
+            <p:ph idx="1"/>
+          </p:nvPr>
         </p:nvPicPr>
         <p:blipFill>
           <a:blip r:embed="rId2"/>
@@ -4470,43 +7916,180 @@
         </p:blipFill>
         <p:spPr>
           <a:xfrm>
-            <a:off x="1071538" y="2357430"/>
-            <a:ext cx="3562360" cy="3562360"/>
+            <a:off x="4572000" y="3429000"/>
+            <a:ext cx="4572000" cy="3429000"/>
+          </a:xfrm>
+        </p:spPr>
+      </p:pic>
+      <p:sp>
+        <p:nvSpPr>
+          <p:cNvPr id="5" name="2 Marcador de contenido"/>
+          <p:cNvSpPr txBox="1">
+            <a:spLocks/>
+          </p:cNvSpPr>
+          <p:nvPr/>
+        </p:nvSpPr>
+        <p:spPr>
+          <a:xfrm>
+            <a:off x="357158" y="2500306"/>
+            <a:ext cx="5500726" cy="2214578"/>
           </a:xfrm>
           <a:prstGeom prst="rect">
             <a:avLst/>
           </a:prstGeom>
         </p:spPr>
-      </p:pic>
-      <p:pic>
-        <p:nvPicPr>
-          <p:cNvPr id="5" name="4 Imagen" descr="tiempo.jpg"/>
-          <p:cNvPicPr>
-            <a:picLocks noChangeAspect="1"/>
-          </p:cNvPicPr>
-          <p:nvPr/>
-        </p:nvPicPr>
-        <p:blipFill>
-          <a:blip r:embed="rId3"/>
-          <a:stretch>
-            <a:fillRect/>
-          </a:stretch>
-        </p:blipFill>
-        <p:spPr>
-          <a:xfrm>
-            <a:off x="5558455" y="4471983"/>
-            <a:ext cx="3585545" cy="2386017"/>
-          </a:xfrm>
-          <a:prstGeom prst="rect">
-            <a:avLst/>
-          </a:prstGeom>
-        </p:spPr>
-      </p:pic>
+        <p:txBody>
+          <a:bodyPr vert="horz">
+            <a:normAutofit/>
+          </a:bodyPr>
+          <a:lstStyle/>
+          <a:p>
+            <a:pPr marL="274320" marR="0" lvl="0" indent="-274320" algn="l" defTabSz="914400" rtl="0" eaLnBrk="1" fontAlgn="auto" latinLnBrk="0" hangingPunct="1">
+              <a:lnSpc>
+                <a:spcPct val="100000"/>
+              </a:lnSpc>
+              <a:spcBef>
+                <a:spcPct val="20000"/>
+              </a:spcBef>
+              <a:spcAft>
+                <a:spcPts val="0"/>
+              </a:spcAft>
+              <a:buClr>
+                <a:schemeClr val="accent3"/>
+              </a:buClr>
+              <a:buSzPct val="95000"/>
+              <a:buFont typeface="Wingdings 2"/>
+              <a:buNone/>
+              <a:tabLst/>
+              <a:defRPr/>
+            </a:pPr>
+            <a:r>
+              <a:rPr kumimoji="0" lang="es-ES" sz="2600" b="0" i="0" u="none" strike="noStrike" kern="1200" cap="none" spc="0" normalizeH="0" baseline="0" noProof="0" dirty="0" smtClean="0">
+                <a:ln>
+                  <a:noFill/>
+                </a:ln>
+                <a:solidFill>
+                  <a:schemeClr val="tx1"/>
+                </a:solidFill>
+                <a:effectLst/>
+                <a:uLnTx/>
+                <a:uFillTx/>
+                <a:latin typeface="+mj-lt"/>
+                <a:ea typeface="+mn-ea"/>
+                <a:cs typeface="+mn-cs"/>
+              </a:rPr>
+              <a:t>Detallar lo previamente especificado:</a:t>
+            </a:r>
+          </a:p>
+          <a:p>
+            <a:pPr marL="274320" marR="0" lvl="0" indent="-274320" algn="l" defTabSz="914400" rtl="0" eaLnBrk="1" fontAlgn="auto" latinLnBrk="0" hangingPunct="1">
+              <a:lnSpc>
+                <a:spcPct val="100000"/>
+              </a:lnSpc>
+              <a:spcBef>
+                <a:spcPct val="20000"/>
+              </a:spcBef>
+              <a:spcAft>
+                <a:spcPts val="0"/>
+              </a:spcAft>
+              <a:buClr>
+                <a:schemeClr val="accent3"/>
+              </a:buClr>
+              <a:buSzPct val="95000"/>
+              <a:buFont typeface="Arial" pitchFamily="34" charset="0"/>
+              <a:buChar char="•"/>
+              <a:tabLst/>
+              <a:defRPr/>
+            </a:pPr>
+            <a:r>
+              <a:rPr lang="es-ES" sz="2600" dirty="0" smtClean="0">
+                <a:latin typeface="+mj-lt"/>
+              </a:rPr>
+              <a:t>Diagramas de Comunicación</a:t>
+            </a:r>
+          </a:p>
+          <a:p>
+            <a:pPr marL="274320" marR="0" lvl="0" indent="-274320" algn="l" defTabSz="914400" rtl="0" eaLnBrk="1" fontAlgn="auto" latinLnBrk="0" hangingPunct="1">
+              <a:lnSpc>
+                <a:spcPct val="100000"/>
+              </a:lnSpc>
+              <a:spcBef>
+                <a:spcPct val="20000"/>
+              </a:spcBef>
+              <a:spcAft>
+                <a:spcPts val="0"/>
+              </a:spcAft>
+              <a:buClr>
+                <a:schemeClr val="accent3"/>
+              </a:buClr>
+              <a:buSzPct val="95000"/>
+              <a:buFont typeface="Arial" pitchFamily="34" charset="0"/>
+              <a:buChar char="•"/>
+              <a:tabLst/>
+              <a:defRPr/>
+            </a:pPr>
+            <a:r>
+              <a:rPr lang="es-ES" sz="2600" dirty="0" smtClean="0">
+                <a:latin typeface="+mj-lt"/>
+              </a:rPr>
+              <a:t>Diagramas de Clase de Diseño</a:t>
+            </a:r>
+          </a:p>
+          <a:p>
+            <a:pPr marL="274320" marR="0" lvl="0" indent="-274320" algn="l" defTabSz="914400" rtl="0" eaLnBrk="1" fontAlgn="auto" latinLnBrk="0" hangingPunct="1">
+              <a:lnSpc>
+                <a:spcPct val="100000"/>
+              </a:lnSpc>
+              <a:spcBef>
+                <a:spcPct val="20000"/>
+              </a:spcBef>
+              <a:spcAft>
+                <a:spcPts val="0"/>
+              </a:spcAft>
+              <a:buClr>
+                <a:schemeClr val="accent3"/>
+              </a:buClr>
+              <a:buSzPct val="95000"/>
+              <a:buFont typeface="Arial" pitchFamily="34" charset="0"/>
+              <a:buChar char="•"/>
+              <a:tabLst/>
+              <a:defRPr/>
+            </a:pPr>
+            <a:r>
+              <a:rPr lang="es-ES" sz="2600" dirty="0" smtClean="0">
+                <a:latin typeface="+mj-lt"/>
+              </a:rPr>
+              <a:t>Modelo de Datos</a:t>
+            </a:r>
+            <a:endParaRPr kumimoji="0" lang="es-ES" sz="2600" b="0" i="0" u="none" strike="noStrike" kern="1200" cap="none" spc="0" normalizeH="0" baseline="0" noProof="0" dirty="0" smtClean="0">
+              <a:ln>
+                <a:noFill/>
+              </a:ln>
+              <a:solidFill>
+                <a:schemeClr val="tx1"/>
+              </a:solidFill>
+              <a:effectLst/>
+              <a:uLnTx/>
+              <a:uFillTx/>
+              <a:latin typeface="+mj-lt"/>
+              <a:ea typeface="+mn-ea"/>
+              <a:cs typeface="+mn-cs"/>
+            </a:endParaRPr>
+          </a:p>
+        </p:txBody>
+      </p:sp>
     </p:spTree>
   </p:cSld>
   <p:clrMapOvr>
     <a:masterClrMapping/>
   </p:clrMapOvr>
+  <p:timing>
+    <p:tnLst>
+      <p:par>
+        <p:cTn id="1" dur="indefinite" restart="never" nodeType="tmRoot"/>
+      </p:par>
+    </p:tnLst>
+  </p:timing>
 </p:sld>
 </file>
 
@@ -4542,51 +8125,681 @@
           <a:bodyPr/>
           <a:lstStyle/>
           <a:p>
+            <a:pPr algn="ctr"/>
             <a:r>
               <a:rPr lang="es-ES" dirty="0" smtClean="0"/>
-              <a:t>Trabajo a futuro</a:t>
+              <a:t>Implementación</a:t>
             </a:r>
             <a:endParaRPr lang="es-ES" dirty="0"/>
           </a:p>
         </p:txBody>
       </p:sp>
-      <p:pic>
-        <p:nvPicPr>
-          <p:cNvPr id="4" name="Picture 2" descr="http://www.tshapesolutions.com/wp-content/uploads/2011/01/Internet-Marketing-Tools.jpg"/>
-          <p:cNvPicPr>
-            <a:picLocks noGrp="1" noChangeAspect="1" noChangeArrowheads="1"/>
-          </p:cNvPicPr>
+      <p:graphicFrame>
+        <p:nvGraphicFramePr>
+          <p:cNvPr id="12" name="11 Marcador de contenido"/>
+          <p:cNvGraphicFramePr>
+            <a:graphicFrameLocks noGrp="1"/>
+          </p:cNvGraphicFramePr>
           <p:nvPr>
             <p:ph idx="1"/>
           </p:nvPr>
+        </p:nvGraphicFramePr>
+        <p:xfrm>
+          <a:off x="457200" y="1935160"/>
+          <a:ext cx="8229600" cy="4351359"/>
+        </p:xfrm>
+        <a:graphic>
+          <a:graphicData uri="http://schemas.openxmlformats.org/drawingml/2006/table">
+            <a:tbl>
+              <a:tblPr firstRow="1" bandRow="1">
+                <a:tableStyleId>{2D5ABB26-0587-4C30-8999-92F81FD0307C}</a:tableStyleId>
+              </a:tblPr>
+              <a:tblGrid>
+                <a:gridCol w="2743200"/>
+                <a:gridCol w="2743200"/>
+                <a:gridCol w="2743200"/>
+              </a:tblGrid>
+              <a:tr h="1450453">
+                <a:tc>
+                  <a:txBody>
+                    <a:bodyPr/>
+                    <a:lstStyle/>
+                    <a:p>
+                      <a:endParaRPr lang="es-ES" dirty="0"/>
+                    </a:p>
+                  </a:txBody>
+                  <a:tcPr>
+                    <a:lnL w="12700" cap="flat" cmpd="sng" algn="ctr">
+                      <a:noFill/>
+                      <a:prstDash val="solid"/>
+                      <a:round/>
+                      <a:headEnd type="none" w="med" len="med"/>
+                      <a:tailEnd type="none" w="med" len="med"/>
+                    </a:lnL>
+                    <a:lnR w="12700" cap="flat" cmpd="sng" algn="ctr">
+                      <a:noFill/>
+                      <a:prstDash val="solid"/>
+                      <a:round/>
+                      <a:headEnd type="none" w="med" len="med"/>
+                      <a:tailEnd type="none" w="med" len="med"/>
+                    </a:lnR>
+                    <a:lnT w="12700" cap="flat" cmpd="sng" algn="ctr">
+                      <a:noFill/>
+                      <a:prstDash val="solid"/>
+                      <a:round/>
+                      <a:headEnd type="none" w="med" len="med"/>
+                      <a:tailEnd type="none" w="med" len="med"/>
+                    </a:lnT>
+                    <a:lnB w="12700" cap="flat" cmpd="sng" algn="ctr">
+                      <a:noFill/>
+                      <a:prstDash val="solid"/>
+                      <a:round/>
+                      <a:headEnd type="none" w="med" len="med"/>
+                      <a:tailEnd type="none" w="med" len="med"/>
+                    </a:lnB>
+                    <a:lnTlToBr w="12700" cmpd="sng">
+                      <a:noFill/>
+                      <a:prstDash val="solid"/>
+                    </a:lnTlToBr>
+                    <a:lnBlToTr w="12700" cmpd="sng">
+                      <a:noFill/>
+                      <a:prstDash val="solid"/>
+                    </a:lnBlToTr>
+                  </a:tcPr>
+                </a:tc>
+                <a:tc>
+                  <a:txBody>
+                    <a:bodyPr/>
+                    <a:lstStyle/>
+                    <a:p>
+                      <a:endParaRPr lang="es-ES" dirty="0"/>
+                    </a:p>
+                  </a:txBody>
+                  <a:tcPr>
+                    <a:lnL w="12700" cap="flat" cmpd="sng" algn="ctr">
+                      <a:noFill/>
+                      <a:prstDash val="solid"/>
+                      <a:round/>
+                      <a:headEnd type="none" w="med" len="med"/>
+                      <a:tailEnd type="none" w="med" len="med"/>
+                    </a:lnL>
+                    <a:lnR w="12700" cap="flat" cmpd="sng" algn="ctr">
+                      <a:noFill/>
+                      <a:prstDash val="solid"/>
+                      <a:round/>
+                      <a:headEnd type="none" w="med" len="med"/>
+                      <a:tailEnd type="none" w="med" len="med"/>
+                    </a:lnR>
+                    <a:lnT w="12700" cap="flat" cmpd="sng" algn="ctr">
+                      <a:noFill/>
+                      <a:prstDash val="solid"/>
+                      <a:round/>
+                      <a:headEnd type="none" w="med" len="med"/>
+                      <a:tailEnd type="none" w="med" len="med"/>
+                    </a:lnT>
+                    <a:lnB w="12700" cap="flat" cmpd="sng" algn="ctr">
+                      <a:noFill/>
+                      <a:prstDash val="solid"/>
+                      <a:round/>
+                      <a:headEnd type="none" w="med" len="med"/>
+                      <a:tailEnd type="none" w="med" len="med"/>
+                    </a:lnB>
+                    <a:lnTlToBr w="12700" cmpd="sng">
+                      <a:noFill/>
+                      <a:prstDash val="solid"/>
+                    </a:lnTlToBr>
+                    <a:lnBlToTr w="12700" cmpd="sng">
+                      <a:noFill/>
+                      <a:prstDash val="solid"/>
+                    </a:lnBlToTr>
+                  </a:tcPr>
+                </a:tc>
+                <a:tc>
+                  <a:txBody>
+                    <a:bodyPr/>
+                    <a:lstStyle/>
+                    <a:p>
+                      <a:endParaRPr lang="es-ES" dirty="0"/>
+                    </a:p>
+                  </a:txBody>
+                  <a:tcPr>
+                    <a:lnL w="12700" cap="flat" cmpd="sng" algn="ctr">
+                      <a:noFill/>
+                      <a:prstDash val="solid"/>
+                      <a:round/>
+                      <a:headEnd type="none" w="med" len="med"/>
+                      <a:tailEnd type="none" w="med" len="med"/>
+                    </a:lnL>
+                    <a:lnR w="12700" cap="flat" cmpd="sng" algn="ctr">
+                      <a:noFill/>
+                      <a:prstDash val="solid"/>
+                      <a:round/>
+                      <a:headEnd type="none" w="med" len="med"/>
+                      <a:tailEnd type="none" w="med" len="med"/>
+                    </a:lnR>
+                    <a:lnT w="12700" cap="flat" cmpd="sng" algn="ctr">
+                      <a:noFill/>
+                      <a:prstDash val="solid"/>
+                      <a:round/>
+                      <a:headEnd type="none" w="med" len="med"/>
+                      <a:tailEnd type="none" w="med" len="med"/>
+                    </a:lnT>
+                    <a:lnB w="12700" cap="flat" cmpd="sng" algn="ctr">
+                      <a:noFill/>
+                      <a:prstDash val="solid"/>
+                      <a:round/>
+                      <a:headEnd type="none" w="med" len="med"/>
+                      <a:tailEnd type="none" w="med" len="med"/>
+                    </a:lnB>
+                    <a:lnTlToBr w="12700" cmpd="sng">
+                      <a:noFill/>
+                      <a:prstDash val="solid"/>
+                    </a:lnTlToBr>
+                    <a:lnBlToTr w="12700" cmpd="sng">
+                      <a:noFill/>
+                      <a:prstDash val="solid"/>
+                    </a:lnBlToTr>
+                  </a:tcPr>
+                </a:tc>
+              </a:tr>
+              <a:tr h="1450453">
+                <a:tc>
+                  <a:txBody>
+                    <a:bodyPr/>
+                    <a:lstStyle/>
+                    <a:p>
+                      <a:endParaRPr lang="es-ES" dirty="0"/>
+                    </a:p>
+                  </a:txBody>
+                  <a:tcPr>
+                    <a:lnL w="12700" cap="flat" cmpd="sng" algn="ctr">
+                      <a:noFill/>
+                      <a:prstDash val="solid"/>
+                      <a:round/>
+                      <a:headEnd type="none" w="med" len="med"/>
+                      <a:tailEnd type="none" w="med" len="med"/>
+                    </a:lnL>
+                    <a:lnR w="12700" cap="flat" cmpd="sng" algn="ctr">
+                      <a:noFill/>
+                      <a:prstDash val="solid"/>
+                      <a:round/>
+                      <a:headEnd type="none" w="med" len="med"/>
+                      <a:tailEnd type="none" w="med" len="med"/>
+                    </a:lnR>
+                    <a:lnT w="12700" cap="flat" cmpd="sng" algn="ctr">
+                      <a:noFill/>
+                      <a:prstDash val="solid"/>
+                      <a:round/>
+                      <a:headEnd type="none" w="med" len="med"/>
+                      <a:tailEnd type="none" w="med" len="med"/>
+                    </a:lnT>
+                    <a:lnB w="12700" cap="flat" cmpd="sng" algn="ctr">
+                      <a:noFill/>
+                      <a:prstDash val="solid"/>
+                      <a:round/>
+                      <a:headEnd type="none" w="med" len="med"/>
+                      <a:tailEnd type="none" w="med" len="med"/>
+                    </a:lnB>
+                    <a:lnTlToBr w="12700" cmpd="sng">
+                      <a:noFill/>
+                      <a:prstDash val="solid"/>
+                    </a:lnTlToBr>
+                    <a:lnBlToTr w="12700" cmpd="sng">
+                      <a:noFill/>
+                      <a:prstDash val="solid"/>
+                    </a:lnBlToTr>
+                  </a:tcPr>
+                </a:tc>
+                <a:tc>
+                  <a:txBody>
+                    <a:bodyPr/>
+                    <a:lstStyle/>
+                    <a:p>
+                      <a:endParaRPr lang="es-ES"/>
+                    </a:p>
+                  </a:txBody>
+                  <a:tcPr>
+                    <a:lnL w="12700" cap="flat" cmpd="sng" algn="ctr">
+                      <a:noFill/>
+                      <a:prstDash val="solid"/>
+                      <a:round/>
+                      <a:headEnd type="none" w="med" len="med"/>
+                      <a:tailEnd type="none" w="med" len="med"/>
+                    </a:lnL>
+                    <a:lnR w="12700" cap="flat" cmpd="sng" algn="ctr">
+                      <a:noFill/>
+                      <a:prstDash val="solid"/>
+                      <a:round/>
+                      <a:headEnd type="none" w="med" len="med"/>
+                      <a:tailEnd type="none" w="med" len="med"/>
+                    </a:lnR>
+                    <a:lnT w="12700" cap="flat" cmpd="sng" algn="ctr">
+                      <a:noFill/>
+                      <a:prstDash val="solid"/>
+                      <a:round/>
+                      <a:headEnd type="none" w="med" len="med"/>
+                      <a:tailEnd type="none" w="med" len="med"/>
+                    </a:lnT>
+                    <a:lnB w="12700" cap="flat" cmpd="sng" algn="ctr">
+                      <a:noFill/>
+                      <a:prstDash val="solid"/>
+                      <a:round/>
+                      <a:headEnd type="none" w="med" len="med"/>
+                      <a:tailEnd type="none" w="med" len="med"/>
+                    </a:lnB>
+                    <a:lnTlToBr w="12700" cmpd="sng">
+                      <a:noFill/>
+                      <a:prstDash val="solid"/>
+                    </a:lnTlToBr>
+                    <a:lnBlToTr w="12700" cmpd="sng">
+                      <a:noFill/>
+                      <a:prstDash val="solid"/>
+                    </a:lnBlToTr>
+                  </a:tcPr>
+                </a:tc>
+                <a:tc>
+                  <a:txBody>
+                    <a:bodyPr/>
+                    <a:lstStyle/>
+                    <a:p>
+                      <a:endParaRPr lang="es-ES" dirty="0"/>
+                    </a:p>
+                  </a:txBody>
+                  <a:tcPr>
+                    <a:lnL w="12700" cap="flat" cmpd="sng" algn="ctr">
+                      <a:noFill/>
+                      <a:prstDash val="solid"/>
+                      <a:round/>
+                      <a:headEnd type="none" w="med" len="med"/>
+                      <a:tailEnd type="none" w="med" len="med"/>
+                    </a:lnL>
+                    <a:lnR w="12700" cap="flat" cmpd="sng" algn="ctr">
+                      <a:noFill/>
+                      <a:prstDash val="solid"/>
+                      <a:round/>
+                      <a:headEnd type="none" w="med" len="med"/>
+                      <a:tailEnd type="none" w="med" len="med"/>
+                    </a:lnR>
+                    <a:lnT w="12700" cap="flat" cmpd="sng" algn="ctr">
+                      <a:noFill/>
+                      <a:prstDash val="solid"/>
+                      <a:round/>
+                      <a:headEnd type="none" w="med" len="med"/>
+                      <a:tailEnd type="none" w="med" len="med"/>
+                    </a:lnT>
+                    <a:lnB w="12700" cap="flat" cmpd="sng" algn="ctr">
+                      <a:noFill/>
+                      <a:prstDash val="solid"/>
+                      <a:round/>
+                      <a:headEnd type="none" w="med" len="med"/>
+                      <a:tailEnd type="none" w="med" len="med"/>
+                    </a:lnB>
+                    <a:lnTlToBr w="12700" cmpd="sng">
+                      <a:noFill/>
+                      <a:prstDash val="solid"/>
+                    </a:lnTlToBr>
+                    <a:lnBlToTr w="12700" cmpd="sng">
+                      <a:noFill/>
+                      <a:prstDash val="solid"/>
+                    </a:lnBlToTr>
+                  </a:tcPr>
+                </a:tc>
+              </a:tr>
+              <a:tr h="1450453">
+                <a:tc>
+                  <a:txBody>
+                    <a:bodyPr/>
+                    <a:lstStyle/>
+                    <a:p>
+                      <a:endParaRPr lang="es-ES"/>
+                    </a:p>
+                  </a:txBody>
+                  <a:tcPr>
+                    <a:lnL w="12700" cap="flat" cmpd="sng" algn="ctr">
+                      <a:noFill/>
+                      <a:prstDash val="solid"/>
+                      <a:round/>
+                      <a:headEnd type="none" w="med" len="med"/>
+                      <a:tailEnd type="none" w="med" len="med"/>
+                    </a:lnL>
+                    <a:lnR w="12700" cap="flat" cmpd="sng" algn="ctr">
+                      <a:noFill/>
+                      <a:prstDash val="solid"/>
+                      <a:round/>
+                      <a:headEnd type="none" w="med" len="med"/>
+                      <a:tailEnd type="none" w="med" len="med"/>
+                    </a:lnR>
+                    <a:lnT w="12700" cap="flat" cmpd="sng" algn="ctr">
+                      <a:noFill/>
+                      <a:prstDash val="solid"/>
+                      <a:round/>
+                      <a:headEnd type="none" w="med" len="med"/>
+                      <a:tailEnd type="none" w="med" len="med"/>
+                    </a:lnT>
+                    <a:lnB w="12700" cap="flat" cmpd="sng" algn="ctr">
+                      <a:noFill/>
+                      <a:prstDash val="solid"/>
+                      <a:round/>
+                      <a:headEnd type="none" w="med" len="med"/>
+                      <a:tailEnd type="none" w="med" len="med"/>
+                    </a:lnB>
+                    <a:lnTlToBr w="12700" cmpd="sng">
+                      <a:noFill/>
+                      <a:prstDash val="solid"/>
+                    </a:lnTlToBr>
+                    <a:lnBlToTr w="12700" cmpd="sng">
+                      <a:noFill/>
+                      <a:prstDash val="solid"/>
+                    </a:lnBlToTr>
+                  </a:tcPr>
+                </a:tc>
+                <a:tc>
+                  <a:txBody>
+                    <a:bodyPr/>
+                    <a:lstStyle/>
+                    <a:p>
+                      <a:endParaRPr lang="es-ES" dirty="0"/>
+                    </a:p>
+                  </a:txBody>
+                  <a:tcPr>
+                    <a:lnL w="12700" cap="flat" cmpd="sng" algn="ctr">
+                      <a:noFill/>
+                      <a:prstDash val="solid"/>
+                      <a:round/>
+                      <a:headEnd type="none" w="med" len="med"/>
+                      <a:tailEnd type="none" w="med" len="med"/>
+                    </a:lnL>
+                    <a:lnR w="12700" cap="flat" cmpd="sng" algn="ctr">
+                      <a:noFill/>
+                      <a:prstDash val="solid"/>
+                      <a:round/>
+                      <a:headEnd type="none" w="med" len="med"/>
+                      <a:tailEnd type="none" w="med" len="med"/>
+                    </a:lnR>
+                    <a:lnT w="12700" cap="flat" cmpd="sng" algn="ctr">
+                      <a:noFill/>
+                      <a:prstDash val="solid"/>
+                      <a:round/>
+                      <a:headEnd type="none" w="med" len="med"/>
+                      <a:tailEnd type="none" w="med" len="med"/>
+                    </a:lnT>
+                    <a:lnB w="12700" cap="flat" cmpd="sng" algn="ctr">
+                      <a:noFill/>
+                      <a:prstDash val="solid"/>
+                      <a:round/>
+                      <a:headEnd type="none" w="med" len="med"/>
+                      <a:tailEnd type="none" w="med" len="med"/>
+                    </a:lnB>
+                    <a:lnTlToBr w="12700" cmpd="sng">
+                      <a:noFill/>
+                      <a:prstDash val="solid"/>
+                    </a:lnTlToBr>
+                    <a:lnBlToTr w="12700" cmpd="sng">
+                      <a:noFill/>
+                      <a:prstDash val="solid"/>
+                    </a:lnBlToTr>
+                  </a:tcPr>
+                </a:tc>
+                <a:tc>
+                  <a:txBody>
+                    <a:bodyPr/>
+                    <a:lstStyle/>
+                    <a:p>
+                      <a:endParaRPr lang="es-ES" dirty="0"/>
+                    </a:p>
+                  </a:txBody>
+                  <a:tcPr>
+                    <a:lnL w="12700" cap="flat" cmpd="sng" algn="ctr">
+                      <a:noFill/>
+                      <a:prstDash val="solid"/>
+                      <a:round/>
+                      <a:headEnd type="none" w="med" len="med"/>
+                      <a:tailEnd type="none" w="med" len="med"/>
+                    </a:lnL>
+                    <a:lnR w="12700" cap="flat" cmpd="sng" algn="ctr">
+                      <a:noFill/>
+                      <a:prstDash val="solid"/>
+                      <a:round/>
+                      <a:headEnd type="none" w="med" len="med"/>
+                      <a:tailEnd type="none" w="med" len="med"/>
+                    </a:lnR>
+                    <a:lnT w="12700" cap="flat" cmpd="sng" algn="ctr">
+                      <a:noFill/>
+                      <a:prstDash val="solid"/>
+                      <a:round/>
+                      <a:headEnd type="none" w="med" len="med"/>
+                      <a:tailEnd type="none" w="med" len="med"/>
+                    </a:lnT>
+                    <a:lnB w="12700" cap="flat" cmpd="sng" algn="ctr">
+                      <a:noFill/>
+                      <a:prstDash val="solid"/>
+                      <a:round/>
+                      <a:headEnd type="none" w="med" len="med"/>
+                      <a:tailEnd type="none" w="med" len="med"/>
+                    </a:lnB>
+                    <a:lnTlToBr w="12700" cmpd="sng">
+                      <a:noFill/>
+                      <a:prstDash val="solid"/>
+                    </a:lnTlToBr>
+                    <a:lnBlToTr w="12700" cmpd="sng">
+                      <a:noFill/>
+                      <a:prstDash val="solid"/>
+                    </a:lnBlToTr>
+                  </a:tcPr>
+                </a:tc>
+              </a:tr>
+            </a:tbl>
+          </a:graphicData>
+        </a:graphic>
+      </p:graphicFrame>
+      <p:pic>
+        <p:nvPicPr>
+          <p:cNvPr id="13" name="3 Marcador de contenido" descr="bootstrap.jpg"/>
+          <p:cNvPicPr>
+            <a:picLocks noChangeAspect="1"/>
+          </p:cNvPicPr>
+          <p:nvPr/>
         </p:nvPicPr>
         <p:blipFill>
-          <a:blip r:embed="rId2" cstate="print">
-            <a:clrChange>
-              <a:clrFrom>
-                <a:srgbClr val="FFFFFF"/>
-              </a:clrFrom>
-              <a:clrTo>
-                <a:srgbClr val="FFFFFF">
-                  <a:alpha val="0"/>
-                </a:srgbClr>
-              </a:clrTo>
-            </a:clrChange>
-          </a:blip>
-          <a:srcRect b="2150"/>
+          <a:blip r:embed="rId2"/>
           <a:stretch>
             <a:fillRect/>
           </a:stretch>
         </p:blipFill>
-        <p:spPr bwMode="auto">
+        <p:spPr>
           <a:xfrm>
-            <a:off x="4714876" y="3857628"/>
-            <a:ext cx="4124784" cy="2674925"/>
+            <a:off x="3643306" y="2143116"/>
+            <a:ext cx="1857388" cy="1040137"/>
           </a:xfrm>
           <a:prstGeom prst="rect">
             <a:avLst/>
           </a:prstGeom>
-          <a:noFill/>
+          <a:effectLst>
+            <a:outerShdw blurRad="50800" dist="38100" dir="2700000" algn="tl" rotWithShape="0">
+              <a:prstClr val="black">
+                <a:alpha val="40000"/>
+              </a:prstClr>
+            </a:outerShdw>
+          </a:effectLst>
+        </p:spPr>
+      </p:pic>
+      <p:pic>
+        <p:nvPicPr>
+          <p:cNvPr id="14" name="13 Imagen" descr="html5.jpg"/>
+          <p:cNvPicPr>
+            <a:picLocks noChangeAspect="1"/>
+          </p:cNvPicPr>
+          <p:nvPr/>
+        </p:nvPicPr>
+        <p:blipFill>
+          <a:blip r:embed="rId3"/>
+          <a:stretch>
+            <a:fillRect/>
+          </a:stretch>
+        </p:blipFill>
+        <p:spPr>
+          <a:xfrm>
+            <a:off x="1142976" y="2000240"/>
+            <a:ext cx="1357322" cy="1357322"/>
+          </a:xfrm>
+          <a:prstGeom prst="rect">
+            <a:avLst/>
+          </a:prstGeom>
+        </p:spPr>
+      </p:pic>
+      <p:pic>
+        <p:nvPicPr>
+          <p:cNvPr id="15" name="14 Imagen" descr="android.jpg"/>
+          <p:cNvPicPr>
+            <a:picLocks noChangeAspect="1"/>
+          </p:cNvPicPr>
+          <p:nvPr/>
+        </p:nvPicPr>
+        <p:blipFill>
+          <a:blip r:embed="rId4"/>
+          <a:stretch>
+            <a:fillRect/>
+          </a:stretch>
+        </p:blipFill>
+        <p:spPr>
+          <a:xfrm>
+            <a:off x="6286512" y="2792927"/>
+            <a:ext cx="2143140" cy="2493461"/>
+          </a:xfrm>
+          <a:prstGeom prst="rect">
+            <a:avLst/>
+          </a:prstGeom>
+          <a:effectLst>
+            <a:outerShdw blurRad="50800" dist="38100" dir="5400000" algn="t" rotWithShape="0">
+              <a:prstClr val="black">
+                <a:alpha val="40000"/>
+              </a:prstClr>
+            </a:outerShdw>
+          </a:effectLst>
+        </p:spPr>
+      </p:pic>
+      <p:pic>
+        <p:nvPicPr>
+          <p:cNvPr id="16" name="15 Imagen" descr="java.jpg"/>
+          <p:cNvPicPr>
+            <a:picLocks noChangeAspect="1"/>
+          </p:cNvPicPr>
+          <p:nvPr/>
+        </p:nvPicPr>
+        <p:blipFill>
+          <a:blip r:embed="rId5"/>
+          <a:stretch>
+            <a:fillRect/>
+          </a:stretch>
+        </p:blipFill>
+        <p:spPr>
+          <a:xfrm>
+            <a:off x="3786182" y="3429000"/>
+            <a:ext cx="1357322" cy="1357322"/>
+          </a:xfrm>
+          <a:prstGeom prst="rect">
+            <a:avLst/>
+          </a:prstGeom>
+          <a:effectLst>
+            <a:outerShdw blurRad="63500" sx="102000" sy="102000" algn="ctr" rotWithShape="0">
+              <a:prstClr val="black">
+                <a:alpha val="40000"/>
+              </a:prstClr>
+            </a:outerShdw>
+          </a:effectLst>
+        </p:spPr>
+      </p:pic>
+      <p:pic>
+        <p:nvPicPr>
+          <p:cNvPr id="17" name="16 Imagen" descr="jquery.jpg"/>
+          <p:cNvPicPr>
+            <a:picLocks noChangeAspect="1"/>
+          </p:cNvPicPr>
+          <p:nvPr/>
+        </p:nvPicPr>
+        <p:blipFill>
+          <a:blip r:embed="rId6"/>
+          <a:stretch>
+            <a:fillRect/>
+          </a:stretch>
+        </p:blipFill>
+        <p:spPr>
+          <a:xfrm>
+            <a:off x="518463" y="3844376"/>
+            <a:ext cx="2643206" cy="647673"/>
+          </a:xfrm>
+          <a:prstGeom prst="rect">
+            <a:avLst/>
+          </a:prstGeom>
+          <a:effectLst>
+            <a:innerShdw blurRad="63500" dist="50800" dir="8100000">
+              <a:prstClr val="black">
+                <a:alpha val="50000"/>
+              </a:prstClr>
+            </a:innerShdw>
+          </a:effectLst>
+        </p:spPr>
+      </p:pic>
+      <p:pic>
+        <p:nvPicPr>
+          <p:cNvPr id="18" name="17 Imagen" descr="postgresql.jpg"/>
+          <p:cNvPicPr>
+            <a:picLocks noChangeAspect="1"/>
+          </p:cNvPicPr>
+          <p:nvPr/>
+        </p:nvPicPr>
+        <p:blipFill>
+          <a:blip r:embed="rId7"/>
+          <a:stretch>
+            <a:fillRect/>
+          </a:stretch>
+        </p:blipFill>
+        <p:spPr>
+          <a:xfrm>
+            <a:off x="571472" y="5214951"/>
+            <a:ext cx="2571767" cy="879638"/>
+          </a:xfrm>
+          <a:prstGeom prst="rect">
+            <a:avLst/>
+          </a:prstGeom>
+          <a:effectLst>
+            <a:outerShdw blurRad="50800" dist="38100" dir="18900000" algn="bl" rotWithShape="0">
+              <a:prstClr val="black">
+                <a:alpha val="40000"/>
+              </a:prstClr>
+            </a:outerShdw>
+          </a:effectLst>
+        </p:spPr>
+      </p:pic>
+      <p:pic>
+        <p:nvPicPr>
+          <p:cNvPr id="19" name="18 Imagen" descr="hibernate.jpg"/>
+          <p:cNvPicPr>
+            <a:picLocks noChangeAspect="1"/>
+          </p:cNvPicPr>
+          <p:nvPr/>
+        </p:nvPicPr>
+        <p:blipFill>
+          <a:blip r:embed="rId8"/>
+          <a:stretch>
+            <a:fillRect/>
+          </a:stretch>
+        </p:blipFill>
+        <p:spPr>
+          <a:xfrm>
+            <a:off x="3214678" y="5286388"/>
+            <a:ext cx="2714644" cy="750183"/>
+          </a:xfrm>
+          <a:prstGeom prst="rect">
+            <a:avLst/>
+          </a:prstGeom>
+          <a:effectLst>
+            <a:outerShdw blurRad="50800" dist="38100" dir="5400000" algn="t" rotWithShape="0">
+              <a:prstClr val="black">
+                <a:alpha val="40000"/>
+              </a:prstClr>
+            </a:outerShdw>
+          </a:effectLst>
         </p:spPr>
       </p:pic>
     </p:spTree>
@@ -4594,6 +8807,13 @@
   <p:clrMapOvr>
     <a:masterClrMapping/>
   </p:clrMapOvr>
+  <p:timing>
+    <p:tnLst>
+      <p:par>
+        <p:cTn id="1" dur="indefinite" restart="never" nodeType="tmRoot"/>
+      </p:par>
+    </p:tnLst>
+  </p:timing>
 </p:sld>
 </file>
 
@@ -4629,43 +8849,10 @@
           <a:bodyPr/>
           <a:lstStyle/>
           <a:p>
+            <a:pPr algn="ctr"/>
             <a:r>
               <a:rPr lang="es-ES" dirty="0" smtClean="0"/>
-              <a:t>Conclusiones</a:t>
-            </a:r>
-            <a:endParaRPr lang="es-ES" dirty="0"/>
-          </a:p>
-        </p:txBody>
-      </p:sp>
-      <p:sp>
-        <p:nvSpPr>
-          <p:cNvPr id="3" name="2 Marcador de contenido"/>
-          <p:cNvSpPr>
-            <a:spLocks noGrp="1"/>
-          </p:cNvSpPr>
-          <p:nvPr>
-            <p:ph idx="1"/>
-          </p:nvPr>
-        </p:nvSpPr>
-        <p:spPr/>
-        <p:txBody>
-          <a:bodyPr/>
-          <a:lstStyle/>
-          <a:p>
-            <a:r>
-              <a:rPr lang="es-ES" dirty="0" smtClean="0"/>
-              <a:t>E-</a:t>
-            </a:r>
-            <a:r>
-              <a:rPr lang="es-ES" dirty="0" err="1" smtClean="0"/>
-              <a:t>commerce</a:t>
-            </a:r>
-            <a:endParaRPr lang="es-ES" dirty="0" smtClean="0"/>
-          </a:p>
-          <a:p>
-            <a:r>
-              <a:rPr lang="es-ES" dirty="0" err="1" smtClean="0"/>
-              <a:t>Marketplaces</a:t>
+              <a:t>Trabajo a futuro</a:t>
             </a:r>
             <a:endParaRPr lang="es-ES" dirty="0"/>
           </a:p>
@@ -4673,23 +8860,36 @@
       </p:sp>
       <p:pic>
         <p:nvPicPr>
-          <p:cNvPr id="4" name="Picture 2" descr="http://farmhack.net/sites/default/files/idea.png"/>
+          <p:cNvPr id="4" name="Picture 2" descr="http://www.tshapesolutions.com/wp-content/uploads/2011/01/Internet-Marketing-Tools.jpg"/>
           <p:cNvPicPr>
-            <a:picLocks noChangeAspect="1" noChangeArrowheads="1"/>
+            <a:picLocks noGrp="1" noChangeAspect="1" noChangeArrowheads="1"/>
           </p:cNvPicPr>
-          <p:nvPr/>
+          <p:nvPr>
+            <p:ph idx="1"/>
+          </p:nvPr>
         </p:nvPicPr>
         <p:blipFill>
-          <a:blip r:embed="rId2" cstate="print"/>
-          <a:srcRect/>
+          <a:blip r:embed="rId2" cstate="print">
+            <a:clrChange>
+              <a:clrFrom>
+                <a:srgbClr val="FFFFFF"/>
+              </a:clrFrom>
+              <a:clrTo>
+                <a:srgbClr val="FFFFFF">
+                  <a:alpha val="0"/>
+                </a:srgbClr>
+              </a:clrTo>
+            </a:clrChange>
+          </a:blip>
+          <a:srcRect b="2150"/>
           <a:stretch>
             <a:fillRect/>
           </a:stretch>
         </p:blipFill>
         <p:spPr bwMode="auto">
-          <a:xfrm rot="1055837">
-            <a:off x="5113739" y="3042044"/>
-            <a:ext cx="2562709" cy="2562709"/>
+          <a:xfrm>
+            <a:off x="4500562" y="3500438"/>
+            <a:ext cx="4124784" cy="2674925"/>
           </a:xfrm>
           <a:prstGeom prst="rect">
             <a:avLst/>
@@ -4697,11 +8897,252 @@
           <a:noFill/>
         </p:spPr>
       </p:pic>
+      <p:sp>
+        <p:nvSpPr>
+          <p:cNvPr id="5" name="2 Marcador de contenido"/>
+          <p:cNvSpPr txBox="1">
+            <a:spLocks/>
+          </p:cNvSpPr>
+          <p:nvPr/>
+        </p:nvSpPr>
+        <p:spPr>
+          <a:xfrm>
+            <a:off x="500034" y="2500306"/>
+            <a:ext cx="5857916" cy="2857520"/>
+          </a:xfrm>
+          <a:prstGeom prst="rect">
+            <a:avLst/>
+          </a:prstGeom>
+        </p:spPr>
+        <p:txBody>
+          <a:bodyPr vert="horz">
+            <a:normAutofit fontScale="92500" lnSpcReduction="20000"/>
+          </a:bodyPr>
+          <a:lstStyle/>
+          <a:p>
+            <a:pPr marL="274320" marR="0" lvl="0" indent="-274320" algn="l" defTabSz="914400" rtl="0" eaLnBrk="1" fontAlgn="auto" latinLnBrk="0" hangingPunct="1">
+              <a:lnSpc>
+                <a:spcPct val="100000"/>
+              </a:lnSpc>
+              <a:spcBef>
+                <a:spcPct val="20000"/>
+              </a:spcBef>
+              <a:spcAft>
+                <a:spcPts val="0"/>
+              </a:spcAft>
+              <a:buClr>
+                <a:schemeClr val="accent3"/>
+              </a:buClr>
+              <a:buSzPct val="95000"/>
+              <a:buFont typeface="Wingdings 2"/>
+              <a:buChar char=""/>
+              <a:tabLst/>
+              <a:defRPr/>
+            </a:pPr>
+            <a:r>
+              <a:rPr kumimoji="0" lang="es-ES" sz="4000" b="0" i="0" u="none" strike="noStrike" kern="1200" cap="none" spc="0" normalizeH="0" baseline="0" noProof="0" dirty="0" smtClean="0">
+                <a:ln>
+                  <a:noFill/>
+                </a:ln>
+                <a:solidFill>
+                  <a:schemeClr val="tx1"/>
+                </a:solidFill>
+                <a:effectLst/>
+                <a:uLnTx/>
+                <a:uFillTx/>
+                <a:latin typeface="+mj-lt"/>
+                <a:ea typeface="+mn-ea"/>
+                <a:cs typeface="+mn-cs"/>
+              </a:rPr>
+              <a:t>Redes sociales</a:t>
+            </a:r>
+          </a:p>
+          <a:p>
+            <a:pPr marL="274320" marR="0" lvl="0" indent="-274320" algn="l" defTabSz="914400" rtl="0" eaLnBrk="1" fontAlgn="auto" latinLnBrk="0" hangingPunct="1">
+              <a:lnSpc>
+                <a:spcPct val="100000"/>
+              </a:lnSpc>
+              <a:spcBef>
+                <a:spcPct val="20000"/>
+              </a:spcBef>
+              <a:spcAft>
+                <a:spcPts val="0"/>
+              </a:spcAft>
+              <a:buClr>
+                <a:schemeClr val="accent3"/>
+              </a:buClr>
+              <a:buSzPct val="95000"/>
+              <a:buFont typeface="Wingdings 2"/>
+              <a:buChar char=""/>
+              <a:tabLst/>
+              <a:defRPr/>
+            </a:pPr>
+            <a:r>
+              <a:rPr lang="es-ES" sz="4000" dirty="0" smtClean="0">
+                <a:latin typeface="+mj-lt"/>
+              </a:rPr>
+              <a:t>Medios de pago</a:t>
+            </a:r>
+            <a:endParaRPr kumimoji="0" lang="es-ES" sz="4000" b="0" i="0" u="none" strike="noStrike" kern="1200" cap="none" spc="0" normalizeH="0" baseline="0" noProof="0" dirty="0" smtClean="0">
+              <a:ln>
+                <a:noFill/>
+              </a:ln>
+              <a:solidFill>
+                <a:schemeClr val="tx1"/>
+              </a:solidFill>
+              <a:effectLst/>
+              <a:uLnTx/>
+              <a:uFillTx/>
+              <a:latin typeface="+mj-lt"/>
+              <a:ea typeface="+mn-ea"/>
+              <a:cs typeface="+mn-cs"/>
+            </a:endParaRPr>
+          </a:p>
+          <a:p>
+            <a:pPr marL="274320" marR="0" lvl="0" indent="-274320" algn="l" defTabSz="914400" rtl="0" eaLnBrk="1" fontAlgn="auto" latinLnBrk="0" hangingPunct="1">
+              <a:lnSpc>
+                <a:spcPct val="100000"/>
+              </a:lnSpc>
+              <a:spcBef>
+                <a:spcPct val="20000"/>
+              </a:spcBef>
+              <a:spcAft>
+                <a:spcPts val="0"/>
+              </a:spcAft>
+              <a:buClr>
+                <a:schemeClr val="accent3"/>
+              </a:buClr>
+              <a:buSzPct val="95000"/>
+              <a:buFont typeface="Wingdings 2"/>
+              <a:buChar char=""/>
+              <a:tabLst/>
+              <a:defRPr/>
+            </a:pPr>
+            <a:r>
+              <a:rPr kumimoji="0" lang="es-ES" sz="4000" b="0" i="0" u="none" strike="noStrike" kern="1200" cap="none" spc="0" normalizeH="0" baseline="0" noProof="0" dirty="0" err="1" smtClean="0">
+                <a:ln>
+                  <a:noFill/>
+                </a:ln>
+                <a:solidFill>
+                  <a:schemeClr val="tx1"/>
+                </a:solidFill>
+                <a:effectLst/>
+                <a:uLnTx/>
+                <a:uFillTx/>
+                <a:latin typeface="+mj-lt"/>
+                <a:ea typeface="+mn-ea"/>
+                <a:cs typeface="+mn-cs"/>
+              </a:rPr>
+              <a:t>Testing</a:t>
+            </a:r>
+            <a:endParaRPr kumimoji="0" lang="es-ES" sz="4000" b="0" i="0" u="none" strike="noStrike" kern="1200" cap="none" spc="0" normalizeH="0" baseline="0" noProof="0" dirty="0" smtClean="0">
+              <a:ln>
+                <a:noFill/>
+              </a:ln>
+              <a:solidFill>
+                <a:schemeClr val="tx1"/>
+              </a:solidFill>
+              <a:effectLst/>
+              <a:uLnTx/>
+              <a:uFillTx/>
+              <a:latin typeface="+mj-lt"/>
+              <a:ea typeface="+mn-ea"/>
+              <a:cs typeface="+mn-cs"/>
+            </a:endParaRPr>
+          </a:p>
+          <a:p>
+            <a:pPr marL="274320" marR="0" lvl="0" indent="-274320" algn="l" defTabSz="914400" rtl="0" eaLnBrk="1" fontAlgn="auto" latinLnBrk="0" hangingPunct="1">
+              <a:lnSpc>
+                <a:spcPct val="100000"/>
+              </a:lnSpc>
+              <a:spcBef>
+                <a:spcPct val="20000"/>
+              </a:spcBef>
+              <a:spcAft>
+                <a:spcPts val="0"/>
+              </a:spcAft>
+              <a:buClr>
+                <a:schemeClr val="accent3"/>
+              </a:buClr>
+              <a:buSzPct val="95000"/>
+              <a:buFont typeface="Wingdings 2"/>
+              <a:buChar char=""/>
+              <a:tabLst/>
+              <a:defRPr/>
+            </a:pPr>
+            <a:r>
+              <a:rPr lang="es-ES" sz="4000" dirty="0" smtClean="0">
+                <a:latin typeface="+mj-lt"/>
+              </a:rPr>
+              <a:t>Seguridad</a:t>
+            </a:r>
+          </a:p>
+          <a:p>
+            <a:pPr marL="274320" marR="0" lvl="0" indent="-274320" algn="l" defTabSz="914400" rtl="0" eaLnBrk="1" fontAlgn="auto" latinLnBrk="0" hangingPunct="1">
+              <a:lnSpc>
+                <a:spcPct val="100000"/>
+              </a:lnSpc>
+              <a:spcBef>
+                <a:spcPct val="20000"/>
+              </a:spcBef>
+              <a:spcAft>
+                <a:spcPts val="0"/>
+              </a:spcAft>
+              <a:buClr>
+                <a:schemeClr val="accent3"/>
+              </a:buClr>
+              <a:buSzPct val="95000"/>
+              <a:buFont typeface="Wingdings 2"/>
+              <a:buChar char=""/>
+              <a:tabLst/>
+              <a:defRPr/>
+            </a:pPr>
+            <a:r>
+              <a:rPr kumimoji="0" lang="es-ES" sz="4000" b="0" i="0" u="none" strike="noStrike" kern="1200" cap="none" spc="0" normalizeH="0" baseline="0" noProof="0" dirty="0" smtClean="0">
+                <a:ln>
+                  <a:noFill/>
+                </a:ln>
+                <a:solidFill>
+                  <a:schemeClr val="tx1"/>
+                </a:solidFill>
+                <a:effectLst/>
+                <a:uLnTx/>
+                <a:uFillTx/>
+                <a:latin typeface="+mj-lt"/>
+                <a:ea typeface="+mn-ea"/>
+                <a:cs typeface="+mn-cs"/>
+              </a:rPr>
+              <a:t>Y mas…</a:t>
+            </a:r>
+            <a:endParaRPr kumimoji="0" lang="es-ES" sz="4000" b="0" i="0" u="none" strike="noStrike" kern="1200" cap="none" spc="0" normalizeH="0" baseline="0" noProof="0" dirty="0">
+              <a:ln>
+                <a:noFill/>
+              </a:ln>
+              <a:solidFill>
+                <a:schemeClr val="tx1"/>
+              </a:solidFill>
+              <a:effectLst/>
+              <a:uLnTx/>
+              <a:uFillTx/>
+              <a:latin typeface="+mj-lt"/>
+              <a:ea typeface="+mn-ea"/>
+              <a:cs typeface="+mn-cs"/>
+            </a:endParaRPr>
+          </a:p>
+        </p:txBody>
+      </p:sp>
     </p:spTree>
   </p:cSld>
   <p:clrMapOvr>
     <a:masterClrMapping/>
   </p:clrMapOvr>
+  <p:timing>
+    <p:tnLst>
+      <p:par>
+        <p:cTn id="1" dur="indefinite" restart="never" nodeType="tmRoot"/>
+      </p:par>
+    </p:tnLst>
+  </p:timing>
 </p:sld>
 </file>
 
@@ -4732,34 +9173,74 @@
             <p:ph type="title"/>
           </p:nvPr>
         </p:nvSpPr>
+        <p:spPr/>
+        <p:txBody>
+          <a:bodyPr/>
+          <a:lstStyle/>
+          <a:p>
+            <a:pPr algn="ctr"/>
+            <a:r>
+              <a:rPr lang="es-ES" dirty="0" smtClean="0"/>
+              <a:t>Conclusiones</a:t>
+            </a:r>
+            <a:endParaRPr lang="es-ES" dirty="0"/>
+          </a:p>
+        </p:txBody>
+      </p:sp>
+      <p:sp>
+        <p:nvSpPr>
+          <p:cNvPr id="3" name="2 Marcador de contenido"/>
+          <p:cNvSpPr>
+            <a:spLocks noGrp="1"/>
+          </p:cNvSpPr>
+          <p:nvPr>
+            <p:ph idx="1"/>
+          </p:nvPr>
+        </p:nvSpPr>
         <p:spPr>
           <a:xfrm>
-            <a:off x="0" y="500042"/>
-            <a:ext cx="9144000" cy="1143000"/>
+            <a:off x="428596" y="2714620"/>
+            <a:ext cx="5043494" cy="1922148"/>
           </a:xfrm>
         </p:spPr>
         <p:txBody>
           <a:bodyPr>
-            <a:normAutofit fontScale="90000"/>
+            <a:normAutofit/>
           </a:bodyPr>
           <a:lstStyle/>
           <a:p>
-            <a:pPr algn="ctr"/>
-            <a:r>
-              <a:rPr lang="es-ES" dirty="0" smtClean="0"/>
-              <a:t>¿</a:t>
-            </a:r>
-            <a:r>
-              <a:rPr lang="es-ES" sz="8800" dirty="0" smtClean="0"/>
-              <a:t>Preguntas?</a:t>
-            </a:r>
-            <a:endParaRPr lang="es-ES" sz="8800" dirty="0"/>
+            <a:r>
+              <a:rPr lang="es-ES" sz="4000" dirty="0" smtClean="0">
+                <a:latin typeface="+mj-lt"/>
+              </a:rPr>
+              <a:t>E-</a:t>
+            </a:r>
+            <a:r>
+              <a:rPr lang="es-ES" sz="4000" dirty="0" err="1" smtClean="0">
+                <a:latin typeface="+mj-lt"/>
+              </a:rPr>
+              <a:t>commerce</a:t>
+            </a:r>
+            <a:endParaRPr lang="es-ES" sz="4000" dirty="0" smtClean="0">
+              <a:latin typeface="+mj-lt"/>
+            </a:endParaRPr>
+          </a:p>
+          <a:p>
+            <a:r>
+              <a:rPr lang="es-ES" sz="4000" dirty="0" err="1" smtClean="0">
+                <a:latin typeface="+mj-lt"/>
+              </a:rPr>
+              <a:t>Marketplaces</a:t>
+            </a:r>
+            <a:endParaRPr lang="es-ES" sz="4000" dirty="0">
+              <a:latin typeface="+mj-lt"/>
+            </a:endParaRPr>
           </a:p>
         </p:txBody>
       </p:sp>
       <p:pic>
         <p:nvPicPr>
-          <p:cNvPr id="4" name="3 Imagen" descr="preguntas.jpg"/>
+          <p:cNvPr id="6" name="5 Imagen" descr="conclusion.jpg"/>
           <p:cNvPicPr>
             <a:picLocks noChangeAspect="1"/>
           </p:cNvPicPr>
@@ -4773,12 +9254,19 @@
         </p:blipFill>
         <p:spPr>
           <a:xfrm>
-            <a:off x="2214546" y="2071678"/>
-            <a:ext cx="4128359" cy="3052771"/>
+            <a:off x="4786314" y="2940891"/>
+            <a:ext cx="3362333" cy="3117013"/>
           </a:xfrm>
           <a:prstGeom prst="rect">
             <a:avLst/>
           </a:prstGeom>
+          <a:effectLst>
+            <a:outerShdw blurRad="63500" sx="102000" sy="102000" algn="ctr" rotWithShape="0">
+              <a:prstClr val="black">
+                <a:alpha val="40000"/>
+              </a:prstClr>
+            </a:outerShdw>
+          </a:effectLst>
         </p:spPr>
       </p:pic>
     </p:spTree>
@@ -4786,35 +9274,19 @@
   <p:clrMapOvr>
     <a:masterClrMapping/>
   </p:clrMapOvr>
+  <p:timing>
+    <p:tnLst>
+      <p:par>
+        <p:cTn id="1" dur="indefinite" restart="never" nodeType="tmRoot"/>
+      </p:par>
+    </p:tnLst>
+  </p:timing>
 </p:sld>
 </file>
 
 <file path=ppt/slides/slide15.xml><?xml version="1.0" encoding="utf-8"?>
 <p:sld xmlns:a="http://schemas.openxmlformats.org/drawingml/2006/main" xmlns:r="http://schemas.openxmlformats.org/officeDocument/2006/relationships" xmlns:p="http://schemas.openxmlformats.org/presentationml/2006/main">
   <p:cSld>
-    <p:bg>
-      <p:bgPr>
-        <a:blipFill dpi="0" rotWithShape="1">
-          <a:blip r:embed="rId2" cstate="print">
-            <a:alphaModFix amt="42000"/>
-            <a:duotone>
-              <a:schemeClr val="bg1">
-                <a:shade val="90000"/>
-                <a:satMod val="150000"/>
-              </a:schemeClr>
-              <a:schemeClr val="bg1">
-                <a:tint val="88000"/>
-                <a:satMod val="150000"/>
-              </a:schemeClr>
-            </a:duotone>
-            <a:lum/>
-          </a:blip>
-          <a:srcRect/>
-          <a:tile tx="0" ty="0" sx="65000" sy="65000" flip="none" algn="tl"/>
-        </a:blipFill>
-        <a:effectLst/>
-      </p:bgPr>
-    </p:bg>
     <p:spTree>
       <p:nvGrpSpPr>
         <p:cNvPr id="1" name=""/>
@@ -4829,44 +9301,6 @@
           <a:chExt cx="0" cy="0"/>
         </a:xfrm>
       </p:grpSpPr>
-      <p:pic>
-        <p:nvPicPr>
-          <p:cNvPr id="14338" name="Picture 2" descr="http://www.fondosypantallas.com/wp-content/uploads/2010/05/3D-Character-36.jpg"/>
-          <p:cNvPicPr>
-            <a:picLocks noChangeAspect="1" noChangeArrowheads="1"/>
-          </p:cNvPicPr>
-          <p:nvPr/>
-        </p:nvPicPr>
-        <p:blipFill>
-          <a:blip r:embed="rId3" cstate="print">
-            <a:clrChange>
-              <a:clrFrom>
-                <a:srgbClr val="FFFFFF"/>
-              </a:clrFrom>
-              <a:clrTo>
-                <a:srgbClr val="FFFFFF">
-                  <a:alpha val="0"/>
-                </a:srgbClr>
-              </a:clrTo>
-            </a:clrChange>
-            <a:lum bright="6000"/>
-          </a:blip>
-          <a:srcRect l="7361" t="4908" r="3076" b="10028"/>
-          <a:stretch>
-            <a:fillRect/>
-          </a:stretch>
-        </p:blipFill>
-        <p:spPr bwMode="auto">
-          <a:xfrm>
-            <a:off x="3491880" y="2780928"/>
-            <a:ext cx="5256584" cy="3744416"/>
-          </a:xfrm>
-          <a:prstGeom prst="rect">
-            <a:avLst/>
-          </a:prstGeom>
-          <a:noFill/>
-        </p:spPr>
-      </p:pic>
       <p:sp>
         <p:nvSpPr>
           <p:cNvPr id="2" name="1 Título"/>
@@ -4882,108 +9316,93 @@
           <a:bodyPr/>
           <a:lstStyle/>
           <a:p>
-            <a:r>
-              <a:rPr lang="es-UY" dirty="0" smtClean="0"/>
-              <a:t>Motivación</a:t>
-            </a:r>
-            <a:endParaRPr lang="es-UY" dirty="0"/>
+            <a:pPr algn="ctr"/>
+            <a:r>
+              <a:rPr lang="es-ES" dirty="0" smtClean="0"/>
+              <a:t>Demo</a:t>
+            </a:r>
+            <a:endParaRPr lang="es-ES" dirty="0"/>
           </a:p>
         </p:txBody>
       </p:sp>
-      <p:sp>
-        <p:nvSpPr>
-          <p:cNvPr id="3" name="2 Marcador de contenido"/>
-          <p:cNvSpPr>
-            <a:spLocks noGrp="1"/>
-          </p:cNvSpPr>
-          <p:nvPr>
-            <p:ph idx="1"/>
-          </p:nvPr>
-        </p:nvSpPr>
-        <p:spPr/>
-        <p:txBody>
-          <a:bodyPr/>
-          <a:lstStyle/>
-          <a:p>
-            <a:pPr marL="548640" lvl="2" indent="-411480">
-              <a:buClr>
-                <a:schemeClr val="tx1">
-                  <a:shade val="95000"/>
-                </a:schemeClr>
-              </a:buClr>
-              <a:buSzPct val="65000"/>
-              <a:buNone/>
-            </a:pPr>
-            <a:r>
-              <a:rPr lang="es-UY" sz="2800" dirty="0" smtClean="0"/>
-              <a:t>Entre las motivaciones del desarrollo </a:t>
-            </a:r>
-          </a:p>
-          <a:p>
-            <a:pPr marL="548640" lvl="2" indent="-411480">
-              <a:buClr>
-                <a:schemeClr val="tx1">
-                  <a:shade val="95000"/>
-                </a:schemeClr>
-              </a:buClr>
-              <a:buSzPct val="65000"/>
-              <a:buNone/>
-            </a:pPr>
-            <a:r>
-              <a:rPr lang="es-UY" sz="2800" dirty="0" smtClean="0"/>
-              <a:t>de REPRTSIG tenemos:</a:t>
-            </a:r>
-          </a:p>
-          <a:p>
-            <a:pPr marL="1179576" lvl="5" indent="-411480">
-              <a:buClr>
-                <a:schemeClr val="tx1">
-                  <a:shade val="95000"/>
-                </a:schemeClr>
-              </a:buClr>
-              <a:buSzPct val="65000"/>
-              <a:buFont typeface="Wingdings 2"/>
-              <a:buChar char=""/>
-            </a:pPr>
-            <a:r>
-              <a:rPr lang="es-UY" sz="2400" dirty="0" smtClean="0"/>
-              <a:t>Toma de decisiones</a:t>
-            </a:r>
-          </a:p>
-          <a:p>
-            <a:pPr marL="1179576" lvl="5" indent="-411480">
-              <a:buClr>
-                <a:schemeClr val="tx1">
-                  <a:shade val="95000"/>
-                </a:schemeClr>
-              </a:buClr>
-              <a:buSzPct val="65000"/>
-              <a:buFont typeface="Wingdings 2"/>
-              <a:buChar char=""/>
-            </a:pPr>
-            <a:r>
-              <a:rPr lang="es-UY" sz="2400" dirty="0" smtClean="0"/>
-              <a:t>Optimización de recursos</a:t>
-            </a:r>
-          </a:p>
-          <a:p>
-            <a:pPr marL="1179576" lvl="5" indent="-411480">
-              <a:buClr>
-                <a:schemeClr val="tx1">
-                  <a:shade val="95000"/>
-                </a:schemeClr>
-              </a:buClr>
-              <a:buSzPct val="65000"/>
-              <a:buFont typeface="Wingdings 2"/>
-              <a:buChar char=""/>
-            </a:pPr>
-            <a:r>
-              <a:rPr lang="es-UY" sz="2400" dirty="0" smtClean="0"/>
-              <a:t>Optimización de costos</a:t>
-            </a:r>
-          </a:p>
-        </p:txBody>
-      </p:sp>
+      <p:pic>
+        <p:nvPicPr>
+          <p:cNvPr id="1027" name="Picture 3" descr="Contenido"/>
+          <p:cNvPicPr>
+            <a:picLocks noChangeAspect="1" noChangeArrowheads="1"/>
+          </p:cNvPicPr>
+          <p:nvPr/>
+        </p:nvPicPr>
+        <p:blipFill>
+          <a:blip r:embed="rId2" cstate="print"/>
+          <a:srcRect/>
+          <a:stretch>
+            <a:fillRect/>
+          </a:stretch>
+        </p:blipFill>
+        <p:spPr bwMode="auto">
+          <a:xfrm>
+            <a:off x="928662" y="2294922"/>
+            <a:ext cx="4286280" cy="2411032"/>
+          </a:xfrm>
+          <a:prstGeom prst="rect">
+            <a:avLst/>
+          </a:prstGeom>
+          <a:noFill/>
+          <a:ln w="9525">
+            <a:noFill/>
+            <a:miter lim="800000"/>
+            <a:headEnd/>
+            <a:tailEnd/>
+          </a:ln>
+          <a:effectLst>
+            <a:outerShdw blurRad="63500" sx="102000" sy="102000" algn="ctr" rotWithShape="0">
+              <a:prstClr val="black">
+                <a:alpha val="40000"/>
+              </a:prstClr>
+            </a:outerShdw>
+          </a:effectLst>
+        </p:spPr>
+      </p:pic>
+      <p:pic>
+        <p:nvPicPr>
+          <p:cNvPr id="1026" name="Picture 2" descr="Inicio"/>
+          <p:cNvPicPr>
+            <a:picLocks noChangeAspect="1" noChangeArrowheads="1"/>
+          </p:cNvPicPr>
+          <p:nvPr/>
+        </p:nvPicPr>
+        <p:blipFill>
+          <a:blip r:embed="rId3" cstate="print"/>
+          <a:srcRect/>
+          <a:stretch>
+            <a:fillRect/>
+          </a:stretch>
+        </p:blipFill>
+        <p:spPr bwMode="auto">
+          <a:xfrm>
+            <a:off x="3786182" y="3643314"/>
+            <a:ext cx="4318030" cy="2428892"/>
+          </a:xfrm>
+          <a:prstGeom prst="rect">
+            <a:avLst/>
+          </a:prstGeom>
+          <a:noFill/>
+          <a:ln w="9525">
+            <a:noFill/>
+            <a:miter lim="800000"/>
+            <a:headEnd/>
+            <a:tailEnd/>
+          </a:ln>
+          <a:effectLst>
+            <a:outerShdw blurRad="63500" sx="102000" sy="102000" algn="ctr" rotWithShape="0">
+              <a:prstClr val="black">
+                <a:alpha val="40000"/>
+              </a:prstClr>
+            </a:outerShdw>
+          </a:effectLst>
+        </p:spPr>
+      </p:pic>
     </p:spTree>
   </p:cSld>
   <p:clrMapOvr>
@@ -5016,44 +9435,49 @@
           <a:chExt cx="0" cy="0"/>
         </a:xfrm>
       </p:grpSpPr>
-      <p:pic>
-        <p:nvPicPr>
-          <p:cNvPr id="13314" name="Picture 2" descr="http://4.bp.blogspot.com/-96es_lJiqig/T8xEMOj984I/AAAAAAAABk0/8BTPuq0wjn4/s380/Objetivos.jpeg"/>
-          <p:cNvPicPr>
-            <a:picLocks noChangeAspect="1" noChangeArrowheads="1"/>
-          </p:cNvPicPr>
+      <p:sp>
+        <p:nvSpPr>
+          <p:cNvPr id="5" name="4 Rectángulo"/>
+          <p:cNvSpPr/>
           <p:nvPr/>
-        </p:nvPicPr>
-        <p:blipFill>
-          <a:blip r:embed="rId2" cstate="print">
-            <a:clrChange>
-              <a:clrFrom>
-                <a:srgbClr val="FFFFFF"/>
-              </a:clrFrom>
-              <a:clrTo>
-                <a:srgbClr val="FFFFFF">
-                  <a:alpha val="0"/>
-                </a:srgbClr>
-              </a:clrTo>
-            </a:clrChange>
-            <a:lum bright="70000" contrast="-70000"/>
-          </a:blip>
-          <a:srcRect/>
-          <a:stretch>
-            <a:fillRect/>
-          </a:stretch>
-        </p:blipFill>
-        <p:spPr bwMode="auto">
+        </p:nvSpPr>
+        <p:spPr>
           <a:xfrm>
-            <a:off x="4644008" y="1988840"/>
-            <a:ext cx="4320480" cy="4320480"/>
+            <a:off x="0" y="1714488"/>
+            <a:ext cx="9144000" cy="5143512"/>
           </a:xfrm>
           <a:prstGeom prst="rect">
             <a:avLst/>
           </a:prstGeom>
-          <a:noFill/>
+          <a:ln>
+            <a:solidFill>
+              <a:schemeClr val="bg1"/>
+            </a:solidFill>
+          </a:ln>
         </p:spPr>
-      </p:pic>
+        <p:style>
+          <a:lnRef idx="2">
+            <a:schemeClr val="dk1"/>
+          </a:lnRef>
+          <a:fillRef idx="1">
+            <a:schemeClr val="lt1"/>
+          </a:fillRef>
+          <a:effectRef idx="0">
+            <a:schemeClr val="dk1"/>
+          </a:effectRef>
+          <a:fontRef idx="minor">
+            <a:schemeClr val="dk1"/>
+          </a:fontRef>
+        </p:style>
+        <p:txBody>
+          <a:bodyPr rtlCol="0" anchor="ctr"/>
+          <a:lstStyle/>
+          <a:p>
+            <a:pPr algn="ctr"/>
+            <a:endParaRPr lang="es-ES"/>
+          </a:p>
+        </p:txBody>
+      </p:sp>
       <p:sp>
         <p:nvSpPr>
           <p:cNvPr id="2" name="1 Título"/>
@@ -5066,8 +9490,8 @@
         </p:nvSpPr>
         <p:spPr>
           <a:xfrm>
-            <a:off x="467544" y="476672"/>
-            <a:ext cx="8229600" cy="1143000"/>
+            <a:off x="0" y="500042"/>
+            <a:ext cx="9144000" cy="1143000"/>
           </a:xfrm>
         </p:spPr>
         <p:txBody>
@@ -5076,791 +9500,41 @@
           </a:bodyPr>
           <a:lstStyle/>
           <a:p>
-            <a:r>
-              <a:rPr lang="es-UY" dirty="0" smtClean="0"/>
-              <a:t>Objetivos</a:t>
-            </a:r>
-            <a:endParaRPr lang="es-UY" dirty="0"/>
-          </a:p>
-        </p:txBody>
-      </p:sp>
-      <p:sp>
-        <p:nvSpPr>
-          <p:cNvPr id="3" name="2 Marcador de contenido"/>
-          <p:cNvSpPr>
-            <a:spLocks noGrp="1"/>
-          </p:cNvSpPr>
-          <p:nvPr>
-            <p:ph idx="1"/>
-          </p:nvPr>
-        </p:nvSpPr>
-        <p:spPr>
-          <a:xfrm>
-            <a:off x="395536" y="1700808"/>
-            <a:ext cx="8229600" cy="4389120"/>
-          </a:xfrm>
-        </p:spPr>
-        <p:txBody>
-          <a:bodyPr/>
-          <a:lstStyle/>
-          <a:p>
-            <a:r>
-              <a:rPr lang="es-UY" dirty="0" smtClean="0"/>
-              <a:t>Desarrollar una herramienta que represente una solución para REPARTSIG en la gestión de:</a:t>
-            </a:r>
-          </a:p>
-          <a:p>
-            <a:pPr lvl="2"/>
-            <a:r>
-              <a:rPr lang="es-UY" sz="2800" dirty="0" smtClean="0"/>
-              <a:t>Información Empresarial</a:t>
-            </a:r>
-          </a:p>
-          <a:p>
-            <a:pPr lvl="2"/>
-            <a:r>
-              <a:rPr lang="es-UY" sz="2800" dirty="0" smtClean="0"/>
-              <a:t>Información Geográfica</a:t>
-            </a:r>
-          </a:p>
-          <a:p>
-            <a:r>
-              <a:rPr lang="es-UY" dirty="0" smtClean="0"/>
-              <a:t>Además…</a:t>
-            </a:r>
-          </a:p>
-          <a:p>
-            <a:pPr lvl="2"/>
-            <a:r>
-              <a:rPr lang="es-UY" sz="2800" dirty="0" smtClean="0"/>
-              <a:t>Investigación de estándares</a:t>
-            </a:r>
-          </a:p>
-          <a:p>
-            <a:pPr lvl="2"/>
-            <a:r>
-              <a:rPr lang="es-UY" sz="2800" dirty="0" smtClean="0"/>
-              <a:t>Investigación de manejo de información geográfica</a:t>
-            </a:r>
-          </a:p>
-          <a:p>
-            <a:pPr>
-              <a:buNone/>
-            </a:pPr>
-            <a:endParaRPr lang="es-UY" sz="3400" dirty="0"/>
-          </a:p>
-        </p:txBody>
-      </p:sp>
-    </p:spTree>
-  </p:cSld>
-  <p:clrMapOvr>
-    <a:masterClrMapping/>
-  </p:clrMapOvr>
-  <p:timing>
-    <p:tnLst>
-      <p:par>
-        <p:cTn id="1" dur="indefinite" restart="never" nodeType="tmRoot"/>
-      </p:par>
-    </p:tnLst>
-  </p:timing>
-</p:sld>
-</file>
-
-<file path=ppt/slides/slide17.xml><?xml version="1.0" encoding="utf-8"?>
-<p:sld xmlns:a="http://schemas.openxmlformats.org/drawingml/2006/main" xmlns:r="http://schemas.openxmlformats.org/officeDocument/2006/relationships" xmlns:p="http://schemas.openxmlformats.org/presentationml/2006/main">
-  <p:cSld>
-    <p:spTree>
-      <p:nvGrpSpPr>
-        <p:cNvPr id="1" name=""/>
-        <p:cNvGrpSpPr/>
-        <p:nvPr/>
-      </p:nvGrpSpPr>
-      <p:grpSpPr>
-        <a:xfrm>
-          <a:off x="0" y="0"/>
-          <a:ext cx="0" cy="0"/>
-          <a:chOff x="0" y="0"/>
-          <a:chExt cx="0" cy="0"/>
-        </a:xfrm>
-      </p:grpSpPr>
-      <p:sp>
-        <p:nvSpPr>
-          <p:cNvPr id="2" name="1 Título"/>
-          <p:cNvSpPr>
-            <a:spLocks noGrp="1"/>
-          </p:cNvSpPr>
-          <p:nvPr>
-            <p:ph type="title"/>
-          </p:nvPr>
-        </p:nvSpPr>
-        <p:spPr>
-          <a:xfrm>
-            <a:off x="467544" y="332656"/>
-            <a:ext cx="8229600" cy="1143000"/>
-          </a:xfrm>
-        </p:spPr>
-        <p:txBody>
-          <a:bodyPr>
-            <a:normAutofit/>
-          </a:bodyPr>
-          <a:lstStyle/>
-          <a:p>
-            <a:r>
-              <a:rPr lang="en-US" dirty="0" err="1" smtClean="0"/>
-              <a:t>Temas</a:t>
-            </a:r>
-            <a:r>
-              <a:rPr lang="en-US" dirty="0" smtClean="0"/>
-              <a:t> </a:t>
-            </a:r>
-            <a:r>
-              <a:rPr lang="en-US" dirty="0" err="1" smtClean="0"/>
-              <a:t>Estudiados</a:t>
-            </a:r>
-            <a:r>
-              <a:rPr lang="en-US" dirty="0" smtClean="0"/>
-              <a:t> - </a:t>
-            </a:r>
-            <a:r>
-              <a:rPr lang="en-US" dirty="0" err="1" smtClean="0"/>
-              <a:t>Definiciones</a:t>
-            </a:r>
-            <a:endParaRPr lang="es-UY" dirty="0"/>
-          </a:p>
-        </p:txBody>
-      </p:sp>
-      <p:sp>
-        <p:nvSpPr>
-          <p:cNvPr id="3" name="2 Marcador de contenido"/>
-          <p:cNvSpPr>
-            <a:spLocks noGrp="1"/>
-          </p:cNvSpPr>
-          <p:nvPr>
-            <p:ph idx="1"/>
-          </p:nvPr>
-        </p:nvSpPr>
-        <p:spPr>
-          <a:xfrm>
-            <a:off x="395536" y="1844824"/>
-            <a:ext cx="8229600" cy="4389120"/>
-          </a:xfrm>
-        </p:spPr>
-        <p:txBody>
-          <a:bodyPr>
-            <a:normAutofit/>
-          </a:bodyPr>
-          <a:lstStyle/>
-          <a:p>
-            <a:r>
-              <a:rPr lang="en-US" dirty="0" err="1" smtClean="0"/>
-              <a:t>Conceptos</a:t>
-            </a:r>
-            <a:r>
-              <a:rPr lang="en-US" dirty="0" smtClean="0"/>
-              <a:t> </a:t>
-            </a:r>
-            <a:r>
-              <a:rPr lang="en-US" dirty="0" err="1" smtClean="0"/>
-              <a:t>Introductorios</a:t>
-            </a:r>
-            <a:endParaRPr lang="en-US" dirty="0" smtClean="0"/>
-          </a:p>
-          <a:p>
-            <a:pPr lvl="1"/>
-            <a:r>
-              <a:rPr lang="en-US" dirty="0" err="1" smtClean="0"/>
-              <a:t>Noción</a:t>
-            </a:r>
-            <a:r>
-              <a:rPr lang="en-US" dirty="0" smtClean="0"/>
-              <a:t> de </a:t>
-            </a:r>
-            <a:r>
-              <a:rPr lang="en-US" dirty="0" err="1" smtClean="0"/>
-              <a:t>Georeferenciación</a:t>
-            </a:r>
-            <a:endParaRPr lang="en-US" dirty="0" smtClean="0"/>
-          </a:p>
-          <a:p>
-            <a:pPr lvl="1"/>
-            <a:r>
-              <a:rPr lang="en-US" dirty="0" err="1" smtClean="0"/>
-              <a:t>Representación</a:t>
-            </a:r>
-            <a:r>
-              <a:rPr lang="en-US" dirty="0" smtClean="0"/>
-              <a:t> de </a:t>
-            </a:r>
-            <a:r>
-              <a:rPr lang="en-US" dirty="0" err="1" smtClean="0"/>
-              <a:t>Datos</a:t>
-            </a:r>
-            <a:r>
-              <a:rPr lang="en-US" dirty="0" smtClean="0"/>
-              <a:t> </a:t>
-            </a:r>
-            <a:r>
-              <a:rPr lang="en-US" dirty="0" err="1" smtClean="0"/>
-              <a:t>Geográficos</a:t>
-            </a:r>
-            <a:endParaRPr lang="en-US" dirty="0" smtClean="0"/>
-          </a:p>
-          <a:p>
-            <a:pPr lvl="1"/>
-            <a:r>
-              <a:rPr lang="en-US" dirty="0" err="1" smtClean="0"/>
-              <a:t>Almacenamiento</a:t>
-            </a:r>
-            <a:r>
-              <a:rPr lang="en-US" dirty="0" smtClean="0"/>
-              <a:t> de </a:t>
-            </a:r>
-            <a:r>
-              <a:rPr lang="en-US" dirty="0" err="1" smtClean="0"/>
-              <a:t>Archivos</a:t>
-            </a:r>
-            <a:endParaRPr lang="en-US" dirty="0" smtClean="0"/>
-          </a:p>
-          <a:p>
-            <a:r>
-              <a:rPr lang="en-US" dirty="0" smtClean="0"/>
-              <a:t>Bases de </a:t>
-            </a:r>
-            <a:r>
-              <a:rPr lang="en-US" dirty="0" err="1" smtClean="0"/>
-              <a:t>Datos</a:t>
-            </a:r>
-            <a:r>
-              <a:rPr lang="en-US" dirty="0" smtClean="0"/>
-              <a:t> </a:t>
-            </a:r>
-            <a:r>
-              <a:rPr lang="en-US" dirty="0" err="1" smtClean="0"/>
-              <a:t>Geográficas</a:t>
-            </a:r>
-            <a:endParaRPr lang="en-US" dirty="0" smtClean="0"/>
-          </a:p>
-          <a:p>
-            <a:pPr lvl="1"/>
-            <a:r>
-              <a:rPr lang="en-US" dirty="0" err="1" smtClean="0"/>
-              <a:t>Definición</a:t>
-            </a:r>
-            <a:r>
-              <a:rPr lang="en-US" dirty="0" smtClean="0"/>
-              <a:t> OGC</a:t>
-            </a:r>
-          </a:p>
-          <a:p>
-            <a:pPr lvl="1"/>
-            <a:r>
-              <a:rPr lang="en-US" dirty="0" err="1" smtClean="0"/>
-              <a:t>Definición</a:t>
-            </a:r>
-            <a:r>
-              <a:rPr lang="en-US" dirty="0" smtClean="0"/>
-              <a:t> SFS</a:t>
-            </a:r>
-          </a:p>
-          <a:p>
-            <a:pPr lvl="1"/>
-            <a:r>
-              <a:rPr lang="en-US" dirty="0" err="1" smtClean="0"/>
-              <a:t>Definición</a:t>
-            </a:r>
-            <a:r>
-              <a:rPr lang="en-US" dirty="0" smtClean="0"/>
-              <a:t> GML</a:t>
-            </a:r>
-          </a:p>
-          <a:p>
-            <a:pPr lvl="1">
-              <a:buNone/>
-            </a:pPr>
-            <a:endParaRPr lang="en-US" dirty="0" smtClean="0"/>
+            <a:pPr algn="ctr"/>
+            <a:r>
+              <a:rPr lang="es-ES" sz="5400" dirty="0" smtClean="0"/>
+              <a:t>¿</a:t>
+            </a:r>
+            <a:r>
+              <a:rPr lang="es-ES" sz="5400" dirty="0" smtClean="0"/>
+              <a:t>Preguntas?</a:t>
+            </a:r>
+            <a:endParaRPr lang="es-ES" sz="5400" dirty="0"/>
           </a:p>
         </p:txBody>
       </p:sp>
       <p:pic>
         <p:nvPicPr>
-          <p:cNvPr id="12290" name="Picture 2" descr="http://rmbl.info/gis/layers.jpg/layers-full.jpg"/>
+          <p:cNvPr id="4" name="3 Imagen" descr="preguntas.jpg"/>
           <p:cNvPicPr>
-            <a:picLocks noChangeAspect="1" noChangeArrowheads="1"/>
+            <a:picLocks noChangeAspect="1"/>
           </p:cNvPicPr>
           <p:nvPr/>
         </p:nvPicPr>
         <p:blipFill>
-          <a:blip r:embed="rId2" cstate="print"/>
-          <a:srcRect/>
+          <a:blip r:embed="rId2"/>
           <a:stretch>
             <a:fillRect/>
           </a:stretch>
         </p:blipFill>
-        <p:spPr bwMode="auto">
+        <p:spPr>
           <a:xfrm>
-            <a:off x="6300192" y="2132856"/>
-            <a:ext cx="2574595" cy="3284984"/>
+            <a:off x="2214546" y="2305055"/>
+            <a:ext cx="4128359" cy="3052771"/>
           </a:xfrm>
           <a:prstGeom prst="rect">
             <a:avLst/>
           </a:prstGeom>
-          <a:noFill/>
-        </p:spPr>
-      </p:pic>
-      <p:pic>
-        <p:nvPicPr>
-          <p:cNvPr id="12292" name="Picture 4" descr="http://t1.gstatic.com/images?q=tbn:ANd9GcSXG-UjRyMXuhDboa4CQHHkENQv21FcuK43bnLTUbJIe1lunwyM"/>
-          <p:cNvPicPr>
-            <a:picLocks noChangeAspect="1" noChangeArrowheads="1"/>
-          </p:cNvPicPr>
-          <p:nvPr/>
-        </p:nvPicPr>
-        <p:blipFill>
-          <a:blip r:embed="rId3" cstate="print">
-            <a:clrChange>
-              <a:clrFrom>
-                <a:srgbClr val="FFFFFF"/>
-              </a:clrFrom>
-              <a:clrTo>
-                <a:srgbClr val="FFFFFF">
-                  <a:alpha val="0"/>
-                </a:srgbClr>
-              </a:clrTo>
-            </a:clrChange>
-          </a:blip>
-          <a:srcRect t="3761"/>
-          <a:stretch>
-            <a:fillRect/>
-          </a:stretch>
-        </p:blipFill>
-        <p:spPr bwMode="auto">
-          <a:xfrm>
-            <a:off x="3707904" y="4437112"/>
-            <a:ext cx="2390775" cy="1842517"/>
-          </a:xfrm>
-          <a:prstGeom prst="rect">
-            <a:avLst/>
-          </a:prstGeom>
-          <a:noFill/>
-        </p:spPr>
-      </p:pic>
-    </p:spTree>
-  </p:cSld>
-  <p:clrMapOvr>
-    <a:masterClrMapping/>
-  </p:clrMapOvr>
-  <p:timing>
-    <p:tnLst>
-      <p:par>
-        <p:cTn id="1" dur="indefinite" restart="never" nodeType="tmRoot"/>
-      </p:par>
-    </p:tnLst>
-  </p:timing>
-</p:sld>
-</file>
-
-<file path=ppt/slides/slide18.xml><?xml version="1.0" encoding="utf-8"?>
-<p:sld xmlns:a="http://schemas.openxmlformats.org/drawingml/2006/main" xmlns:r="http://schemas.openxmlformats.org/officeDocument/2006/relationships" xmlns:p="http://schemas.openxmlformats.org/presentationml/2006/main">
-  <p:cSld>
-    <p:spTree>
-      <p:nvGrpSpPr>
-        <p:cNvPr id="1" name=""/>
-        <p:cNvGrpSpPr/>
-        <p:nvPr/>
-      </p:nvGrpSpPr>
-      <p:grpSpPr>
-        <a:xfrm>
-          <a:off x="0" y="0"/>
-          <a:ext cx="0" cy="0"/>
-          <a:chOff x="0" y="0"/>
-          <a:chExt cx="0" cy="0"/>
-        </a:xfrm>
-      </p:grpSpPr>
-      <p:sp>
-        <p:nvSpPr>
-          <p:cNvPr id="2" name="1 Título"/>
-          <p:cNvSpPr>
-            <a:spLocks noGrp="1"/>
-          </p:cNvSpPr>
-          <p:nvPr>
-            <p:ph type="title"/>
-          </p:nvPr>
-        </p:nvSpPr>
-        <p:spPr>
-          <a:xfrm>
-            <a:off x="467544" y="548680"/>
-            <a:ext cx="8229600" cy="1143000"/>
-          </a:xfrm>
-        </p:spPr>
-        <p:txBody>
-          <a:bodyPr/>
-          <a:lstStyle/>
-          <a:p>
-            <a:r>
-              <a:rPr lang="en-US" dirty="0" smtClean="0"/>
-              <a:t>Web Services </a:t>
-            </a:r>
-            <a:r>
-              <a:rPr lang="en-US" dirty="0" err="1" smtClean="0"/>
-              <a:t>Geográficos</a:t>
-            </a:r>
-            <a:endParaRPr lang="es-UY" dirty="0"/>
-          </a:p>
-        </p:txBody>
-      </p:sp>
-      <p:sp>
-        <p:nvSpPr>
-          <p:cNvPr id="3" name="2 Marcador de contenido"/>
-          <p:cNvSpPr>
-            <a:spLocks noGrp="1"/>
-          </p:cNvSpPr>
-          <p:nvPr>
-            <p:ph idx="1"/>
-          </p:nvPr>
-        </p:nvSpPr>
-        <p:spPr>
-          <a:xfrm>
-            <a:off x="395536" y="1556792"/>
-            <a:ext cx="8229600" cy="4389120"/>
-          </a:xfrm>
-        </p:spPr>
-        <p:txBody>
-          <a:bodyPr>
-            <a:normAutofit lnSpcReduction="10000"/>
-          </a:bodyPr>
-          <a:lstStyle/>
-          <a:p>
-            <a:pPr lvl="1">
-              <a:buNone/>
-            </a:pPr>
-            <a:endParaRPr lang="en-US" dirty="0" smtClean="0"/>
-          </a:p>
-          <a:p>
-            <a:pPr lvl="1">
-              <a:buNone/>
-            </a:pPr>
-            <a:r>
-              <a:rPr lang="en-US" b="1" dirty="0" smtClean="0"/>
-              <a:t>Web Services (OWS)</a:t>
-            </a:r>
-          </a:p>
-          <a:p>
-            <a:pPr lvl="1">
-              <a:buNone/>
-            </a:pPr>
-            <a:r>
-              <a:rPr lang="en-US" dirty="0" err="1" smtClean="0"/>
-              <a:t>Nombre</a:t>
-            </a:r>
-            <a:r>
-              <a:rPr lang="en-US" dirty="0" smtClean="0"/>
-              <a:t> </a:t>
-            </a:r>
-            <a:r>
-              <a:rPr lang="en-US" dirty="0" err="1" smtClean="0"/>
-              <a:t>genérico</a:t>
-            </a:r>
-            <a:r>
-              <a:rPr lang="en-US" dirty="0" smtClean="0"/>
-              <a:t> con el </a:t>
-            </a:r>
-            <a:r>
-              <a:rPr lang="en-US" dirty="0" err="1" smtClean="0"/>
-              <a:t>que</a:t>
-            </a:r>
-            <a:r>
-              <a:rPr lang="en-US" dirty="0" smtClean="0"/>
-              <a:t> se </a:t>
-            </a:r>
-            <a:r>
-              <a:rPr lang="en-US" dirty="0" err="1" smtClean="0"/>
-              <a:t>agrupan</a:t>
-            </a:r>
-            <a:r>
-              <a:rPr lang="en-US" dirty="0" smtClean="0"/>
-              <a:t> </a:t>
-            </a:r>
-            <a:r>
-              <a:rPr lang="en-US" dirty="0" err="1" smtClean="0"/>
-              <a:t>todos</a:t>
-            </a:r>
-            <a:r>
-              <a:rPr lang="en-US" dirty="0" smtClean="0"/>
-              <a:t> los</a:t>
-            </a:r>
-          </a:p>
-          <a:p>
-            <a:pPr lvl="1">
-              <a:buNone/>
-            </a:pPr>
-            <a:r>
-              <a:rPr lang="en-US" dirty="0" err="1" smtClean="0"/>
-              <a:t>estándares</a:t>
-            </a:r>
-            <a:r>
-              <a:rPr lang="en-US" dirty="0" smtClean="0"/>
-              <a:t> de Web Services </a:t>
-            </a:r>
-            <a:r>
-              <a:rPr lang="en-US" dirty="0" err="1" smtClean="0"/>
-              <a:t>geográficos</a:t>
-            </a:r>
-            <a:r>
-              <a:rPr lang="en-US" dirty="0" smtClean="0"/>
-              <a:t> de OGC.</a:t>
-            </a:r>
-          </a:p>
-          <a:p>
-            <a:pPr lvl="1">
-              <a:buNone/>
-            </a:pPr>
-            <a:endParaRPr lang="en-US" dirty="0" smtClean="0"/>
-          </a:p>
-          <a:p>
-            <a:pPr lvl="1"/>
-            <a:r>
-              <a:rPr lang="en-US" dirty="0" smtClean="0"/>
-              <a:t>Web Map Services (WMS)</a:t>
-            </a:r>
-          </a:p>
-          <a:p>
-            <a:pPr lvl="1">
-              <a:buNone/>
-            </a:pPr>
-            <a:endParaRPr lang="en-US" dirty="0" smtClean="0"/>
-          </a:p>
-          <a:p>
-            <a:pPr lvl="1"/>
-            <a:r>
-              <a:rPr lang="en-US" dirty="0" smtClean="0"/>
-              <a:t>Web Features Services (WFS)</a:t>
-            </a:r>
-          </a:p>
-          <a:p>
-            <a:pPr lvl="1">
-              <a:buNone/>
-            </a:pPr>
-            <a:endParaRPr lang="en-US" dirty="0" smtClean="0"/>
-          </a:p>
-          <a:p>
-            <a:pPr lvl="1"/>
-            <a:r>
-              <a:rPr lang="en-US" dirty="0" smtClean="0"/>
-              <a:t>Web Coverage Services (WCS)</a:t>
-            </a:r>
-          </a:p>
-        </p:txBody>
-      </p:sp>
-      <p:pic>
-        <p:nvPicPr>
-          <p:cNvPr id="11266" name="Picture 2" descr="http://www.papermasters.com/images/communication-technology-system.jpg"/>
-          <p:cNvPicPr>
-            <a:picLocks noChangeAspect="1" noChangeArrowheads="1"/>
-          </p:cNvPicPr>
-          <p:nvPr/>
-        </p:nvPicPr>
-        <p:blipFill>
-          <a:blip r:embed="rId2" cstate="print">
-            <a:clrChange>
-              <a:clrFrom>
-                <a:srgbClr val="FFFFFF"/>
-              </a:clrFrom>
-              <a:clrTo>
-                <a:srgbClr val="FFFFFF">
-                  <a:alpha val="0"/>
-                </a:srgbClr>
-              </a:clrTo>
-            </a:clrChange>
-          </a:blip>
-          <a:srcRect/>
-          <a:stretch>
-            <a:fillRect/>
-          </a:stretch>
-        </p:blipFill>
-        <p:spPr bwMode="auto">
-          <a:xfrm>
-            <a:off x="5220072" y="3284984"/>
-            <a:ext cx="3480881" cy="2607303"/>
-          </a:xfrm>
-          <a:prstGeom prst="rect">
-            <a:avLst/>
-          </a:prstGeom>
-          <a:noFill/>
-        </p:spPr>
-      </p:pic>
-    </p:spTree>
-  </p:cSld>
-  <p:clrMapOvr>
-    <a:masterClrMapping/>
-  </p:clrMapOvr>
-  <p:timing>
-    <p:tnLst>
-      <p:par>
-        <p:cTn id="1" dur="indefinite" restart="never" nodeType="tmRoot"/>
-      </p:par>
-    </p:tnLst>
-  </p:timing>
-</p:sld>
-</file>
-
-<file path=ppt/slides/slide19.xml><?xml version="1.0" encoding="utf-8"?>
-<p:sld xmlns:a="http://schemas.openxmlformats.org/drawingml/2006/main" xmlns:r="http://schemas.openxmlformats.org/officeDocument/2006/relationships" xmlns:p="http://schemas.openxmlformats.org/presentationml/2006/main">
-  <p:cSld>
-    <p:spTree>
-      <p:nvGrpSpPr>
-        <p:cNvPr id="1" name=""/>
-        <p:cNvGrpSpPr/>
-        <p:nvPr/>
-      </p:nvGrpSpPr>
-      <p:grpSpPr>
-        <a:xfrm>
-          <a:off x="0" y="0"/>
-          <a:ext cx="0" cy="0"/>
-          <a:chOff x="0" y="0"/>
-          <a:chExt cx="0" cy="0"/>
-        </a:xfrm>
-      </p:grpSpPr>
-      <p:sp>
-        <p:nvSpPr>
-          <p:cNvPr id="2" name="1 Título"/>
-          <p:cNvSpPr>
-            <a:spLocks noGrp="1"/>
-          </p:cNvSpPr>
-          <p:nvPr>
-            <p:ph type="title"/>
-          </p:nvPr>
-        </p:nvSpPr>
-        <p:spPr/>
-        <p:txBody>
-          <a:bodyPr>
-            <a:normAutofit fontScale="90000"/>
-          </a:bodyPr>
-          <a:lstStyle/>
-          <a:p>
-            <a:r>
-              <a:rPr lang="es-UY" dirty="0" smtClean="0"/>
-              <a:t>Prototipo de la aplicación y Arquitectura</a:t>
-            </a:r>
-            <a:endParaRPr lang="es-UY" dirty="0"/>
-          </a:p>
-        </p:txBody>
-      </p:sp>
-      <p:sp>
-        <p:nvSpPr>
-          <p:cNvPr id="3" name="2 Marcador de contenido"/>
-          <p:cNvSpPr>
-            <a:spLocks noGrp="1"/>
-          </p:cNvSpPr>
-          <p:nvPr>
-            <p:ph idx="1"/>
-          </p:nvPr>
-        </p:nvSpPr>
-        <p:spPr/>
-        <p:txBody>
-          <a:bodyPr/>
-          <a:lstStyle/>
-          <a:p>
-            <a:r>
-              <a:rPr lang="es-UY" dirty="0" smtClean="0"/>
-              <a:t>Estilos arquitectónico</a:t>
-            </a:r>
-          </a:p>
-          <a:p>
-            <a:pPr lvl="1"/>
-            <a:r>
-              <a:rPr lang="es-UY" dirty="0" smtClean="0"/>
-              <a:t>Capa de presentación</a:t>
-            </a:r>
-          </a:p>
-          <a:p>
-            <a:pPr lvl="1"/>
-            <a:r>
-              <a:rPr lang="es-UY" dirty="0" smtClean="0"/>
-              <a:t>Capa de negocio</a:t>
-            </a:r>
-          </a:p>
-          <a:p>
-            <a:pPr lvl="1"/>
-            <a:r>
-              <a:rPr lang="es-UY" dirty="0" smtClean="0"/>
-              <a:t>Capa de persistencia</a:t>
-            </a:r>
-          </a:p>
-          <a:p>
-            <a:endParaRPr lang="en-US" dirty="0" smtClean="0"/>
-          </a:p>
-          <a:p>
-            <a:endParaRPr lang="es-UY" dirty="0" smtClean="0"/>
-          </a:p>
-          <a:p>
-            <a:r>
-              <a:rPr lang="es-UY" dirty="0" smtClean="0"/>
-              <a:t>Escenarios de </a:t>
-            </a:r>
-            <a:r>
-              <a:rPr lang="es-UY" dirty="0" err="1" smtClean="0"/>
-              <a:t>deployment</a:t>
-            </a:r>
-            <a:endParaRPr lang="es-UY" dirty="0" smtClean="0"/>
-          </a:p>
-          <a:p>
-            <a:pPr lvl="1"/>
-            <a:r>
-              <a:rPr lang="es-UY" dirty="0" smtClean="0"/>
-              <a:t>Escenario de desarrollo</a:t>
-            </a:r>
-          </a:p>
-          <a:p>
-            <a:pPr lvl="1"/>
-            <a:r>
-              <a:rPr lang="es-UY" dirty="0" smtClean="0"/>
-              <a:t>Escenario de producción</a:t>
-            </a:r>
-          </a:p>
-          <a:p>
-            <a:endParaRPr lang="es-UY" dirty="0" smtClean="0"/>
-          </a:p>
-          <a:p>
-            <a:endParaRPr lang="es-UY" dirty="0"/>
-          </a:p>
-        </p:txBody>
-      </p:sp>
-      <p:pic>
-        <p:nvPicPr>
-          <p:cNvPr id="10242" name="Picture 2" descr="http://www.geek.com.mx/wp-content/uploads/2012/07/medium_megin_legos.jpg"/>
-          <p:cNvPicPr>
-            <a:picLocks noChangeAspect="1" noChangeArrowheads="1"/>
-          </p:cNvPicPr>
-          <p:nvPr/>
-        </p:nvPicPr>
-        <p:blipFill>
-          <a:blip r:embed="rId2" cstate="print"/>
-          <a:srcRect/>
-          <a:stretch>
-            <a:fillRect/>
-          </a:stretch>
-        </p:blipFill>
-        <p:spPr bwMode="auto">
-          <a:xfrm>
-            <a:off x="4932040" y="1772816"/>
-            <a:ext cx="3801977" cy="2847603"/>
-          </a:xfrm>
-          <a:prstGeom prst="rect">
-            <a:avLst/>
-          </a:prstGeom>
-          <a:noFill/>
-          <a:ln w="0" cap="rnd">
-            <a:solidFill>
-              <a:schemeClr val="tx1"/>
-            </a:solidFill>
-          </a:ln>
-          <a:effectLst>
-            <a:outerShdw blurRad="177800" dir="3600000" sx="101000" sy="101000" algn="ctr" rotWithShape="0">
-              <a:srgbClr val="000000">
-                <a:alpha val="76000"/>
-              </a:srgbClr>
-            </a:outerShdw>
-          </a:effectLst>
         </p:spPr>
       </p:pic>
     </p:spTree>
@@ -5942,43 +9616,57 @@
           <a:lstStyle/>
           <a:p>
             <a:r>
-              <a:rPr lang="es-UY" dirty="0" smtClean="0"/>
+              <a:rPr lang="es-UY" dirty="0" smtClean="0">
+                <a:latin typeface="+mj-lt"/>
+              </a:rPr>
               <a:t>Contexto</a:t>
             </a:r>
           </a:p>
           <a:p>
             <a:r>
-              <a:rPr lang="es-UY" dirty="0" smtClean="0"/>
+              <a:rPr lang="es-UY" dirty="0" smtClean="0">
+                <a:latin typeface="+mj-lt"/>
+              </a:rPr>
               <a:t>Objetivos</a:t>
             </a:r>
           </a:p>
           <a:p>
             <a:r>
-              <a:rPr lang="es-UY" dirty="0" smtClean="0"/>
+              <a:rPr lang="es-UY" dirty="0" smtClean="0">
+                <a:latin typeface="+mj-lt"/>
+              </a:rPr>
               <a:t>Proceso de desarrollo de la solución</a:t>
             </a:r>
           </a:p>
           <a:p>
             <a:r>
-              <a:rPr lang="es-UY" dirty="0" smtClean="0"/>
+              <a:rPr lang="es-UY" dirty="0" smtClean="0">
+                <a:latin typeface="+mj-lt"/>
+              </a:rPr>
               <a:t>Desarrollo del proyecto</a:t>
             </a:r>
           </a:p>
           <a:p>
             <a:r>
-              <a:rPr lang="es-UY" dirty="0" smtClean="0"/>
+              <a:rPr lang="es-UY" dirty="0" smtClean="0">
+                <a:latin typeface="+mj-lt"/>
+              </a:rPr>
               <a:t>Análisis de la gestión</a:t>
             </a:r>
           </a:p>
           <a:p>
             <a:r>
-              <a:rPr lang="es-UY" dirty="0" smtClean="0"/>
+              <a:rPr lang="es-UY" dirty="0" smtClean="0">
+                <a:latin typeface="+mj-lt"/>
+              </a:rPr>
               <a:t>Trabajos a futuro</a:t>
             </a:r>
           </a:p>
           <a:p>
             <a:r>
-              <a:rPr lang="es-UY" dirty="0" smtClean="0"/>
+              <a:rPr lang="es-UY" dirty="0" smtClean="0">
+                <a:latin typeface="+mj-lt"/>
+              </a:rPr>
               <a:t>Conclusiones</a:t>
             </a:r>
           </a:p>
@@ -6000,1560 +9688,12 @@
         </p:blipFill>
         <p:spPr>
           <a:xfrm>
-            <a:off x="6000760" y="3786190"/>
+            <a:off x="5715008" y="3571876"/>
             <a:ext cx="2786082" cy="2786082"/>
           </a:xfrm>
           <a:prstGeom prst="rect">
             <a:avLst/>
           </a:prstGeom>
-        </p:spPr>
-      </p:pic>
-    </p:spTree>
-  </p:cSld>
-  <p:clrMapOvr>
-    <a:masterClrMapping/>
-  </p:clrMapOvr>
-  <p:timing>
-    <p:tnLst>
-      <p:par>
-        <p:cTn id="1" dur="indefinite" restart="never" nodeType="tmRoot"/>
-      </p:par>
-    </p:tnLst>
-  </p:timing>
-</p:sld>
-</file>
-
-<file path=ppt/slides/slide20.xml><?xml version="1.0" encoding="utf-8"?>
-<p:sld xmlns:a="http://schemas.openxmlformats.org/drawingml/2006/main" xmlns:r="http://schemas.openxmlformats.org/officeDocument/2006/relationships" xmlns:p="http://schemas.openxmlformats.org/presentationml/2006/main">
-  <p:cSld>
-    <p:spTree>
-      <p:nvGrpSpPr>
-        <p:cNvPr id="1" name=""/>
-        <p:cNvGrpSpPr/>
-        <p:nvPr/>
-      </p:nvGrpSpPr>
-      <p:grpSpPr>
-        <a:xfrm>
-          <a:off x="0" y="0"/>
-          <a:ext cx="0" cy="0"/>
-          <a:chOff x="0" y="0"/>
-          <a:chExt cx="0" cy="0"/>
-        </a:xfrm>
-      </p:grpSpPr>
-      <p:sp>
-        <p:nvSpPr>
-          <p:cNvPr id="2" name="1 Título"/>
-          <p:cNvSpPr>
-            <a:spLocks noGrp="1"/>
-          </p:cNvSpPr>
-          <p:nvPr>
-            <p:ph type="title"/>
-          </p:nvPr>
-        </p:nvSpPr>
-        <p:spPr>
-          <a:xfrm>
-            <a:off x="914400" y="620688"/>
-            <a:ext cx="7185992" cy="1010376"/>
-          </a:xfrm>
-        </p:spPr>
-        <p:txBody>
-          <a:bodyPr>
-            <a:normAutofit/>
-          </a:bodyPr>
-          <a:lstStyle/>
-          <a:p>
-            <a:r>
-              <a:rPr lang="es-UY" sz="3200" dirty="0" smtClean="0"/>
-              <a:t>Arquitectura en capas - </a:t>
-            </a:r>
-            <a:r>
-              <a:rPr lang="es-UY" sz="3200" dirty="0" err="1" smtClean="0"/>
-              <a:t>JavaEE</a:t>
-            </a:r>
-            <a:endParaRPr lang="es-UY" sz="3200" dirty="0"/>
-          </a:p>
-        </p:txBody>
-      </p:sp>
-      <p:pic>
-        <p:nvPicPr>
-          <p:cNvPr id="3074" name="Picture 2"/>
-          <p:cNvPicPr>
-            <a:picLocks noGrp="1" noChangeAspect="1" noChangeArrowheads="1"/>
-          </p:cNvPicPr>
-          <p:nvPr>
-            <p:ph idx="1"/>
-          </p:nvPr>
-        </p:nvPicPr>
-        <p:blipFill>
-          <a:blip r:embed="rId2" cstate="print"/>
-          <a:stretch>
-            <a:fillRect/>
-          </a:stretch>
-        </p:blipFill>
-        <p:spPr bwMode="auto">
-          <a:xfrm>
-            <a:off x="1119187" y="1962944"/>
-            <a:ext cx="6905625" cy="4333875"/>
-          </a:xfrm>
-          <a:prstGeom prst="rect">
-            <a:avLst/>
-          </a:prstGeom>
-          <a:noFill/>
-          <a:ln w="9525">
-            <a:noFill/>
-            <a:miter lim="800000"/>
-            <a:headEnd/>
-            <a:tailEnd/>
-          </a:ln>
-          <a:effectLst>
-            <a:outerShdw blurRad="177800" dir="3600000" sx="101000" sy="101000" algn="ctr" rotWithShape="0">
-              <a:srgbClr val="000000">
-                <a:alpha val="78000"/>
-              </a:srgbClr>
-            </a:outerShdw>
-          </a:effectLst>
-        </p:spPr>
-      </p:pic>
-    </p:spTree>
-  </p:cSld>
-  <p:clrMapOvr>
-    <a:masterClrMapping/>
-  </p:clrMapOvr>
-  <p:timing>
-    <p:tnLst>
-      <p:par>
-        <p:cTn id="1" dur="indefinite" restart="never" nodeType="tmRoot"/>
-      </p:par>
-    </p:tnLst>
-  </p:timing>
-</p:sld>
-</file>
-
-<file path=ppt/slides/slide21.xml><?xml version="1.0" encoding="utf-8"?>
-<p:sld xmlns:a="http://schemas.openxmlformats.org/drawingml/2006/main" xmlns:r="http://schemas.openxmlformats.org/officeDocument/2006/relationships" xmlns:p="http://schemas.openxmlformats.org/presentationml/2006/main">
-  <p:cSld>
-    <p:spTree>
-      <p:nvGrpSpPr>
-        <p:cNvPr id="1" name=""/>
-        <p:cNvGrpSpPr/>
-        <p:nvPr/>
-      </p:nvGrpSpPr>
-      <p:grpSpPr>
-        <a:xfrm>
-          <a:off x="0" y="0"/>
-          <a:ext cx="0" cy="0"/>
-          <a:chOff x="0" y="0"/>
-          <a:chExt cx="0" cy="0"/>
-        </a:xfrm>
-      </p:grpSpPr>
-      <p:sp>
-        <p:nvSpPr>
-          <p:cNvPr id="2" name="1 Título"/>
-          <p:cNvSpPr>
-            <a:spLocks noGrp="1"/>
-          </p:cNvSpPr>
-          <p:nvPr>
-            <p:ph type="title"/>
-          </p:nvPr>
-        </p:nvSpPr>
-        <p:spPr>
-          <a:xfrm>
-            <a:off x="467544" y="764704"/>
-            <a:ext cx="8229600" cy="866360"/>
-          </a:xfrm>
-        </p:spPr>
-        <p:txBody>
-          <a:bodyPr>
-            <a:normAutofit/>
-          </a:bodyPr>
-          <a:lstStyle/>
-          <a:p>
-            <a:r>
-              <a:rPr lang="es-UY" sz="3200" dirty="0" smtClean="0"/>
-              <a:t>Escenario de desarrollo</a:t>
-            </a:r>
-            <a:endParaRPr lang="es-UY" sz="3200" dirty="0"/>
-          </a:p>
-        </p:txBody>
-      </p:sp>
-      <p:pic>
-        <p:nvPicPr>
-          <p:cNvPr id="1026" name="Picture 2"/>
-          <p:cNvPicPr>
-            <a:picLocks noGrp="1" noChangeAspect="1" noChangeArrowheads="1"/>
-          </p:cNvPicPr>
-          <p:nvPr>
-            <p:ph idx="1"/>
-          </p:nvPr>
-        </p:nvPicPr>
-        <p:blipFill>
-          <a:blip r:embed="rId2" cstate="print"/>
-          <a:stretch>
-            <a:fillRect/>
-          </a:stretch>
-        </p:blipFill>
-        <p:spPr bwMode="auto">
-          <a:xfrm>
-            <a:off x="489351" y="1935163"/>
-            <a:ext cx="8165297" cy="4389437"/>
-          </a:xfrm>
-          <a:prstGeom prst="rect">
-            <a:avLst/>
-          </a:prstGeom>
-          <a:noFill/>
-          <a:ln w="9525">
-            <a:noFill/>
-            <a:miter lim="800000"/>
-            <a:headEnd/>
-            <a:tailEnd/>
-          </a:ln>
-          <a:effectLst>
-            <a:outerShdw blurRad="177800" dir="3660000" algn="ctr" rotWithShape="0">
-              <a:srgbClr val="000000">
-                <a:alpha val="78000"/>
-              </a:srgbClr>
-            </a:outerShdw>
-          </a:effectLst>
-        </p:spPr>
-      </p:pic>
-    </p:spTree>
-  </p:cSld>
-  <p:clrMapOvr>
-    <a:masterClrMapping/>
-  </p:clrMapOvr>
-  <p:timing>
-    <p:tnLst>
-      <p:par>
-        <p:cTn id="1" dur="indefinite" restart="never" nodeType="tmRoot"/>
-      </p:par>
-    </p:tnLst>
-  </p:timing>
-</p:sld>
-</file>
-
-<file path=ppt/slides/slide22.xml><?xml version="1.0" encoding="utf-8"?>
-<p:sld xmlns:a="http://schemas.openxmlformats.org/drawingml/2006/main" xmlns:r="http://schemas.openxmlformats.org/officeDocument/2006/relationships" xmlns:p="http://schemas.openxmlformats.org/presentationml/2006/main">
-  <p:cSld>
-    <p:spTree>
-      <p:nvGrpSpPr>
-        <p:cNvPr id="1" name=""/>
-        <p:cNvGrpSpPr/>
-        <p:nvPr/>
-      </p:nvGrpSpPr>
-      <p:grpSpPr>
-        <a:xfrm>
-          <a:off x="0" y="0"/>
-          <a:ext cx="0" cy="0"/>
-          <a:chOff x="0" y="0"/>
-          <a:chExt cx="0" cy="0"/>
-        </a:xfrm>
-      </p:grpSpPr>
-      <p:sp>
-        <p:nvSpPr>
-          <p:cNvPr id="2" name="1 Título"/>
-          <p:cNvSpPr>
-            <a:spLocks noGrp="1"/>
-          </p:cNvSpPr>
-          <p:nvPr>
-            <p:ph type="title"/>
-          </p:nvPr>
-        </p:nvSpPr>
-        <p:spPr>
-          <a:xfrm>
-            <a:off x="467544" y="620688"/>
-            <a:ext cx="8229600" cy="938368"/>
-          </a:xfrm>
-        </p:spPr>
-        <p:txBody>
-          <a:bodyPr>
-            <a:normAutofit/>
-          </a:bodyPr>
-          <a:lstStyle/>
-          <a:p>
-            <a:r>
-              <a:rPr lang="es-UY" sz="3200" dirty="0" smtClean="0"/>
-              <a:t>Escenario de producción</a:t>
-            </a:r>
-            <a:endParaRPr lang="es-UY" sz="3200" dirty="0"/>
-          </a:p>
-        </p:txBody>
-      </p:sp>
-      <p:pic>
-        <p:nvPicPr>
-          <p:cNvPr id="2050" name="Picture 2"/>
-          <p:cNvPicPr>
-            <a:picLocks noGrp="1" noChangeAspect="1" noChangeArrowheads="1"/>
-          </p:cNvPicPr>
-          <p:nvPr>
-            <p:ph idx="1"/>
-          </p:nvPr>
-        </p:nvPicPr>
-        <p:blipFill>
-          <a:blip r:embed="rId2" cstate="print"/>
-          <a:stretch>
-            <a:fillRect/>
-          </a:stretch>
-        </p:blipFill>
-        <p:spPr bwMode="auto">
-          <a:xfrm>
-            <a:off x="457200" y="1995006"/>
-            <a:ext cx="8229600" cy="4269751"/>
-          </a:xfrm>
-          <a:prstGeom prst="rect">
-            <a:avLst/>
-          </a:prstGeom>
-          <a:noFill/>
-          <a:ln w="9525">
-            <a:noFill/>
-            <a:miter lim="800000"/>
-            <a:headEnd/>
-            <a:tailEnd/>
-          </a:ln>
-          <a:effectLst>
-            <a:outerShdw blurRad="177800" dir="3600000" sx="101000" sy="101000" algn="ctr" rotWithShape="0">
-              <a:srgbClr val="000000">
-                <a:alpha val="78000"/>
-              </a:srgbClr>
-            </a:outerShdw>
-          </a:effectLst>
-        </p:spPr>
-      </p:pic>
-    </p:spTree>
-  </p:cSld>
-  <p:clrMapOvr>
-    <a:masterClrMapping/>
-  </p:clrMapOvr>
-  <p:timing>
-    <p:tnLst>
-      <p:par>
-        <p:cTn id="1" dur="indefinite" restart="never" nodeType="tmRoot"/>
-      </p:par>
-    </p:tnLst>
-  </p:timing>
-</p:sld>
-</file>
-
-<file path=ppt/slides/slide23.xml><?xml version="1.0" encoding="utf-8"?>
-<p:sld xmlns:a="http://schemas.openxmlformats.org/drawingml/2006/main" xmlns:r="http://schemas.openxmlformats.org/officeDocument/2006/relationships" xmlns:p="http://schemas.openxmlformats.org/presentationml/2006/main">
-  <p:cSld>
-    <p:spTree>
-      <p:nvGrpSpPr>
-        <p:cNvPr id="1" name=""/>
-        <p:cNvGrpSpPr/>
-        <p:nvPr/>
-      </p:nvGrpSpPr>
-      <p:grpSpPr>
-        <a:xfrm>
-          <a:off x="0" y="0"/>
-          <a:ext cx="0" cy="0"/>
-          <a:chOff x="0" y="0"/>
-          <a:chExt cx="0" cy="0"/>
-        </a:xfrm>
-      </p:grpSpPr>
-      <p:sp>
-        <p:nvSpPr>
-          <p:cNvPr id="2" name="1 Título"/>
-          <p:cNvSpPr>
-            <a:spLocks noGrp="1"/>
-          </p:cNvSpPr>
-          <p:nvPr>
-            <p:ph type="title"/>
-          </p:nvPr>
-        </p:nvSpPr>
-        <p:spPr/>
-        <p:txBody>
-          <a:bodyPr>
-            <a:normAutofit fontScale="90000"/>
-          </a:bodyPr>
-          <a:lstStyle/>
-          <a:p>
-            <a:r>
-              <a:rPr lang="es-UY" dirty="0" smtClean="0"/>
-              <a:t>Relevamiento de Estándares y Herramientas </a:t>
-            </a:r>
-            <a:endParaRPr lang="es-UY" dirty="0"/>
-          </a:p>
-        </p:txBody>
-      </p:sp>
-      <p:sp>
-        <p:nvSpPr>
-          <p:cNvPr id="3" name="2 Marcador de contenido"/>
-          <p:cNvSpPr>
-            <a:spLocks noGrp="1"/>
-          </p:cNvSpPr>
-          <p:nvPr>
-            <p:ph idx="1"/>
-          </p:nvPr>
-        </p:nvSpPr>
-        <p:spPr/>
-        <p:txBody>
-          <a:bodyPr>
-            <a:normAutofit fontScale="92500" lnSpcReduction="20000"/>
-          </a:bodyPr>
-          <a:lstStyle/>
-          <a:p>
-            <a:pPr>
-              <a:buNone/>
-            </a:pPr>
-            <a:r>
-              <a:rPr lang="es-UY" dirty="0" smtClean="0"/>
-              <a:t>Herramientas utilizadas en el proceso </a:t>
-            </a:r>
-          </a:p>
-          <a:p>
-            <a:pPr>
-              <a:buNone/>
-            </a:pPr>
-            <a:r>
-              <a:rPr lang="es-UY" dirty="0" smtClean="0"/>
-              <a:t>de desarrollo:</a:t>
-            </a:r>
-          </a:p>
-          <a:p>
-            <a:pPr lvl="1"/>
-            <a:r>
-              <a:rPr lang="es-UY" dirty="0" smtClean="0"/>
-              <a:t>Eclipse </a:t>
-            </a:r>
-            <a:r>
-              <a:rPr lang="es-UY" dirty="0" err="1" smtClean="0"/>
-              <a:t>Indigo</a:t>
-            </a:r>
-            <a:r>
-              <a:rPr lang="es-UY" dirty="0" smtClean="0"/>
-              <a:t> + </a:t>
-            </a:r>
-            <a:r>
-              <a:rPr lang="es-UY" dirty="0" err="1" smtClean="0"/>
-              <a:t>Subversive</a:t>
-            </a:r>
-            <a:r>
-              <a:rPr lang="es-UY" dirty="0" smtClean="0"/>
-              <a:t>.</a:t>
-            </a:r>
-          </a:p>
-          <a:p>
-            <a:pPr lvl="1"/>
-            <a:r>
-              <a:rPr lang="es-UY" dirty="0" err="1" smtClean="0"/>
-              <a:t>Postgresql</a:t>
-            </a:r>
-            <a:r>
-              <a:rPr lang="es-UY" dirty="0" smtClean="0"/>
-              <a:t>  9.2 + </a:t>
-            </a:r>
-            <a:r>
-              <a:rPr lang="es-UY" dirty="0" err="1" smtClean="0"/>
-              <a:t>PostGIS</a:t>
-            </a:r>
-            <a:r>
-              <a:rPr lang="es-UY" dirty="0" smtClean="0"/>
-              <a:t> 2.0 + </a:t>
-            </a:r>
-            <a:r>
-              <a:rPr lang="es-UY" dirty="0" err="1" smtClean="0"/>
-              <a:t>pgAdmin</a:t>
-            </a:r>
-            <a:r>
-              <a:rPr lang="es-UY" dirty="0" smtClean="0"/>
-              <a:t> 1.6.	</a:t>
-            </a:r>
-          </a:p>
-          <a:p>
-            <a:pPr lvl="1"/>
-            <a:r>
-              <a:rPr lang="en-US" dirty="0" smtClean="0"/>
-              <a:t>Hibernate JPA 2.0 - JDBC</a:t>
-            </a:r>
-            <a:endParaRPr lang="es-UY" dirty="0" smtClean="0"/>
-          </a:p>
-          <a:p>
-            <a:pPr lvl="1"/>
-            <a:r>
-              <a:rPr lang="es-UY" dirty="0" err="1" smtClean="0"/>
-              <a:t>GeoServer</a:t>
-            </a:r>
-            <a:r>
-              <a:rPr lang="es-UY" dirty="0" smtClean="0"/>
-              <a:t> 2.3.1</a:t>
-            </a:r>
-          </a:p>
-          <a:p>
-            <a:pPr lvl="1"/>
-            <a:r>
-              <a:rPr lang="es-UY" dirty="0" err="1" smtClean="0"/>
-              <a:t>OpenLayers</a:t>
-            </a:r>
-            <a:r>
-              <a:rPr lang="es-UY" dirty="0" smtClean="0"/>
-              <a:t> 2.12</a:t>
-            </a:r>
-          </a:p>
-          <a:p>
-            <a:pPr lvl="1"/>
-            <a:r>
-              <a:rPr lang="en-US" dirty="0" smtClean="0"/>
-              <a:t>JSF 2.1 + </a:t>
-            </a:r>
-            <a:r>
-              <a:rPr lang="en-US" dirty="0" err="1" smtClean="0"/>
-              <a:t>Primefaces</a:t>
-            </a:r>
-            <a:r>
-              <a:rPr lang="en-US" dirty="0" smtClean="0"/>
-              <a:t> 3.5.</a:t>
-            </a:r>
-            <a:endParaRPr lang="es-UY" dirty="0" smtClean="0"/>
-          </a:p>
-          <a:p>
-            <a:pPr lvl="1"/>
-            <a:r>
-              <a:rPr lang="es-UY" dirty="0" err="1" smtClean="0"/>
-              <a:t>ApacheTomcat</a:t>
-            </a:r>
-            <a:r>
-              <a:rPr lang="es-UY" dirty="0" smtClean="0"/>
-              <a:t> 7.0.39.</a:t>
-            </a:r>
-          </a:p>
-          <a:p>
-            <a:pPr lvl="1"/>
-            <a:r>
-              <a:rPr lang="en-US" dirty="0" smtClean="0"/>
-              <a:t>Extras:</a:t>
-            </a:r>
-          </a:p>
-          <a:p>
-            <a:pPr lvl="2"/>
-            <a:r>
-              <a:rPr lang="en-US" dirty="0" smtClean="0"/>
-              <a:t>SVN Tortoise</a:t>
-            </a:r>
-            <a:endParaRPr lang="es-UY" dirty="0" smtClean="0"/>
-          </a:p>
-          <a:p>
-            <a:pPr lvl="2"/>
-            <a:r>
-              <a:rPr lang="en-US" dirty="0" smtClean="0"/>
-              <a:t>Visual Paradigm</a:t>
-            </a:r>
-          </a:p>
-        </p:txBody>
-      </p:sp>
-      <p:pic>
-        <p:nvPicPr>
-          <p:cNvPr id="6146" name="Picture 2" descr="http://www.tshapesolutions.com/wp-content/uploads/2011/01/Internet-Marketing-Tools.jpg"/>
-          <p:cNvPicPr>
-            <a:picLocks noChangeAspect="1" noChangeArrowheads="1"/>
-          </p:cNvPicPr>
-          <p:nvPr/>
-        </p:nvPicPr>
-        <p:blipFill>
-          <a:blip r:embed="rId2" cstate="print">
-            <a:clrChange>
-              <a:clrFrom>
-                <a:srgbClr val="FFFFFF"/>
-              </a:clrFrom>
-              <a:clrTo>
-                <a:srgbClr val="FFFFFF">
-                  <a:alpha val="0"/>
-                </a:srgbClr>
-              </a:clrTo>
-            </a:clrChange>
-          </a:blip>
-          <a:srcRect b="2150"/>
-          <a:stretch>
-            <a:fillRect/>
-          </a:stretch>
-        </p:blipFill>
-        <p:spPr bwMode="auto">
-          <a:xfrm>
-            <a:off x="4091543" y="3212976"/>
-            <a:ext cx="5052457" cy="3276506"/>
-          </a:xfrm>
-          <a:prstGeom prst="rect">
-            <a:avLst/>
-          </a:prstGeom>
-          <a:noFill/>
-        </p:spPr>
-      </p:pic>
-    </p:spTree>
-  </p:cSld>
-  <p:clrMapOvr>
-    <a:masterClrMapping/>
-  </p:clrMapOvr>
-  <p:timing>
-    <p:tnLst>
-      <p:par>
-        <p:cTn id="1" dur="indefinite" restart="never" nodeType="tmRoot"/>
-      </p:par>
-    </p:tnLst>
-  </p:timing>
-</p:sld>
-</file>
-
-<file path=ppt/slides/slide24.xml><?xml version="1.0" encoding="utf-8"?>
-<p:sld xmlns:a="http://schemas.openxmlformats.org/drawingml/2006/main" xmlns:r="http://schemas.openxmlformats.org/officeDocument/2006/relationships" xmlns:p="http://schemas.openxmlformats.org/presentationml/2006/main">
-  <p:cSld>
-    <p:spTree>
-      <p:nvGrpSpPr>
-        <p:cNvPr id="1" name=""/>
-        <p:cNvGrpSpPr/>
-        <p:nvPr/>
-      </p:nvGrpSpPr>
-      <p:grpSpPr>
-        <a:xfrm>
-          <a:off x="0" y="0"/>
-          <a:ext cx="0" cy="0"/>
-          <a:chOff x="0" y="0"/>
-          <a:chExt cx="0" cy="0"/>
-        </a:xfrm>
-      </p:grpSpPr>
-      <p:sp>
-        <p:nvSpPr>
-          <p:cNvPr id="2" name="1 Título"/>
-          <p:cNvSpPr>
-            <a:spLocks noGrp="1"/>
-          </p:cNvSpPr>
-          <p:nvPr>
-            <p:ph type="title"/>
-          </p:nvPr>
-        </p:nvSpPr>
-        <p:spPr/>
-        <p:txBody>
-          <a:bodyPr>
-            <a:normAutofit fontScale="90000"/>
-          </a:bodyPr>
-          <a:lstStyle/>
-          <a:p>
-            <a:r>
-              <a:rPr lang="en-US" dirty="0" err="1" smtClean="0"/>
-              <a:t>Evaluación</a:t>
-            </a:r>
-            <a:r>
-              <a:rPr lang="en-US" dirty="0" smtClean="0"/>
-              <a:t> de </a:t>
-            </a:r>
-            <a:r>
-              <a:rPr lang="en-US" dirty="0" err="1" smtClean="0"/>
-              <a:t>Estándares</a:t>
-            </a:r>
-            <a:r>
-              <a:rPr lang="en-US" dirty="0" smtClean="0"/>
-              <a:t> y </a:t>
-            </a:r>
-            <a:r>
-              <a:rPr lang="en-US" dirty="0" err="1" smtClean="0"/>
-              <a:t>Herramientas</a:t>
-            </a:r>
-            <a:endParaRPr lang="es-UY" dirty="0"/>
-          </a:p>
-        </p:txBody>
-      </p:sp>
-      <p:sp>
-        <p:nvSpPr>
-          <p:cNvPr id="3" name="2 Marcador de contenido"/>
-          <p:cNvSpPr>
-            <a:spLocks noGrp="1"/>
-          </p:cNvSpPr>
-          <p:nvPr>
-            <p:ph idx="1"/>
-          </p:nvPr>
-        </p:nvSpPr>
-        <p:spPr>
-          <a:xfrm>
-            <a:off x="457200" y="2204864"/>
-            <a:ext cx="8229600" cy="4119736"/>
-          </a:xfrm>
-        </p:spPr>
-        <p:txBody>
-          <a:bodyPr/>
-          <a:lstStyle/>
-          <a:p>
-            <a:r>
-              <a:rPr lang="en-US" dirty="0" smtClean="0"/>
-              <a:t>WFS-T </a:t>
-            </a:r>
-          </a:p>
-          <a:p>
-            <a:r>
-              <a:rPr lang="en-US" dirty="0" err="1" smtClean="0"/>
-              <a:t>Geoserver</a:t>
-            </a:r>
-            <a:endParaRPr lang="en-US" dirty="0" smtClean="0"/>
-          </a:p>
-          <a:p>
-            <a:r>
-              <a:rPr lang="en-US" dirty="0" err="1" smtClean="0"/>
-              <a:t>OpenLayers</a:t>
-            </a:r>
-            <a:endParaRPr lang="en-US" dirty="0" smtClean="0"/>
-          </a:p>
-          <a:p>
-            <a:r>
-              <a:rPr lang="en-US" dirty="0" err="1" smtClean="0"/>
-              <a:t>Postgres</a:t>
-            </a:r>
-            <a:r>
-              <a:rPr lang="en-US" dirty="0" smtClean="0"/>
-              <a:t> + </a:t>
-            </a:r>
-            <a:r>
-              <a:rPr lang="en-US" dirty="0" err="1" smtClean="0"/>
-              <a:t>Postgis</a:t>
-            </a:r>
-            <a:endParaRPr lang="es-UY" dirty="0"/>
-          </a:p>
-        </p:txBody>
-      </p:sp>
-      <p:pic>
-        <p:nvPicPr>
-          <p:cNvPr id="5122" name="Picture 2" descr="http://1.bp.blogspot.com/-KEvTT33ClPY/UYlvoWixv0I/AAAAAAAAAIY/g4uYEojkZvk/s1600/evaluacion.jpg"/>
-          <p:cNvPicPr>
-            <a:picLocks noChangeAspect="1" noChangeArrowheads="1"/>
-          </p:cNvPicPr>
-          <p:nvPr/>
-        </p:nvPicPr>
-        <p:blipFill>
-          <a:blip r:embed="rId2" cstate="print">
-            <a:clrChange>
-              <a:clrFrom>
-                <a:srgbClr val="FFFFFF"/>
-              </a:clrFrom>
-              <a:clrTo>
-                <a:srgbClr val="FFFFFF">
-                  <a:alpha val="0"/>
-                </a:srgbClr>
-              </a:clrTo>
-            </a:clrChange>
-          </a:blip>
-          <a:srcRect/>
-          <a:stretch>
-            <a:fillRect/>
-          </a:stretch>
-        </p:blipFill>
-        <p:spPr bwMode="auto">
-          <a:xfrm>
-            <a:off x="3923928" y="3068960"/>
-            <a:ext cx="4835565" cy="3096344"/>
-          </a:xfrm>
-          <a:prstGeom prst="rect">
-            <a:avLst/>
-          </a:prstGeom>
-          <a:noFill/>
-        </p:spPr>
-      </p:pic>
-    </p:spTree>
-  </p:cSld>
-  <p:clrMapOvr>
-    <a:masterClrMapping/>
-  </p:clrMapOvr>
-  <p:timing>
-    <p:tnLst>
-      <p:par>
-        <p:cTn id="1" dur="indefinite" restart="never" nodeType="tmRoot"/>
-      </p:par>
-    </p:tnLst>
-  </p:timing>
-</p:sld>
-</file>
-
-<file path=ppt/slides/slide25.xml><?xml version="1.0" encoding="utf-8"?>
-<p:sld xmlns:a="http://schemas.openxmlformats.org/drawingml/2006/main" xmlns:r="http://schemas.openxmlformats.org/officeDocument/2006/relationships" xmlns:p="http://schemas.openxmlformats.org/presentationml/2006/main">
-  <p:cSld>
-    <p:spTree>
-      <p:nvGrpSpPr>
-        <p:cNvPr id="1" name=""/>
-        <p:cNvGrpSpPr/>
-        <p:nvPr/>
-      </p:nvGrpSpPr>
-      <p:grpSpPr>
-        <a:xfrm>
-          <a:off x="0" y="0"/>
-          <a:ext cx="0" cy="0"/>
-          <a:chOff x="0" y="0"/>
-          <a:chExt cx="0" cy="0"/>
-        </a:xfrm>
-      </p:grpSpPr>
-      <p:sp>
-        <p:nvSpPr>
-          <p:cNvPr id="2" name="1 Título"/>
-          <p:cNvSpPr>
-            <a:spLocks noGrp="1"/>
-          </p:cNvSpPr>
-          <p:nvPr>
-            <p:ph type="title"/>
-          </p:nvPr>
-        </p:nvSpPr>
-        <p:spPr>
-          <a:xfrm>
-            <a:off x="467544" y="620688"/>
-            <a:ext cx="8229600" cy="1143000"/>
-          </a:xfrm>
-        </p:spPr>
-        <p:txBody>
-          <a:bodyPr/>
-          <a:lstStyle/>
-          <a:p>
-            <a:pPr algn="ctr"/>
-            <a:r>
-              <a:rPr lang="en-US" dirty="0" err="1" smtClean="0"/>
-              <a:t>Presentación</a:t>
-            </a:r>
-            <a:r>
-              <a:rPr lang="en-US" dirty="0" smtClean="0"/>
-              <a:t> </a:t>
-            </a:r>
-            <a:r>
-              <a:rPr lang="en-US" dirty="0" err="1" smtClean="0"/>
-              <a:t>Previa</a:t>
-            </a:r>
-            <a:endParaRPr lang="es-UY" dirty="0"/>
-          </a:p>
-        </p:txBody>
-      </p:sp>
-      <p:pic>
-        <p:nvPicPr>
-          <p:cNvPr id="6" name="Picture 3" descr="C:\Users\JuanMa\Desktop\image3.png"/>
-          <p:cNvPicPr>
-            <a:picLocks noChangeAspect="1" noChangeArrowheads="1"/>
-          </p:cNvPicPr>
-          <p:nvPr/>
-        </p:nvPicPr>
-        <p:blipFill>
-          <a:blip r:embed="rId2" cstate="print"/>
-          <a:srcRect/>
-          <a:stretch>
-            <a:fillRect/>
-          </a:stretch>
-        </p:blipFill>
-        <p:spPr bwMode="auto">
-          <a:xfrm>
-            <a:off x="1115616" y="2348880"/>
-            <a:ext cx="7056784" cy="3969442"/>
-          </a:xfrm>
-          <a:prstGeom prst="rect">
-            <a:avLst/>
-          </a:prstGeom>
-          <a:noFill/>
-          <a:effectLst>
-            <a:outerShdw blurRad="177800" dir="3600000" sx="101000" sy="101000" algn="ctr" rotWithShape="0">
-              <a:srgbClr val="000000">
-                <a:alpha val="78000"/>
-              </a:srgbClr>
-            </a:outerShdw>
-          </a:effectLst>
-        </p:spPr>
-      </p:pic>
-    </p:spTree>
-  </p:cSld>
-  <p:clrMapOvr>
-    <a:masterClrMapping/>
-  </p:clrMapOvr>
-  <p:timing>
-    <p:tnLst>
-      <p:par>
-        <p:cTn id="1" dur="indefinite" restart="never" nodeType="tmRoot"/>
-      </p:par>
-    </p:tnLst>
-  </p:timing>
-</p:sld>
-</file>
-
-<file path=ppt/slides/slide26.xml><?xml version="1.0" encoding="utf-8"?>
-<p:sld xmlns:a="http://schemas.openxmlformats.org/drawingml/2006/main" xmlns:r="http://schemas.openxmlformats.org/officeDocument/2006/relationships" xmlns:p="http://schemas.openxmlformats.org/presentationml/2006/main">
-  <p:cSld>
-    <p:spTree>
-      <p:nvGrpSpPr>
-        <p:cNvPr id="1" name=""/>
-        <p:cNvGrpSpPr/>
-        <p:nvPr/>
-      </p:nvGrpSpPr>
-      <p:grpSpPr>
-        <a:xfrm>
-          <a:off x="0" y="0"/>
-          <a:ext cx="0" cy="0"/>
-          <a:chOff x="0" y="0"/>
-          <a:chExt cx="0" cy="0"/>
-        </a:xfrm>
-      </p:grpSpPr>
-      <p:pic>
-        <p:nvPicPr>
-          <p:cNvPr id="6" name="3 Marcador de contenido" descr="image.png"/>
-          <p:cNvPicPr>
-            <a:picLocks noChangeAspect="1"/>
-          </p:cNvPicPr>
-          <p:nvPr/>
-        </p:nvPicPr>
-        <p:blipFill>
-          <a:blip r:embed="rId2" cstate="print"/>
-          <a:stretch>
-            <a:fillRect/>
-          </a:stretch>
-        </p:blipFill>
-        <p:spPr>
-          <a:xfrm>
-            <a:off x="3851920" y="3789040"/>
-            <a:ext cx="4703938" cy="2645965"/>
-          </a:xfrm>
-          <a:prstGeom prst="rect">
-            <a:avLst/>
-          </a:prstGeom>
-          <a:effectLst>
-            <a:outerShdw blurRad="177800" dir="3600000" sx="101000" sy="101000" algn="ctr" rotWithShape="0">
-              <a:srgbClr val="000000">
-                <a:alpha val="78000"/>
-              </a:srgbClr>
-            </a:outerShdw>
-          </a:effectLst>
-        </p:spPr>
-      </p:pic>
-      <p:pic>
-        <p:nvPicPr>
-          <p:cNvPr id="7" name="Picture 2" descr="C:\Users\JuanMa\Desktop\image1.png"/>
-          <p:cNvPicPr>
-            <a:picLocks noChangeAspect="1" noChangeArrowheads="1"/>
-          </p:cNvPicPr>
-          <p:nvPr/>
-        </p:nvPicPr>
-        <p:blipFill>
-          <a:blip r:embed="rId3" cstate="print"/>
-          <a:srcRect/>
-          <a:stretch>
-            <a:fillRect/>
-          </a:stretch>
-        </p:blipFill>
-        <p:spPr bwMode="auto">
-          <a:xfrm>
-            <a:off x="467544" y="548680"/>
-            <a:ext cx="5076056" cy="2855282"/>
-          </a:xfrm>
-          <a:prstGeom prst="rect">
-            <a:avLst/>
-          </a:prstGeom>
-          <a:noFill/>
-          <a:effectLst>
-            <a:outerShdw blurRad="177800" dir="3600000" sx="101000" sy="101000" algn="ctr" rotWithShape="0">
-              <a:srgbClr val="000000">
-                <a:alpha val="78000"/>
-              </a:srgbClr>
-            </a:outerShdw>
-          </a:effectLst>
-        </p:spPr>
-      </p:pic>
-      <p:sp>
-        <p:nvSpPr>
-          <p:cNvPr id="8" name="7 CuadroTexto"/>
-          <p:cNvSpPr txBox="1"/>
-          <p:nvPr/>
-        </p:nvSpPr>
-        <p:spPr>
-          <a:xfrm>
-            <a:off x="1331640" y="4005064"/>
-            <a:ext cx="2376264" cy="1077218"/>
-          </a:xfrm>
-          <a:prstGeom prst="rect">
-            <a:avLst/>
-          </a:prstGeom>
-          <a:noFill/>
-        </p:spPr>
-        <p:txBody>
-          <a:bodyPr wrap="square" rtlCol="0">
-            <a:spAutoFit/>
-          </a:bodyPr>
-          <a:lstStyle/>
-          <a:p>
-            <a:pPr algn="ctr"/>
-            <a:r>
-              <a:rPr lang="en-US" sz="3200" b="1" dirty="0" err="1" smtClean="0">
-                <a:latin typeface="Candara" pitchFamily="34" charset="0"/>
-              </a:rPr>
-              <a:t>Zonas</a:t>
-            </a:r>
-            <a:r>
-              <a:rPr lang="en-US" sz="3200" b="1" dirty="0" smtClean="0">
-                <a:latin typeface="Candara" pitchFamily="34" charset="0"/>
-              </a:rPr>
-              <a:t> de </a:t>
-            </a:r>
-            <a:r>
-              <a:rPr lang="en-US" sz="3200" b="1" dirty="0" err="1" smtClean="0">
-                <a:latin typeface="Candara" pitchFamily="34" charset="0"/>
-              </a:rPr>
-              <a:t>Reparto</a:t>
-            </a:r>
-            <a:endParaRPr lang="es-UY" sz="3200" b="1" dirty="0">
-              <a:latin typeface="Candara" pitchFamily="34" charset="0"/>
-            </a:endParaRPr>
-          </a:p>
-        </p:txBody>
-      </p:sp>
-      <p:sp>
-        <p:nvSpPr>
-          <p:cNvPr id="11" name="10 CuadroTexto"/>
-          <p:cNvSpPr txBox="1"/>
-          <p:nvPr/>
-        </p:nvSpPr>
-        <p:spPr>
-          <a:xfrm>
-            <a:off x="5940152" y="1052736"/>
-            <a:ext cx="2160240" cy="584775"/>
-          </a:xfrm>
-          <a:prstGeom prst="rect">
-            <a:avLst/>
-          </a:prstGeom>
-          <a:noFill/>
-        </p:spPr>
-        <p:txBody>
-          <a:bodyPr wrap="square" rtlCol="0">
-            <a:spAutoFit/>
-          </a:bodyPr>
-          <a:lstStyle/>
-          <a:p>
-            <a:r>
-              <a:rPr lang="en-US" sz="3200" b="1" dirty="0" err="1" smtClean="0">
-                <a:latin typeface="Candara" pitchFamily="34" charset="0"/>
-                <a:ea typeface="Arial Unicode MS" pitchFamily="34" charset="-128"/>
-                <a:cs typeface="Arial Unicode MS" pitchFamily="34" charset="-128"/>
-              </a:rPr>
-              <a:t>Envios</a:t>
-            </a:r>
-            <a:endParaRPr lang="es-UY" sz="3200" b="1" dirty="0">
-              <a:latin typeface="Candara" pitchFamily="34" charset="0"/>
-              <a:ea typeface="Arial Unicode MS" pitchFamily="34" charset="-128"/>
-              <a:cs typeface="Arial Unicode MS" pitchFamily="34" charset="-128"/>
-            </a:endParaRPr>
-          </a:p>
-        </p:txBody>
-      </p:sp>
-    </p:spTree>
-  </p:cSld>
-  <p:clrMapOvr>
-    <a:masterClrMapping/>
-  </p:clrMapOvr>
-  <p:timing>
-    <p:tnLst>
-      <p:par>
-        <p:cTn id="1" dur="indefinite" restart="never" nodeType="tmRoot"/>
-      </p:par>
-    </p:tnLst>
-  </p:timing>
-</p:sld>
-</file>
-
-<file path=ppt/slides/slide27.xml><?xml version="1.0" encoding="utf-8"?>
-<p:sld xmlns:a="http://schemas.openxmlformats.org/drawingml/2006/main" xmlns:r="http://schemas.openxmlformats.org/officeDocument/2006/relationships" xmlns:p="http://schemas.openxmlformats.org/presentationml/2006/main">
-  <p:cSld>
-    <p:spTree>
-      <p:nvGrpSpPr>
-        <p:cNvPr id="1" name=""/>
-        <p:cNvGrpSpPr/>
-        <p:nvPr/>
-      </p:nvGrpSpPr>
-      <p:grpSpPr>
-        <a:xfrm>
-          <a:off x="0" y="0"/>
-          <a:ext cx="0" cy="0"/>
-          <a:chOff x="0" y="0"/>
-          <a:chExt cx="0" cy="0"/>
-        </a:xfrm>
-      </p:grpSpPr>
-      <p:sp>
-        <p:nvSpPr>
-          <p:cNvPr id="2" name="1 Título"/>
-          <p:cNvSpPr>
-            <a:spLocks noGrp="1"/>
-          </p:cNvSpPr>
-          <p:nvPr>
-            <p:ph type="title"/>
-          </p:nvPr>
-        </p:nvSpPr>
-        <p:spPr>
-          <a:xfrm>
-            <a:off x="179512" y="692696"/>
-            <a:ext cx="8229600" cy="1143000"/>
-          </a:xfrm>
-        </p:spPr>
-        <p:txBody>
-          <a:bodyPr/>
-          <a:lstStyle/>
-          <a:p>
-            <a:pPr algn="ctr"/>
-            <a:r>
-              <a:rPr lang="en-US" dirty="0" err="1" smtClean="0"/>
-              <a:t>Conclusiones</a:t>
-            </a:r>
-            <a:r>
-              <a:rPr lang="en-US" dirty="0" smtClean="0"/>
-              <a:t> del </a:t>
-            </a:r>
-            <a:r>
-              <a:rPr lang="en-US" dirty="0" err="1" smtClean="0"/>
-              <a:t>Trabajo</a:t>
-            </a:r>
-            <a:endParaRPr lang="es-UY" dirty="0"/>
-          </a:p>
-        </p:txBody>
-      </p:sp>
-      <p:sp>
-        <p:nvSpPr>
-          <p:cNvPr id="3" name="2 Marcador de contenido"/>
-          <p:cNvSpPr>
-            <a:spLocks noGrp="1"/>
-          </p:cNvSpPr>
-          <p:nvPr>
-            <p:ph idx="1"/>
-          </p:nvPr>
-        </p:nvSpPr>
-        <p:spPr/>
-        <p:txBody>
-          <a:bodyPr/>
-          <a:lstStyle/>
-          <a:p>
-            <a:r>
-              <a:rPr lang="en-US" dirty="0" err="1" smtClean="0"/>
-              <a:t>Conocimientos</a:t>
-            </a:r>
-            <a:r>
-              <a:rPr lang="en-US" dirty="0" smtClean="0"/>
-              <a:t> </a:t>
-            </a:r>
-            <a:r>
-              <a:rPr lang="en-US" dirty="0" err="1" smtClean="0"/>
-              <a:t>adquiridos</a:t>
-            </a:r>
-            <a:r>
-              <a:rPr lang="en-US" dirty="0" smtClean="0"/>
-              <a:t>.</a:t>
-            </a:r>
-          </a:p>
-          <a:p>
-            <a:pPr lvl="1"/>
-            <a:r>
-              <a:rPr lang="en-US" dirty="0" err="1" smtClean="0"/>
-              <a:t>Herramientas</a:t>
-            </a:r>
-            <a:r>
-              <a:rPr lang="en-US" dirty="0" smtClean="0"/>
-              <a:t> </a:t>
-            </a:r>
-            <a:r>
-              <a:rPr lang="en-US" dirty="0" err="1" smtClean="0"/>
-              <a:t>utilizadas</a:t>
-            </a:r>
-            <a:r>
-              <a:rPr lang="en-US" dirty="0" smtClean="0"/>
-              <a:t> (</a:t>
-            </a:r>
-            <a:r>
-              <a:rPr lang="en-US" dirty="0" err="1" smtClean="0"/>
-              <a:t>geoserver</a:t>
-            </a:r>
-            <a:r>
-              <a:rPr lang="en-US" dirty="0" smtClean="0"/>
-              <a:t>, </a:t>
-            </a:r>
-            <a:r>
-              <a:rPr lang="en-US" dirty="0" err="1" smtClean="0"/>
-              <a:t>postgis</a:t>
-            </a:r>
-            <a:r>
-              <a:rPr lang="en-US" dirty="0" smtClean="0"/>
-              <a:t>, etc.).</a:t>
-            </a:r>
-          </a:p>
-          <a:p>
-            <a:pPr lvl="1"/>
-            <a:r>
-              <a:rPr lang="en-US" dirty="0" err="1" smtClean="0"/>
-              <a:t>Posibles</a:t>
-            </a:r>
-            <a:r>
-              <a:rPr lang="en-US" dirty="0" smtClean="0"/>
-              <a:t> </a:t>
-            </a:r>
-            <a:r>
-              <a:rPr lang="en-US" dirty="0" err="1" smtClean="0"/>
-              <a:t>aplicaciones</a:t>
-            </a:r>
-            <a:r>
-              <a:rPr lang="en-US" dirty="0" smtClean="0"/>
-              <a:t> </a:t>
-            </a:r>
-            <a:r>
-              <a:rPr lang="en-US" dirty="0" err="1" smtClean="0"/>
-              <a:t>practicas</a:t>
-            </a:r>
-            <a:r>
-              <a:rPr lang="en-US" dirty="0" smtClean="0"/>
-              <a:t> de </a:t>
-            </a:r>
-            <a:r>
-              <a:rPr lang="en-US" dirty="0" err="1" smtClean="0"/>
-              <a:t>las</a:t>
-            </a:r>
-            <a:r>
-              <a:rPr lang="en-US" dirty="0" smtClean="0"/>
-              <a:t> </a:t>
-            </a:r>
-            <a:r>
-              <a:rPr lang="en-US" dirty="0" err="1" smtClean="0"/>
-              <a:t>tecnologias</a:t>
-            </a:r>
-            <a:endParaRPr lang="en-US" dirty="0" smtClean="0"/>
-          </a:p>
-          <a:p>
-            <a:r>
-              <a:rPr lang="en-US" dirty="0" err="1" smtClean="0"/>
-              <a:t>Sobre</a:t>
-            </a:r>
-            <a:r>
-              <a:rPr lang="en-US" dirty="0" smtClean="0"/>
-              <a:t> el </a:t>
-            </a:r>
-            <a:r>
-              <a:rPr lang="en-US" dirty="0" err="1" smtClean="0"/>
-              <a:t>Producto</a:t>
-            </a:r>
-            <a:r>
-              <a:rPr lang="en-US" dirty="0" smtClean="0"/>
-              <a:t> </a:t>
-            </a:r>
-            <a:r>
-              <a:rPr lang="en-US" dirty="0" err="1" smtClean="0"/>
-              <a:t>logrado</a:t>
-            </a:r>
-            <a:r>
-              <a:rPr lang="en-US" dirty="0" smtClean="0"/>
-              <a:t>.</a:t>
-            </a:r>
-          </a:p>
-          <a:p>
-            <a:pPr lvl="1"/>
-            <a:r>
-              <a:rPr lang="en-US" dirty="0" err="1" smtClean="0"/>
-              <a:t>Cualidades</a:t>
-            </a:r>
-            <a:endParaRPr lang="en-US" dirty="0" smtClean="0"/>
-          </a:p>
-          <a:p>
-            <a:pPr lvl="1"/>
-            <a:r>
-              <a:rPr lang="en-US" dirty="0" err="1" smtClean="0"/>
-              <a:t>Mejoras</a:t>
-            </a:r>
-            <a:r>
-              <a:rPr lang="en-US" dirty="0" smtClean="0"/>
-              <a:t> a </a:t>
-            </a:r>
-            <a:r>
-              <a:rPr lang="en-US" dirty="0" err="1" smtClean="0"/>
-              <a:t>futuro</a:t>
-            </a:r>
-            <a:r>
-              <a:rPr lang="en-US" dirty="0" smtClean="0"/>
-              <a:t> </a:t>
-            </a:r>
-          </a:p>
-          <a:p>
-            <a:pPr lvl="2"/>
-            <a:r>
-              <a:rPr lang="en-US" dirty="0" err="1" smtClean="0"/>
-              <a:t>Interfaz</a:t>
-            </a:r>
-            <a:r>
-              <a:rPr lang="en-US" dirty="0" smtClean="0"/>
-              <a:t> de </a:t>
-            </a:r>
-            <a:r>
-              <a:rPr lang="en-US" dirty="0" err="1" smtClean="0"/>
-              <a:t>usuario</a:t>
-            </a:r>
-            <a:endParaRPr lang="en-US" dirty="0" smtClean="0"/>
-          </a:p>
-          <a:p>
-            <a:pPr lvl="2"/>
-            <a:r>
-              <a:rPr lang="en-US" dirty="0" err="1" smtClean="0"/>
-              <a:t>Arquitectura</a:t>
-            </a:r>
-            <a:endParaRPr lang="en-US" dirty="0" smtClean="0"/>
-          </a:p>
-          <a:p>
-            <a:pPr lvl="2"/>
-            <a:r>
-              <a:rPr lang="en-US" dirty="0" err="1" smtClean="0"/>
-              <a:t>Mejoras</a:t>
-            </a:r>
-            <a:r>
-              <a:rPr lang="en-US" dirty="0" smtClean="0"/>
-              <a:t> </a:t>
-            </a:r>
-            <a:r>
-              <a:rPr lang="en-US" dirty="0" err="1" smtClean="0"/>
-              <a:t>funcionales</a:t>
-            </a:r>
-            <a:r>
-              <a:rPr lang="en-US" dirty="0" smtClean="0"/>
-              <a:t> </a:t>
-            </a:r>
-            <a:r>
-              <a:rPr lang="en-US" dirty="0" err="1" smtClean="0"/>
-              <a:t>varias</a:t>
-            </a:r>
-            <a:endParaRPr lang="en-US" dirty="0" smtClean="0"/>
-          </a:p>
-          <a:p>
-            <a:pPr lvl="3"/>
-            <a:r>
-              <a:rPr lang="en-US" dirty="0" err="1" smtClean="0"/>
-              <a:t>Sistema</a:t>
-            </a:r>
-            <a:r>
-              <a:rPr lang="en-US" dirty="0" smtClean="0"/>
-              <a:t> de </a:t>
-            </a:r>
-            <a:r>
-              <a:rPr lang="en-US" dirty="0" err="1" smtClean="0"/>
-              <a:t>mensajería</a:t>
-            </a:r>
-            <a:r>
-              <a:rPr lang="en-US" dirty="0" smtClean="0"/>
-              <a:t>, </a:t>
-            </a:r>
-            <a:r>
-              <a:rPr lang="en-US" dirty="0" err="1" smtClean="0"/>
-              <a:t>aplicacion</a:t>
-            </a:r>
-            <a:r>
-              <a:rPr lang="en-US" dirty="0" smtClean="0"/>
-              <a:t> </a:t>
-            </a:r>
-            <a:r>
-              <a:rPr lang="en-US" dirty="0" err="1" smtClean="0"/>
-              <a:t>movil</a:t>
-            </a:r>
-            <a:r>
-              <a:rPr lang="en-US" dirty="0" smtClean="0"/>
-              <a:t>, </a:t>
-            </a:r>
-            <a:r>
-              <a:rPr lang="en-US" dirty="0" err="1" smtClean="0"/>
-              <a:t>optimizacion</a:t>
-            </a:r>
-            <a:r>
-              <a:rPr lang="en-US" dirty="0" smtClean="0"/>
-              <a:t>, etc.</a:t>
-            </a:r>
-          </a:p>
-          <a:p>
-            <a:endParaRPr lang="es-UY" dirty="0"/>
-          </a:p>
-        </p:txBody>
-      </p:sp>
-      <p:pic>
-        <p:nvPicPr>
-          <p:cNvPr id="4098" name="Picture 2" descr="http://farmhack.net/sites/default/files/idea.png"/>
-          <p:cNvPicPr>
-            <a:picLocks noChangeAspect="1" noChangeArrowheads="1"/>
-          </p:cNvPicPr>
-          <p:nvPr/>
-        </p:nvPicPr>
-        <p:blipFill>
-          <a:blip r:embed="rId2" cstate="print"/>
-          <a:srcRect/>
-          <a:stretch>
-            <a:fillRect/>
-          </a:stretch>
-        </p:blipFill>
-        <p:spPr bwMode="auto">
-          <a:xfrm rot="1055837">
-            <a:off x="6360171" y="3344963"/>
-            <a:ext cx="2160240" cy="2160240"/>
-          </a:xfrm>
-          <a:prstGeom prst="rect">
-            <a:avLst/>
-          </a:prstGeom>
-          <a:noFill/>
-        </p:spPr>
-      </p:pic>
-    </p:spTree>
-  </p:cSld>
-  <p:clrMapOvr>
-    <a:masterClrMapping/>
-  </p:clrMapOvr>
-  <p:timing>
-    <p:tnLst>
-      <p:par>
-        <p:cTn id="1" dur="indefinite" restart="never" nodeType="tmRoot"/>
-      </p:par>
-    </p:tnLst>
-  </p:timing>
-</p:sld>
-</file>
-
-<file path=ppt/slides/slide28.xml><?xml version="1.0" encoding="utf-8"?>
-<p:sld xmlns:a="http://schemas.openxmlformats.org/drawingml/2006/main" xmlns:r="http://schemas.openxmlformats.org/officeDocument/2006/relationships" xmlns:p="http://schemas.openxmlformats.org/presentationml/2006/main">
-  <p:cSld>
-    <p:spTree>
-      <p:nvGrpSpPr>
-        <p:cNvPr id="1" name=""/>
-        <p:cNvGrpSpPr/>
-        <p:nvPr/>
-      </p:nvGrpSpPr>
-      <p:grpSpPr>
-        <a:xfrm>
-          <a:off x="0" y="0"/>
-          <a:ext cx="0" cy="0"/>
-          <a:chOff x="0" y="0"/>
-          <a:chExt cx="0" cy="0"/>
-        </a:xfrm>
-      </p:grpSpPr>
-      <p:sp>
-        <p:nvSpPr>
-          <p:cNvPr id="2" name="1 Título"/>
-          <p:cNvSpPr>
-            <a:spLocks noGrp="1"/>
-          </p:cNvSpPr>
-          <p:nvPr>
-            <p:ph type="title"/>
-          </p:nvPr>
-        </p:nvSpPr>
-        <p:spPr/>
-        <p:txBody>
-          <a:bodyPr/>
-          <a:lstStyle/>
-          <a:p>
-            <a:pPr algn="ctr"/>
-            <a:r>
-              <a:rPr lang="en-US" dirty="0" err="1" smtClean="0"/>
-              <a:t>Evaluación</a:t>
-            </a:r>
-            <a:r>
-              <a:rPr lang="en-US" dirty="0" smtClean="0"/>
-              <a:t> del </a:t>
-            </a:r>
-            <a:r>
-              <a:rPr lang="en-US" dirty="0" err="1" smtClean="0"/>
-              <a:t>Curso</a:t>
-            </a:r>
-            <a:endParaRPr lang="es-UY" dirty="0"/>
-          </a:p>
-        </p:txBody>
-      </p:sp>
-      <p:sp>
-        <p:nvSpPr>
-          <p:cNvPr id="3" name="2 Marcador de contenido"/>
-          <p:cNvSpPr>
-            <a:spLocks noGrp="1"/>
-          </p:cNvSpPr>
-          <p:nvPr>
-            <p:ph idx="1"/>
-          </p:nvPr>
-        </p:nvSpPr>
-        <p:spPr/>
-        <p:txBody>
-          <a:bodyPr/>
-          <a:lstStyle/>
-          <a:p>
-            <a:pPr>
-              <a:buNone/>
-            </a:pPr>
-            <a:endParaRPr lang="en-US" dirty="0" smtClean="0"/>
-          </a:p>
-          <a:p>
-            <a:r>
-              <a:rPr lang="en-US" dirty="0" err="1" smtClean="0"/>
-              <a:t>Contenido</a:t>
-            </a:r>
-            <a:r>
-              <a:rPr lang="en-US" dirty="0" smtClean="0"/>
-              <a:t> del </a:t>
-            </a:r>
-            <a:r>
-              <a:rPr lang="en-US" dirty="0" err="1" smtClean="0"/>
-              <a:t>curso</a:t>
-            </a:r>
-            <a:endParaRPr lang="en-US" dirty="0" smtClean="0"/>
-          </a:p>
-          <a:p>
-            <a:r>
-              <a:rPr lang="en-US" dirty="0" err="1" smtClean="0"/>
-              <a:t>Evaluación</a:t>
-            </a:r>
-            <a:r>
-              <a:rPr lang="en-US" dirty="0" smtClean="0"/>
-              <a:t> de los </a:t>
-            </a:r>
-            <a:r>
-              <a:rPr lang="en-US" dirty="0" err="1" smtClean="0"/>
-              <a:t>teóricos</a:t>
-            </a:r>
-            <a:endParaRPr lang="en-US" dirty="0" smtClean="0"/>
-          </a:p>
-          <a:p>
-            <a:r>
-              <a:rPr lang="en-US" dirty="0" err="1" smtClean="0"/>
-              <a:t>Evaluación</a:t>
-            </a:r>
-            <a:r>
-              <a:rPr lang="en-US" dirty="0" smtClean="0"/>
-              <a:t> de </a:t>
-            </a:r>
-            <a:r>
-              <a:rPr lang="en-US" dirty="0" err="1" smtClean="0"/>
-              <a:t>monitoreos</a:t>
-            </a:r>
-            <a:endParaRPr lang="en-US" dirty="0" smtClean="0"/>
-          </a:p>
-          <a:p>
-            <a:r>
-              <a:rPr lang="en-US" dirty="0" err="1" smtClean="0"/>
-              <a:t>Evaluación</a:t>
-            </a:r>
-            <a:r>
-              <a:rPr lang="en-US" dirty="0" smtClean="0"/>
-              <a:t> </a:t>
-            </a:r>
-            <a:r>
-              <a:rPr lang="en-US" dirty="0" err="1" smtClean="0"/>
-              <a:t>docente</a:t>
-            </a:r>
-            <a:endParaRPr lang="es-UY" dirty="0"/>
-          </a:p>
-        </p:txBody>
-      </p:sp>
-      <p:pic>
-        <p:nvPicPr>
-          <p:cNvPr id="3074" name="Picture 2" descr="http://api.ning.com/files/N3dksbtuMJ7wj68SoTlX8iBoZoRzZx9TsjXX80Kcs64siRujwtGqfWeWWHAP6U9ItWvxQQUhxTI3hnAwxorH3VQU9dKETgcD/FIN1.jpg"/>
-          <p:cNvPicPr>
-            <a:picLocks noChangeAspect="1" noChangeArrowheads="1"/>
-          </p:cNvPicPr>
-          <p:nvPr/>
-        </p:nvPicPr>
-        <p:blipFill>
-          <a:blip r:embed="rId2" cstate="print"/>
-          <a:srcRect/>
-          <a:stretch>
-            <a:fillRect/>
-          </a:stretch>
-        </p:blipFill>
-        <p:spPr bwMode="auto">
-          <a:xfrm>
-            <a:off x="5220072" y="3789040"/>
-            <a:ext cx="3466356" cy="2398719"/>
-          </a:xfrm>
-          <a:prstGeom prst="rect">
-            <a:avLst/>
-          </a:prstGeom>
-          <a:noFill/>
-          <a:effectLst>
-            <a:outerShdw blurRad="177800" dir="3600000" sx="101000" sy="101000" algn="ctr" rotWithShape="0">
-              <a:srgbClr val="000000">
-                <a:alpha val="76000"/>
-              </a:srgbClr>
-            </a:outerShdw>
-          </a:effectLst>
         </p:spPr>
       </p:pic>
     </p:spTree>
@@ -7590,6 +9730,49 @@
       </p:grpSpPr>
       <p:sp>
         <p:nvSpPr>
+          <p:cNvPr id="8" name="7 Rectángulo"/>
+          <p:cNvSpPr/>
+          <p:nvPr/>
+        </p:nvSpPr>
+        <p:spPr>
+          <a:xfrm>
+            <a:off x="0" y="1928826"/>
+            <a:ext cx="9144000" cy="4929198"/>
+          </a:xfrm>
+          <a:prstGeom prst="rect">
+            <a:avLst/>
+          </a:prstGeom>
+          <a:ln>
+            <a:solidFill>
+              <a:schemeClr val="bg1"/>
+            </a:solidFill>
+          </a:ln>
+        </p:spPr>
+        <p:style>
+          <a:lnRef idx="2">
+            <a:schemeClr val="accent6"/>
+          </a:lnRef>
+          <a:fillRef idx="1">
+            <a:schemeClr val="lt1"/>
+          </a:fillRef>
+          <a:effectRef idx="0">
+            <a:schemeClr val="accent6"/>
+          </a:effectRef>
+          <a:fontRef idx="minor">
+            <a:schemeClr val="dk1"/>
+          </a:fontRef>
+        </p:style>
+        <p:txBody>
+          <a:bodyPr rtlCol="0" anchor="ctr"/>
+          <a:lstStyle/>
+          <a:p>
+            <a:pPr algn="ctr"/>
+            <a:endParaRPr lang="es-ES"/>
+          </a:p>
+        </p:txBody>
+      </p:sp>
+      <p:sp>
+        <p:nvSpPr>
           <p:cNvPr id="2" name="1 Título"/>
           <p:cNvSpPr>
             <a:spLocks noGrp="1"/>
@@ -7607,6 +9790,461 @@
             <a:r>
               <a:rPr lang="es-ES" dirty="0" smtClean="0"/>
               <a:t>Contexto</a:t>
+            </a:r>
+            <a:endParaRPr lang="es-ES" dirty="0"/>
+          </a:p>
+        </p:txBody>
+      </p:sp>
+      <p:pic>
+        <p:nvPicPr>
+          <p:cNvPr id="10" name="9 Imagen" descr="contexto.JPG"/>
+          <p:cNvPicPr>
+            <a:picLocks noChangeAspect="1"/>
+          </p:cNvPicPr>
+          <p:nvPr/>
+        </p:nvPicPr>
+        <p:blipFill>
+          <a:blip r:embed="rId2"/>
+          <a:stretch>
+            <a:fillRect/>
+          </a:stretch>
+        </p:blipFill>
+        <p:spPr>
+          <a:xfrm>
+            <a:off x="3857620" y="2936087"/>
+            <a:ext cx="4371993" cy="3278995"/>
+          </a:xfrm>
+          <a:prstGeom prst="rect">
+            <a:avLst/>
+          </a:prstGeom>
+        </p:spPr>
+      </p:pic>
+      <p:sp>
+        <p:nvSpPr>
+          <p:cNvPr id="12" name="11 Marcador de contenido"/>
+          <p:cNvSpPr>
+            <a:spLocks noGrp="1"/>
+          </p:cNvSpPr>
+          <p:nvPr>
+            <p:ph idx="1"/>
+          </p:nvPr>
+        </p:nvSpPr>
+        <p:spPr>
+          <a:xfrm>
+            <a:off x="500034" y="2357430"/>
+            <a:ext cx="4329114" cy="1707834"/>
+          </a:xfrm>
+        </p:spPr>
+        <p:txBody>
+          <a:bodyPr/>
+          <a:lstStyle/>
+          <a:p>
+            <a:r>
+              <a:rPr lang="es-ES" sz="3600" dirty="0" smtClean="0">
+                <a:latin typeface="+mj-lt"/>
+              </a:rPr>
+              <a:t>Conceptos</a:t>
+            </a:r>
+          </a:p>
+          <a:p>
+            <a:r>
+              <a:rPr lang="es-ES" sz="3600" dirty="0" smtClean="0">
+                <a:latin typeface="+mj-lt"/>
+              </a:rPr>
+              <a:t>Casos de estudio</a:t>
+            </a:r>
+          </a:p>
+          <a:p>
+            <a:endParaRPr lang="es-ES" dirty="0"/>
+          </a:p>
+        </p:txBody>
+      </p:sp>
+    </p:spTree>
+  </p:cSld>
+  <p:clrMapOvr>
+    <a:masterClrMapping/>
+  </p:clrMapOvr>
+  <p:timing>
+    <p:tnLst>
+      <p:par>
+        <p:cTn id="1" dur="indefinite" restart="never" nodeType="tmRoot"/>
+      </p:par>
+    </p:tnLst>
+  </p:timing>
+</p:sld>
+</file>
+
+<file path=ppt/slides/slide4.xml><?xml version="1.0" encoding="utf-8"?>
+<p:sld xmlns:a="http://schemas.openxmlformats.org/drawingml/2006/main" xmlns:r="http://schemas.openxmlformats.org/officeDocument/2006/relationships" xmlns:p="http://schemas.openxmlformats.org/presentationml/2006/main">
+  <p:cSld>
+    <p:spTree>
+      <p:nvGrpSpPr>
+        <p:cNvPr id="1" name=""/>
+        <p:cNvGrpSpPr/>
+        <p:nvPr/>
+      </p:nvGrpSpPr>
+      <p:grpSpPr>
+        <a:xfrm>
+          <a:off x="0" y="0"/>
+          <a:ext cx="0" cy="0"/>
+          <a:chOff x="0" y="0"/>
+          <a:chExt cx="0" cy="0"/>
+        </a:xfrm>
+      </p:grpSpPr>
+      <p:sp>
+        <p:nvSpPr>
+          <p:cNvPr id="2" name="1 Título"/>
+          <p:cNvSpPr>
+            <a:spLocks noGrp="1"/>
+          </p:cNvSpPr>
+          <p:nvPr>
+            <p:ph type="title"/>
+          </p:nvPr>
+        </p:nvSpPr>
+        <p:spPr/>
+        <p:txBody>
+          <a:bodyPr/>
+          <a:lstStyle/>
+          <a:p>
+            <a:pPr algn="ctr"/>
+            <a:r>
+              <a:rPr lang="es-ES" dirty="0" smtClean="0"/>
+              <a:t>E-</a:t>
+            </a:r>
+            <a:r>
+              <a:rPr lang="es-ES" dirty="0" err="1" smtClean="0"/>
+              <a:t>commerce</a:t>
+            </a:r>
+            <a:endParaRPr lang="es-ES" dirty="0"/>
+          </a:p>
+        </p:txBody>
+      </p:sp>
+      <p:sp>
+        <p:nvSpPr>
+          <p:cNvPr id="3" name="2 Marcador de contenido"/>
+          <p:cNvSpPr>
+            <a:spLocks noGrp="1"/>
+          </p:cNvSpPr>
+          <p:nvPr>
+            <p:ph idx="1"/>
+          </p:nvPr>
+        </p:nvSpPr>
+        <p:spPr>
+          <a:xfrm>
+            <a:off x="428596" y="2285992"/>
+            <a:ext cx="8229600" cy="2565090"/>
+          </a:xfrm>
+        </p:spPr>
+        <p:txBody>
+          <a:bodyPr/>
+          <a:lstStyle/>
+          <a:p>
+            <a:endParaRPr lang="es-ES" dirty="0" smtClean="0"/>
+          </a:p>
+          <a:p>
+            <a:r>
+              <a:rPr lang="es-ES" sz="2800" dirty="0" smtClean="0">
+                <a:latin typeface="+mj-lt"/>
+              </a:rPr>
+              <a:t>Compra y venta de bienes o prestación de servicios</a:t>
+            </a:r>
+          </a:p>
+          <a:p>
+            <a:r>
+              <a:rPr lang="es-ES" sz="2800" dirty="0" smtClean="0">
+                <a:latin typeface="+mj-lt"/>
+              </a:rPr>
+              <a:t>Negociaciones previas</a:t>
+            </a:r>
+          </a:p>
+          <a:p>
+            <a:r>
+              <a:rPr lang="es-ES" sz="2800" dirty="0" smtClean="0">
+                <a:latin typeface="+mj-lt"/>
+              </a:rPr>
+              <a:t>Entre otras actividades…</a:t>
+            </a:r>
+            <a:endParaRPr lang="es-ES" sz="2800" dirty="0">
+              <a:latin typeface="+mj-lt"/>
+            </a:endParaRPr>
+          </a:p>
+        </p:txBody>
+      </p:sp>
+      <p:pic>
+        <p:nvPicPr>
+          <p:cNvPr id="4" name="3 Imagen" descr="e-commerce2-buena.png"/>
+          <p:cNvPicPr>
+            <a:picLocks noChangeAspect="1"/>
+          </p:cNvPicPr>
+          <p:nvPr/>
+        </p:nvPicPr>
+        <p:blipFill>
+          <a:blip r:embed="rId2"/>
+          <a:stretch>
+            <a:fillRect/>
+          </a:stretch>
+        </p:blipFill>
+        <p:spPr>
+          <a:xfrm>
+            <a:off x="5072066" y="3723156"/>
+            <a:ext cx="2514604" cy="2477625"/>
+          </a:xfrm>
+          <a:prstGeom prst="rect">
+            <a:avLst/>
+          </a:prstGeom>
+        </p:spPr>
+      </p:pic>
+    </p:spTree>
+  </p:cSld>
+  <p:clrMapOvr>
+    <a:masterClrMapping/>
+  </p:clrMapOvr>
+  <p:timing>
+    <p:tnLst>
+      <p:par>
+        <p:cTn id="1" dur="indefinite" restart="never" nodeType="tmRoot"/>
+      </p:par>
+    </p:tnLst>
+  </p:timing>
+</p:sld>
+</file>
+
+<file path=ppt/slides/slide5.xml><?xml version="1.0" encoding="utf-8"?>
+<p:sld xmlns:a="http://schemas.openxmlformats.org/drawingml/2006/main" xmlns:r="http://schemas.openxmlformats.org/officeDocument/2006/relationships" xmlns:p="http://schemas.openxmlformats.org/presentationml/2006/main">
+  <p:cSld>
+    <p:spTree>
+      <p:nvGrpSpPr>
+        <p:cNvPr id="1" name=""/>
+        <p:cNvGrpSpPr/>
+        <p:nvPr/>
+      </p:nvGrpSpPr>
+      <p:grpSpPr>
+        <a:xfrm>
+          <a:off x="0" y="0"/>
+          <a:ext cx="0" cy="0"/>
+          <a:chOff x="0" y="0"/>
+          <a:chExt cx="0" cy="0"/>
+        </a:xfrm>
+      </p:grpSpPr>
+      <p:sp>
+        <p:nvSpPr>
+          <p:cNvPr id="2" name="1 Título"/>
+          <p:cNvSpPr>
+            <a:spLocks noGrp="1"/>
+          </p:cNvSpPr>
+          <p:nvPr>
+            <p:ph type="title"/>
+          </p:nvPr>
+        </p:nvSpPr>
+        <p:spPr/>
+        <p:txBody>
+          <a:bodyPr/>
+          <a:lstStyle/>
+          <a:p>
+            <a:pPr algn="ctr"/>
+            <a:r>
+              <a:rPr lang="es-ES" dirty="0" err="1" smtClean="0"/>
+              <a:t>Marketplace</a:t>
+            </a:r>
+            <a:endParaRPr lang="es-ES" dirty="0"/>
+          </a:p>
+        </p:txBody>
+      </p:sp>
+      <p:sp>
+        <p:nvSpPr>
+          <p:cNvPr id="3" name="2 Marcador de contenido"/>
+          <p:cNvSpPr>
+            <a:spLocks noGrp="1"/>
+          </p:cNvSpPr>
+          <p:nvPr>
+            <p:ph idx="1"/>
+          </p:nvPr>
+        </p:nvSpPr>
+        <p:spPr/>
+        <p:txBody>
+          <a:bodyPr/>
+          <a:lstStyle/>
+          <a:p>
+            <a:endParaRPr lang="es-ES" dirty="0" smtClean="0"/>
+          </a:p>
+          <a:p>
+            <a:r>
+              <a:rPr lang="es-ES" dirty="0" smtClean="0">
+                <a:latin typeface="+mj-lt"/>
+              </a:rPr>
+              <a:t>Ventajas </a:t>
+            </a:r>
+          </a:p>
+          <a:p>
+            <a:pPr lvl="1"/>
+            <a:r>
+              <a:rPr lang="es-UY" dirty="0" err="1" smtClean="0">
+                <a:latin typeface="+mj-lt"/>
+              </a:rPr>
+              <a:t>Desgeografización</a:t>
+            </a:r>
+            <a:endParaRPr lang="es-UY" dirty="0" smtClean="0">
+              <a:latin typeface="+mj-lt"/>
+            </a:endParaRPr>
+          </a:p>
+          <a:p>
+            <a:pPr lvl="1"/>
+            <a:r>
+              <a:rPr lang="es-UY" dirty="0" smtClean="0">
+                <a:latin typeface="+mj-lt"/>
+              </a:rPr>
+              <a:t>Mejores precios</a:t>
+            </a:r>
+          </a:p>
+          <a:p>
+            <a:pPr lvl="1"/>
+            <a:r>
+              <a:rPr lang="es-UY" dirty="0" smtClean="0">
+                <a:latin typeface="+mj-lt"/>
+              </a:rPr>
+              <a:t>Entre otros</a:t>
+            </a:r>
+          </a:p>
+          <a:p>
+            <a:r>
+              <a:rPr lang="es-UY" dirty="0" smtClean="0">
+                <a:latin typeface="+mj-lt"/>
+              </a:rPr>
+              <a:t>Desventajas</a:t>
+            </a:r>
+          </a:p>
+          <a:p>
+            <a:pPr lvl="1"/>
+            <a:r>
+              <a:rPr lang="es-UY" dirty="0" smtClean="0">
+                <a:latin typeface="+mj-lt"/>
+              </a:rPr>
+              <a:t>Seguridad</a:t>
+            </a:r>
+            <a:endParaRPr lang="es-ES" dirty="0">
+              <a:latin typeface="+mj-lt"/>
+            </a:endParaRPr>
+          </a:p>
+        </p:txBody>
+      </p:sp>
+      <p:pic>
+        <p:nvPicPr>
+          <p:cNvPr id="4" name="3 Marcador de contenido" descr="amazon.jpg"/>
+          <p:cNvPicPr>
+            <a:picLocks noChangeAspect="1"/>
+          </p:cNvPicPr>
+          <p:nvPr/>
+        </p:nvPicPr>
+        <p:blipFill>
+          <a:blip r:embed="rId2"/>
+          <a:stretch>
+            <a:fillRect/>
+          </a:stretch>
+        </p:blipFill>
+        <p:spPr>
+          <a:xfrm>
+            <a:off x="4714876" y="4286256"/>
+            <a:ext cx="3286148" cy="1929070"/>
+          </a:xfrm>
+          <a:prstGeom prst="rect">
+            <a:avLst/>
+          </a:prstGeom>
+        </p:spPr>
+      </p:pic>
+    </p:spTree>
+  </p:cSld>
+  <p:clrMapOvr>
+    <a:masterClrMapping/>
+  </p:clrMapOvr>
+  <p:timing>
+    <p:tnLst>
+      <p:par>
+        <p:cTn id="1" dur="indefinite" restart="never" nodeType="tmRoot"/>
+      </p:par>
+    </p:tnLst>
+  </p:timing>
+</p:sld>
+</file>
+
+<file path=ppt/slides/slide6.xml><?xml version="1.0" encoding="utf-8"?>
+<p:sld xmlns:a="http://schemas.openxmlformats.org/drawingml/2006/main" xmlns:r="http://schemas.openxmlformats.org/officeDocument/2006/relationships" xmlns:p="http://schemas.openxmlformats.org/presentationml/2006/main">
+  <p:cSld>
+    <p:spTree>
+      <p:nvGrpSpPr>
+        <p:cNvPr id="1" name=""/>
+        <p:cNvGrpSpPr/>
+        <p:nvPr/>
+      </p:nvGrpSpPr>
+      <p:grpSpPr>
+        <a:xfrm>
+          <a:off x="0" y="0"/>
+          <a:ext cx="0" cy="0"/>
+          <a:chOff x="0" y="0"/>
+          <a:chExt cx="0" cy="0"/>
+        </a:xfrm>
+      </p:grpSpPr>
+      <p:sp>
+        <p:nvSpPr>
+          <p:cNvPr id="8" name="7 Rectángulo"/>
+          <p:cNvSpPr/>
+          <p:nvPr/>
+        </p:nvSpPr>
+        <p:spPr>
+          <a:xfrm>
+            <a:off x="0" y="1928802"/>
+            <a:ext cx="9144000" cy="4929198"/>
+          </a:xfrm>
+          <a:prstGeom prst="rect">
+            <a:avLst/>
+          </a:prstGeom>
+          <a:ln>
+            <a:solidFill>
+              <a:schemeClr val="bg1"/>
+            </a:solidFill>
+          </a:ln>
+        </p:spPr>
+        <p:style>
+          <a:lnRef idx="2">
+            <a:schemeClr val="accent6"/>
+          </a:lnRef>
+          <a:fillRef idx="1">
+            <a:schemeClr val="lt1"/>
+          </a:fillRef>
+          <a:effectRef idx="0">
+            <a:schemeClr val="accent6"/>
+          </a:effectRef>
+          <a:fontRef idx="minor">
+            <a:schemeClr val="dk1"/>
+          </a:fontRef>
+        </p:style>
+        <p:txBody>
+          <a:bodyPr rtlCol="0" anchor="ctr"/>
+          <a:lstStyle/>
+          <a:p>
+            <a:pPr algn="ctr"/>
+            <a:endParaRPr lang="es-ES"/>
+          </a:p>
+        </p:txBody>
+      </p:sp>
+      <p:sp>
+        <p:nvSpPr>
+          <p:cNvPr id="2" name="1 Título"/>
+          <p:cNvSpPr>
+            <a:spLocks noGrp="1"/>
+          </p:cNvSpPr>
+          <p:nvPr>
+            <p:ph type="title"/>
+          </p:nvPr>
+        </p:nvSpPr>
+        <p:spPr/>
+        <p:txBody>
+          <a:bodyPr/>
+          <a:lstStyle/>
+          <a:p>
+            <a:pPr algn="ctr"/>
+            <a:r>
+              <a:rPr lang="es-ES" dirty="0" smtClean="0"/>
+              <a:t>Casos de estudio</a:t>
             </a:r>
             <a:endParaRPr lang="es-ES" dirty="0"/>
           </a:p>
@@ -7712,264 +10350,17 @@
   <p:clrMapOvr>
     <a:masterClrMapping/>
   </p:clrMapOvr>
+  <p:timing>
+    <p:tnLst>
+      <p:par>
+        <p:cTn id="1" dur="indefinite" restart="never" nodeType="tmRoot"/>
+      </p:par>
+    </p:tnLst>
+  </p:timing>
 </p:sld>
 </file>
 
-<file path=ppt/slides/slide4.xml><?xml version="1.0" encoding="utf-8"?>
-<p:sld xmlns:a="http://schemas.openxmlformats.org/drawingml/2006/main" xmlns:r="http://schemas.openxmlformats.org/officeDocument/2006/relationships" xmlns:p="http://schemas.openxmlformats.org/presentationml/2006/main">
-  <p:cSld>
-    <p:spTree>
-      <p:nvGrpSpPr>
-        <p:cNvPr id="1" name=""/>
-        <p:cNvGrpSpPr/>
-        <p:nvPr/>
-      </p:nvGrpSpPr>
-      <p:grpSpPr>
-        <a:xfrm>
-          <a:off x="0" y="0"/>
-          <a:ext cx="0" cy="0"/>
-          <a:chOff x="0" y="0"/>
-          <a:chExt cx="0" cy="0"/>
-        </a:xfrm>
-      </p:grpSpPr>
-      <p:sp>
-        <p:nvSpPr>
-          <p:cNvPr id="2" name="1 Título"/>
-          <p:cNvSpPr>
-            <a:spLocks noGrp="1"/>
-          </p:cNvSpPr>
-          <p:nvPr>
-            <p:ph type="title"/>
-          </p:nvPr>
-        </p:nvSpPr>
-        <p:spPr/>
-        <p:txBody>
-          <a:bodyPr/>
-          <a:lstStyle/>
-          <a:p>
-            <a:pPr algn="ctr"/>
-            <a:r>
-              <a:rPr lang="es-ES" dirty="0" smtClean="0"/>
-              <a:t>E-</a:t>
-            </a:r>
-            <a:r>
-              <a:rPr lang="es-ES" dirty="0" err="1" smtClean="0"/>
-              <a:t>commerce</a:t>
-            </a:r>
-            <a:endParaRPr lang="es-ES" dirty="0"/>
-          </a:p>
-        </p:txBody>
-      </p:sp>
-      <p:sp>
-        <p:nvSpPr>
-          <p:cNvPr id="3" name="2 Marcador de contenido"/>
-          <p:cNvSpPr>
-            <a:spLocks noGrp="1"/>
-          </p:cNvSpPr>
-          <p:nvPr>
-            <p:ph idx="1"/>
-          </p:nvPr>
-        </p:nvSpPr>
-        <p:spPr>
-          <a:xfrm>
-            <a:off x="428596" y="2285992"/>
-            <a:ext cx="8229600" cy="2565090"/>
-          </a:xfrm>
-        </p:spPr>
-        <p:txBody>
-          <a:bodyPr/>
-          <a:lstStyle/>
-          <a:p>
-            <a:endParaRPr lang="es-ES" dirty="0" smtClean="0"/>
-          </a:p>
-          <a:p>
-            <a:r>
-              <a:rPr lang="es-ES" dirty="0" smtClean="0"/>
-              <a:t>Compra y venta de bienes o prestación de servicios</a:t>
-            </a:r>
-          </a:p>
-          <a:p>
-            <a:r>
-              <a:rPr lang="es-ES" dirty="0" smtClean="0"/>
-              <a:t>Negociaciones previas</a:t>
-            </a:r>
-          </a:p>
-          <a:p>
-            <a:r>
-              <a:rPr lang="es-ES" dirty="0" smtClean="0"/>
-              <a:t>Entre otras actividades…</a:t>
-            </a:r>
-            <a:endParaRPr lang="es-ES" dirty="0"/>
-          </a:p>
-        </p:txBody>
-      </p:sp>
-      <p:pic>
-        <p:nvPicPr>
-          <p:cNvPr id="4" name="3 Imagen" descr="e-commerce2-buena.png"/>
-          <p:cNvPicPr>
-            <a:picLocks noChangeAspect="1"/>
-          </p:cNvPicPr>
-          <p:nvPr/>
-        </p:nvPicPr>
-        <p:blipFill>
-          <a:blip r:embed="rId2"/>
-          <a:stretch>
-            <a:fillRect/>
-          </a:stretch>
-        </p:blipFill>
-        <p:spPr>
-          <a:xfrm>
-            <a:off x="5072066" y="3723156"/>
-            <a:ext cx="2514604" cy="2477625"/>
-          </a:xfrm>
-          <a:prstGeom prst="rect">
-            <a:avLst/>
-          </a:prstGeom>
-        </p:spPr>
-      </p:pic>
-    </p:spTree>
-  </p:cSld>
-  <p:clrMapOvr>
-    <a:masterClrMapping/>
-  </p:clrMapOvr>
-</p:sld>
-</file>
-
-<file path=ppt/slides/slide5.xml><?xml version="1.0" encoding="utf-8"?>
-<p:sld xmlns:a="http://schemas.openxmlformats.org/drawingml/2006/main" xmlns:r="http://schemas.openxmlformats.org/officeDocument/2006/relationships" xmlns:p="http://schemas.openxmlformats.org/presentationml/2006/main">
-  <p:cSld>
-    <p:spTree>
-      <p:nvGrpSpPr>
-        <p:cNvPr id="1" name=""/>
-        <p:cNvGrpSpPr/>
-        <p:nvPr/>
-      </p:nvGrpSpPr>
-      <p:grpSpPr>
-        <a:xfrm>
-          <a:off x="0" y="0"/>
-          <a:ext cx="0" cy="0"/>
-          <a:chOff x="0" y="0"/>
-          <a:chExt cx="0" cy="0"/>
-        </a:xfrm>
-      </p:grpSpPr>
-      <p:sp>
-        <p:nvSpPr>
-          <p:cNvPr id="2" name="1 Título"/>
-          <p:cNvSpPr>
-            <a:spLocks noGrp="1"/>
-          </p:cNvSpPr>
-          <p:nvPr>
-            <p:ph type="title"/>
-          </p:nvPr>
-        </p:nvSpPr>
-        <p:spPr/>
-        <p:txBody>
-          <a:bodyPr/>
-          <a:lstStyle/>
-          <a:p>
-            <a:pPr algn="ctr"/>
-            <a:r>
-              <a:rPr lang="es-ES" dirty="0" err="1" smtClean="0"/>
-              <a:t>Marketplace</a:t>
-            </a:r>
-            <a:endParaRPr lang="es-ES" dirty="0"/>
-          </a:p>
-        </p:txBody>
-      </p:sp>
-      <p:sp>
-        <p:nvSpPr>
-          <p:cNvPr id="3" name="2 Marcador de contenido"/>
-          <p:cNvSpPr>
-            <a:spLocks noGrp="1"/>
-          </p:cNvSpPr>
-          <p:nvPr>
-            <p:ph idx="1"/>
-          </p:nvPr>
-        </p:nvSpPr>
-        <p:spPr/>
-        <p:txBody>
-          <a:bodyPr/>
-          <a:lstStyle/>
-          <a:p>
-            <a:endParaRPr lang="es-ES" dirty="0" smtClean="0"/>
-          </a:p>
-          <a:p>
-            <a:r>
-              <a:rPr lang="es-ES" dirty="0" smtClean="0"/>
-              <a:t>Ventajas </a:t>
-            </a:r>
-          </a:p>
-          <a:p>
-            <a:pPr lvl="1"/>
-            <a:r>
-              <a:rPr lang="es-UY" dirty="0" err="1" smtClean="0"/>
-              <a:t>Desgeografización</a:t>
-            </a:r>
-            <a:endParaRPr lang="es-UY" dirty="0" smtClean="0"/>
-          </a:p>
-          <a:p>
-            <a:pPr lvl="1"/>
-            <a:r>
-              <a:rPr lang="es-UY" dirty="0" smtClean="0"/>
-              <a:t>Mejores precios</a:t>
-            </a:r>
-          </a:p>
-          <a:p>
-            <a:pPr lvl="1"/>
-            <a:r>
-              <a:rPr lang="es-UY" dirty="0" smtClean="0"/>
-              <a:t>Entre otros</a:t>
-            </a:r>
-          </a:p>
-          <a:p>
-            <a:r>
-              <a:rPr lang="es-UY" dirty="0" smtClean="0"/>
-              <a:t>Desventajas</a:t>
-            </a:r>
-          </a:p>
-          <a:p>
-            <a:pPr lvl="1"/>
-            <a:r>
-              <a:rPr lang="es-UY" dirty="0" smtClean="0"/>
-              <a:t>Seguridad</a:t>
-            </a:r>
-            <a:endParaRPr lang="es-ES" dirty="0"/>
-          </a:p>
-        </p:txBody>
-      </p:sp>
-      <p:pic>
-        <p:nvPicPr>
-          <p:cNvPr id="4" name="3 Marcador de contenido" descr="amazon.jpg"/>
-          <p:cNvPicPr>
-            <a:picLocks noChangeAspect="1"/>
-          </p:cNvPicPr>
-          <p:nvPr/>
-        </p:nvPicPr>
-        <p:blipFill>
-          <a:blip r:embed="rId2"/>
-          <a:stretch>
-            <a:fillRect/>
-          </a:stretch>
-        </p:blipFill>
-        <p:spPr>
-          <a:xfrm>
-            <a:off x="5857852" y="4928930"/>
-            <a:ext cx="3286148" cy="1929070"/>
-          </a:xfrm>
-          <a:prstGeom prst="rect">
-            <a:avLst/>
-          </a:prstGeom>
-        </p:spPr>
-      </p:pic>
-    </p:spTree>
-  </p:cSld>
-  <p:clrMapOvr>
-    <a:masterClrMapping/>
-  </p:clrMapOvr>
-</p:sld>
-</file>
-
-<file path=ppt/slides/slide6.xml><?xml version="1.0" encoding="utf-8"?>
+<file path=ppt/slides/slide7.xml><?xml version="1.0" encoding="utf-8"?>
 <p:sld xmlns:a="http://schemas.openxmlformats.org/drawingml/2006/main" xmlns:r="http://schemas.openxmlformats.org/officeDocument/2006/relationships" xmlns:p="http://schemas.openxmlformats.org/presentationml/2006/main">
   <p:cSld>
     <p:spTree>
@@ -8036,7 +10427,7 @@
         </p:nvSpPr>
         <p:spPr>
           <a:xfrm>
-            <a:off x="467544" y="476672"/>
+            <a:off x="428596" y="642918"/>
             <a:ext cx="8229600" cy="1143000"/>
           </a:xfrm>
         </p:spPr>
@@ -8046,6 +10437,7 @@
           </a:bodyPr>
           <a:lstStyle/>
           <a:p>
+            <a:pPr algn="ctr"/>
             <a:r>
               <a:rPr lang="es-UY" dirty="0" smtClean="0"/>
               <a:t>Objetivos y resultados esperados</a:t>
@@ -8075,21 +10467,27 @@
           <a:lstStyle/>
           <a:p>
             <a:r>
-              <a:rPr lang="es-UY" dirty="0" smtClean="0"/>
+              <a:rPr lang="es-UY" dirty="0" smtClean="0">
+                <a:latin typeface="+mj-lt"/>
+              </a:rPr>
               <a:t>Diferentes perspectivas</a:t>
             </a:r>
           </a:p>
           <a:p>
             <a:pPr lvl="1"/>
             <a:r>
-              <a:rPr lang="es-UY" dirty="0" smtClean="0"/>
+              <a:rPr lang="es-UY" dirty="0" smtClean="0">
+                <a:latin typeface="+mj-lt"/>
+              </a:rPr>
               <a:t>Proyecto final</a:t>
             </a:r>
           </a:p>
           <a:p>
             <a:pPr lvl="1"/>
             <a:r>
-              <a:rPr lang="es-UY" dirty="0" smtClean="0"/>
+              <a:rPr lang="es-UY" dirty="0" smtClean="0">
+                <a:latin typeface="+mj-lt"/>
+              </a:rPr>
               <a:t>Aplicación a desarrollar</a:t>
             </a:r>
           </a:p>
@@ -8113,135 +10511,6 @@
       </p:par>
     </p:tnLst>
   </p:timing>
-</p:sld>
-</file>
-
-<file path=ppt/slides/slide7.xml><?xml version="1.0" encoding="utf-8"?>
-<p:sld xmlns:a="http://schemas.openxmlformats.org/drawingml/2006/main" xmlns:r="http://schemas.openxmlformats.org/officeDocument/2006/relationships" xmlns:p="http://schemas.openxmlformats.org/presentationml/2006/main">
-  <p:cSld>
-    <p:spTree>
-      <p:nvGrpSpPr>
-        <p:cNvPr id="1" name=""/>
-        <p:cNvGrpSpPr/>
-        <p:nvPr/>
-      </p:nvGrpSpPr>
-      <p:grpSpPr>
-        <a:xfrm>
-          <a:off x="0" y="0"/>
-          <a:ext cx="0" cy="0"/>
-          <a:chOff x="0" y="0"/>
-          <a:chExt cx="0" cy="0"/>
-        </a:xfrm>
-      </p:grpSpPr>
-      <p:sp>
-        <p:nvSpPr>
-          <p:cNvPr id="2" name="1 Título"/>
-          <p:cNvSpPr>
-            <a:spLocks noGrp="1"/>
-          </p:cNvSpPr>
-          <p:nvPr>
-            <p:ph type="title"/>
-          </p:nvPr>
-        </p:nvSpPr>
-        <p:spPr/>
-        <p:txBody>
-          <a:bodyPr/>
-          <a:lstStyle/>
-          <a:p>
-            <a:r>
-              <a:rPr lang="es-ES" dirty="0" smtClean="0"/>
-              <a:t>Desarrollo de la aplicación</a:t>
-            </a:r>
-            <a:endParaRPr lang="es-ES" dirty="0"/>
-          </a:p>
-        </p:txBody>
-      </p:sp>
-      <p:sp>
-        <p:nvSpPr>
-          <p:cNvPr id="3" name="2 Marcador de contenido"/>
-          <p:cNvSpPr>
-            <a:spLocks noGrp="1"/>
-          </p:cNvSpPr>
-          <p:nvPr>
-            <p:ph idx="1"/>
-          </p:nvPr>
-        </p:nvSpPr>
-        <p:spPr/>
-        <p:txBody>
-          <a:bodyPr/>
-          <a:lstStyle/>
-          <a:p>
-            <a:r>
-              <a:rPr lang="es-ES" dirty="0" smtClean="0"/>
-              <a:t>Metodología Iterativa-Incremental</a:t>
-            </a:r>
-          </a:p>
-          <a:p>
-            <a:r>
-              <a:rPr lang="es-ES" dirty="0" smtClean="0"/>
-              <a:t>Etapas:</a:t>
-            </a:r>
-          </a:p>
-          <a:p>
-            <a:pPr lvl="1"/>
-            <a:r>
-              <a:rPr lang="es-ES" dirty="0" smtClean="0"/>
-              <a:t>Análisis</a:t>
-            </a:r>
-          </a:p>
-          <a:p>
-            <a:pPr lvl="1"/>
-            <a:r>
-              <a:rPr lang="es-ES" dirty="0" smtClean="0"/>
-              <a:t>Diseño</a:t>
-            </a:r>
-          </a:p>
-          <a:p>
-            <a:pPr lvl="1"/>
-            <a:r>
-              <a:rPr lang="es-ES" dirty="0" smtClean="0"/>
-              <a:t>Implementación</a:t>
-            </a:r>
-          </a:p>
-          <a:p>
-            <a:pPr lvl="1"/>
-            <a:r>
-              <a:rPr lang="es-ES" dirty="0" err="1" smtClean="0"/>
-              <a:t>Testing</a:t>
-            </a:r>
-            <a:endParaRPr lang="es-ES" dirty="0"/>
-          </a:p>
-        </p:txBody>
-      </p:sp>
-      <p:pic>
-        <p:nvPicPr>
-          <p:cNvPr id="5" name="4 Imagen" descr="ciclosoftware.jpg"/>
-          <p:cNvPicPr>
-            <a:picLocks noChangeAspect="1"/>
-          </p:cNvPicPr>
-          <p:nvPr/>
-        </p:nvPicPr>
-        <p:blipFill>
-          <a:blip r:embed="rId2"/>
-          <a:stretch>
-            <a:fillRect/>
-          </a:stretch>
-        </p:blipFill>
-        <p:spPr>
-          <a:xfrm>
-            <a:off x="4643438" y="3000372"/>
-            <a:ext cx="3048000" cy="2886075"/>
-          </a:xfrm>
-          <a:prstGeom prst="rect">
-            <a:avLst/>
-          </a:prstGeom>
-        </p:spPr>
-      </p:pic>
-    </p:spTree>
-  </p:cSld>
-  <p:clrMapOvr>
-    <a:masterClrMapping/>
-  </p:clrMapOvr>
 </p:sld>
 </file>
 
@@ -8262,30 +10531,54 @@
           <a:chExt cx="0" cy="0"/>
         </a:xfrm>
       </p:grpSpPr>
-      <p:pic>
-        <p:nvPicPr>
-          <p:cNvPr id="4" name="3 Imagen" descr="analisis.jpg"/>
-          <p:cNvPicPr>
-            <a:picLocks noChangeAspect="1"/>
-          </p:cNvPicPr>
+      <p:sp>
+        <p:nvSpPr>
+          <p:cNvPr id="12" name="11 Rectángulo"/>
+          <p:cNvSpPr/>
           <p:nvPr/>
-        </p:nvPicPr>
-        <p:blipFill>
-          <a:blip r:embed="rId2"/>
-          <a:stretch>
-            <a:fillRect/>
-          </a:stretch>
-        </p:blipFill>
+        </p:nvSpPr>
         <p:spPr>
           <a:xfrm>
-            <a:off x="3571868" y="1643050"/>
-            <a:ext cx="4572032" cy="4551712"/>
+            <a:off x="71438" y="1928802"/>
+            <a:ext cx="9001156" cy="4857760"/>
           </a:xfrm>
           <a:prstGeom prst="rect">
             <a:avLst/>
           </a:prstGeom>
+          <a:solidFill>
+            <a:schemeClr val="bg1"/>
+          </a:solidFill>
+          <a:ln>
+            <a:solidFill>
+              <a:schemeClr val="bg1"/>
+            </a:solidFill>
+          </a:ln>
         </p:spPr>
-      </p:pic>
+        <p:style>
+          <a:lnRef idx="2">
+            <a:schemeClr val="accent1">
+              <a:shade val="50000"/>
+            </a:schemeClr>
+          </a:lnRef>
+          <a:fillRef idx="1">
+            <a:schemeClr val="accent1"/>
+          </a:fillRef>
+          <a:effectRef idx="0">
+            <a:schemeClr val="accent1"/>
+          </a:effectRef>
+          <a:fontRef idx="minor">
+            <a:schemeClr val="lt1"/>
+          </a:fontRef>
+        </p:style>
+        <p:txBody>
+          <a:bodyPr rtlCol="0" anchor="ctr"/>
+          <a:lstStyle/>
+          <a:p>
+            <a:pPr algn="just"/>
+            <a:endParaRPr lang="es-ES" dirty="0"/>
+          </a:p>
+        </p:txBody>
+      </p:sp>
       <p:sp>
         <p:nvSpPr>
           <p:cNvPr id="2" name="1 Título"/>
@@ -8301,17 +10594,42 @@
           <a:bodyPr/>
           <a:lstStyle/>
           <a:p>
+            <a:pPr algn="ctr"/>
             <a:r>
               <a:rPr lang="es-ES" dirty="0" smtClean="0"/>
-              <a:t>Análisis</a:t>
+              <a:t>Gestión y planificación</a:t>
             </a:r>
             <a:endParaRPr lang="es-ES" dirty="0"/>
           </a:p>
         </p:txBody>
       </p:sp>
+      <p:pic>
+        <p:nvPicPr>
+          <p:cNvPr id="7" name="6 Imagen" descr="github_logo.jpg"/>
+          <p:cNvPicPr>
+            <a:picLocks noChangeAspect="1"/>
+          </p:cNvPicPr>
+          <p:nvPr/>
+        </p:nvPicPr>
+        <p:blipFill>
+          <a:blip r:embed="rId2"/>
+          <a:stretch>
+            <a:fillRect/>
+          </a:stretch>
+        </p:blipFill>
+        <p:spPr>
+          <a:xfrm>
+            <a:off x="5167338" y="2714620"/>
+            <a:ext cx="3333752" cy="3333752"/>
+          </a:xfrm>
+          <a:prstGeom prst="rect">
+            <a:avLst/>
+          </a:prstGeom>
+        </p:spPr>
+      </p:pic>
       <p:sp>
         <p:nvSpPr>
-          <p:cNvPr id="3" name="2 Marcador de contenido"/>
+          <p:cNvPr id="8" name="2 Marcador de contenido"/>
           <p:cNvSpPr>
             <a:spLocks noGrp="1"/>
           </p:cNvSpPr>
@@ -8321,41 +10639,105 @@
         </p:nvSpPr>
         <p:spPr>
           <a:xfrm>
-            <a:off x="500034" y="2571744"/>
-            <a:ext cx="8229600" cy="1707834"/>
+            <a:off x="500034" y="2285992"/>
+            <a:ext cx="4614866" cy="2850842"/>
           </a:xfrm>
         </p:spPr>
         <p:txBody>
           <a:bodyPr/>
           <a:lstStyle/>
           <a:p>
-            <a:pPr>
-              <a:buNone/>
-            </a:pPr>
-            <a:r>
-              <a:rPr lang="es-ES" dirty="0" smtClean="0"/>
-              <a:t>Ésta etapa implica:</a:t>
-            </a:r>
-          </a:p>
-          <a:p>
-            <a:r>
-              <a:rPr lang="es-ES" dirty="0" smtClean="0"/>
-              <a:t>Estudio del problema planteado</a:t>
-            </a:r>
-          </a:p>
-          <a:p>
-            <a:r>
-              <a:rPr lang="es-ES" dirty="0" smtClean="0"/>
-              <a:t>Relevamiento de funcionalidades</a:t>
-            </a:r>
+            <a:r>
+              <a:rPr lang="es-ES" dirty="0" smtClean="0">
+                <a:latin typeface="+mj-lt"/>
+              </a:rPr>
+              <a:t>Criterios de planificación</a:t>
+            </a:r>
+          </a:p>
+          <a:p>
+            <a:pPr lvl="1"/>
+            <a:r>
+              <a:rPr lang="es-ES" dirty="0" smtClean="0">
+                <a:latin typeface="+mj-lt"/>
+              </a:rPr>
+              <a:t>Etapas y herramientas</a:t>
+            </a:r>
+            <a:endParaRPr lang="es-ES" dirty="0" smtClean="0">
+              <a:latin typeface="+mj-lt"/>
+            </a:endParaRPr>
+          </a:p>
+          <a:p>
+            <a:r>
+              <a:rPr lang="es-ES" dirty="0" smtClean="0">
+                <a:latin typeface="+mj-lt"/>
+              </a:rPr>
+              <a:t>Gestión</a:t>
+            </a:r>
+          </a:p>
+          <a:p>
+            <a:pPr lvl="1"/>
+            <a:r>
+              <a:rPr lang="es-ES" dirty="0" smtClean="0">
+                <a:latin typeface="+mj-lt"/>
+              </a:rPr>
+              <a:t>Versionado</a:t>
+            </a:r>
+          </a:p>
+          <a:p>
+            <a:pPr lvl="1"/>
+            <a:r>
+              <a:rPr lang="es-ES" dirty="0" smtClean="0">
+                <a:latin typeface="+mj-lt"/>
+              </a:rPr>
+              <a:t>Manejo de incidencias</a:t>
+            </a:r>
+            <a:endParaRPr lang="es-ES" dirty="0" smtClean="0">
+              <a:latin typeface="+mj-lt"/>
+            </a:endParaRPr>
+          </a:p>
+          <a:p>
+            <a:endParaRPr lang="es-ES" dirty="0">
+              <a:latin typeface="+mj-lt"/>
+            </a:endParaRPr>
           </a:p>
         </p:txBody>
       </p:sp>
+      <p:pic>
+        <p:nvPicPr>
+          <p:cNvPr id="9" name="8 Imagen" descr="smartsheet.jpg"/>
+          <p:cNvPicPr>
+            <a:picLocks noChangeAspect="1"/>
+          </p:cNvPicPr>
+          <p:nvPr/>
+        </p:nvPicPr>
+        <p:blipFill>
+          <a:blip r:embed="rId3"/>
+          <a:stretch>
+            <a:fillRect/>
+          </a:stretch>
+        </p:blipFill>
+        <p:spPr>
+          <a:xfrm>
+            <a:off x="1898425" y="5214950"/>
+            <a:ext cx="2673575" cy="838202"/>
+          </a:xfrm>
+          <a:prstGeom prst="rect">
+            <a:avLst/>
+          </a:prstGeom>
+        </p:spPr>
+      </p:pic>
     </p:spTree>
   </p:cSld>
   <p:clrMapOvr>
     <a:masterClrMapping/>
   </p:clrMapOvr>
+  <p:timing>
+    <p:tnLst>
+      <p:par>
+        <p:cTn id="1" dur="indefinite" restart="never" nodeType="tmRoot"/>
+      </p:par>
+    </p:tnLst>
+  </p:timing>
 </p:sld>
 </file>
 
@@ -8391,42 +10773,114 @@
           <a:bodyPr/>
           <a:lstStyle/>
           <a:p>
+            <a:pPr algn="ctr"/>
             <a:r>
               <a:rPr lang="es-ES" dirty="0" smtClean="0"/>
-              <a:t>Diseño</a:t>
+              <a:t>Desarrollo de la aplicación</a:t>
             </a:r>
             <a:endParaRPr lang="es-ES" dirty="0"/>
           </a:p>
         </p:txBody>
       </p:sp>
-      <p:pic>
-        <p:nvPicPr>
-          <p:cNvPr id="4" name="3 Marcador de contenido" descr="diseño.jpg"/>
-          <p:cNvPicPr>
-            <a:picLocks noGrp="1" noChangeAspect="1"/>
-          </p:cNvPicPr>
+      <p:sp>
+        <p:nvSpPr>
+          <p:cNvPr id="3" name="2 Marcador de contenido"/>
+          <p:cNvSpPr>
+            <a:spLocks noGrp="1"/>
+          </p:cNvSpPr>
           <p:nvPr>
             <p:ph idx="1"/>
           </p:nvPr>
-        </p:nvPicPr>
-        <p:blipFill>
-          <a:blip r:embed="rId2"/>
-          <a:stretch>
-            <a:fillRect/>
-          </a:stretch>
-        </p:blipFill>
-        <p:spPr>
-          <a:xfrm>
-            <a:off x="4000496" y="3000372"/>
-            <a:ext cx="5143504" cy="3857628"/>
-          </a:xfrm>
-        </p:spPr>
-      </p:pic>
+        </p:nvSpPr>
+        <p:spPr/>
+        <p:txBody>
+          <a:bodyPr/>
+          <a:lstStyle/>
+          <a:p>
+            <a:r>
+              <a:rPr lang="es-ES" dirty="0" smtClean="0">
+                <a:latin typeface="+mj-lt"/>
+              </a:rPr>
+              <a:t>Metodología Iterativa-Incremental</a:t>
+            </a:r>
+          </a:p>
+          <a:p>
+            <a:r>
+              <a:rPr lang="es-ES" dirty="0" smtClean="0">
+                <a:latin typeface="+mj-lt"/>
+              </a:rPr>
+              <a:t>Etapas:</a:t>
+            </a:r>
+          </a:p>
+          <a:p>
+            <a:pPr lvl="1"/>
+            <a:r>
+              <a:rPr lang="es-ES" dirty="0" smtClean="0">
+                <a:latin typeface="+mj-lt"/>
+              </a:rPr>
+              <a:t>Análisis</a:t>
+            </a:r>
+          </a:p>
+          <a:p>
+            <a:pPr lvl="1"/>
+            <a:r>
+              <a:rPr lang="es-ES" dirty="0" smtClean="0">
+                <a:latin typeface="+mj-lt"/>
+              </a:rPr>
+              <a:t>Diseño</a:t>
+            </a:r>
+          </a:p>
+          <a:p>
+            <a:pPr lvl="1"/>
+            <a:r>
+              <a:rPr lang="es-ES" dirty="0" smtClean="0">
+                <a:latin typeface="+mj-lt"/>
+              </a:rPr>
+              <a:t>Implementación</a:t>
+            </a:r>
+          </a:p>
+          <a:p>
+            <a:pPr lvl="1"/>
+            <a:r>
+              <a:rPr lang="es-ES" dirty="0" err="1" smtClean="0">
+                <a:latin typeface="+mj-lt"/>
+              </a:rPr>
+              <a:t>Testing</a:t>
+            </a:r>
+            <a:endParaRPr lang="es-ES" dirty="0">
+              <a:latin typeface="+mj-lt"/>
+            </a:endParaRPr>
+          </a:p>
+        </p:txBody>
+      </p:sp>
+      <p:graphicFrame>
+        <p:nvGraphicFramePr>
+          <p:cNvPr id="7" name="6 Diagrama"/>
+          <p:cNvGraphicFramePr/>
+          <p:nvPr/>
+        </p:nvGraphicFramePr>
+        <p:xfrm>
+          <a:off x="3929058" y="2786058"/>
+          <a:ext cx="4595802" cy="3675074"/>
+        </p:xfrm>
+        <a:graphic>
+          <a:graphicData uri="http://schemas.openxmlformats.org/drawingml/2006/diagram">
+            <dgm:relIds xmlns:dgm="http://schemas.openxmlformats.org/drawingml/2006/diagram" xmlns:r="http://schemas.openxmlformats.org/officeDocument/2006/relationships" r:dm="rId2" r:lo="rId3" r:qs="rId4" r:cs="rId5"/>
+          </a:graphicData>
+        </a:graphic>
+      </p:graphicFrame>
     </p:spTree>
   </p:cSld>
   <p:clrMapOvr>
     <a:masterClrMapping/>
   </p:clrMapOvr>
+  <p:timing>
+    <p:tnLst>
+      <p:par>
+        <p:cTn id="1" dur="indefinite" restart="never" nodeType="tmRoot"/>
+      </p:par>
+    </p:tnLst>
+  </p:timing>
 </p:sld>
 </file>
 

--- a/Documentacion/Entregas/Presentacion/Presentacion.pptx
+++ b/Documentacion/Entregas/Presentacion/Presentacion.pptx
@@ -16,11 +16,13 @@
     <p:sldId id="279" r:id="rId10"/>
     <p:sldId id="280" r:id="rId11"/>
     <p:sldId id="281" r:id="rId12"/>
-    <p:sldId id="288" r:id="rId13"/>
-    <p:sldId id="284" r:id="rId14"/>
-    <p:sldId id="285" r:id="rId15"/>
-    <p:sldId id="287" r:id="rId16"/>
-    <p:sldId id="286" r:id="rId17"/>
+    <p:sldId id="290" r:id="rId13"/>
+    <p:sldId id="288" r:id="rId14"/>
+    <p:sldId id="291" r:id="rId15"/>
+    <p:sldId id="284" r:id="rId16"/>
+    <p:sldId id="285" r:id="rId17"/>
+    <p:sldId id="287" r:id="rId18"/>
+    <p:sldId id="286" r:id="rId19"/>
   </p:sldIdLst>
   <p:sldSz cx="9144000" cy="6858000" type="screen4x3"/>
   <p:notesSz cx="6858000" cy="9144000"/>
@@ -1175,6 +1177,13 @@
         </dgm:presLayoutVars>
       </dgm:prSet>
       <dgm:spPr/>
+      <dgm:t>
+        <a:bodyPr/>
+        <a:lstStyle/>
+        <a:p>
+          <a:endParaRPr lang="es-ES"/>
+        </a:p>
+      </dgm:t>
     </dgm:pt>
     <dgm:pt modelId="{57E549FD-1089-420F-9A72-4D8403182B0F}" type="pres">
       <dgm:prSet presAssocID="{737C1C54-8312-479E-9854-26470EC438D3}" presName="FourNodes_2" presStyleLbl="node1" presStyleIdx="1" presStyleCnt="4">
@@ -1183,6 +1192,13 @@
         </dgm:presLayoutVars>
       </dgm:prSet>
       <dgm:spPr/>
+      <dgm:t>
+        <a:bodyPr/>
+        <a:lstStyle/>
+        <a:p>
+          <a:endParaRPr lang="es-ES"/>
+        </a:p>
+      </dgm:t>
     </dgm:pt>
     <dgm:pt modelId="{4559F581-D3DF-464B-8620-C6E244F45E5F}" type="pres">
       <dgm:prSet presAssocID="{737C1C54-8312-479E-9854-26470EC438D3}" presName="FourNodes_3" presStyleLbl="node1" presStyleIdx="2" presStyleCnt="4">
@@ -1191,6 +1207,13 @@
         </dgm:presLayoutVars>
       </dgm:prSet>
       <dgm:spPr/>
+      <dgm:t>
+        <a:bodyPr/>
+        <a:lstStyle/>
+        <a:p>
+          <a:endParaRPr lang="es-ES"/>
+        </a:p>
+      </dgm:t>
     </dgm:pt>
     <dgm:pt modelId="{542481D7-D05E-40E1-A9DA-85E943A44965}" type="pres">
       <dgm:prSet presAssocID="{737C1C54-8312-479E-9854-26470EC438D3}" presName="FourNodes_4" presStyleLbl="node1" presStyleIdx="3" presStyleCnt="4">
@@ -1214,6 +1237,13 @@
         </dgm:presLayoutVars>
       </dgm:prSet>
       <dgm:spPr/>
+      <dgm:t>
+        <a:bodyPr/>
+        <a:lstStyle/>
+        <a:p>
+          <a:endParaRPr lang="es-ES"/>
+        </a:p>
+      </dgm:t>
     </dgm:pt>
     <dgm:pt modelId="{62D09EF4-7E5A-4D7F-83C7-9761470AA737}" type="pres">
       <dgm:prSet presAssocID="{737C1C54-8312-479E-9854-26470EC438D3}" presName="FourConn_2-3" presStyleLbl="fgAccFollowNode1" presStyleIdx="1" presStyleCnt="3">
@@ -1222,6 +1252,13 @@
         </dgm:presLayoutVars>
       </dgm:prSet>
       <dgm:spPr/>
+      <dgm:t>
+        <a:bodyPr/>
+        <a:lstStyle/>
+        <a:p>
+          <a:endParaRPr lang="es-ES"/>
+        </a:p>
+      </dgm:t>
     </dgm:pt>
     <dgm:pt modelId="{E8263E9A-CAD0-4176-A3DA-48F09621AACF}" type="pres">
       <dgm:prSet presAssocID="{737C1C54-8312-479E-9854-26470EC438D3}" presName="FourConn_3-4" presStyleLbl="fgAccFollowNode1" presStyleIdx="2" presStyleCnt="3">
@@ -1230,6 +1267,13 @@
         </dgm:presLayoutVars>
       </dgm:prSet>
       <dgm:spPr/>
+      <dgm:t>
+        <a:bodyPr/>
+        <a:lstStyle/>
+        <a:p>
+          <a:endParaRPr lang="es-ES"/>
+        </a:p>
+      </dgm:t>
     </dgm:pt>
     <dgm:pt modelId="{4B6F1C0B-E509-4680-916F-70A1232BF9D3}" type="pres">
       <dgm:prSet presAssocID="{737C1C54-8312-479E-9854-26470EC438D3}" presName="FourNodes_1_text" presStyleLbl="node1" presStyleIdx="3" presStyleCnt="4">
@@ -1238,6 +1282,13 @@
         </dgm:presLayoutVars>
       </dgm:prSet>
       <dgm:spPr/>
+      <dgm:t>
+        <a:bodyPr/>
+        <a:lstStyle/>
+        <a:p>
+          <a:endParaRPr lang="es-ES"/>
+        </a:p>
+      </dgm:t>
     </dgm:pt>
     <dgm:pt modelId="{38FB80B3-2EC1-4CB2-B574-AC1A41E31108}" type="pres">
       <dgm:prSet presAssocID="{737C1C54-8312-479E-9854-26470EC438D3}" presName="FourNodes_2_text" presStyleLbl="node1" presStyleIdx="3" presStyleCnt="4">
@@ -1246,6 +1297,13 @@
         </dgm:presLayoutVars>
       </dgm:prSet>
       <dgm:spPr/>
+      <dgm:t>
+        <a:bodyPr/>
+        <a:lstStyle/>
+        <a:p>
+          <a:endParaRPr lang="es-ES"/>
+        </a:p>
+      </dgm:t>
     </dgm:pt>
     <dgm:pt modelId="{E979A6F7-5E60-4032-92A5-A375B27F58AA}" type="pres">
       <dgm:prSet presAssocID="{737C1C54-8312-479E-9854-26470EC438D3}" presName="FourNodes_3_text" presStyleLbl="node1" presStyleIdx="3" presStyleCnt="4">
@@ -1254,6 +1312,13 @@
         </dgm:presLayoutVars>
       </dgm:prSet>
       <dgm:spPr/>
+      <dgm:t>
+        <a:bodyPr/>
+        <a:lstStyle/>
+        <a:p>
+          <a:endParaRPr lang="es-ES"/>
+        </a:p>
+      </dgm:t>
     </dgm:pt>
     <dgm:pt modelId="{8D93DC09-C8F1-4DE9-B73F-B919F89373DF}" type="pres">
       <dgm:prSet presAssocID="{737C1C54-8312-479E-9854-26470EC438D3}" presName="FourNodes_4_text" presStyleLbl="node1" presStyleIdx="3" presStyleCnt="4">
@@ -1279,8 +1344,8 @@
     <dgm:cxn modelId="{046C1A7A-672F-484C-B558-D993CF3AF5F3}" type="presOf" srcId="{1D4E4B81-12F9-4C5B-B932-5D0E96D9370D}" destId="{E8263E9A-CAD0-4176-A3DA-48F09621AACF}" srcOrd="0" destOrd="0" presId="urn:microsoft.com/office/officeart/2005/8/layout/vProcess5"/>
     <dgm:cxn modelId="{3E1C7202-A3E9-45C8-ACCB-651A36FADA8B}" type="presOf" srcId="{7995F348-721F-48E6-9669-4E1D92CAF17C}" destId="{62D09EF4-7E5A-4D7F-83C7-9761470AA737}" srcOrd="0" destOrd="0" presId="urn:microsoft.com/office/officeart/2005/8/layout/vProcess5"/>
     <dgm:cxn modelId="{D95B36E5-8DC0-4B3D-9831-FE7C7533CF49}" type="presOf" srcId="{EE50EE4E-2F64-48A1-963C-14EEFA7A668B}" destId="{4559F581-D3DF-464B-8620-C6E244F45E5F}" srcOrd="0" destOrd="0" presId="urn:microsoft.com/office/officeart/2005/8/layout/vProcess5"/>
+    <dgm:cxn modelId="{AE20F56F-7D80-4370-A98A-F592D79BB9E3}" type="presOf" srcId="{3F3BB990-B799-4844-B829-20C846DA65AE}" destId="{F8A01BD1-E5C3-4094-98B0-E182C226425F}" srcOrd="0" destOrd="0" presId="urn:microsoft.com/office/officeart/2005/8/layout/vProcess5"/>
     <dgm:cxn modelId="{93E39A4B-953A-4F08-9A06-9C94BACDF39B}" srcId="{737C1C54-8312-479E-9854-26470EC438D3}" destId="{47729186-0D7B-423D-87C3-F530FFE824A9}" srcOrd="1" destOrd="0" parTransId="{143D1DDB-B2BD-49FF-9CB7-D18CC25C9933}" sibTransId="{7995F348-721F-48E6-9669-4E1D92CAF17C}"/>
-    <dgm:cxn modelId="{AE20F56F-7D80-4370-A98A-F592D79BB9E3}" type="presOf" srcId="{3F3BB990-B799-4844-B829-20C846DA65AE}" destId="{F8A01BD1-E5C3-4094-98B0-E182C226425F}" srcOrd="0" destOrd="0" presId="urn:microsoft.com/office/officeart/2005/8/layout/vProcess5"/>
     <dgm:cxn modelId="{7545A9DB-C10E-4DA9-A6A1-EDF80B20DC2B}" srcId="{737C1C54-8312-479E-9854-26470EC438D3}" destId="{90D7148F-243C-499F-A3E1-F32D24025DF0}" srcOrd="3" destOrd="0" parTransId="{81AC90CA-0913-414B-9806-8CD7B893B9AA}" sibTransId="{EA634AFA-102B-4251-99C7-7040F2ADF80A}"/>
     <dgm:cxn modelId="{23071B09-FDE8-48A1-A4F8-B15B0BA02432}" type="presOf" srcId="{737C1C54-8312-479E-9854-26470EC438D3}" destId="{516C1408-5163-4BF1-8569-2F589E88703B}" srcOrd="0" destOrd="0" presId="urn:microsoft.com/office/officeart/2005/8/layout/vProcess5"/>
     <dgm:cxn modelId="{37370E94-FBD6-42C7-B161-024612995DAC}" srcId="{737C1C54-8312-479E-9854-26470EC438D3}" destId="{EE50EE4E-2F64-48A1-963C-14EEFA7A668B}" srcOrd="2" destOrd="0" parTransId="{5CC2A434-6492-442A-A947-2342EEAC6215}" sibTransId="{1D4E4B81-12F9-4C5B-B932-5D0E96D9370D}"/>
@@ -7422,18 +7487,6 @@
               </a:rPr>
               <a:t>Integrantes</a:t>
             </a:r>
-            <a:endParaRPr lang="es-UY" sz="9600" b="1" dirty="0" smtClean="0">
-              <a:effectLst>
-                <a:outerShdw blurRad="38100" dist="25400" dir="5400000" algn="tl" rotWithShape="0">
-                  <a:srgbClr val="000000">
-                    <a:alpha val="43000"/>
-                  </a:srgbClr>
-                </a:outerShdw>
-              </a:effectLst>
-              <a:latin typeface="+mj-lt"/>
-              <a:ea typeface="+mj-ea"/>
-              <a:cs typeface="+mj-cs"/>
-            </a:endParaRPr>
           </a:p>
           <a:p>
             <a:pPr algn="ctr"/>
@@ -8094,6 +8147,270 @@
 </file>
 
 <file path=ppt/slides/slide12.xml><?xml version="1.0" encoding="utf-8"?>
+<p:sld xmlns:a="http://schemas.openxmlformats.org/drawingml/2006/main" xmlns:r="http://schemas.openxmlformats.org/officeDocument/2006/relationships" xmlns:p="http://schemas.openxmlformats.org/presentationml/2006/main">
+  <p:cSld>
+    <p:spTree>
+      <p:nvGrpSpPr>
+        <p:cNvPr id="1" name=""/>
+        <p:cNvGrpSpPr/>
+        <p:nvPr/>
+      </p:nvGrpSpPr>
+      <p:grpSpPr>
+        <a:xfrm>
+          <a:off x="0" y="0"/>
+          <a:ext cx="0" cy="0"/>
+          <a:chOff x="0" y="0"/>
+          <a:chExt cx="0" cy="0"/>
+        </a:xfrm>
+      </p:grpSpPr>
+      <p:sp>
+        <p:nvSpPr>
+          <p:cNvPr id="5" name="1 Título"/>
+          <p:cNvSpPr>
+            <a:spLocks noGrp="1"/>
+          </p:cNvSpPr>
+          <p:nvPr>
+            <p:ph type="title"/>
+          </p:nvPr>
+        </p:nvSpPr>
+        <p:spPr/>
+        <p:txBody>
+          <a:bodyPr/>
+          <a:lstStyle/>
+          <a:p>
+            <a:pPr algn="ctr"/>
+            <a:r>
+              <a:rPr lang="es-ES" dirty="0" smtClean="0"/>
+              <a:t>Arquitectura del sistema</a:t>
+            </a:r>
+            <a:endParaRPr lang="es-ES" dirty="0"/>
+          </a:p>
+        </p:txBody>
+      </p:sp>
+      <p:grpSp>
+        <p:nvGrpSpPr>
+          <p:cNvPr id="15" name="14 Grupo"/>
+          <p:cNvGrpSpPr/>
+          <p:nvPr/>
+        </p:nvGrpSpPr>
+        <p:grpSpPr>
+          <a:xfrm>
+            <a:off x="1643042" y="2214554"/>
+            <a:ext cx="5786478" cy="3429024"/>
+            <a:chOff x="1643042" y="2428868"/>
+            <a:chExt cx="6000792" cy="3500462"/>
+          </a:xfrm>
+          <a:effectLst>
+            <a:outerShdw blurRad="63500" sx="102000" sy="102000" algn="ctr" rotWithShape="0">
+              <a:prstClr val="black">
+                <a:alpha val="40000"/>
+              </a:prstClr>
+            </a:outerShdw>
+          </a:effectLst>
+        </p:grpSpPr>
+        <p:sp>
+          <p:nvSpPr>
+            <p:cNvPr id="10" name="9 Rectángulo"/>
+            <p:cNvSpPr/>
+            <p:nvPr/>
+          </p:nvSpPr>
+          <p:spPr>
+            <a:xfrm>
+              <a:off x="1643042" y="2428868"/>
+              <a:ext cx="6000792" cy="3500462"/>
+            </a:xfrm>
+            <a:prstGeom prst="rect">
+              <a:avLst/>
+            </a:prstGeom>
+            <a:solidFill>
+              <a:schemeClr val="accent2">
+                <a:lumMod val="20000"/>
+                <a:lumOff val="80000"/>
+              </a:schemeClr>
+            </a:solidFill>
+          </p:spPr>
+          <p:style>
+            <a:lnRef idx="2">
+              <a:schemeClr val="accent1">
+                <a:shade val="50000"/>
+              </a:schemeClr>
+            </a:lnRef>
+            <a:fillRef idx="1">
+              <a:schemeClr val="accent1"/>
+            </a:fillRef>
+            <a:effectRef idx="0">
+              <a:schemeClr val="accent1"/>
+            </a:effectRef>
+            <a:fontRef idx="minor">
+              <a:schemeClr val="lt1"/>
+            </a:fontRef>
+          </p:style>
+          <p:txBody>
+            <a:bodyPr rtlCol="0" anchor="ctr"/>
+            <a:lstStyle/>
+            <a:p>
+              <a:pPr algn="ctr"/>
+              <a:endParaRPr lang="es-ES"/>
+            </a:p>
+          </p:txBody>
+        </p:sp>
+        <p:pic>
+          <p:nvPicPr>
+            <p:cNvPr id="14" name="13 Imagen" descr="arq2.png"/>
+            <p:cNvPicPr>
+              <a:picLocks noChangeAspect="1"/>
+            </p:cNvPicPr>
+            <p:nvPr/>
+          </p:nvPicPr>
+          <p:blipFill>
+            <a:blip r:embed="rId2"/>
+            <a:stretch>
+              <a:fillRect/>
+            </a:stretch>
+          </p:blipFill>
+          <p:spPr>
+            <a:xfrm>
+              <a:off x="2214546" y="2928934"/>
+              <a:ext cx="4857784" cy="2352675"/>
+            </a:xfrm>
+            <a:prstGeom prst="rect">
+              <a:avLst/>
+            </a:prstGeom>
+          </p:spPr>
+        </p:pic>
+        <p:sp>
+          <p:nvSpPr>
+            <p:cNvPr id="11" name="10 CuadroTexto"/>
+            <p:cNvSpPr txBox="1"/>
+            <p:nvPr/>
+          </p:nvSpPr>
+          <p:spPr>
+            <a:xfrm>
+              <a:off x="2214546" y="2928934"/>
+              <a:ext cx="4857784" cy="369332"/>
+            </a:xfrm>
+            <a:prstGeom prst="rect">
+              <a:avLst/>
+            </a:prstGeom>
+            <a:noFill/>
+          </p:spPr>
+          <p:txBody>
+            <a:bodyPr wrap="square" rtlCol="0">
+              <a:spAutoFit/>
+            </a:bodyPr>
+            <a:lstStyle/>
+            <a:p>
+              <a:pPr algn="ctr"/>
+              <a:r>
+                <a:rPr lang="es-ES" dirty="0" smtClean="0">
+                  <a:solidFill>
+                    <a:schemeClr val="bg1"/>
+                  </a:solidFill>
+                  <a:latin typeface="+mj-lt"/>
+                </a:rPr>
+                <a:t>Capa de Servicios</a:t>
+              </a:r>
+              <a:endParaRPr lang="es-ES" dirty="0">
+                <a:solidFill>
+                  <a:schemeClr val="bg1"/>
+                </a:solidFill>
+                <a:latin typeface="+mj-lt"/>
+              </a:endParaRPr>
+            </a:p>
+          </p:txBody>
+        </p:sp>
+        <p:sp>
+          <p:nvSpPr>
+            <p:cNvPr id="12" name="11 CuadroTexto"/>
+            <p:cNvSpPr txBox="1"/>
+            <p:nvPr/>
+          </p:nvSpPr>
+          <p:spPr>
+            <a:xfrm>
+              <a:off x="2214546" y="3857628"/>
+              <a:ext cx="4857784" cy="369332"/>
+            </a:xfrm>
+            <a:prstGeom prst="rect">
+              <a:avLst/>
+            </a:prstGeom>
+            <a:noFill/>
+          </p:spPr>
+          <p:txBody>
+            <a:bodyPr wrap="square" rtlCol="0">
+              <a:spAutoFit/>
+            </a:bodyPr>
+            <a:lstStyle/>
+            <a:p>
+              <a:pPr algn="ctr"/>
+              <a:r>
+                <a:rPr lang="es-ES" dirty="0" smtClean="0">
+                  <a:solidFill>
+                    <a:schemeClr val="bg1"/>
+                  </a:solidFill>
+                  <a:latin typeface="+mj-lt"/>
+                </a:rPr>
+                <a:t>Capa de Negocio</a:t>
+              </a:r>
+              <a:endParaRPr lang="es-ES" dirty="0">
+                <a:solidFill>
+                  <a:schemeClr val="bg1"/>
+                </a:solidFill>
+                <a:latin typeface="+mj-lt"/>
+              </a:endParaRPr>
+            </a:p>
+          </p:txBody>
+        </p:sp>
+        <p:sp>
+          <p:nvSpPr>
+            <p:cNvPr id="13" name="12 CuadroTexto"/>
+            <p:cNvSpPr txBox="1"/>
+            <p:nvPr/>
+          </p:nvSpPr>
+          <p:spPr>
+            <a:xfrm>
+              <a:off x="2214546" y="4786322"/>
+              <a:ext cx="4857784" cy="369332"/>
+            </a:xfrm>
+            <a:prstGeom prst="rect">
+              <a:avLst/>
+            </a:prstGeom>
+            <a:noFill/>
+          </p:spPr>
+          <p:txBody>
+            <a:bodyPr wrap="square" rtlCol="0">
+              <a:spAutoFit/>
+            </a:bodyPr>
+            <a:lstStyle/>
+            <a:p>
+              <a:pPr algn="ctr"/>
+              <a:r>
+                <a:rPr lang="es-ES" dirty="0" smtClean="0">
+                  <a:solidFill>
+                    <a:schemeClr val="bg1"/>
+                  </a:solidFill>
+                  <a:latin typeface="+mj-lt"/>
+                </a:rPr>
+                <a:t>Capa de Persistencia</a:t>
+              </a:r>
+              <a:endParaRPr lang="es-ES" dirty="0">
+                <a:solidFill>
+                  <a:schemeClr val="bg1"/>
+                </a:solidFill>
+                <a:latin typeface="+mj-lt"/>
+              </a:endParaRPr>
+            </a:p>
+          </p:txBody>
+        </p:sp>
+      </p:grpSp>
+    </p:spTree>
+  </p:cSld>
+  <p:clrMapOvr>
+    <a:masterClrMapping/>
+  </p:clrMapOvr>
+</p:sld>
+</file>
+
+<file path=ppt/slides/slide13.xml><?xml version="1.0" encoding="utf-8"?>
 <p:sld xmlns:a="http://schemas.openxmlformats.org/drawingml/2006/main" xmlns:r="http://schemas.openxmlformats.org/officeDocument/2006/relationships" xmlns:p="http://schemas.openxmlformats.org/presentationml/2006/main">
   <p:cSld>
     <p:spTree>
@@ -8817,7 +9134,141 @@
 </p:sld>
 </file>
 
-<file path=ppt/slides/slide13.xml><?xml version="1.0" encoding="utf-8"?>
+<file path=ppt/slides/slide14.xml><?xml version="1.0" encoding="utf-8"?>
+<p:sld xmlns:a="http://schemas.openxmlformats.org/drawingml/2006/main" xmlns:r="http://schemas.openxmlformats.org/officeDocument/2006/relationships" xmlns:p="http://schemas.openxmlformats.org/presentationml/2006/main">
+  <p:cSld>
+    <p:spTree>
+      <p:nvGrpSpPr>
+        <p:cNvPr id="1" name=""/>
+        <p:cNvGrpSpPr/>
+        <p:nvPr/>
+      </p:nvGrpSpPr>
+      <p:grpSpPr>
+        <a:xfrm>
+          <a:off x="0" y="0"/>
+          <a:ext cx="0" cy="0"/>
+          <a:chOff x="0" y="0"/>
+          <a:chExt cx="0" cy="0"/>
+        </a:xfrm>
+      </p:grpSpPr>
+      <p:sp>
+        <p:nvSpPr>
+          <p:cNvPr id="3" name="2 Marcador de contenido"/>
+          <p:cNvSpPr>
+            <a:spLocks noGrp="1"/>
+          </p:cNvSpPr>
+          <p:nvPr>
+            <p:ph idx="1"/>
+          </p:nvPr>
+        </p:nvSpPr>
+        <p:spPr>
+          <a:xfrm>
+            <a:off x="428596" y="1285860"/>
+            <a:ext cx="8229600" cy="4389120"/>
+          </a:xfrm>
+        </p:spPr>
+        <p:txBody>
+          <a:bodyPr/>
+          <a:lstStyle/>
+          <a:p>
+            <a:pPr>
+              <a:buNone/>
+            </a:pPr>
+            <a:r>
+              <a:rPr lang="es-ES" dirty="0" smtClean="0"/>
+              <a:t>Algunas cualidades logradas:</a:t>
+            </a:r>
+          </a:p>
+          <a:p>
+            <a:r>
+              <a:rPr lang="es-ES" dirty="0" smtClean="0"/>
+              <a:t>Interfaz amigable y fluida</a:t>
+            </a:r>
+          </a:p>
+          <a:p>
+            <a:r>
+              <a:rPr lang="es-ES" dirty="0" smtClean="0"/>
+              <a:t>Seguridad</a:t>
+            </a:r>
+          </a:p>
+          <a:p>
+            <a:r>
+              <a:rPr lang="es-ES" dirty="0" smtClean="0"/>
+              <a:t>Robustez</a:t>
+            </a:r>
+          </a:p>
+          <a:p>
+            <a:r>
+              <a:rPr lang="es-ES" dirty="0" smtClean="0"/>
+              <a:t>Mayor accesibilidad</a:t>
+            </a:r>
+          </a:p>
+          <a:p>
+            <a:r>
+              <a:rPr lang="es-ES" dirty="0" smtClean="0"/>
+              <a:t>Entre otros…</a:t>
+            </a:r>
+            <a:endParaRPr lang="es-ES" dirty="0"/>
+          </a:p>
+        </p:txBody>
+      </p:sp>
+      <p:pic>
+        <p:nvPicPr>
+          <p:cNvPr id="4" name="3 Imagen" descr="seguridad.jpg"/>
+          <p:cNvPicPr>
+            <a:picLocks noChangeAspect="1"/>
+          </p:cNvPicPr>
+          <p:nvPr/>
+        </p:nvPicPr>
+        <p:blipFill>
+          <a:blip r:embed="rId2"/>
+          <a:stretch>
+            <a:fillRect/>
+          </a:stretch>
+        </p:blipFill>
+        <p:spPr>
+          <a:xfrm>
+            <a:off x="5715008" y="2071678"/>
+            <a:ext cx="1943100" cy="1943100"/>
+          </a:xfrm>
+          <a:prstGeom prst="rect">
+            <a:avLst/>
+          </a:prstGeom>
+        </p:spPr>
+      </p:pic>
+      <p:pic>
+        <p:nvPicPr>
+          <p:cNvPr id="5" name="4 Imagen" descr="responsive.jpg"/>
+          <p:cNvPicPr>
+            <a:picLocks noChangeAspect="1"/>
+          </p:cNvPicPr>
+          <p:nvPr/>
+        </p:nvPicPr>
+        <p:blipFill>
+          <a:blip r:embed="rId3"/>
+          <a:stretch>
+            <a:fillRect/>
+          </a:stretch>
+        </p:blipFill>
+        <p:spPr>
+          <a:xfrm>
+            <a:off x="3500430" y="4357694"/>
+            <a:ext cx="2752725" cy="1666875"/>
+          </a:xfrm>
+          <a:prstGeom prst="rect">
+            <a:avLst/>
+          </a:prstGeom>
+        </p:spPr>
+      </p:pic>
+    </p:spTree>
+  </p:cSld>
+  <p:clrMapOvr>
+    <a:masterClrMapping/>
+  </p:clrMapOvr>
+</p:sld>
+</file>
+
+<file path=ppt/slides/slide15.xml><?xml version="1.0" encoding="utf-8"?>
 <p:sld xmlns:a="http://schemas.openxmlformats.org/drawingml/2006/main" xmlns:r="http://schemas.openxmlformats.org/officeDocument/2006/relationships" xmlns:p="http://schemas.openxmlformats.org/presentationml/2006/main">
   <p:cSld>
     <p:spTree>
@@ -9146,7 +9597,7 @@
 </p:sld>
 </file>
 
-<file path=ppt/slides/slide14.xml><?xml version="1.0" encoding="utf-8"?>
+<file path=ppt/slides/slide16.xml><?xml version="1.0" encoding="utf-8"?>
 <p:sld xmlns:a="http://schemas.openxmlformats.org/drawingml/2006/main" xmlns:r="http://schemas.openxmlformats.org/officeDocument/2006/relationships" xmlns:p="http://schemas.openxmlformats.org/presentationml/2006/main">
   <p:cSld>
     <p:spTree>
@@ -9227,10 +9678,10 @@
           </a:p>
           <a:p>
             <a:r>
-              <a:rPr lang="es-ES" sz="4000" dirty="0" err="1" smtClean="0">
+              <a:rPr lang="es-ES" sz="4000" dirty="0" smtClean="0">
                 <a:latin typeface="+mj-lt"/>
               </a:rPr>
-              <a:t>Marketplaces</a:t>
+              <a:t>Proyecto</a:t>
             </a:r>
             <a:endParaRPr lang="es-ES" sz="4000" dirty="0">
               <a:latin typeface="+mj-lt"/>
@@ -9284,7 +9735,7 @@
 </p:sld>
 </file>
 
-<file path=ppt/slides/slide15.xml><?xml version="1.0" encoding="utf-8"?>
+<file path=ppt/slides/slide17.xml><?xml version="1.0" encoding="utf-8"?>
 <p:sld xmlns:a="http://schemas.openxmlformats.org/drawingml/2006/main" xmlns:r="http://schemas.openxmlformats.org/officeDocument/2006/relationships" xmlns:p="http://schemas.openxmlformats.org/presentationml/2006/main">
   <p:cSld>
     <p:spTree>
@@ -9418,7 +9869,7 @@
 </p:sld>
 </file>
 
-<file path=ppt/slides/slide16.xml><?xml version="1.0" encoding="utf-8"?>
+<file path=ppt/slides/slide18.xml><?xml version="1.0" encoding="utf-8"?>
 <p:sld xmlns:a="http://schemas.openxmlformats.org/drawingml/2006/main" xmlns:r="http://schemas.openxmlformats.org/officeDocument/2006/relationships" xmlns:p="http://schemas.openxmlformats.org/presentationml/2006/main">
   <p:cSld>
     <p:spTree>
@@ -9503,11 +9954,7 @@
             <a:pPr algn="ctr"/>
             <a:r>
               <a:rPr lang="es-ES" sz="5400" dirty="0" smtClean="0"/>
-              <a:t>¿</a:t>
-            </a:r>
-            <a:r>
-              <a:rPr lang="es-ES" sz="5400" dirty="0" smtClean="0"/>
-              <a:t>Preguntas?</a:t>
+              <a:t>¿Preguntas?</a:t>
             </a:r>
             <a:endParaRPr lang="es-ES" sz="5400" dirty="0"/>
           </a:p>
@@ -9612,7 +10059,9 @@
           </a:xfrm>
         </p:spPr>
         <p:txBody>
-          <a:bodyPr/>
+          <a:bodyPr>
+            <a:normAutofit/>
+          </a:bodyPr>
           <a:lstStyle/>
           <a:p>
             <a:r>
@@ -9632,10 +10081,25 @@
           </a:p>
           <a:p>
             <a:r>
+              <a:rPr lang="es-UY" dirty="0" smtClean="0"/>
+              <a:t>Gestión y planificación</a:t>
+            </a:r>
+            <a:endParaRPr lang="es-UY" dirty="0" smtClean="0">
+              <a:latin typeface="+mj-lt"/>
+            </a:endParaRPr>
+          </a:p>
+          <a:p>
+            <a:r>
               <a:rPr lang="es-UY" dirty="0" smtClean="0">
                 <a:latin typeface="+mj-lt"/>
               </a:rPr>
-              <a:t>Proceso de desarrollo de la solución</a:t>
+              <a:t>Proceso </a:t>
+            </a:r>
+            <a:r>
+              <a:rPr lang="es-UY" dirty="0" smtClean="0">
+                <a:latin typeface="+mj-lt"/>
+              </a:rPr>
+              <a:t>de desarrollo de la solución</a:t>
             </a:r>
           </a:p>
           <a:p>
@@ -9651,15 +10115,13 @@
               <a:rPr lang="es-UY" dirty="0" smtClean="0">
                 <a:latin typeface="+mj-lt"/>
               </a:rPr>
-              <a:t>Análisis de la gestión</a:t>
-            </a:r>
-          </a:p>
-          <a:p>
+              <a:t>Trabajos </a:t>
+            </a:r>
             <a:r>
               <a:rPr lang="es-UY" dirty="0" smtClean="0">
                 <a:latin typeface="+mj-lt"/>
               </a:rPr>
-              <a:t>Trabajos a futuro</a:t>
+              <a:t>a futuro</a:t>
             </a:r>
           </a:p>
           <a:p>
@@ -10397,7 +10859,7 @@
                 </a:srgbClr>
               </a:clrTo>
             </a:clrChange>
-            <a:lum bright="70000" contrast="-70000"/>
+            <a:lum bright="9000" contrast="-13000"/>
           </a:blip>
           <a:srcRect/>
           <a:stretch>
@@ -10406,7 +10868,7 @@
         </p:blipFill>
         <p:spPr bwMode="auto">
           <a:xfrm>
-            <a:off x="4500562" y="1845394"/>
+            <a:off x="4214810" y="1822594"/>
             <a:ext cx="4463926" cy="4463926"/>
           </a:xfrm>
           <a:prstGeom prst="rect">
@@ -10662,9 +11124,6 @@
               </a:rPr>
               <a:t>Etapas y herramientas</a:t>
             </a:r>
-            <a:endParaRPr lang="es-ES" dirty="0" smtClean="0">
-              <a:latin typeface="+mj-lt"/>
-            </a:endParaRPr>
           </a:p>
           <a:p>
             <a:r>
@@ -10691,9 +11150,6 @@
               </a:rPr>
               <a:t>Manejo de incidencias</a:t>
             </a:r>
-            <a:endParaRPr lang="es-ES" dirty="0" smtClean="0">
-              <a:latin typeface="+mj-lt"/>
-            </a:endParaRPr>
           </a:p>
           <a:p>
             <a:endParaRPr lang="es-ES" dirty="0">
@@ -10801,53 +11257,29 @@
               <a:rPr lang="es-ES" dirty="0" smtClean="0">
                 <a:latin typeface="+mj-lt"/>
               </a:rPr>
-              <a:t>Metodología Iterativa-Incremental</a:t>
-            </a:r>
-          </a:p>
-          <a:p>
+              <a:t>Metodología </a:t>
+            </a:r>
+            <a:endParaRPr lang="es-ES" dirty="0" smtClean="0">
+              <a:latin typeface="+mj-lt"/>
+            </a:endParaRPr>
+          </a:p>
+          <a:p>
+            <a:pPr>
+              <a:buNone/>
+            </a:pPr>
             <a:r>
               <a:rPr lang="es-ES" dirty="0" smtClean="0">
                 <a:latin typeface="+mj-lt"/>
               </a:rPr>
-              <a:t>Etapas:</a:t>
-            </a:r>
-          </a:p>
-          <a:p>
-            <a:pPr lvl="1"/>
+              <a:t>	</a:t>
+            </a:r>
             <a:r>
               <a:rPr lang="es-ES" dirty="0" smtClean="0">
                 <a:latin typeface="+mj-lt"/>
               </a:rPr>
-              <a:t>Análisis</a:t>
-            </a:r>
-          </a:p>
-          <a:p>
-            <a:pPr lvl="1"/>
-            <a:r>
-              <a:rPr lang="es-ES" dirty="0" smtClean="0">
-                <a:latin typeface="+mj-lt"/>
-              </a:rPr>
-              <a:t>Diseño</a:t>
-            </a:r>
-          </a:p>
-          <a:p>
-            <a:pPr lvl="1"/>
-            <a:r>
-              <a:rPr lang="es-ES" dirty="0" smtClean="0">
-                <a:latin typeface="+mj-lt"/>
-              </a:rPr>
-              <a:t>Implementación</a:t>
-            </a:r>
-          </a:p>
-          <a:p>
-            <a:pPr lvl="1"/>
-            <a:r>
-              <a:rPr lang="es-ES" dirty="0" err="1" smtClean="0">
-                <a:latin typeface="+mj-lt"/>
-              </a:rPr>
-              <a:t>Testing</a:t>
-            </a:r>
-            <a:endParaRPr lang="es-ES" dirty="0">
+              <a:t>Iterativa-Incremental</a:t>
+            </a:r>
+            <a:endParaRPr lang="es-ES" dirty="0" smtClean="0">
               <a:latin typeface="+mj-lt"/>
             </a:endParaRPr>
           </a:p>
@@ -10860,8 +11292,8 @@
           <p:nvPr/>
         </p:nvGraphicFramePr>
         <p:xfrm>
-          <a:off x="3929058" y="2786058"/>
-          <a:ext cx="4595802" cy="3675074"/>
+          <a:off x="4143372" y="2857496"/>
+          <a:ext cx="4167174" cy="3389322"/>
         </p:xfrm>
         <a:graphic>
           <a:graphicData uri="http://schemas.openxmlformats.org/drawingml/2006/diagram">

--- a/Documentacion/Entregas/Presentacion/Presentacion.pptx
+++ b/Documentacion/Entregas/Presentacion/Presentacion.pptx
@@ -3805,7 +3805,7 @@
             <a:fld id="{7A847CFC-816F-41D0-AAC0-9BF4FEBC753E}" type="datetimeFigureOut">
               <a:rPr lang="es-ES" smtClean="0"/>
               <a:pPr/>
-              <a:t>17/12/2013</a:t>
+              <a:t>18/12/2013</a:t>
             </a:fld>
             <a:endParaRPr lang="es-ES"/>
           </a:p>
@@ -3972,7 +3972,7 @@
             <a:fld id="{7A847CFC-816F-41D0-AAC0-9BF4FEBC753E}" type="datetimeFigureOut">
               <a:rPr lang="es-ES" smtClean="0"/>
               <a:pPr/>
-              <a:t>17/12/2013</a:t>
+              <a:t>18/12/2013</a:t>
             </a:fld>
             <a:endParaRPr lang="es-ES"/>
           </a:p>
@@ -4149,7 +4149,7 @@
             <a:fld id="{7A847CFC-816F-41D0-AAC0-9BF4FEBC753E}" type="datetimeFigureOut">
               <a:rPr lang="es-ES" smtClean="0"/>
               <a:pPr/>
-              <a:t>17/12/2013</a:t>
+              <a:t>18/12/2013</a:t>
             </a:fld>
             <a:endParaRPr lang="es-ES"/>
           </a:p>
@@ -4316,7 +4316,7 @@
             <a:fld id="{7A847CFC-816F-41D0-AAC0-9BF4FEBC753E}" type="datetimeFigureOut">
               <a:rPr lang="es-ES" smtClean="0"/>
               <a:pPr/>
-              <a:t>17/12/2013</a:t>
+              <a:t>18/12/2013</a:t>
             </a:fld>
             <a:endParaRPr lang="es-ES"/>
           </a:p>
@@ -4560,7 +4560,7 @@
             <a:fld id="{7A847CFC-816F-41D0-AAC0-9BF4FEBC753E}" type="datetimeFigureOut">
               <a:rPr lang="es-ES" smtClean="0"/>
               <a:pPr/>
-              <a:t>17/12/2013</a:t>
+              <a:t>18/12/2013</a:t>
             </a:fld>
             <a:endParaRPr lang="es-ES"/>
           </a:p>
@@ -4826,7 +4826,7 @@
             <a:fld id="{7A847CFC-816F-41D0-AAC0-9BF4FEBC753E}" type="datetimeFigureOut">
               <a:rPr lang="es-ES" smtClean="0"/>
               <a:pPr/>
-              <a:t>17/12/2013</a:t>
+              <a:t>18/12/2013</a:t>
             </a:fld>
             <a:endParaRPr lang="es-ES"/>
           </a:p>
@@ -5206,7 +5206,7 @@
             <a:fld id="{7A847CFC-816F-41D0-AAC0-9BF4FEBC753E}" type="datetimeFigureOut">
               <a:rPr lang="es-ES" smtClean="0"/>
               <a:pPr/>
-              <a:t>17/12/2013</a:t>
+              <a:t>18/12/2013</a:t>
             </a:fld>
             <a:endParaRPr lang="es-ES"/>
           </a:p>
@@ -5358,7 +5358,7 @@
             <a:fld id="{7A847CFC-816F-41D0-AAC0-9BF4FEBC753E}" type="datetimeFigureOut">
               <a:rPr lang="es-ES" smtClean="0"/>
               <a:pPr/>
-              <a:t>17/12/2013</a:t>
+              <a:t>18/12/2013</a:t>
             </a:fld>
             <a:endParaRPr lang="es-ES"/>
           </a:p>
@@ -5450,7 +5450,7 @@
             <a:fld id="{7A847CFC-816F-41D0-AAC0-9BF4FEBC753E}" type="datetimeFigureOut">
               <a:rPr lang="es-ES" smtClean="0"/>
               <a:pPr/>
-              <a:t>17/12/2013</a:t>
+              <a:t>18/12/2013</a:t>
             </a:fld>
             <a:endParaRPr lang="es-ES"/>
           </a:p>
@@ -5713,7 +5713,7 @@
             <a:fld id="{7A847CFC-816F-41D0-AAC0-9BF4FEBC753E}" type="datetimeFigureOut">
               <a:rPr lang="es-ES" smtClean="0"/>
               <a:pPr/>
-              <a:t>17/12/2013</a:t>
+              <a:t>18/12/2013</a:t>
             </a:fld>
             <a:endParaRPr lang="es-ES"/>
           </a:p>
@@ -6003,7 +6003,7 @@
             <a:fld id="{7A847CFC-816F-41D0-AAC0-9BF4FEBC753E}" type="datetimeFigureOut">
               <a:rPr lang="es-ES" smtClean="0"/>
               <a:pPr/>
-              <a:t>17/12/2013</a:t>
+              <a:t>18/12/2013</a:t>
             </a:fld>
             <a:endParaRPr lang="es-ES"/>
           </a:p>
@@ -6776,7 +6776,7 @@
             <a:fld id="{7A847CFC-816F-41D0-AAC0-9BF4FEBC753E}" type="datetimeFigureOut">
               <a:rPr lang="es-ES" smtClean="0"/>
               <a:pPr/>
-              <a:t>17/12/2013</a:t>
+              <a:t>18/12/2013</a:t>
             </a:fld>
             <a:endParaRPr lang="es-ES"/>
           </a:p>
@@ -8407,6 +8407,13 @@
   <p:clrMapOvr>
     <a:masterClrMapping/>
   </p:clrMapOvr>
+  <p:timing>
+    <p:tnLst>
+      <p:par>
+        <p:cTn id="1" dur="indefinite" restart="never" nodeType="tmRoot"/>
+      </p:par>
+    </p:tnLst>
+  </p:timing>
 </p:sld>
 </file>
 
@@ -9200,8 +9207,13 @@
           <a:p>
             <a:r>
               <a:rPr lang="es-ES" dirty="0" smtClean="0"/>
-              <a:t>Mayor accesibilidad</a:t>
-            </a:r>
+              <a:t>Mayor </a:t>
+            </a:r>
+            <a:r>
+              <a:rPr lang="es-ES" dirty="0" smtClean="0"/>
+              <a:t> accesibilidad</a:t>
+            </a:r>
+            <a:endParaRPr lang="es-ES" dirty="0" smtClean="0"/>
           </a:p>
           <a:p>
             <a:r>
@@ -9265,6 +9277,13 @@
   <p:clrMapOvr>
     <a:masterClrMapping/>
   </p:clrMapOvr>
+  <p:timing>
+    <p:tnLst>
+      <p:par>
+        <p:cTn id="1" dur="indefinite" restart="never" nodeType="tmRoot"/>
+      </p:par>
+    </p:tnLst>
+  </p:timing>
 </p:sld>
 </file>
 
@@ -10093,13 +10112,7 @@
               <a:rPr lang="es-UY" dirty="0" smtClean="0">
                 <a:latin typeface="+mj-lt"/>
               </a:rPr>
-              <a:t>Proceso </a:t>
-            </a:r>
-            <a:r>
-              <a:rPr lang="es-UY" dirty="0" smtClean="0">
-                <a:latin typeface="+mj-lt"/>
-              </a:rPr>
-              <a:t>de desarrollo de la solución</a:t>
+              <a:t>Proceso de desarrollo de la solución</a:t>
             </a:r>
           </a:p>
           <a:p>
@@ -10115,13 +10128,7 @@
               <a:rPr lang="es-UY" dirty="0" smtClean="0">
                 <a:latin typeface="+mj-lt"/>
               </a:rPr>
-              <a:t>Trabajos </a:t>
-            </a:r>
-            <a:r>
-              <a:rPr lang="es-UY" dirty="0" smtClean="0">
-                <a:latin typeface="+mj-lt"/>
-              </a:rPr>
-              <a:t>a futuro</a:t>
+              <a:t>Trabajos a futuro</a:t>
             </a:r>
           </a:p>
           <a:p>
@@ -10730,14 +10737,14 @@
         </p:blipFill>
         <p:spPr>
           <a:xfrm>
-            <a:off x="1714480" y="2143116"/>
+            <a:off x="1643042" y="2433642"/>
             <a:ext cx="2790825" cy="1638300"/>
           </a:xfrm>
         </p:spPr>
       </p:pic>
       <p:pic>
         <p:nvPicPr>
-          <p:cNvPr id="5" name="4 Imagen" descr="ebay.jpg"/>
+          <p:cNvPr id="6" name="5 Imagen" descr="googleplay.jpg"/>
           <p:cNvPicPr>
             <a:picLocks noChangeAspect="1"/>
           </p:cNvPicPr>
@@ -10751,31 +10758,7 @@
         </p:blipFill>
         <p:spPr>
           <a:xfrm>
-            <a:off x="4857752" y="2285992"/>
-            <a:ext cx="2143125" cy="2143125"/>
-          </a:xfrm>
-          <a:prstGeom prst="rect">
-            <a:avLst/>
-          </a:prstGeom>
-        </p:spPr>
-      </p:pic>
-      <p:pic>
-        <p:nvPicPr>
-          <p:cNvPr id="6" name="5 Imagen" descr="googleplay.jpg"/>
-          <p:cNvPicPr>
-            <a:picLocks noChangeAspect="1"/>
-          </p:cNvPicPr>
-          <p:nvPr/>
-        </p:nvPicPr>
-        <p:blipFill>
-          <a:blip r:embed="rId4"/>
-          <a:stretch>
-            <a:fillRect/>
-          </a:stretch>
-        </p:blipFill>
-        <p:spPr>
-          <a:xfrm>
-            <a:off x="1928794" y="3857628"/>
+            <a:off x="3000364" y="4429132"/>
             <a:ext cx="1928826" cy="1444757"/>
           </a:xfrm>
           <a:prstGeom prst="rect">
@@ -10792,14 +10775,14 @@
           <p:nvPr/>
         </p:nvPicPr>
         <p:blipFill>
-          <a:blip r:embed="rId5"/>
+          <a:blip r:embed="rId4"/>
           <a:stretch>
             <a:fillRect/>
           </a:stretch>
         </p:blipFill>
         <p:spPr>
           <a:xfrm>
-            <a:off x="4857752" y="4214818"/>
+            <a:off x="5214942" y="2643182"/>
             <a:ext cx="1838556" cy="1504947"/>
           </a:xfrm>
           <a:prstGeom prst="rect">
@@ -10950,8 +10933,26 @@
               <a:rPr lang="es-UY" dirty="0" smtClean="0">
                 <a:latin typeface="+mj-lt"/>
               </a:rPr>
-              <a:t>Aplicación a desarrollar</a:t>
-            </a:r>
+              <a:t>Aplicación a </a:t>
+            </a:r>
+            <a:r>
+              <a:rPr lang="es-UY" dirty="0" smtClean="0">
+                <a:latin typeface="+mj-lt"/>
+              </a:rPr>
+              <a:t>desarrollar</a:t>
+            </a:r>
+          </a:p>
+          <a:p>
+            <a:pPr lvl="1"/>
+            <a:r>
+              <a:rPr lang="es-UY" dirty="0" smtClean="0">
+                <a:latin typeface="+mj-lt"/>
+              </a:rPr>
+              <a:t>Alcance</a:t>
+            </a:r>
+            <a:endParaRPr lang="es-UY" dirty="0" smtClean="0">
+              <a:latin typeface="+mj-lt"/>
+            </a:endParaRPr>
           </a:p>
           <a:p>
             <a:pPr>
@@ -11259,9 +11260,6 @@
               </a:rPr>
               <a:t>Metodología </a:t>
             </a:r>
-            <a:endParaRPr lang="es-ES" dirty="0" smtClean="0">
-              <a:latin typeface="+mj-lt"/>
-            </a:endParaRPr>
           </a:p>
           <a:p>
             <a:pPr>
@@ -11271,17 +11269,8 @@
               <a:rPr lang="es-ES" dirty="0" smtClean="0">
                 <a:latin typeface="+mj-lt"/>
               </a:rPr>
-              <a:t>	</a:t>
-            </a:r>
-            <a:r>
-              <a:rPr lang="es-ES" dirty="0" smtClean="0">
-                <a:latin typeface="+mj-lt"/>
-              </a:rPr>
-              <a:t>Iterativa-Incremental</a:t>
-            </a:r>
-            <a:endParaRPr lang="es-ES" dirty="0" smtClean="0">
-              <a:latin typeface="+mj-lt"/>
-            </a:endParaRPr>
+              <a:t>	Iterativa-Incremental</a:t>
+            </a:r>
           </a:p>
         </p:txBody>
       </p:sp>
